--- a/Version 1.0/Sentiment Analysis Research Project Part II.pptx
+++ b/Version 1.0/Sentiment Analysis Research Project Part II.pptx
@@ -8,8 +8,7 @@
     <p:sldId id="256" r:id="rId2"/>
     <p:sldId id="257" r:id="rId3"/>
     <p:sldId id="258" r:id="rId4"/>
-    <p:sldId id="259" r:id="rId5"/>
-    <p:sldId id="260" r:id="rId6"/>
+    <p:sldId id="261" r:id="rId5"/>
   </p:sldIdLst>
   <p:sldSz cx="12192000" cy="6858000"/>
   <p:notesSz cx="6858000" cy="9144000"/>
@@ -3013,13 +3012,8 @@
           <a:p>
             <a:r>
               <a:rPr lang="en-US" dirty="0" smtClean="0"/>
-              <a:t>CS 583 April </a:t>
+              <a:t>CS 583 April 20,2017</a:t>
             </a:r>
-            <a:r>
-              <a:rPr lang="en-US" dirty="0" smtClean="0"/>
-              <a:t>20,2017</a:t>
-            </a:r>
-            <a:endParaRPr lang="en-US" dirty="0" smtClean="0"/>
           </a:p>
           <a:p>
             <a:r>
@@ -3177,14 +3171,20 @@
             <p:ph type="title"/>
           </p:nvPr>
         </p:nvSpPr>
-        <p:spPr/>
+        <p:spPr>
+          <a:xfrm>
+            <a:off x="667178" y="270929"/>
+            <a:ext cx="10515600" cy="1325563"/>
+          </a:xfrm>
+        </p:spPr>
         <p:txBody>
           <a:bodyPr/>
           <a:lstStyle/>
           <a:p>
+            <a:pPr algn="ctr"/>
             <a:r>
               <a:rPr lang="en-US" dirty="0" smtClean="0"/>
-              <a:t>Models and Evaluations: Obama Training Data</a:t>
+              <a:t>Models and Evaluations: Romney Training Data</a:t>
             </a:r>
             <a:endParaRPr lang="en-US" dirty="0"/>
           </a:p>
@@ -3200,30 +3200,30 @@
             <p:ph idx="1"/>
             <p:extLst>
               <p:ext uri="{D42A27DB-BD31-4B8C-83A1-F6EECF244321}">
-                <p14:modId xmlns:p14="http://schemas.microsoft.com/office/powerpoint/2010/main" val="498349182"/>
+                <p14:modId xmlns:p14="http://schemas.microsoft.com/office/powerpoint/2010/main" val="503533563"/>
               </p:ext>
             </p:extLst>
           </p:nvPr>
         </p:nvGraphicFramePr>
         <p:xfrm>
-          <a:off x="1767840" y="1690688"/>
-          <a:ext cx="8656319" cy="4195593"/>
+          <a:off x="1868048" y="1596492"/>
+          <a:ext cx="8656319" cy="4724098"/>
         </p:xfrm>
         <a:graphic>
           <a:graphicData uri="http://schemas.openxmlformats.org/drawingml/2006/table">
             <a:tbl>
               <a:tblPr firstRow="1" bandRow="1">
-                <a:tableStyleId>{5C22544A-7EE6-4342-B048-85BDC9FD1C3A}</a:tableStyleId>
+                <a:tableStyleId>{9D7B26C5-4107-4FEC-AEDC-1716B250A1EF}</a:tableStyleId>
               </a:tblPr>
               <a:tblGrid>
-                <a:gridCol w="1388813"/>
-                <a:gridCol w="460808"/>
-                <a:gridCol w="498343"/>
-                <a:gridCol w="479176"/>
-                <a:gridCol w="622929"/>
-                <a:gridCol w="498343"/>
-                <a:gridCol w="747515"/>
-                <a:gridCol w="3960392"/>
+                <a:gridCol w="2048256"/>
+                <a:gridCol w="1072896"/>
+                <a:gridCol w="743712"/>
+                <a:gridCol w="816864"/>
+                <a:gridCol w="1085088"/>
+                <a:gridCol w="845257"/>
+                <a:gridCol w="839243"/>
+                <a:gridCol w="1205003"/>
               </a:tblGrid>
               <a:tr h="545091">
                 <a:tc>
@@ -3239,46 +3239,44 @@
                       <a:endParaRPr lang="en-US" dirty="0"/>
                     </a:p>
                   </a:txBody>
-                  <a:tcPr/>
-                </a:tc>
-                <a:tc gridSpan="3">
-                  <a:txBody>
-                    <a:bodyPr/>
-                    <a:lstStyle/>
-                    <a:p>
-                      <a:pPr algn="ctr"/>
-                      <a:r>
-                        <a:rPr lang="en-US" dirty="0" err="1" smtClean="0"/>
-                        <a:t>Postive</a:t>
-                      </a:r>
-                      <a:r>
-                        <a:rPr lang="en-US" dirty="0" smtClean="0"/>
-                        <a:t> Class</a:t>
-                      </a:r>
-                      <a:endParaRPr lang="en-US" dirty="0"/>
-                    </a:p>
-                  </a:txBody>
-                  <a:tcPr/>
-                </a:tc>
-                <a:tc hMerge="1">
-                  <a:txBody>
-                    <a:bodyPr/>
-                    <a:lstStyle/>
-                    <a:p>
-                      <a:endParaRPr lang="en-US" dirty="0"/>
-                    </a:p>
-                  </a:txBody>
-                  <a:tcPr/>
-                </a:tc>
-                <a:tc hMerge="1">
-                  <a:txBody>
-                    <a:bodyPr/>
-                    <a:lstStyle/>
-                    <a:p>
-                      <a:endParaRPr lang="en-US" dirty="0"/>
-                    </a:p>
-                  </a:txBody>
-                  <a:tcPr/>
+                  <a:tcPr>
+                    <a:lnL w="12700" cap="flat" cmpd="sng" algn="ctr">
+                      <a:solidFill>
+                        <a:schemeClr val="tx1"/>
+                      </a:solidFill>
+                      <a:prstDash val="solid"/>
+                      <a:round/>
+                      <a:headEnd type="none" w="med" len="med"/>
+                      <a:tailEnd type="none" w="med" len="med"/>
+                    </a:lnL>
+                    <a:lnR w="12700" cap="flat" cmpd="sng" algn="ctr">
+                      <a:solidFill>
+                        <a:schemeClr val="tx1"/>
+                      </a:solidFill>
+                      <a:prstDash val="solid"/>
+                      <a:round/>
+                      <a:headEnd type="none" w="med" len="med"/>
+                      <a:tailEnd type="none" w="med" len="med"/>
+                    </a:lnR>
+                    <a:lnT w="12700" cap="flat" cmpd="sng" algn="ctr">
+                      <a:solidFill>
+                        <a:schemeClr val="tx1"/>
+                      </a:solidFill>
+                      <a:prstDash val="solid"/>
+                      <a:round/>
+                      <a:headEnd type="none" w="med" len="med"/>
+                      <a:tailEnd type="none" w="med" len="med"/>
+                    </a:lnT>
+                    <a:lnB w="12700" cap="flat" cmpd="sng" algn="ctr">
+                      <a:solidFill>
+                        <a:schemeClr val="tx1"/>
+                      </a:solidFill>
+                      <a:prstDash val="solid"/>
+                      <a:round/>
+                      <a:headEnd type="none" w="med" len="med"/>
+                      <a:tailEnd type="none" w="med" len="med"/>
+                    </a:lnB>
+                  </a:tcPr>
                 </a:tc>
                 <a:tc gridSpan="3">
                   <a:txBody>
@@ -3293,7 +3291,124 @@
                       <a:endParaRPr lang="en-US" dirty="0"/>
                     </a:p>
                   </a:txBody>
+                  <a:tcPr>
+                    <a:lnL w="12700" cap="flat" cmpd="sng" algn="ctr">
+                      <a:solidFill>
+                        <a:schemeClr val="tx1"/>
+                      </a:solidFill>
+                      <a:prstDash val="solid"/>
+                      <a:round/>
+                      <a:headEnd type="none" w="med" len="med"/>
+                      <a:tailEnd type="none" w="med" len="med"/>
+                    </a:lnL>
+                    <a:lnR w="12700" cap="flat" cmpd="sng" algn="ctr">
+                      <a:solidFill>
+                        <a:schemeClr val="tx1"/>
+                      </a:solidFill>
+                      <a:prstDash val="solid"/>
+                      <a:round/>
+                      <a:headEnd type="none" w="med" len="med"/>
+                      <a:tailEnd type="none" w="med" len="med"/>
+                    </a:lnR>
+                    <a:lnT w="12700" cap="flat" cmpd="sng" algn="ctr">
+                      <a:solidFill>
+                        <a:schemeClr val="tx1"/>
+                      </a:solidFill>
+                      <a:prstDash val="solid"/>
+                      <a:round/>
+                      <a:headEnd type="none" w="med" len="med"/>
+                      <a:tailEnd type="none" w="med" len="med"/>
+                    </a:lnT>
+                    <a:lnB w="12700" cap="flat" cmpd="sng" algn="ctr">
+                      <a:solidFill>
+                        <a:schemeClr val="tx1"/>
+                      </a:solidFill>
+                      <a:prstDash val="solid"/>
+                      <a:round/>
+                      <a:headEnd type="none" w="med" len="med"/>
+                      <a:tailEnd type="none" w="med" len="med"/>
+                    </a:lnB>
+                  </a:tcPr>
+                </a:tc>
+                <a:tc hMerge="1">
+                  <a:txBody>
+                    <a:bodyPr/>
+                    <a:lstStyle/>
+                    <a:p>
+                      <a:endParaRPr lang="en-US" dirty="0"/>
+                    </a:p>
+                  </a:txBody>
                   <a:tcPr/>
+                </a:tc>
+                <a:tc hMerge="1">
+                  <a:txBody>
+                    <a:bodyPr/>
+                    <a:lstStyle/>
+                    <a:p>
+                      <a:endParaRPr lang="en-US" dirty="0"/>
+                    </a:p>
+                  </a:txBody>
+                  <a:tcPr/>
+                </a:tc>
+                <a:tc gridSpan="3">
+                  <a:txBody>
+                    <a:bodyPr/>
+                    <a:lstStyle/>
+                    <a:p>
+                      <a:pPr algn="ctr"/>
+                      <a:r>
+                        <a:rPr lang="en-US" dirty="0" smtClean="0"/>
+                        <a:t>Positive</a:t>
+                      </a:r>
+                      <a:r>
+                        <a:rPr lang="en-US" baseline="0" dirty="0" smtClean="0"/>
+                        <a:t> </a:t>
+                      </a:r>
+                      <a:r>
+                        <a:rPr lang="en-US" dirty="0" smtClean="0"/>
+                        <a:t>Class</a:t>
+                      </a:r>
+                      <a:endParaRPr lang="en-US" dirty="0"/>
+                    </a:p>
+                  </a:txBody>
+                  <a:tcPr>
+                    <a:lnL w="12700" cap="flat" cmpd="sng" algn="ctr">
+                      <a:solidFill>
+                        <a:schemeClr val="tx1"/>
+                      </a:solidFill>
+                      <a:prstDash val="solid"/>
+                      <a:round/>
+                      <a:headEnd type="none" w="med" len="med"/>
+                      <a:tailEnd type="none" w="med" len="med"/>
+                    </a:lnL>
+                    <a:lnR w="12700" cap="flat" cmpd="sng" algn="ctr">
+                      <a:solidFill>
+                        <a:schemeClr val="tx1"/>
+                      </a:solidFill>
+                      <a:prstDash val="solid"/>
+                      <a:round/>
+                      <a:headEnd type="none" w="med" len="med"/>
+                      <a:tailEnd type="none" w="med" len="med"/>
+                    </a:lnR>
+                    <a:lnT w="12700" cap="flat" cmpd="sng" algn="ctr">
+                      <a:solidFill>
+                        <a:schemeClr val="tx1"/>
+                      </a:solidFill>
+                      <a:prstDash val="solid"/>
+                      <a:round/>
+                      <a:headEnd type="none" w="med" len="med"/>
+                      <a:tailEnd type="none" w="med" len="med"/>
+                    </a:lnT>
+                    <a:lnB w="12700" cap="flat" cmpd="sng" algn="ctr">
+                      <a:solidFill>
+                        <a:schemeClr val="tx1"/>
+                      </a:solidFill>
+                      <a:prstDash val="solid"/>
+                      <a:round/>
+                      <a:headEnd type="none" w="med" len="med"/>
+                      <a:tailEnd type="none" w="med" len="med"/>
+                    </a:lnB>
+                  </a:tcPr>
                 </a:tc>
                 <a:tc hMerge="1">
                   <a:txBody>
@@ -3328,7 +3443,44 @@
                       <a:endParaRPr lang="en-US" dirty="0"/>
                     </a:p>
                   </a:txBody>
-                  <a:tcPr/>
+                  <a:tcPr>
+                    <a:lnL w="12700" cap="flat" cmpd="sng" algn="ctr">
+                      <a:solidFill>
+                        <a:schemeClr val="tx1"/>
+                      </a:solidFill>
+                      <a:prstDash val="solid"/>
+                      <a:round/>
+                      <a:headEnd type="none" w="med" len="med"/>
+                      <a:tailEnd type="none" w="med" len="med"/>
+                    </a:lnL>
+                    <a:lnR w="12700" cap="flat" cmpd="sng" algn="ctr">
+                      <a:solidFill>
+                        <a:schemeClr val="tx1"/>
+                      </a:solidFill>
+                      <a:prstDash val="solid"/>
+                      <a:round/>
+                      <a:headEnd type="none" w="med" len="med"/>
+                      <a:tailEnd type="none" w="med" len="med"/>
+                    </a:lnR>
+                    <a:lnT w="12700" cap="flat" cmpd="sng" algn="ctr">
+                      <a:solidFill>
+                        <a:schemeClr val="tx1"/>
+                      </a:solidFill>
+                      <a:prstDash val="solid"/>
+                      <a:round/>
+                      <a:headEnd type="none" w="med" len="med"/>
+                      <a:tailEnd type="none" w="med" len="med"/>
+                    </a:lnT>
+                    <a:lnB w="12700" cap="flat" cmpd="sng" algn="ctr">
+                      <a:solidFill>
+                        <a:schemeClr val="tx1"/>
+                      </a:solidFill>
+                      <a:prstDash val="solid"/>
+                      <a:round/>
+                      <a:headEnd type="none" w="med" len="med"/>
+                      <a:tailEnd type="none" w="med" len="med"/>
+                    </a:lnB>
+                  </a:tcPr>
                 </a:tc>
               </a:tr>
               <a:tr h="545091">
@@ -3337,84 +3489,816 @@
                     <a:bodyPr/>
                     <a:lstStyle/>
                     <a:p>
-                      <a:r>
-                        <a:rPr lang="en-US" dirty="0" err="1" smtClean="0"/>
+                      <a:endParaRPr lang="en-US" dirty="0"/>
+                    </a:p>
+                  </a:txBody>
+                  <a:tcPr>
+                    <a:lnL w="12700" cap="flat" cmpd="sng" algn="ctr">
+                      <a:solidFill>
+                        <a:schemeClr val="tx1"/>
+                      </a:solidFill>
+                      <a:prstDash val="solid"/>
+                      <a:round/>
+                      <a:headEnd type="none" w="med" len="med"/>
+                      <a:tailEnd type="none" w="med" len="med"/>
+                    </a:lnL>
+                    <a:lnR w="12700" cap="flat" cmpd="sng" algn="ctr">
+                      <a:solidFill>
+                        <a:schemeClr val="tx1"/>
+                      </a:solidFill>
+                      <a:prstDash val="solid"/>
+                      <a:round/>
+                      <a:headEnd type="none" w="med" len="med"/>
+                      <a:tailEnd type="none" w="med" len="med"/>
+                    </a:lnR>
+                    <a:lnT w="12700" cap="flat" cmpd="sng" algn="ctr">
+                      <a:solidFill>
+                        <a:schemeClr val="tx1"/>
+                      </a:solidFill>
+                      <a:prstDash val="solid"/>
+                      <a:round/>
+                      <a:headEnd type="none" w="med" len="med"/>
+                      <a:tailEnd type="none" w="med" len="med"/>
+                    </a:lnT>
+                    <a:lnB w="12700" cap="flat" cmpd="sng" algn="ctr">
+                      <a:solidFill>
+                        <a:schemeClr val="tx1"/>
+                      </a:solidFill>
+                      <a:prstDash val="solid"/>
+                      <a:round/>
+                      <a:headEnd type="none" w="med" len="med"/>
+                      <a:tailEnd type="none" w="med" len="med"/>
+                    </a:lnB>
+                  </a:tcPr>
+                </a:tc>
+                <a:tc>
+                  <a:txBody>
+                    <a:bodyPr/>
+                    <a:lstStyle/>
+                    <a:p>
+                      <a:r>
+                        <a:rPr lang="en-US" b="1" dirty="0" smtClean="0"/>
+                        <a:t>Precision</a:t>
+                      </a:r>
+                    </a:p>
+                  </a:txBody>
+                  <a:tcPr>
+                    <a:lnL w="12700" cap="flat" cmpd="sng" algn="ctr">
+                      <a:solidFill>
+                        <a:schemeClr val="tx1"/>
+                      </a:solidFill>
+                      <a:prstDash val="solid"/>
+                      <a:round/>
+                      <a:headEnd type="none" w="med" len="med"/>
+                      <a:tailEnd type="none" w="med" len="med"/>
+                    </a:lnL>
+                    <a:lnR w="12700" cap="flat" cmpd="sng" algn="ctr">
+                      <a:solidFill>
+                        <a:schemeClr val="tx1"/>
+                      </a:solidFill>
+                      <a:prstDash val="solid"/>
+                      <a:round/>
+                      <a:headEnd type="none" w="med" len="med"/>
+                      <a:tailEnd type="none" w="med" len="med"/>
+                    </a:lnR>
+                    <a:lnT w="12700" cap="flat" cmpd="sng" algn="ctr">
+                      <a:solidFill>
+                        <a:schemeClr val="tx1"/>
+                      </a:solidFill>
+                      <a:prstDash val="solid"/>
+                      <a:round/>
+                      <a:headEnd type="none" w="med" len="med"/>
+                      <a:tailEnd type="none" w="med" len="med"/>
+                    </a:lnT>
+                    <a:lnB w="12700" cap="flat" cmpd="sng" algn="ctr">
+                      <a:solidFill>
+                        <a:schemeClr val="tx1"/>
+                      </a:solidFill>
+                      <a:prstDash val="solid"/>
+                      <a:round/>
+                      <a:headEnd type="none" w="med" len="med"/>
+                      <a:tailEnd type="none" w="med" len="med"/>
+                    </a:lnB>
+                  </a:tcPr>
+                </a:tc>
+                <a:tc>
+                  <a:txBody>
+                    <a:bodyPr/>
+                    <a:lstStyle/>
+                    <a:p>
+                      <a:r>
+                        <a:rPr lang="en-US" b="1" dirty="0" smtClean="0"/>
+                        <a:t>Recall</a:t>
+                      </a:r>
+                      <a:endParaRPr lang="en-US" b="1" dirty="0"/>
+                    </a:p>
+                  </a:txBody>
+                  <a:tcPr>
+                    <a:lnL w="12700" cap="flat" cmpd="sng" algn="ctr">
+                      <a:solidFill>
+                        <a:schemeClr val="tx1"/>
+                      </a:solidFill>
+                      <a:prstDash val="solid"/>
+                      <a:round/>
+                      <a:headEnd type="none" w="med" len="med"/>
+                      <a:tailEnd type="none" w="med" len="med"/>
+                    </a:lnL>
+                    <a:lnR w="12700" cap="flat" cmpd="sng" algn="ctr">
+                      <a:solidFill>
+                        <a:schemeClr val="tx1"/>
+                      </a:solidFill>
+                      <a:prstDash val="solid"/>
+                      <a:round/>
+                      <a:headEnd type="none" w="med" len="med"/>
+                      <a:tailEnd type="none" w="med" len="med"/>
+                    </a:lnR>
+                    <a:lnT w="12700" cap="flat" cmpd="sng" algn="ctr">
+                      <a:solidFill>
+                        <a:schemeClr val="tx1"/>
+                      </a:solidFill>
+                      <a:prstDash val="solid"/>
+                      <a:round/>
+                      <a:headEnd type="none" w="med" len="med"/>
+                      <a:tailEnd type="none" w="med" len="med"/>
+                    </a:lnT>
+                    <a:lnB w="12700" cap="flat" cmpd="sng" algn="ctr">
+                      <a:solidFill>
+                        <a:schemeClr val="tx1"/>
+                      </a:solidFill>
+                      <a:prstDash val="solid"/>
+                      <a:round/>
+                      <a:headEnd type="none" w="med" len="med"/>
+                      <a:tailEnd type="none" w="med" len="med"/>
+                    </a:lnB>
+                  </a:tcPr>
+                </a:tc>
+                <a:tc>
+                  <a:txBody>
+                    <a:bodyPr/>
+                    <a:lstStyle/>
+                    <a:p>
+                      <a:r>
+                        <a:rPr lang="en-US" b="1" dirty="0" smtClean="0"/>
+                        <a:t>F1 Score</a:t>
+                      </a:r>
+                      <a:endParaRPr lang="en-US" b="1" dirty="0"/>
+                    </a:p>
+                  </a:txBody>
+                  <a:tcPr>
+                    <a:lnL w="12700" cap="flat" cmpd="sng" algn="ctr">
+                      <a:solidFill>
+                        <a:schemeClr val="tx1"/>
+                      </a:solidFill>
+                      <a:prstDash val="solid"/>
+                      <a:round/>
+                      <a:headEnd type="none" w="med" len="med"/>
+                      <a:tailEnd type="none" w="med" len="med"/>
+                    </a:lnL>
+                    <a:lnR w="12700" cap="flat" cmpd="sng" algn="ctr">
+                      <a:solidFill>
+                        <a:schemeClr val="tx1"/>
+                      </a:solidFill>
+                      <a:prstDash val="solid"/>
+                      <a:round/>
+                      <a:headEnd type="none" w="med" len="med"/>
+                      <a:tailEnd type="none" w="med" len="med"/>
+                    </a:lnR>
+                    <a:lnT w="12700" cap="flat" cmpd="sng" algn="ctr">
+                      <a:solidFill>
+                        <a:schemeClr val="tx1"/>
+                      </a:solidFill>
+                      <a:prstDash val="solid"/>
+                      <a:round/>
+                      <a:headEnd type="none" w="med" len="med"/>
+                      <a:tailEnd type="none" w="med" len="med"/>
+                    </a:lnT>
+                    <a:lnB w="12700" cap="flat" cmpd="sng" algn="ctr">
+                      <a:solidFill>
+                        <a:schemeClr val="tx1"/>
+                      </a:solidFill>
+                      <a:prstDash val="solid"/>
+                      <a:round/>
+                      <a:headEnd type="none" w="med" len="med"/>
+                      <a:tailEnd type="none" w="med" len="med"/>
+                    </a:lnB>
+                  </a:tcPr>
+                </a:tc>
+                <a:tc>
+                  <a:txBody>
+                    <a:bodyPr/>
+                    <a:lstStyle/>
+                    <a:p>
+                      <a:r>
+                        <a:rPr lang="en-US" b="1" dirty="0" smtClean="0"/>
+                        <a:t>Precision</a:t>
+                      </a:r>
+                      <a:endParaRPr lang="en-US" b="1" dirty="0"/>
+                    </a:p>
+                  </a:txBody>
+                  <a:tcPr>
+                    <a:lnL w="12700" cap="flat" cmpd="sng" algn="ctr">
+                      <a:solidFill>
+                        <a:schemeClr val="tx1"/>
+                      </a:solidFill>
+                      <a:prstDash val="solid"/>
+                      <a:round/>
+                      <a:headEnd type="none" w="med" len="med"/>
+                      <a:tailEnd type="none" w="med" len="med"/>
+                    </a:lnL>
+                    <a:lnR w="12700" cap="flat" cmpd="sng" algn="ctr">
+                      <a:solidFill>
+                        <a:schemeClr val="tx1"/>
+                      </a:solidFill>
+                      <a:prstDash val="solid"/>
+                      <a:round/>
+                      <a:headEnd type="none" w="med" len="med"/>
+                      <a:tailEnd type="none" w="med" len="med"/>
+                    </a:lnR>
+                    <a:lnT w="12700" cap="flat" cmpd="sng" algn="ctr">
+                      <a:solidFill>
+                        <a:schemeClr val="tx1"/>
+                      </a:solidFill>
+                      <a:prstDash val="solid"/>
+                      <a:round/>
+                      <a:headEnd type="none" w="med" len="med"/>
+                      <a:tailEnd type="none" w="med" len="med"/>
+                    </a:lnT>
+                    <a:lnB w="12700" cap="flat" cmpd="sng" algn="ctr">
+                      <a:solidFill>
+                        <a:schemeClr val="tx1"/>
+                      </a:solidFill>
+                      <a:prstDash val="solid"/>
+                      <a:round/>
+                      <a:headEnd type="none" w="med" len="med"/>
+                      <a:tailEnd type="none" w="med" len="med"/>
+                    </a:lnB>
+                  </a:tcPr>
+                </a:tc>
+                <a:tc>
+                  <a:txBody>
+                    <a:bodyPr/>
+                    <a:lstStyle/>
+                    <a:p>
+                      <a:r>
+                        <a:rPr lang="en-US" b="1" dirty="0" smtClean="0"/>
+                        <a:t>Recall</a:t>
+                      </a:r>
+                      <a:endParaRPr lang="en-US" b="1" dirty="0"/>
+                    </a:p>
+                  </a:txBody>
+                  <a:tcPr>
+                    <a:lnL w="12700" cap="flat" cmpd="sng" algn="ctr">
+                      <a:solidFill>
+                        <a:schemeClr val="tx1"/>
+                      </a:solidFill>
+                      <a:prstDash val="solid"/>
+                      <a:round/>
+                      <a:headEnd type="none" w="med" len="med"/>
+                      <a:tailEnd type="none" w="med" len="med"/>
+                    </a:lnL>
+                    <a:lnR w="12700" cap="flat" cmpd="sng" algn="ctr">
+                      <a:solidFill>
+                        <a:schemeClr val="tx1"/>
+                      </a:solidFill>
+                      <a:prstDash val="solid"/>
+                      <a:round/>
+                      <a:headEnd type="none" w="med" len="med"/>
+                      <a:tailEnd type="none" w="med" len="med"/>
+                    </a:lnR>
+                    <a:lnT w="12700" cap="flat" cmpd="sng" algn="ctr">
+                      <a:solidFill>
+                        <a:schemeClr val="tx1"/>
+                      </a:solidFill>
+                      <a:prstDash val="solid"/>
+                      <a:round/>
+                      <a:headEnd type="none" w="med" len="med"/>
+                      <a:tailEnd type="none" w="med" len="med"/>
+                    </a:lnT>
+                    <a:lnB w="12700" cap="flat" cmpd="sng" algn="ctr">
+                      <a:solidFill>
+                        <a:schemeClr val="tx1"/>
+                      </a:solidFill>
+                      <a:prstDash val="solid"/>
+                      <a:round/>
+                      <a:headEnd type="none" w="med" len="med"/>
+                      <a:tailEnd type="none" w="med" len="med"/>
+                    </a:lnB>
+                  </a:tcPr>
+                </a:tc>
+                <a:tc>
+                  <a:txBody>
+                    <a:bodyPr/>
+                    <a:lstStyle/>
+                    <a:p>
+                      <a:r>
+                        <a:rPr lang="en-US" b="1" dirty="0" smtClean="0"/>
+                        <a:t>F1 Score</a:t>
+                      </a:r>
+                      <a:endParaRPr lang="en-US" b="1" dirty="0"/>
+                    </a:p>
+                  </a:txBody>
+                  <a:tcPr>
+                    <a:lnL w="12700" cap="flat" cmpd="sng" algn="ctr">
+                      <a:solidFill>
+                        <a:schemeClr val="tx1"/>
+                      </a:solidFill>
+                      <a:prstDash val="solid"/>
+                      <a:round/>
+                      <a:headEnd type="none" w="med" len="med"/>
+                      <a:tailEnd type="none" w="med" len="med"/>
+                    </a:lnL>
+                    <a:lnR w="12700" cap="flat" cmpd="sng" algn="ctr">
+                      <a:solidFill>
+                        <a:schemeClr val="tx1"/>
+                      </a:solidFill>
+                      <a:prstDash val="solid"/>
+                      <a:round/>
+                      <a:headEnd type="none" w="med" len="med"/>
+                      <a:tailEnd type="none" w="med" len="med"/>
+                    </a:lnR>
+                    <a:lnT w="12700" cap="flat" cmpd="sng" algn="ctr">
+                      <a:solidFill>
+                        <a:schemeClr val="tx1"/>
+                      </a:solidFill>
+                      <a:prstDash val="solid"/>
+                      <a:round/>
+                      <a:headEnd type="none" w="med" len="med"/>
+                      <a:tailEnd type="none" w="med" len="med"/>
+                    </a:lnT>
+                    <a:lnB w="12700" cap="flat" cmpd="sng" algn="ctr">
+                      <a:solidFill>
+                        <a:schemeClr val="tx1"/>
+                      </a:solidFill>
+                      <a:prstDash val="solid"/>
+                      <a:round/>
+                      <a:headEnd type="none" w="med" len="med"/>
+                      <a:tailEnd type="none" w="med" len="med"/>
+                    </a:lnB>
+                  </a:tcPr>
+                </a:tc>
+                <a:tc>
+                  <a:txBody>
+                    <a:bodyPr/>
+                    <a:lstStyle/>
+                    <a:p>
+                      <a:endParaRPr lang="en-US" dirty="0"/>
+                    </a:p>
+                  </a:txBody>
+                  <a:tcPr>
+                    <a:lnL w="12700" cap="flat" cmpd="sng" algn="ctr">
+                      <a:solidFill>
+                        <a:schemeClr val="tx1"/>
+                      </a:solidFill>
+                      <a:prstDash val="solid"/>
+                      <a:round/>
+                      <a:headEnd type="none" w="med" len="med"/>
+                      <a:tailEnd type="none" w="med" len="med"/>
+                    </a:lnL>
+                    <a:lnR w="12700" cap="flat" cmpd="sng" algn="ctr">
+                      <a:solidFill>
+                        <a:schemeClr val="tx1"/>
+                      </a:solidFill>
+                      <a:prstDash val="solid"/>
+                      <a:round/>
+                      <a:headEnd type="none" w="med" len="med"/>
+                      <a:tailEnd type="none" w="med" len="med"/>
+                    </a:lnR>
+                    <a:lnT w="12700" cap="flat" cmpd="sng" algn="ctr">
+                      <a:solidFill>
+                        <a:schemeClr val="tx1"/>
+                      </a:solidFill>
+                      <a:prstDash val="solid"/>
+                      <a:round/>
+                      <a:headEnd type="none" w="med" len="med"/>
+                      <a:tailEnd type="none" w="med" len="med"/>
+                    </a:lnT>
+                    <a:lnB w="12700" cap="flat" cmpd="sng" algn="ctr">
+                      <a:solidFill>
+                        <a:schemeClr val="tx1"/>
+                      </a:solidFill>
+                      <a:prstDash val="solid"/>
+                      <a:round/>
+                      <a:headEnd type="none" w="med" len="med"/>
+                      <a:tailEnd type="none" w="med" len="med"/>
+                    </a:lnB>
+                  </a:tcPr>
+                </a:tc>
+              </a:tr>
+              <a:tr h="545091">
+                <a:tc>
+                  <a:txBody>
+                    <a:bodyPr/>
+                    <a:lstStyle/>
+                    <a:p>
+                      <a:pPr algn="ctr"/>
+                      <a:r>
+                        <a:rPr lang="en-US" b="1" dirty="0" err="1" smtClean="0"/>
                         <a:t>AdaBoost</a:t>
                       </a:r>
+                      <a:endParaRPr lang="en-US" b="1" dirty="0"/>
+                    </a:p>
+                  </a:txBody>
+                  <a:tcPr>
+                    <a:lnL w="12700" cap="flat" cmpd="sng" algn="ctr">
+                      <a:solidFill>
+                        <a:schemeClr val="tx1"/>
+                      </a:solidFill>
+                      <a:prstDash val="solid"/>
+                      <a:round/>
+                      <a:headEnd type="none" w="med" len="med"/>
+                      <a:tailEnd type="none" w="med" len="med"/>
+                    </a:lnL>
+                    <a:lnR w="12700" cap="flat" cmpd="sng" algn="ctr">
+                      <a:solidFill>
+                        <a:schemeClr val="tx1"/>
+                      </a:solidFill>
+                      <a:prstDash val="solid"/>
+                      <a:round/>
+                      <a:headEnd type="none" w="med" len="med"/>
+                      <a:tailEnd type="none" w="med" len="med"/>
+                    </a:lnR>
+                    <a:lnT w="12700" cap="flat" cmpd="sng" algn="ctr">
+                      <a:solidFill>
+                        <a:schemeClr val="tx1"/>
+                      </a:solidFill>
+                      <a:prstDash val="solid"/>
+                      <a:round/>
+                      <a:headEnd type="none" w="med" len="med"/>
+                      <a:tailEnd type="none" w="med" len="med"/>
+                    </a:lnT>
+                    <a:lnB w="12700" cap="flat" cmpd="sng" algn="ctr">
+                      <a:solidFill>
+                        <a:schemeClr val="tx1"/>
+                      </a:solidFill>
+                      <a:prstDash val="solid"/>
+                      <a:round/>
+                      <a:headEnd type="none" w="med" len="med"/>
+                      <a:tailEnd type="none" w="med" len="med"/>
+                    </a:lnB>
+                  </a:tcPr>
+                </a:tc>
+                <a:tc>
+                  <a:txBody>
+                    <a:bodyPr/>
+                    <a:lstStyle/>
+                    <a:p>
+                      <a:pPr algn="ctr"/>
+                      <a:r>
+                        <a:rPr lang="en-US" dirty="0" smtClean="0"/>
+                        <a:t>0.518 </a:t>
+                      </a:r>
+                    </a:p>
+                  </a:txBody>
+                  <a:tcPr>
+                    <a:lnL w="12700" cap="flat" cmpd="sng" algn="ctr">
+                      <a:solidFill>
+                        <a:schemeClr val="tx1"/>
+                      </a:solidFill>
+                      <a:prstDash val="solid"/>
+                      <a:round/>
+                      <a:headEnd type="none" w="med" len="med"/>
+                      <a:tailEnd type="none" w="med" len="med"/>
+                    </a:lnL>
+                    <a:lnR w="12700" cap="flat" cmpd="sng" algn="ctr">
+                      <a:solidFill>
+                        <a:schemeClr val="tx1"/>
+                      </a:solidFill>
+                      <a:prstDash val="solid"/>
+                      <a:round/>
+                      <a:headEnd type="none" w="med" len="med"/>
+                      <a:tailEnd type="none" w="med" len="med"/>
+                    </a:lnR>
+                    <a:lnT w="12700" cap="flat" cmpd="sng" algn="ctr">
+                      <a:solidFill>
+                        <a:schemeClr val="tx1"/>
+                      </a:solidFill>
+                      <a:prstDash val="solid"/>
+                      <a:round/>
+                      <a:headEnd type="none" w="med" len="med"/>
+                      <a:tailEnd type="none" w="med" len="med"/>
+                    </a:lnT>
+                    <a:lnB w="12700" cap="flat" cmpd="sng" algn="ctr">
+                      <a:solidFill>
+                        <a:schemeClr val="tx1"/>
+                      </a:solidFill>
+                      <a:prstDash val="solid"/>
+                      <a:round/>
+                      <a:headEnd type="none" w="med" len="med"/>
+                      <a:tailEnd type="none" w="med" len="med"/>
+                    </a:lnB>
+                  </a:tcPr>
+                </a:tc>
+                <a:tc>
+                  <a:txBody>
+                    <a:bodyPr/>
+                    <a:lstStyle/>
+                    <a:p>
+                      <a:pPr algn="ctr"/>
+                      <a:r>
+                        <a:rPr lang="en-US" dirty="0" smtClean="0"/>
+                        <a:t>0.598</a:t>
+                      </a:r>
                       <a:endParaRPr lang="en-US" dirty="0"/>
                     </a:p>
                   </a:txBody>
-                  <a:tcPr/>
-                </a:tc>
-                <a:tc>
-                  <a:txBody>
-                    <a:bodyPr/>
-                    <a:lstStyle/>
-                    <a:p>
+                  <a:tcPr>
+                    <a:lnL w="12700" cap="flat" cmpd="sng" algn="ctr">
+                      <a:solidFill>
+                        <a:schemeClr val="tx1"/>
+                      </a:solidFill>
+                      <a:prstDash val="solid"/>
+                      <a:round/>
+                      <a:headEnd type="none" w="med" len="med"/>
+                      <a:tailEnd type="none" w="med" len="med"/>
+                    </a:lnL>
+                    <a:lnR w="12700" cap="flat" cmpd="sng" algn="ctr">
+                      <a:solidFill>
+                        <a:schemeClr val="tx1"/>
+                      </a:solidFill>
+                      <a:prstDash val="solid"/>
+                      <a:round/>
+                      <a:headEnd type="none" w="med" len="med"/>
+                      <a:tailEnd type="none" w="med" len="med"/>
+                    </a:lnR>
+                    <a:lnT w="12700" cap="flat" cmpd="sng" algn="ctr">
+                      <a:solidFill>
+                        <a:schemeClr val="tx1"/>
+                      </a:solidFill>
+                      <a:prstDash val="solid"/>
+                      <a:round/>
+                      <a:headEnd type="none" w="med" len="med"/>
+                      <a:tailEnd type="none" w="med" len="med"/>
+                    </a:lnT>
+                    <a:lnB w="12700" cap="flat" cmpd="sng" algn="ctr">
+                      <a:solidFill>
+                        <a:schemeClr val="tx1"/>
+                      </a:solidFill>
+                      <a:prstDash val="solid"/>
+                      <a:round/>
+                      <a:headEnd type="none" w="med" len="med"/>
+                      <a:tailEnd type="none" w="med" len="med"/>
+                    </a:lnB>
+                  </a:tcPr>
+                </a:tc>
+                <a:tc>
+                  <a:txBody>
+                    <a:bodyPr/>
+                    <a:lstStyle/>
+                    <a:p>
+                      <a:pPr algn="ctr"/>
+                      <a:r>
+                        <a:rPr lang="en-US" dirty="0" smtClean="0"/>
+                        <a:t>0.542</a:t>
+                      </a:r>
                       <a:endParaRPr lang="en-US" dirty="0"/>
                     </a:p>
                   </a:txBody>
-                  <a:tcPr/>
-                </a:tc>
-                <a:tc>
-                  <a:txBody>
-                    <a:bodyPr/>
-                    <a:lstStyle/>
-                    <a:p>
-                      <a:endParaRPr lang="en-US"/>
-                    </a:p>
-                  </a:txBody>
-                  <a:tcPr/>
-                </a:tc>
-                <a:tc>
-                  <a:txBody>
-                    <a:bodyPr/>
-                    <a:lstStyle/>
-                    <a:p>
-                      <a:endParaRPr lang="en-US"/>
-                    </a:p>
-                  </a:txBody>
-                  <a:tcPr/>
-                </a:tc>
-                <a:tc>
-                  <a:txBody>
-                    <a:bodyPr/>
-                    <a:lstStyle/>
-                    <a:p>
+                  <a:tcPr>
+                    <a:lnL w="12700" cap="flat" cmpd="sng" algn="ctr">
+                      <a:solidFill>
+                        <a:schemeClr val="tx1"/>
+                      </a:solidFill>
+                      <a:prstDash val="solid"/>
+                      <a:round/>
+                      <a:headEnd type="none" w="med" len="med"/>
+                      <a:tailEnd type="none" w="med" len="med"/>
+                    </a:lnL>
+                    <a:lnR w="12700" cap="flat" cmpd="sng" algn="ctr">
+                      <a:solidFill>
+                        <a:schemeClr val="tx1"/>
+                      </a:solidFill>
+                      <a:prstDash val="solid"/>
+                      <a:round/>
+                      <a:headEnd type="none" w="med" len="med"/>
+                      <a:tailEnd type="none" w="med" len="med"/>
+                    </a:lnR>
+                    <a:lnT w="12700" cap="flat" cmpd="sng" algn="ctr">
+                      <a:solidFill>
+                        <a:schemeClr val="tx1"/>
+                      </a:solidFill>
+                      <a:prstDash val="solid"/>
+                      <a:round/>
+                      <a:headEnd type="none" w="med" len="med"/>
+                      <a:tailEnd type="none" w="med" len="med"/>
+                    </a:lnT>
+                    <a:lnB w="12700" cap="flat" cmpd="sng" algn="ctr">
+                      <a:solidFill>
+                        <a:schemeClr val="tx1"/>
+                      </a:solidFill>
+                      <a:prstDash val="solid"/>
+                      <a:round/>
+                      <a:headEnd type="none" w="med" len="med"/>
+                      <a:tailEnd type="none" w="med" len="med"/>
+                    </a:lnB>
+                  </a:tcPr>
+                </a:tc>
+                <a:tc>
+                  <a:txBody>
+                    <a:bodyPr/>
+                    <a:lstStyle/>
+                    <a:p>
+                      <a:pPr algn="ctr"/>
+                      <a:r>
+                        <a:rPr lang="en-US" dirty="0" smtClean="0"/>
+                        <a:t>0.532</a:t>
+                      </a:r>
                       <a:endParaRPr lang="en-US" dirty="0"/>
                     </a:p>
                   </a:txBody>
-                  <a:tcPr/>
-                </a:tc>
-                <a:tc>
-                  <a:txBody>
-                    <a:bodyPr/>
-                    <a:lstStyle/>
-                    <a:p>
-                      <a:endParaRPr lang="en-US"/>
-                    </a:p>
-                  </a:txBody>
-                  <a:tcPr/>
-                </a:tc>
-                <a:tc>
-                  <a:txBody>
-                    <a:bodyPr/>
-                    <a:lstStyle/>
-                    <a:p>
+                  <a:tcPr>
+                    <a:lnL w="12700" cap="flat" cmpd="sng" algn="ctr">
+                      <a:solidFill>
+                        <a:schemeClr val="tx1"/>
+                      </a:solidFill>
+                      <a:prstDash val="solid"/>
+                      <a:round/>
+                      <a:headEnd type="none" w="med" len="med"/>
+                      <a:tailEnd type="none" w="med" len="med"/>
+                    </a:lnL>
+                    <a:lnR w="12700" cap="flat" cmpd="sng" algn="ctr">
+                      <a:solidFill>
+                        <a:schemeClr val="tx1"/>
+                      </a:solidFill>
+                      <a:prstDash val="solid"/>
+                      <a:round/>
+                      <a:headEnd type="none" w="med" len="med"/>
+                      <a:tailEnd type="none" w="med" len="med"/>
+                    </a:lnR>
+                    <a:lnT w="12700" cap="flat" cmpd="sng" algn="ctr">
+                      <a:solidFill>
+                        <a:schemeClr val="tx1"/>
+                      </a:solidFill>
+                      <a:prstDash val="solid"/>
+                      <a:round/>
+                      <a:headEnd type="none" w="med" len="med"/>
+                      <a:tailEnd type="none" w="med" len="med"/>
+                    </a:lnT>
+                    <a:lnB w="12700" cap="flat" cmpd="sng" algn="ctr">
+                      <a:solidFill>
+                        <a:schemeClr val="tx1"/>
+                      </a:solidFill>
+                      <a:prstDash val="solid"/>
+                      <a:round/>
+                      <a:headEnd type="none" w="med" len="med"/>
+                      <a:tailEnd type="none" w="med" len="med"/>
+                    </a:lnB>
+                  </a:tcPr>
+                </a:tc>
+                <a:tc>
+                  <a:txBody>
+                    <a:bodyPr/>
+                    <a:lstStyle/>
+                    <a:p>
+                      <a:pPr algn="ctr"/>
+                      <a:r>
+                        <a:rPr lang="en-US" dirty="0" smtClean="0"/>
+                        <a:t>0.422</a:t>
+                      </a:r>
                       <a:endParaRPr lang="en-US" dirty="0"/>
                     </a:p>
                   </a:txBody>
-                  <a:tcPr/>
-                </a:tc>
-                <a:tc>
-                  <a:txBody>
-                    <a:bodyPr/>
-                    <a:lstStyle/>
-                    <a:p>
+                  <a:tcPr>
+                    <a:lnL w="12700" cap="flat" cmpd="sng" algn="ctr">
+                      <a:solidFill>
+                        <a:schemeClr val="tx1"/>
+                      </a:solidFill>
+                      <a:prstDash val="solid"/>
+                      <a:round/>
+                      <a:headEnd type="none" w="med" len="med"/>
+                      <a:tailEnd type="none" w="med" len="med"/>
+                    </a:lnL>
+                    <a:lnR w="12700" cap="flat" cmpd="sng" algn="ctr">
+                      <a:solidFill>
+                        <a:schemeClr val="tx1"/>
+                      </a:solidFill>
+                      <a:prstDash val="solid"/>
+                      <a:round/>
+                      <a:headEnd type="none" w="med" len="med"/>
+                      <a:tailEnd type="none" w="med" len="med"/>
+                    </a:lnR>
+                    <a:lnT w="12700" cap="flat" cmpd="sng" algn="ctr">
+                      <a:solidFill>
+                        <a:schemeClr val="tx1"/>
+                      </a:solidFill>
+                      <a:prstDash val="solid"/>
+                      <a:round/>
+                      <a:headEnd type="none" w="med" len="med"/>
+                      <a:tailEnd type="none" w="med" len="med"/>
+                    </a:lnT>
+                    <a:lnB w="12700" cap="flat" cmpd="sng" algn="ctr">
+                      <a:solidFill>
+                        <a:schemeClr val="tx1"/>
+                      </a:solidFill>
+                      <a:prstDash val="solid"/>
+                      <a:round/>
+                      <a:headEnd type="none" w="med" len="med"/>
+                      <a:tailEnd type="none" w="med" len="med"/>
+                    </a:lnB>
+                  </a:tcPr>
+                </a:tc>
+                <a:tc>
+                  <a:txBody>
+                    <a:bodyPr/>
+                    <a:lstStyle/>
+                    <a:p>
+                      <a:pPr algn="ctr"/>
+                      <a:r>
+                        <a:rPr lang="en-US" dirty="0" smtClean="0"/>
+                        <a:t>0.457</a:t>
+                      </a:r>
                       <a:endParaRPr lang="en-US" dirty="0"/>
                     </a:p>
                   </a:txBody>
-                  <a:tcPr/>
+                  <a:tcPr>
+                    <a:lnL w="12700" cap="flat" cmpd="sng" algn="ctr">
+                      <a:solidFill>
+                        <a:schemeClr val="tx1"/>
+                      </a:solidFill>
+                      <a:prstDash val="solid"/>
+                      <a:round/>
+                      <a:headEnd type="none" w="med" len="med"/>
+                      <a:tailEnd type="none" w="med" len="med"/>
+                    </a:lnL>
+                    <a:lnR w="12700" cap="flat" cmpd="sng" algn="ctr">
+                      <a:solidFill>
+                        <a:schemeClr val="tx1"/>
+                      </a:solidFill>
+                      <a:prstDash val="solid"/>
+                      <a:round/>
+                      <a:headEnd type="none" w="med" len="med"/>
+                      <a:tailEnd type="none" w="med" len="med"/>
+                    </a:lnR>
+                    <a:lnT w="12700" cap="flat" cmpd="sng" algn="ctr">
+                      <a:solidFill>
+                        <a:schemeClr val="tx1"/>
+                      </a:solidFill>
+                      <a:prstDash val="solid"/>
+                      <a:round/>
+                      <a:headEnd type="none" w="med" len="med"/>
+                      <a:tailEnd type="none" w="med" len="med"/>
+                    </a:lnT>
+                    <a:lnB w="12700" cap="flat" cmpd="sng" algn="ctr">
+                      <a:solidFill>
+                        <a:schemeClr val="tx1"/>
+                      </a:solidFill>
+                      <a:prstDash val="solid"/>
+                      <a:round/>
+                      <a:headEnd type="none" w="med" len="med"/>
+                      <a:tailEnd type="none" w="med" len="med"/>
+                    </a:lnB>
+                  </a:tcPr>
+                </a:tc>
+                <a:tc>
+                  <a:txBody>
+                    <a:bodyPr/>
+                    <a:lstStyle/>
+                    <a:p>
+                      <a:pPr algn="ctr"/>
+                      <a:r>
+                        <a:rPr lang="en-US" dirty="0" smtClean="0"/>
+                        <a:t>0.498</a:t>
+                      </a:r>
+                      <a:endParaRPr lang="en-US" dirty="0"/>
+                    </a:p>
+                  </a:txBody>
+                  <a:tcPr>
+                    <a:lnL w="12700" cap="flat" cmpd="sng" algn="ctr">
+                      <a:solidFill>
+                        <a:schemeClr val="tx1"/>
+                      </a:solidFill>
+                      <a:prstDash val="solid"/>
+                      <a:round/>
+                      <a:headEnd type="none" w="med" len="med"/>
+                      <a:tailEnd type="none" w="med" len="med"/>
+                    </a:lnL>
+                    <a:lnR w="12700" cap="flat" cmpd="sng" algn="ctr">
+                      <a:solidFill>
+                        <a:schemeClr val="tx1"/>
+                      </a:solidFill>
+                      <a:prstDash val="solid"/>
+                      <a:round/>
+                      <a:headEnd type="none" w="med" len="med"/>
+                      <a:tailEnd type="none" w="med" len="med"/>
+                    </a:lnR>
+                    <a:lnT w="12700" cap="flat" cmpd="sng" algn="ctr">
+                      <a:solidFill>
+                        <a:schemeClr val="tx1"/>
+                      </a:solidFill>
+                      <a:prstDash val="solid"/>
+                      <a:round/>
+                      <a:headEnd type="none" w="med" len="med"/>
+                      <a:tailEnd type="none" w="med" len="med"/>
+                    </a:lnT>
+                    <a:lnB w="12700" cap="flat" cmpd="sng" algn="ctr">
+                      <a:solidFill>
+                        <a:schemeClr val="tx1"/>
+                      </a:solidFill>
+                      <a:prstDash val="solid"/>
+                      <a:round/>
+                      <a:headEnd type="none" w="med" len="med"/>
+                      <a:tailEnd type="none" w="med" len="med"/>
+                    </a:lnB>
+                  </a:tcPr>
                 </a:tc>
               </a:tr>
               <a:tr h="586601">
@@ -3423,170 +4307,415 @@
                     <a:bodyPr/>
                     <a:lstStyle/>
                     <a:p>
+                      <a:pPr algn="ctr"/>
+                      <a:r>
+                        <a:rPr lang="en-US" b="1" dirty="0" smtClean="0"/>
+                        <a:t>Random Forest</a:t>
+                      </a:r>
+                      <a:endParaRPr lang="en-US" b="1" dirty="0"/>
+                    </a:p>
+                  </a:txBody>
+                  <a:tcPr>
+                    <a:lnL w="12700" cap="flat" cmpd="sng" algn="ctr">
+                      <a:solidFill>
+                        <a:schemeClr val="tx1"/>
+                      </a:solidFill>
+                      <a:prstDash val="solid"/>
+                      <a:round/>
+                      <a:headEnd type="none" w="med" len="med"/>
+                      <a:tailEnd type="none" w="med" len="med"/>
+                    </a:lnL>
+                    <a:lnR w="12700" cap="flat" cmpd="sng" algn="ctr">
+                      <a:solidFill>
+                        <a:schemeClr val="tx1"/>
+                      </a:solidFill>
+                      <a:prstDash val="solid"/>
+                      <a:round/>
+                      <a:headEnd type="none" w="med" len="med"/>
+                      <a:tailEnd type="none" w="med" len="med"/>
+                    </a:lnR>
+                    <a:lnT w="12700" cap="flat" cmpd="sng" algn="ctr">
+                      <a:solidFill>
+                        <a:schemeClr val="tx1"/>
+                      </a:solidFill>
+                      <a:prstDash val="solid"/>
+                      <a:round/>
+                      <a:headEnd type="none" w="med" len="med"/>
+                      <a:tailEnd type="none" w="med" len="med"/>
+                    </a:lnT>
+                    <a:lnB w="12700" cap="flat" cmpd="sng" algn="ctr">
+                      <a:solidFill>
+                        <a:schemeClr val="tx1"/>
+                      </a:solidFill>
+                      <a:prstDash val="solid"/>
+                      <a:round/>
+                      <a:headEnd type="none" w="med" len="med"/>
+                      <a:tailEnd type="none" w="med" len="med"/>
+                    </a:lnB>
+                  </a:tcPr>
+                </a:tc>
+                <a:tc>
+                  <a:txBody>
+                    <a:bodyPr/>
+                    <a:lstStyle/>
+                    <a:p>
+                      <a:pPr algn="ctr"/>
                       <a:r>
                         <a:rPr lang="en-US" dirty="0" smtClean="0"/>
-                        <a:t>Random Forest</a:t>
+                        <a:t>0.553</a:t>
+                      </a:r>
+                    </a:p>
+                  </a:txBody>
+                  <a:tcPr>
+                    <a:lnL w="12700" cap="flat" cmpd="sng" algn="ctr">
+                      <a:solidFill>
+                        <a:schemeClr val="tx1"/>
+                      </a:solidFill>
+                      <a:prstDash val="solid"/>
+                      <a:round/>
+                      <a:headEnd type="none" w="med" len="med"/>
+                      <a:tailEnd type="none" w="med" len="med"/>
+                    </a:lnL>
+                    <a:lnR w="12700" cap="flat" cmpd="sng" algn="ctr">
+                      <a:solidFill>
+                        <a:schemeClr val="tx1"/>
+                      </a:solidFill>
+                      <a:prstDash val="solid"/>
+                      <a:round/>
+                      <a:headEnd type="none" w="med" len="med"/>
+                      <a:tailEnd type="none" w="med" len="med"/>
+                    </a:lnR>
+                    <a:lnT w="12700" cap="flat" cmpd="sng" algn="ctr">
+                      <a:solidFill>
+                        <a:schemeClr val="tx1"/>
+                      </a:solidFill>
+                      <a:prstDash val="solid"/>
+                      <a:round/>
+                      <a:headEnd type="none" w="med" len="med"/>
+                      <a:tailEnd type="none" w="med" len="med"/>
+                    </a:lnT>
+                    <a:lnB w="12700" cap="flat" cmpd="sng" algn="ctr">
+                      <a:solidFill>
+                        <a:schemeClr val="tx1"/>
+                      </a:solidFill>
+                      <a:prstDash val="solid"/>
+                      <a:round/>
+                      <a:headEnd type="none" w="med" len="med"/>
+                      <a:tailEnd type="none" w="med" len="med"/>
+                    </a:lnB>
+                  </a:tcPr>
+                </a:tc>
+                <a:tc>
+                  <a:txBody>
+                    <a:bodyPr/>
+                    <a:lstStyle/>
+                    <a:p>
+                      <a:pPr algn="ctr"/>
+                      <a:r>
+                        <a:rPr lang="en-US" dirty="0" smtClean="0"/>
+                        <a:t>0.847</a:t>
                       </a:r>
                       <a:endParaRPr lang="en-US" dirty="0"/>
                     </a:p>
                   </a:txBody>
-                  <a:tcPr/>
-                </a:tc>
-                <a:tc>
-                  <a:txBody>
-                    <a:bodyPr/>
-                    <a:lstStyle/>
-                    <a:p>
-                      <a:endParaRPr lang="en-US"/>
-                    </a:p>
-                  </a:txBody>
-                  <a:tcPr/>
-                </a:tc>
-                <a:tc>
-                  <a:txBody>
-                    <a:bodyPr/>
-                    <a:lstStyle/>
-                    <a:p>
-                      <a:endParaRPr lang="en-US"/>
-                    </a:p>
-                  </a:txBody>
-                  <a:tcPr/>
-                </a:tc>
-                <a:tc>
-                  <a:txBody>
-                    <a:bodyPr/>
-                    <a:lstStyle/>
-                    <a:p>
-                      <a:endParaRPr lang="en-US"/>
-                    </a:p>
-                  </a:txBody>
-                  <a:tcPr/>
-                </a:tc>
-                <a:tc>
-                  <a:txBody>
-                    <a:bodyPr/>
-                    <a:lstStyle/>
-                    <a:p>
-                      <a:endParaRPr lang="en-US"/>
-                    </a:p>
-                  </a:txBody>
-                  <a:tcPr/>
-                </a:tc>
-                <a:tc>
-                  <a:txBody>
-                    <a:bodyPr/>
-                    <a:lstStyle/>
-                    <a:p>
-                      <a:endParaRPr lang="en-US"/>
-                    </a:p>
-                  </a:txBody>
-                  <a:tcPr/>
-                </a:tc>
-                <a:tc>
-                  <a:txBody>
-                    <a:bodyPr/>
-                    <a:lstStyle/>
-                    <a:p>
-                      <a:endParaRPr lang="en-US"/>
-                    </a:p>
-                  </a:txBody>
-                  <a:tcPr/>
-                </a:tc>
-                <a:tc>
-                  <a:txBody>
-                    <a:bodyPr/>
-                    <a:lstStyle/>
-                    <a:p>
-                      <a:endParaRPr lang="en-US"/>
-                    </a:p>
-                  </a:txBody>
-                  <a:tcPr/>
-                </a:tc>
-              </a:tr>
-              <a:tr h="554270">
-                <a:tc>
-                  <a:txBody>
-                    <a:bodyPr/>
-                    <a:lstStyle/>
-                    <a:p>
+                  <a:tcPr>
+                    <a:lnL w="12700" cap="flat" cmpd="sng" algn="ctr">
+                      <a:solidFill>
+                        <a:schemeClr val="tx1"/>
+                      </a:solidFill>
+                      <a:prstDash val="solid"/>
+                      <a:round/>
+                      <a:headEnd type="none" w="med" len="med"/>
+                      <a:tailEnd type="none" w="med" len="med"/>
+                    </a:lnL>
+                    <a:lnR w="12700" cap="flat" cmpd="sng" algn="ctr">
+                      <a:solidFill>
+                        <a:schemeClr val="tx1"/>
+                      </a:solidFill>
+                      <a:prstDash val="solid"/>
+                      <a:round/>
+                      <a:headEnd type="none" w="med" len="med"/>
+                      <a:tailEnd type="none" w="med" len="med"/>
+                    </a:lnR>
+                    <a:lnT w="12700" cap="flat" cmpd="sng" algn="ctr">
+                      <a:solidFill>
+                        <a:schemeClr val="tx1"/>
+                      </a:solidFill>
+                      <a:prstDash val="solid"/>
+                      <a:round/>
+                      <a:headEnd type="none" w="med" len="med"/>
+                      <a:tailEnd type="none" w="med" len="med"/>
+                    </a:lnT>
+                    <a:lnB w="12700" cap="flat" cmpd="sng" algn="ctr">
+                      <a:solidFill>
+                        <a:schemeClr val="tx1"/>
+                      </a:solidFill>
+                      <a:prstDash val="solid"/>
+                      <a:round/>
+                      <a:headEnd type="none" w="med" len="med"/>
+                      <a:tailEnd type="none" w="med" len="med"/>
+                    </a:lnB>
+                  </a:tcPr>
+                </a:tc>
+                <a:tc>
+                  <a:txBody>
+                    <a:bodyPr/>
+                    <a:lstStyle/>
+                    <a:p>
+                      <a:pPr algn="ctr"/>
                       <a:r>
                         <a:rPr lang="en-US" dirty="0" smtClean="0"/>
-                        <a:t>SVM Polynomial</a:t>
+                        <a:t>0.656</a:t>
                       </a:r>
                       <a:endParaRPr lang="en-US" dirty="0"/>
                     </a:p>
                   </a:txBody>
-                  <a:tcPr/>
-                </a:tc>
-                <a:tc>
-                  <a:txBody>
-                    <a:bodyPr/>
-                    <a:lstStyle/>
-                    <a:p>
-                      <a:endParaRPr lang="en-US"/>
-                    </a:p>
-                  </a:txBody>
-                  <a:tcPr/>
-                </a:tc>
-                <a:tc>
-                  <a:txBody>
-                    <a:bodyPr/>
-                    <a:lstStyle/>
-                    <a:p>
+                  <a:tcPr>
+                    <a:lnL w="12700" cap="flat" cmpd="sng" algn="ctr">
+                      <a:solidFill>
+                        <a:schemeClr val="tx1"/>
+                      </a:solidFill>
+                      <a:prstDash val="solid"/>
+                      <a:round/>
+                      <a:headEnd type="none" w="med" len="med"/>
+                      <a:tailEnd type="none" w="med" len="med"/>
+                    </a:lnL>
+                    <a:lnR w="12700" cap="flat" cmpd="sng" algn="ctr">
+                      <a:solidFill>
+                        <a:schemeClr val="tx1"/>
+                      </a:solidFill>
+                      <a:prstDash val="solid"/>
+                      <a:round/>
+                      <a:headEnd type="none" w="med" len="med"/>
+                      <a:tailEnd type="none" w="med" len="med"/>
+                    </a:lnR>
+                    <a:lnT w="12700" cap="flat" cmpd="sng" algn="ctr">
+                      <a:solidFill>
+                        <a:schemeClr val="tx1"/>
+                      </a:solidFill>
+                      <a:prstDash val="solid"/>
+                      <a:round/>
+                      <a:headEnd type="none" w="med" len="med"/>
+                      <a:tailEnd type="none" w="med" len="med"/>
+                    </a:lnT>
+                    <a:lnB w="12700" cap="flat" cmpd="sng" algn="ctr">
+                      <a:solidFill>
+                        <a:schemeClr val="tx1"/>
+                      </a:solidFill>
+                      <a:prstDash val="solid"/>
+                      <a:round/>
+                      <a:headEnd type="none" w="med" len="med"/>
+                      <a:tailEnd type="none" w="med" len="med"/>
+                    </a:lnB>
+                  </a:tcPr>
+                </a:tc>
+                <a:tc>
+                  <a:txBody>
+                    <a:bodyPr/>
+                    <a:lstStyle/>
+                    <a:p>
+                      <a:pPr algn="ctr"/>
+                      <a:r>
+                        <a:rPr lang="en-US" dirty="0" smtClean="0"/>
+                        <a:t>0.472</a:t>
+                      </a:r>
                       <a:endParaRPr lang="en-US" dirty="0"/>
                     </a:p>
                   </a:txBody>
-                  <a:tcPr/>
-                </a:tc>
-                <a:tc>
-                  <a:txBody>
-                    <a:bodyPr/>
-                    <a:lstStyle/>
-                    <a:p>
-                      <a:endParaRPr lang="en-US"/>
-                    </a:p>
-                  </a:txBody>
-                  <a:tcPr/>
-                </a:tc>
-                <a:tc>
-                  <a:txBody>
-                    <a:bodyPr/>
-                    <a:lstStyle/>
-                    <a:p>
-                      <a:endParaRPr lang="en-US"/>
-                    </a:p>
-                  </a:txBody>
-                  <a:tcPr/>
-                </a:tc>
-                <a:tc>
-                  <a:txBody>
-                    <a:bodyPr/>
-                    <a:lstStyle/>
-                    <a:p>
-                      <a:endParaRPr lang="en-US"/>
-                    </a:p>
-                  </a:txBody>
-                  <a:tcPr/>
-                </a:tc>
-                <a:tc>
-                  <a:txBody>
-                    <a:bodyPr/>
-                    <a:lstStyle/>
-                    <a:p>
-                      <a:endParaRPr lang="en-US"/>
-                    </a:p>
-                  </a:txBody>
-                  <a:tcPr/>
-                </a:tc>
-                <a:tc>
-                  <a:txBody>
-                    <a:bodyPr/>
-                    <a:lstStyle/>
-                    <a:p>
-                      <a:endParaRPr lang="en-US"/>
-                    </a:p>
-                  </a:txBody>
-                  <a:tcPr/>
+                  <a:tcPr>
+                    <a:lnL w="12700" cap="flat" cmpd="sng" algn="ctr">
+                      <a:solidFill>
+                        <a:schemeClr val="tx1"/>
+                      </a:solidFill>
+                      <a:prstDash val="solid"/>
+                      <a:round/>
+                      <a:headEnd type="none" w="med" len="med"/>
+                      <a:tailEnd type="none" w="med" len="med"/>
+                    </a:lnL>
+                    <a:lnR w="12700" cap="flat" cmpd="sng" algn="ctr">
+                      <a:solidFill>
+                        <a:schemeClr val="tx1"/>
+                      </a:solidFill>
+                      <a:prstDash val="solid"/>
+                      <a:round/>
+                      <a:headEnd type="none" w="med" len="med"/>
+                      <a:tailEnd type="none" w="med" len="med"/>
+                    </a:lnR>
+                    <a:lnT w="12700" cap="flat" cmpd="sng" algn="ctr">
+                      <a:solidFill>
+                        <a:schemeClr val="tx1"/>
+                      </a:solidFill>
+                      <a:prstDash val="solid"/>
+                      <a:round/>
+                      <a:headEnd type="none" w="med" len="med"/>
+                      <a:tailEnd type="none" w="med" len="med"/>
+                    </a:lnT>
+                    <a:lnB w="12700" cap="flat" cmpd="sng" algn="ctr">
+                      <a:solidFill>
+                        <a:schemeClr val="tx1"/>
+                      </a:solidFill>
+                      <a:prstDash val="solid"/>
+                      <a:round/>
+                      <a:headEnd type="none" w="med" len="med"/>
+                      <a:tailEnd type="none" w="med" len="med"/>
+                    </a:lnB>
+                  </a:tcPr>
+                </a:tc>
+                <a:tc>
+                  <a:txBody>
+                    <a:bodyPr/>
+                    <a:lstStyle/>
+                    <a:p>
+                      <a:pPr algn="ctr"/>
+                      <a:r>
+                        <a:rPr lang="en-US" dirty="0" smtClean="0"/>
+                        <a:t>0.268</a:t>
+                      </a:r>
+                      <a:endParaRPr lang="en-US" dirty="0"/>
+                    </a:p>
+                  </a:txBody>
+                  <a:tcPr>
+                    <a:lnL w="12700" cap="flat" cmpd="sng" algn="ctr">
+                      <a:solidFill>
+                        <a:schemeClr val="tx1"/>
+                      </a:solidFill>
+                      <a:prstDash val="solid"/>
+                      <a:round/>
+                      <a:headEnd type="none" w="med" len="med"/>
+                      <a:tailEnd type="none" w="med" len="med"/>
+                    </a:lnL>
+                    <a:lnR w="12700" cap="flat" cmpd="sng" algn="ctr">
+                      <a:solidFill>
+                        <a:schemeClr val="tx1"/>
+                      </a:solidFill>
+                      <a:prstDash val="solid"/>
+                      <a:round/>
+                      <a:headEnd type="none" w="med" len="med"/>
+                      <a:tailEnd type="none" w="med" len="med"/>
+                    </a:lnR>
+                    <a:lnT w="12700" cap="flat" cmpd="sng" algn="ctr">
+                      <a:solidFill>
+                        <a:schemeClr val="tx1"/>
+                      </a:solidFill>
+                      <a:prstDash val="solid"/>
+                      <a:round/>
+                      <a:headEnd type="none" w="med" len="med"/>
+                      <a:tailEnd type="none" w="med" len="med"/>
+                    </a:lnT>
+                    <a:lnB w="12700" cap="flat" cmpd="sng" algn="ctr">
+                      <a:solidFill>
+                        <a:schemeClr val="tx1"/>
+                      </a:solidFill>
+                      <a:prstDash val="solid"/>
+                      <a:round/>
+                      <a:headEnd type="none" w="med" len="med"/>
+                      <a:tailEnd type="none" w="med" len="med"/>
+                    </a:lnB>
+                  </a:tcPr>
+                </a:tc>
+                <a:tc>
+                  <a:txBody>
+                    <a:bodyPr/>
+                    <a:lstStyle/>
+                    <a:p>
+                      <a:pPr algn="ctr"/>
+                      <a:r>
+                        <a:rPr lang="en-US" dirty="0" smtClean="0"/>
+                        <a:t>0.336</a:t>
+                      </a:r>
+                      <a:endParaRPr lang="en-US" dirty="0"/>
+                    </a:p>
+                  </a:txBody>
+                  <a:tcPr>
+                    <a:lnL w="12700" cap="flat" cmpd="sng" algn="ctr">
+                      <a:solidFill>
+                        <a:schemeClr val="tx1"/>
+                      </a:solidFill>
+                      <a:prstDash val="solid"/>
+                      <a:round/>
+                      <a:headEnd type="none" w="med" len="med"/>
+                      <a:tailEnd type="none" w="med" len="med"/>
+                    </a:lnL>
+                    <a:lnR w="12700" cap="flat" cmpd="sng" algn="ctr">
+                      <a:solidFill>
+                        <a:schemeClr val="tx1"/>
+                      </a:solidFill>
+                      <a:prstDash val="solid"/>
+                      <a:round/>
+                      <a:headEnd type="none" w="med" len="med"/>
+                      <a:tailEnd type="none" w="med" len="med"/>
+                    </a:lnR>
+                    <a:lnT w="12700" cap="flat" cmpd="sng" algn="ctr">
+                      <a:solidFill>
+                        <a:schemeClr val="tx1"/>
+                      </a:solidFill>
+                      <a:prstDash val="solid"/>
+                      <a:round/>
+                      <a:headEnd type="none" w="med" len="med"/>
+                      <a:tailEnd type="none" w="med" len="med"/>
+                    </a:lnT>
+                    <a:lnB w="12700" cap="flat" cmpd="sng" algn="ctr">
+                      <a:solidFill>
+                        <a:schemeClr val="tx1"/>
+                      </a:solidFill>
+                      <a:prstDash val="solid"/>
+                      <a:round/>
+                      <a:headEnd type="none" w="med" len="med"/>
+                      <a:tailEnd type="none" w="med" len="med"/>
+                    </a:lnB>
+                  </a:tcPr>
+                </a:tc>
+                <a:tc>
+                  <a:txBody>
+                    <a:bodyPr/>
+                    <a:lstStyle/>
+                    <a:p>
+                      <a:pPr algn="ctr"/>
+                      <a:r>
+                        <a:rPr lang="en-US" dirty="0" smtClean="0"/>
+                        <a:t>0.520</a:t>
+                      </a:r>
+                      <a:endParaRPr lang="en-US" dirty="0"/>
+                    </a:p>
+                  </a:txBody>
+                  <a:tcPr>
+                    <a:lnL w="12700" cap="flat" cmpd="sng" algn="ctr">
+                      <a:solidFill>
+                        <a:schemeClr val="tx1"/>
+                      </a:solidFill>
+                      <a:prstDash val="solid"/>
+                      <a:round/>
+                      <a:headEnd type="none" w="med" len="med"/>
+                      <a:tailEnd type="none" w="med" len="med"/>
+                    </a:lnL>
+                    <a:lnR w="12700" cap="flat" cmpd="sng" algn="ctr">
+                      <a:solidFill>
+                        <a:schemeClr val="tx1"/>
+                      </a:solidFill>
+                      <a:prstDash val="solid"/>
+                      <a:round/>
+                      <a:headEnd type="none" w="med" len="med"/>
+                      <a:tailEnd type="none" w="med" len="med"/>
+                    </a:lnR>
+                    <a:lnT w="12700" cap="flat" cmpd="sng" algn="ctr">
+                      <a:solidFill>
+                        <a:schemeClr val="tx1"/>
+                      </a:solidFill>
+                      <a:prstDash val="solid"/>
+                      <a:round/>
+                      <a:headEnd type="none" w="med" len="med"/>
+                      <a:tailEnd type="none" w="med" len="med"/>
+                    </a:lnT>
+                    <a:lnB w="12700" cap="flat" cmpd="sng" algn="ctr">
+                      <a:solidFill>
+                        <a:schemeClr val="tx1"/>
+                      </a:solidFill>
+                      <a:prstDash val="solid"/>
+                      <a:round/>
+                      <a:headEnd type="none" w="med" len="med"/>
+                      <a:tailEnd type="none" w="med" len="med"/>
+                    </a:lnB>
+                  </a:tcPr>
                 </a:tc>
               </a:tr>
               <a:tr h="545091">
@@ -3595,84 +4724,415 @@
                     <a:bodyPr/>
                     <a:lstStyle/>
                     <a:p>
+                      <a:pPr algn="ctr"/>
+                      <a:r>
+                        <a:rPr lang="en-US" b="1" dirty="0" smtClean="0"/>
+                        <a:t>SVM RBF</a:t>
+                      </a:r>
+                      <a:endParaRPr lang="en-US" b="1" dirty="0"/>
+                    </a:p>
+                  </a:txBody>
+                  <a:tcPr>
+                    <a:lnL w="12700" cap="flat" cmpd="sng" algn="ctr">
+                      <a:solidFill>
+                        <a:schemeClr val="tx1"/>
+                      </a:solidFill>
+                      <a:prstDash val="solid"/>
+                      <a:round/>
+                      <a:headEnd type="none" w="med" len="med"/>
+                      <a:tailEnd type="none" w="med" len="med"/>
+                    </a:lnL>
+                    <a:lnR w="12700" cap="flat" cmpd="sng" algn="ctr">
+                      <a:solidFill>
+                        <a:schemeClr val="tx1"/>
+                      </a:solidFill>
+                      <a:prstDash val="solid"/>
+                      <a:round/>
+                      <a:headEnd type="none" w="med" len="med"/>
+                      <a:tailEnd type="none" w="med" len="med"/>
+                    </a:lnR>
+                    <a:lnT w="12700" cap="flat" cmpd="sng" algn="ctr">
+                      <a:solidFill>
+                        <a:schemeClr val="tx1"/>
+                      </a:solidFill>
+                      <a:prstDash val="solid"/>
+                      <a:round/>
+                      <a:headEnd type="none" w="med" len="med"/>
+                      <a:tailEnd type="none" w="med" len="med"/>
+                    </a:lnT>
+                    <a:lnB w="12700" cap="flat" cmpd="sng" algn="ctr">
+                      <a:solidFill>
+                        <a:schemeClr val="tx1"/>
+                      </a:solidFill>
+                      <a:prstDash val="solid"/>
+                      <a:round/>
+                      <a:headEnd type="none" w="med" len="med"/>
+                      <a:tailEnd type="none" w="med" len="med"/>
+                    </a:lnB>
+                  </a:tcPr>
+                </a:tc>
+                <a:tc>
+                  <a:txBody>
+                    <a:bodyPr/>
+                    <a:lstStyle/>
+                    <a:p>
+                      <a:pPr algn="ctr"/>
                       <a:r>
                         <a:rPr lang="en-US" dirty="0" smtClean="0"/>
-                        <a:t>SVM RBF</a:t>
+                        <a:t>0.576</a:t>
+                      </a:r>
+                    </a:p>
+                  </a:txBody>
+                  <a:tcPr>
+                    <a:lnL w="12700" cap="flat" cmpd="sng" algn="ctr">
+                      <a:solidFill>
+                        <a:schemeClr val="tx1"/>
+                      </a:solidFill>
+                      <a:prstDash val="solid"/>
+                      <a:round/>
+                      <a:headEnd type="none" w="med" len="med"/>
+                      <a:tailEnd type="none" w="med" len="med"/>
+                    </a:lnL>
+                    <a:lnR w="12700" cap="flat" cmpd="sng" algn="ctr">
+                      <a:solidFill>
+                        <a:schemeClr val="tx1"/>
+                      </a:solidFill>
+                      <a:prstDash val="solid"/>
+                      <a:round/>
+                      <a:headEnd type="none" w="med" len="med"/>
+                      <a:tailEnd type="none" w="med" len="med"/>
+                    </a:lnR>
+                    <a:lnT w="12700" cap="flat" cmpd="sng" algn="ctr">
+                      <a:solidFill>
+                        <a:schemeClr val="tx1"/>
+                      </a:solidFill>
+                      <a:prstDash val="solid"/>
+                      <a:round/>
+                      <a:headEnd type="none" w="med" len="med"/>
+                      <a:tailEnd type="none" w="med" len="med"/>
+                    </a:lnT>
+                    <a:lnB w="12700" cap="flat" cmpd="sng" algn="ctr">
+                      <a:solidFill>
+                        <a:schemeClr val="tx1"/>
+                      </a:solidFill>
+                      <a:prstDash val="solid"/>
+                      <a:round/>
+                      <a:headEnd type="none" w="med" len="med"/>
+                      <a:tailEnd type="none" w="med" len="med"/>
+                    </a:lnB>
+                  </a:tcPr>
+                </a:tc>
+                <a:tc>
+                  <a:txBody>
+                    <a:bodyPr/>
+                    <a:lstStyle/>
+                    <a:p>
+                      <a:pPr algn="ctr"/>
+                      <a:r>
+                        <a:rPr lang="en-US" dirty="0" smtClean="0"/>
+                        <a:t>0.832</a:t>
                       </a:r>
                       <a:endParaRPr lang="en-US" dirty="0"/>
                     </a:p>
                   </a:txBody>
-                  <a:tcPr/>
-                </a:tc>
-                <a:tc>
-                  <a:txBody>
-                    <a:bodyPr/>
-                    <a:lstStyle/>
-                    <a:p>
-                      <a:endParaRPr lang="en-US"/>
-                    </a:p>
-                  </a:txBody>
-                  <a:tcPr/>
-                </a:tc>
-                <a:tc>
-                  <a:txBody>
-                    <a:bodyPr/>
-                    <a:lstStyle/>
-                    <a:p>
-                      <a:endParaRPr lang="en-US"/>
-                    </a:p>
-                  </a:txBody>
-                  <a:tcPr/>
-                </a:tc>
-                <a:tc>
-                  <a:txBody>
-                    <a:bodyPr/>
-                    <a:lstStyle/>
-                    <a:p>
-                      <a:endParaRPr lang="en-US"/>
-                    </a:p>
-                  </a:txBody>
-                  <a:tcPr/>
-                </a:tc>
-                <a:tc>
-                  <a:txBody>
-                    <a:bodyPr/>
-                    <a:lstStyle/>
-                    <a:p>
-                      <a:endParaRPr lang="en-US"/>
-                    </a:p>
-                  </a:txBody>
-                  <a:tcPr/>
-                </a:tc>
-                <a:tc>
-                  <a:txBody>
-                    <a:bodyPr/>
-                    <a:lstStyle/>
-                    <a:p>
-                      <a:endParaRPr lang="en-US"/>
-                    </a:p>
-                  </a:txBody>
-                  <a:tcPr/>
-                </a:tc>
-                <a:tc>
-                  <a:txBody>
-                    <a:bodyPr/>
-                    <a:lstStyle/>
-                    <a:p>
+                  <a:tcPr>
+                    <a:lnL w="12700" cap="flat" cmpd="sng" algn="ctr">
+                      <a:solidFill>
+                        <a:schemeClr val="tx1"/>
+                      </a:solidFill>
+                      <a:prstDash val="solid"/>
+                      <a:round/>
+                      <a:headEnd type="none" w="med" len="med"/>
+                      <a:tailEnd type="none" w="med" len="med"/>
+                    </a:lnL>
+                    <a:lnR w="12700" cap="flat" cmpd="sng" algn="ctr">
+                      <a:solidFill>
+                        <a:schemeClr val="tx1"/>
+                      </a:solidFill>
+                      <a:prstDash val="solid"/>
+                      <a:round/>
+                      <a:headEnd type="none" w="med" len="med"/>
+                      <a:tailEnd type="none" w="med" len="med"/>
+                    </a:lnR>
+                    <a:lnT w="12700" cap="flat" cmpd="sng" algn="ctr">
+                      <a:solidFill>
+                        <a:schemeClr val="tx1"/>
+                      </a:solidFill>
+                      <a:prstDash val="solid"/>
+                      <a:round/>
+                      <a:headEnd type="none" w="med" len="med"/>
+                      <a:tailEnd type="none" w="med" len="med"/>
+                    </a:lnT>
+                    <a:lnB w="12700" cap="flat" cmpd="sng" algn="ctr">
+                      <a:solidFill>
+                        <a:schemeClr val="tx1"/>
+                      </a:solidFill>
+                      <a:prstDash val="solid"/>
+                      <a:round/>
+                      <a:headEnd type="none" w="med" len="med"/>
+                      <a:tailEnd type="none" w="med" len="med"/>
+                    </a:lnB>
+                  </a:tcPr>
+                </a:tc>
+                <a:tc>
+                  <a:txBody>
+                    <a:bodyPr/>
+                    <a:lstStyle/>
+                    <a:p>
+                      <a:pPr algn="ctr"/>
+                      <a:r>
+                        <a:rPr lang="en-US" dirty="0" smtClean="0"/>
+                        <a:t>0.669</a:t>
+                      </a:r>
                       <a:endParaRPr lang="en-US" dirty="0"/>
                     </a:p>
                   </a:txBody>
-                  <a:tcPr/>
-                </a:tc>
-                <a:tc>
-                  <a:txBody>
-                    <a:bodyPr/>
-                    <a:lstStyle/>
-                    <a:p>
+                  <a:tcPr>
+                    <a:lnL w="12700" cap="flat" cmpd="sng" algn="ctr">
+                      <a:solidFill>
+                        <a:schemeClr val="tx1"/>
+                      </a:solidFill>
+                      <a:prstDash val="solid"/>
+                      <a:round/>
+                      <a:headEnd type="none" w="med" len="med"/>
+                      <a:tailEnd type="none" w="med" len="med"/>
+                    </a:lnL>
+                    <a:lnR w="12700" cap="flat" cmpd="sng" algn="ctr">
+                      <a:solidFill>
+                        <a:schemeClr val="tx1"/>
+                      </a:solidFill>
+                      <a:prstDash val="solid"/>
+                      <a:round/>
+                      <a:headEnd type="none" w="med" len="med"/>
+                      <a:tailEnd type="none" w="med" len="med"/>
+                    </a:lnR>
+                    <a:lnT w="12700" cap="flat" cmpd="sng" algn="ctr">
+                      <a:solidFill>
+                        <a:schemeClr val="tx1"/>
+                      </a:solidFill>
+                      <a:prstDash val="solid"/>
+                      <a:round/>
+                      <a:headEnd type="none" w="med" len="med"/>
+                      <a:tailEnd type="none" w="med" len="med"/>
+                    </a:lnT>
+                    <a:lnB w="12700" cap="flat" cmpd="sng" algn="ctr">
+                      <a:solidFill>
+                        <a:schemeClr val="tx1"/>
+                      </a:solidFill>
+                      <a:prstDash val="solid"/>
+                      <a:round/>
+                      <a:headEnd type="none" w="med" len="med"/>
+                      <a:tailEnd type="none" w="med" len="med"/>
+                    </a:lnB>
+                  </a:tcPr>
+                </a:tc>
+                <a:tc>
+                  <a:txBody>
+                    <a:bodyPr/>
+                    <a:lstStyle/>
+                    <a:p>
+                      <a:pPr algn="ctr"/>
+                      <a:r>
+                        <a:rPr lang="en-US" dirty="0" smtClean="0"/>
+                        <a:t>0.517</a:t>
+                      </a:r>
                       <a:endParaRPr lang="en-US" dirty="0"/>
                     </a:p>
                   </a:txBody>
-                  <a:tcPr/>
+                  <a:tcPr>
+                    <a:lnL w="12700" cap="flat" cmpd="sng" algn="ctr">
+                      <a:solidFill>
+                        <a:schemeClr val="tx1"/>
+                      </a:solidFill>
+                      <a:prstDash val="solid"/>
+                      <a:round/>
+                      <a:headEnd type="none" w="med" len="med"/>
+                      <a:tailEnd type="none" w="med" len="med"/>
+                    </a:lnL>
+                    <a:lnR w="12700" cap="flat" cmpd="sng" algn="ctr">
+                      <a:solidFill>
+                        <a:schemeClr val="tx1"/>
+                      </a:solidFill>
+                      <a:prstDash val="solid"/>
+                      <a:round/>
+                      <a:headEnd type="none" w="med" len="med"/>
+                      <a:tailEnd type="none" w="med" len="med"/>
+                    </a:lnR>
+                    <a:lnT w="12700" cap="flat" cmpd="sng" algn="ctr">
+                      <a:solidFill>
+                        <a:schemeClr val="tx1"/>
+                      </a:solidFill>
+                      <a:prstDash val="solid"/>
+                      <a:round/>
+                      <a:headEnd type="none" w="med" len="med"/>
+                      <a:tailEnd type="none" w="med" len="med"/>
+                    </a:lnT>
+                    <a:lnB w="12700" cap="flat" cmpd="sng" algn="ctr">
+                      <a:solidFill>
+                        <a:schemeClr val="tx1"/>
+                      </a:solidFill>
+                      <a:prstDash val="solid"/>
+                      <a:round/>
+                      <a:headEnd type="none" w="med" len="med"/>
+                      <a:tailEnd type="none" w="med" len="med"/>
+                    </a:lnB>
+                  </a:tcPr>
+                </a:tc>
+                <a:tc>
+                  <a:txBody>
+                    <a:bodyPr/>
+                    <a:lstStyle/>
+                    <a:p>
+                      <a:pPr algn="ctr"/>
+                      <a:r>
+                        <a:rPr lang="en-US" dirty="0" smtClean="0"/>
+                        <a:t>0.238</a:t>
+                      </a:r>
+                      <a:endParaRPr lang="en-US" dirty="0"/>
+                    </a:p>
+                  </a:txBody>
+                  <a:tcPr>
+                    <a:lnL w="12700" cap="flat" cmpd="sng" algn="ctr">
+                      <a:solidFill>
+                        <a:schemeClr val="tx1"/>
+                      </a:solidFill>
+                      <a:prstDash val="solid"/>
+                      <a:round/>
+                      <a:headEnd type="none" w="med" len="med"/>
+                      <a:tailEnd type="none" w="med" len="med"/>
+                    </a:lnL>
+                    <a:lnR w="12700" cap="flat" cmpd="sng" algn="ctr">
+                      <a:solidFill>
+                        <a:schemeClr val="tx1"/>
+                      </a:solidFill>
+                      <a:prstDash val="solid"/>
+                      <a:round/>
+                      <a:headEnd type="none" w="med" len="med"/>
+                      <a:tailEnd type="none" w="med" len="med"/>
+                    </a:lnR>
+                    <a:lnT w="12700" cap="flat" cmpd="sng" algn="ctr">
+                      <a:solidFill>
+                        <a:schemeClr val="tx1"/>
+                      </a:solidFill>
+                      <a:prstDash val="solid"/>
+                      <a:round/>
+                      <a:headEnd type="none" w="med" len="med"/>
+                      <a:tailEnd type="none" w="med" len="med"/>
+                    </a:lnT>
+                    <a:lnB w="12700" cap="flat" cmpd="sng" algn="ctr">
+                      <a:solidFill>
+                        <a:schemeClr val="tx1"/>
+                      </a:solidFill>
+                      <a:prstDash val="solid"/>
+                      <a:round/>
+                      <a:headEnd type="none" w="med" len="med"/>
+                      <a:tailEnd type="none" w="med" len="med"/>
+                    </a:lnB>
+                  </a:tcPr>
+                </a:tc>
+                <a:tc>
+                  <a:txBody>
+                    <a:bodyPr/>
+                    <a:lstStyle/>
+                    <a:p>
+                      <a:pPr algn="ctr"/>
+                      <a:r>
+                        <a:rPr lang="en-US" dirty="0" smtClean="0"/>
+                        <a:t>0.32</a:t>
+                      </a:r>
+                      <a:endParaRPr lang="en-US" dirty="0"/>
+                    </a:p>
+                  </a:txBody>
+                  <a:tcPr>
+                    <a:lnL w="12700" cap="flat" cmpd="sng" algn="ctr">
+                      <a:solidFill>
+                        <a:schemeClr val="tx1"/>
+                      </a:solidFill>
+                      <a:prstDash val="solid"/>
+                      <a:round/>
+                      <a:headEnd type="none" w="med" len="med"/>
+                      <a:tailEnd type="none" w="med" len="med"/>
+                    </a:lnL>
+                    <a:lnR w="12700" cap="flat" cmpd="sng" algn="ctr">
+                      <a:solidFill>
+                        <a:schemeClr val="tx1"/>
+                      </a:solidFill>
+                      <a:prstDash val="solid"/>
+                      <a:round/>
+                      <a:headEnd type="none" w="med" len="med"/>
+                      <a:tailEnd type="none" w="med" len="med"/>
+                    </a:lnR>
+                    <a:lnT w="12700" cap="flat" cmpd="sng" algn="ctr">
+                      <a:solidFill>
+                        <a:schemeClr val="tx1"/>
+                      </a:solidFill>
+                      <a:prstDash val="solid"/>
+                      <a:round/>
+                      <a:headEnd type="none" w="med" len="med"/>
+                      <a:tailEnd type="none" w="med" len="med"/>
+                    </a:lnT>
+                    <a:lnB w="12700" cap="flat" cmpd="sng" algn="ctr">
+                      <a:solidFill>
+                        <a:schemeClr val="tx1"/>
+                      </a:solidFill>
+                      <a:prstDash val="solid"/>
+                      <a:round/>
+                      <a:headEnd type="none" w="med" len="med"/>
+                      <a:tailEnd type="none" w="med" len="med"/>
+                    </a:lnB>
+                  </a:tcPr>
+                </a:tc>
+                <a:tc>
+                  <a:txBody>
+                    <a:bodyPr/>
+                    <a:lstStyle/>
+                    <a:p>
+                      <a:pPr algn="ctr"/>
+                      <a:r>
+                        <a:rPr lang="en-US" dirty="0" smtClean="0"/>
+                        <a:t>0.57</a:t>
+                      </a:r>
+                      <a:endParaRPr lang="en-US" dirty="0"/>
+                    </a:p>
+                  </a:txBody>
+                  <a:tcPr>
+                    <a:lnL w="12700" cap="flat" cmpd="sng" algn="ctr">
+                      <a:solidFill>
+                        <a:schemeClr val="tx1"/>
+                      </a:solidFill>
+                      <a:prstDash val="solid"/>
+                      <a:round/>
+                      <a:headEnd type="none" w="med" len="med"/>
+                      <a:tailEnd type="none" w="med" len="med"/>
+                    </a:lnL>
+                    <a:lnR w="12700" cap="flat" cmpd="sng" algn="ctr">
+                      <a:solidFill>
+                        <a:schemeClr val="tx1"/>
+                      </a:solidFill>
+                      <a:prstDash val="solid"/>
+                      <a:round/>
+                      <a:headEnd type="none" w="med" len="med"/>
+                      <a:tailEnd type="none" w="med" len="med"/>
+                    </a:lnR>
+                    <a:lnT w="12700" cap="flat" cmpd="sng" algn="ctr">
+                      <a:solidFill>
+                        <a:schemeClr val="tx1"/>
+                      </a:solidFill>
+                      <a:prstDash val="solid"/>
+                      <a:round/>
+                      <a:headEnd type="none" w="med" len="med"/>
+                      <a:tailEnd type="none" w="med" len="med"/>
+                    </a:lnT>
+                    <a:lnB w="12700" cap="flat" cmpd="sng" algn="ctr">
+                      <a:solidFill>
+                        <a:schemeClr val="tx1"/>
+                      </a:solidFill>
+                      <a:prstDash val="solid"/>
+                      <a:round/>
+                      <a:headEnd type="none" w="med" len="med"/>
+                      <a:tailEnd type="none" w="med" len="med"/>
+                    </a:lnB>
+                  </a:tcPr>
                 </a:tc>
               </a:tr>
               <a:tr h="581984">
@@ -3681,92 +5141,416 @@
                     <a:bodyPr/>
                     <a:lstStyle/>
                     <a:p>
+                      <a:pPr algn="ctr"/>
+                      <a:r>
+                        <a:rPr lang="en-US" b="1" dirty="0" smtClean="0"/>
+                        <a:t>Naïve Bayes Unigram</a:t>
+                      </a:r>
+                      <a:endParaRPr lang="en-US" b="1" dirty="0"/>
+                    </a:p>
+                  </a:txBody>
+                  <a:tcPr>
+                    <a:lnL w="12700" cap="flat" cmpd="sng" algn="ctr">
+                      <a:solidFill>
+                        <a:schemeClr val="tx1"/>
+                      </a:solidFill>
+                      <a:prstDash val="solid"/>
+                      <a:round/>
+                      <a:headEnd type="none" w="med" len="med"/>
+                      <a:tailEnd type="none" w="med" len="med"/>
+                    </a:lnL>
+                    <a:lnR w="12700" cap="flat" cmpd="sng" algn="ctr">
+                      <a:solidFill>
+                        <a:schemeClr val="tx1"/>
+                      </a:solidFill>
+                      <a:prstDash val="solid"/>
+                      <a:round/>
+                      <a:headEnd type="none" w="med" len="med"/>
+                      <a:tailEnd type="none" w="med" len="med"/>
+                    </a:lnR>
+                    <a:lnT w="12700" cap="flat" cmpd="sng" algn="ctr">
+                      <a:solidFill>
+                        <a:schemeClr val="tx1"/>
+                      </a:solidFill>
+                      <a:prstDash val="solid"/>
+                      <a:round/>
+                      <a:headEnd type="none" w="med" len="med"/>
+                      <a:tailEnd type="none" w="med" len="med"/>
+                    </a:lnT>
+                    <a:lnB w="12700" cap="flat" cmpd="sng" algn="ctr">
+                      <a:solidFill>
+                        <a:schemeClr val="tx1"/>
+                      </a:solidFill>
+                      <a:prstDash val="solid"/>
+                      <a:round/>
+                      <a:headEnd type="none" w="med" len="med"/>
+                      <a:tailEnd type="none" w="med" len="med"/>
+                    </a:lnB>
+                  </a:tcPr>
+                </a:tc>
+                <a:tc>
+                  <a:txBody>
+                    <a:bodyPr/>
+                    <a:lstStyle/>
+                    <a:p>
+                      <a:pPr algn="ctr"/>
                       <a:r>
                         <a:rPr lang="en-US" dirty="0" smtClean="0"/>
-                        <a:t>Naïve </a:t>
-                      </a:r>
-                      <a:r>
-                        <a:rPr lang="en-US" dirty="0" err="1" smtClean="0"/>
-                        <a:t>bayes</a:t>
-                      </a:r>
+                        <a:t>0.632</a:t>
+                      </a:r>
+                      <a:endParaRPr lang="en-US" dirty="0"/>
+                    </a:p>
+                  </a:txBody>
+                  <a:tcPr>
+                    <a:lnL w="12700" cap="flat" cmpd="sng" algn="ctr">
+                      <a:solidFill>
+                        <a:schemeClr val="tx1"/>
+                      </a:solidFill>
+                      <a:prstDash val="solid"/>
+                      <a:round/>
+                      <a:headEnd type="none" w="med" len="med"/>
+                      <a:tailEnd type="none" w="med" len="med"/>
+                    </a:lnL>
+                    <a:lnR w="12700" cap="flat" cmpd="sng" algn="ctr">
+                      <a:solidFill>
+                        <a:schemeClr val="tx1"/>
+                      </a:solidFill>
+                      <a:prstDash val="solid"/>
+                      <a:round/>
+                      <a:headEnd type="none" w="med" len="med"/>
+                      <a:tailEnd type="none" w="med" len="med"/>
+                    </a:lnR>
+                    <a:lnT w="12700" cap="flat" cmpd="sng" algn="ctr">
+                      <a:solidFill>
+                        <a:schemeClr val="tx1"/>
+                      </a:solidFill>
+                      <a:prstDash val="solid"/>
+                      <a:round/>
+                      <a:headEnd type="none" w="med" len="med"/>
+                      <a:tailEnd type="none" w="med" len="med"/>
+                    </a:lnT>
+                    <a:lnB w="12700" cap="flat" cmpd="sng" algn="ctr">
+                      <a:solidFill>
+                        <a:schemeClr val="tx1"/>
+                      </a:solidFill>
+                      <a:prstDash val="solid"/>
+                      <a:round/>
+                      <a:headEnd type="none" w="med" len="med"/>
+                      <a:tailEnd type="none" w="med" len="med"/>
+                    </a:lnB>
+                  </a:tcPr>
+                </a:tc>
+                <a:tc>
+                  <a:txBody>
+                    <a:bodyPr/>
+                    <a:lstStyle/>
+                    <a:p>
+                      <a:pPr algn="ctr"/>
                       <a:r>
                         <a:rPr lang="en-US" dirty="0" smtClean="0"/>
-                        <a:t> Unigram</a:t>
+                        <a:t>0.727</a:t>
                       </a:r>
                       <a:endParaRPr lang="en-US" dirty="0"/>
                     </a:p>
                   </a:txBody>
-                  <a:tcPr/>
-                </a:tc>
-                <a:tc>
-                  <a:txBody>
-                    <a:bodyPr/>
-                    <a:lstStyle/>
-                    <a:p>
-                      <a:endParaRPr lang="en-US"/>
-                    </a:p>
-                  </a:txBody>
-                  <a:tcPr/>
-                </a:tc>
-                <a:tc>
-                  <a:txBody>
-                    <a:bodyPr/>
-                    <a:lstStyle/>
-                    <a:p>
-                      <a:endParaRPr lang="en-US"/>
-                    </a:p>
-                  </a:txBody>
-                  <a:tcPr/>
-                </a:tc>
-                <a:tc>
-                  <a:txBody>
-                    <a:bodyPr/>
-                    <a:lstStyle/>
-                    <a:p>
-                      <a:endParaRPr lang="en-US"/>
-                    </a:p>
-                  </a:txBody>
-                  <a:tcPr/>
-                </a:tc>
-                <a:tc>
-                  <a:txBody>
-                    <a:bodyPr/>
-                    <a:lstStyle/>
-                    <a:p>
-                      <a:endParaRPr lang="en-US"/>
-                    </a:p>
-                  </a:txBody>
-                  <a:tcPr/>
-                </a:tc>
-                <a:tc>
-                  <a:txBody>
-                    <a:bodyPr/>
-                    <a:lstStyle/>
-                    <a:p>
-                      <a:endParaRPr lang="en-US"/>
-                    </a:p>
-                  </a:txBody>
-                  <a:tcPr/>
-                </a:tc>
-                <a:tc>
-                  <a:txBody>
-                    <a:bodyPr/>
-                    <a:lstStyle/>
-                    <a:p>
+                  <a:tcPr>
+                    <a:lnL w="12700" cap="flat" cmpd="sng" algn="ctr">
+                      <a:solidFill>
+                        <a:schemeClr val="tx1"/>
+                      </a:solidFill>
+                      <a:prstDash val="solid"/>
+                      <a:round/>
+                      <a:headEnd type="none" w="med" len="med"/>
+                      <a:tailEnd type="none" w="med" len="med"/>
+                    </a:lnL>
+                    <a:lnR w="12700" cap="flat" cmpd="sng" algn="ctr">
+                      <a:solidFill>
+                        <a:schemeClr val="tx1"/>
+                      </a:solidFill>
+                      <a:prstDash val="solid"/>
+                      <a:round/>
+                      <a:headEnd type="none" w="med" len="med"/>
+                      <a:tailEnd type="none" w="med" len="med"/>
+                    </a:lnR>
+                    <a:lnT w="12700" cap="flat" cmpd="sng" algn="ctr">
+                      <a:solidFill>
+                        <a:schemeClr val="tx1"/>
+                      </a:solidFill>
+                      <a:prstDash val="solid"/>
+                      <a:round/>
+                      <a:headEnd type="none" w="med" len="med"/>
+                      <a:tailEnd type="none" w="med" len="med"/>
+                    </a:lnT>
+                    <a:lnB w="12700" cap="flat" cmpd="sng" algn="ctr">
+                      <a:solidFill>
+                        <a:schemeClr val="tx1"/>
+                      </a:solidFill>
+                      <a:prstDash val="solid"/>
+                      <a:round/>
+                      <a:headEnd type="none" w="med" len="med"/>
+                      <a:tailEnd type="none" w="med" len="med"/>
+                    </a:lnB>
+                  </a:tcPr>
+                </a:tc>
+                <a:tc>
+                  <a:txBody>
+                    <a:bodyPr/>
+                    <a:lstStyle/>
+                    <a:p>
+                      <a:pPr algn="ctr"/>
+                      <a:r>
+                        <a:rPr lang="en-US" dirty="0" smtClean="0"/>
+                        <a:t>0.677</a:t>
+                      </a:r>
                       <a:endParaRPr lang="en-US" dirty="0"/>
                     </a:p>
                   </a:txBody>
-                  <a:tcPr/>
-                </a:tc>
-                <a:tc>
-                  <a:txBody>
-                    <a:bodyPr/>
-                    <a:lstStyle/>
-                    <a:p>
+                  <a:tcPr>
+                    <a:lnL w="12700" cap="flat" cmpd="sng" algn="ctr">
+                      <a:solidFill>
+                        <a:schemeClr val="tx1"/>
+                      </a:solidFill>
+                      <a:prstDash val="solid"/>
+                      <a:round/>
+                      <a:headEnd type="none" w="med" len="med"/>
+                      <a:tailEnd type="none" w="med" len="med"/>
+                    </a:lnL>
+                    <a:lnR w="12700" cap="flat" cmpd="sng" algn="ctr">
+                      <a:solidFill>
+                        <a:schemeClr val="tx1"/>
+                      </a:solidFill>
+                      <a:prstDash val="solid"/>
+                      <a:round/>
+                      <a:headEnd type="none" w="med" len="med"/>
+                      <a:tailEnd type="none" w="med" len="med"/>
+                    </a:lnR>
+                    <a:lnT w="12700" cap="flat" cmpd="sng" algn="ctr">
+                      <a:solidFill>
+                        <a:schemeClr val="tx1"/>
+                      </a:solidFill>
+                      <a:prstDash val="solid"/>
+                      <a:round/>
+                      <a:headEnd type="none" w="med" len="med"/>
+                      <a:tailEnd type="none" w="med" len="med"/>
+                    </a:lnT>
+                    <a:lnB w="12700" cap="flat" cmpd="sng" algn="ctr">
+                      <a:solidFill>
+                        <a:schemeClr val="tx1"/>
+                      </a:solidFill>
+                      <a:prstDash val="solid"/>
+                      <a:round/>
+                      <a:headEnd type="none" w="med" len="med"/>
+                      <a:tailEnd type="none" w="med" len="med"/>
+                    </a:lnB>
+                  </a:tcPr>
+                </a:tc>
+                <a:tc>
+                  <a:txBody>
+                    <a:bodyPr/>
+                    <a:lstStyle/>
+                    <a:p>
+                      <a:pPr algn="ctr"/>
+                      <a:r>
+                        <a:rPr lang="en-US" dirty="0" smtClean="0"/>
+                        <a:t>0.476</a:t>
+                      </a:r>
                       <a:endParaRPr lang="en-US" dirty="0"/>
                     </a:p>
                   </a:txBody>
-                  <a:tcPr/>
+                  <a:tcPr>
+                    <a:lnL w="12700" cap="flat" cmpd="sng" algn="ctr">
+                      <a:solidFill>
+                        <a:schemeClr val="tx1"/>
+                      </a:solidFill>
+                      <a:prstDash val="solid"/>
+                      <a:round/>
+                      <a:headEnd type="none" w="med" len="med"/>
+                      <a:tailEnd type="none" w="med" len="med"/>
+                    </a:lnL>
+                    <a:lnR w="12700" cap="flat" cmpd="sng" algn="ctr">
+                      <a:solidFill>
+                        <a:schemeClr val="tx1"/>
+                      </a:solidFill>
+                      <a:prstDash val="solid"/>
+                      <a:round/>
+                      <a:headEnd type="none" w="med" len="med"/>
+                      <a:tailEnd type="none" w="med" len="med"/>
+                    </a:lnR>
+                    <a:lnT w="12700" cap="flat" cmpd="sng" algn="ctr">
+                      <a:solidFill>
+                        <a:schemeClr val="tx1"/>
+                      </a:solidFill>
+                      <a:prstDash val="solid"/>
+                      <a:round/>
+                      <a:headEnd type="none" w="med" len="med"/>
+                      <a:tailEnd type="none" w="med" len="med"/>
+                    </a:lnT>
+                    <a:lnB w="12700" cap="flat" cmpd="sng" algn="ctr">
+                      <a:solidFill>
+                        <a:schemeClr val="tx1"/>
+                      </a:solidFill>
+                      <a:prstDash val="solid"/>
+                      <a:round/>
+                      <a:headEnd type="none" w="med" len="med"/>
+                      <a:tailEnd type="none" w="med" len="med"/>
+                    </a:lnB>
+                  </a:tcPr>
+                </a:tc>
+                <a:tc>
+                  <a:txBody>
+                    <a:bodyPr/>
+                    <a:lstStyle/>
+                    <a:p>
+                      <a:pPr algn="ctr"/>
+                      <a:r>
+                        <a:rPr lang="en-US" dirty="0" smtClean="0"/>
+                        <a:t>0.403</a:t>
+                      </a:r>
+                      <a:endParaRPr lang="en-US" dirty="0"/>
+                    </a:p>
+                  </a:txBody>
+                  <a:tcPr>
+                    <a:lnL w="12700" cap="flat" cmpd="sng" algn="ctr">
+                      <a:solidFill>
+                        <a:schemeClr val="tx1"/>
+                      </a:solidFill>
+                      <a:prstDash val="solid"/>
+                      <a:round/>
+                      <a:headEnd type="none" w="med" len="med"/>
+                      <a:tailEnd type="none" w="med" len="med"/>
+                    </a:lnL>
+                    <a:lnR w="12700" cap="flat" cmpd="sng" algn="ctr">
+                      <a:solidFill>
+                        <a:schemeClr val="tx1"/>
+                      </a:solidFill>
+                      <a:prstDash val="solid"/>
+                      <a:round/>
+                      <a:headEnd type="none" w="med" len="med"/>
+                      <a:tailEnd type="none" w="med" len="med"/>
+                    </a:lnR>
+                    <a:lnT w="12700" cap="flat" cmpd="sng" algn="ctr">
+                      <a:solidFill>
+                        <a:schemeClr val="tx1"/>
+                      </a:solidFill>
+                      <a:prstDash val="solid"/>
+                      <a:round/>
+                      <a:headEnd type="none" w="med" len="med"/>
+                      <a:tailEnd type="none" w="med" len="med"/>
+                    </a:lnT>
+                    <a:lnB w="12700" cap="flat" cmpd="sng" algn="ctr">
+                      <a:solidFill>
+                        <a:schemeClr val="tx1"/>
+                      </a:solidFill>
+                      <a:prstDash val="solid"/>
+                      <a:round/>
+                      <a:headEnd type="none" w="med" len="med"/>
+                      <a:tailEnd type="none" w="med" len="med"/>
+                    </a:lnB>
+                  </a:tcPr>
+                </a:tc>
+                <a:tc>
+                  <a:txBody>
+                    <a:bodyPr/>
+                    <a:lstStyle/>
+                    <a:p>
+                      <a:pPr algn="ctr"/>
+                      <a:r>
+                        <a:rPr lang="en-US" dirty="0" smtClean="0"/>
+                        <a:t>0.432</a:t>
+                      </a:r>
+                      <a:endParaRPr lang="en-US" dirty="0"/>
+                    </a:p>
+                  </a:txBody>
+                  <a:tcPr>
+                    <a:lnL w="12700" cap="flat" cmpd="sng" algn="ctr">
+                      <a:solidFill>
+                        <a:schemeClr val="tx1"/>
+                      </a:solidFill>
+                      <a:prstDash val="solid"/>
+                      <a:round/>
+                      <a:headEnd type="none" w="med" len="med"/>
+                      <a:tailEnd type="none" w="med" len="med"/>
+                    </a:lnL>
+                    <a:lnR w="12700" cap="flat" cmpd="sng" algn="ctr">
+                      <a:solidFill>
+                        <a:schemeClr val="tx1"/>
+                      </a:solidFill>
+                      <a:prstDash val="solid"/>
+                      <a:round/>
+                      <a:headEnd type="none" w="med" len="med"/>
+                      <a:tailEnd type="none" w="med" len="med"/>
+                    </a:lnR>
+                    <a:lnT w="12700" cap="flat" cmpd="sng" algn="ctr">
+                      <a:solidFill>
+                        <a:schemeClr val="tx1"/>
+                      </a:solidFill>
+                      <a:prstDash val="solid"/>
+                      <a:round/>
+                      <a:headEnd type="none" w="med" len="med"/>
+                      <a:tailEnd type="none" w="med" len="med"/>
+                    </a:lnT>
+                    <a:lnB w="12700" cap="flat" cmpd="sng" algn="ctr">
+                      <a:solidFill>
+                        <a:schemeClr val="tx1"/>
+                      </a:solidFill>
+                      <a:prstDash val="solid"/>
+                      <a:round/>
+                      <a:headEnd type="none" w="med" len="med"/>
+                      <a:tailEnd type="none" w="med" len="med"/>
+                    </a:lnB>
+                  </a:tcPr>
+                </a:tc>
+                <a:tc>
+                  <a:txBody>
+                    <a:bodyPr/>
+                    <a:lstStyle/>
+                    <a:p>
+                      <a:pPr algn="ctr"/>
+                      <a:r>
+                        <a:rPr lang="en-US" dirty="0" smtClean="0"/>
+                        <a:t>0.575</a:t>
+                      </a:r>
+                      <a:endParaRPr lang="en-US" dirty="0"/>
+                    </a:p>
+                  </a:txBody>
+                  <a:tcPr>
+                    <a:lnL w="12700" cap="flat" cmpd="sng" algn="ctr">
+                      <a:solidFill>
+                        <a:schemeClr val="tx1"/>
+                      </a:solidFill>
+                      <a:prstDash val="solid"/>
+                      <a:round/>
+                      <a:headEnd type="none" w="med" len="med"/>
+                      <a:tailEnd type="none" w="med" len="med"/>
+                    </a:lnL>
+                    <a:lnR w="12700" cap="flat" cmpd="sng" algn="ctr">
+                      <a:solidFill>
+                        <a:schemeClr val="tx1"/>
+                      </a:solidFill>
+                      <a:prstDash val="solid"/>
+                      <a:round/>
+                      <a:headEnd type="none" w="med" len="med"/>
+                      <a:tailEnd type="none" w="med" len="med"/>
+                    </a:lnR>
+                    <a:lnT w="12700" cap="flat" cmpd="sng" algn="ctr">
+                      <a:solidFill>
+                        <a:schemeClr val="tx1"/>
+                      </a:solidFill>
+                      <a:prstDash val="solid"/>
+                      <a:round/>
+                      <a:headEnd type="none" w="med" len="med"/>
+                      <a:tailEnd type="none" w="med" len="med"/>
+                    </a:lnT>
+                    <a:lnB w="12700" cap="flat" cmpd="sng" algn="ctr">
+                      <a:solidFill>
+                        <a:schemeClr val="tx1"/>
+                      </a:solidFill>
+                      <a:prstDash val="solid"/>
+                      <a:round/>
+                      <a:headEnd type="none" w="med" len="med"/>
+                      <a:tailEnd type="none" w="med" len="med"/>
+                    </a:lnB>
+                  </a:tcPr>
                 </a:tc>
               </a:tr>
               <a:tr h="581984">
@@ -3775,92 +5559,835 @@
                     <a:bodyPr/>
                     <a:lstStyle/>
                     <a:p>
+                      <a:pPr algn="ctr"/>
+                      <a:r>
+                        <a:rPr lang="en-US" b="1" dirty="0" smtClean="0"/>
+                        <a:t>Naïve </a:t>
+                      </a:r>
+                      <a:r>
+                        <a:rPr lang="en-US" b="1" dirty="0" smtClean="0"/>
+                        <a:t>Bayes </a:t>
+                      </a:r>
+                      <a:r>
+                        <a:rPr lang="en-US" b="1" dirty="0" smtClean="0"/>
+                        <a:t>Bigram</a:t>
+                      </a:r>
+                      <a:endParaRPr lang="en-US" b="1" dirty="0"/>
+                    </a:p>
+                  </a:txBody>
+                  <a:tcPr>
+                    <a:lnL w="12700" cap="flat" cmpd="sng" algn="ctr">
+                      <a:solidFill>
+                        <a:schemeClr val="tx1"/>
+                      </a:solidFill>
+                      <a:prstDash val="solid"/>
+                      <a:round/>
+                      <a:headEnd type="none" w="med" len="med"/>
+                      <a:tailEnd type="none" w="med" len="med"/>
+                    </a:lnL>
+                    <a:lnR w="12700" cap="flat" cmpd="sng" algn="ctr">
+                      <a:solidFill>
+                        <a:schemeClr val="tx1"/>
+                      </a:solidFill>
+                      <a:prstDash val="solid"/>
+                      <a:round/>
+                      <a:headEnd type="none" w="med" len="med"/>
+                      <a:tailEnd type="none" w="med" len="med"/>
+                    </a:lnR>
+                    <a:lnT w="12700" cap="flat" cmpd="sng" algn="ctr">
+                      <a:solidFill>
+                        <a:schemeClr val="tx1"/>
+                      </a:solidFill>
+                      <a:prstDash val="solid"/>
+                      <a:round/>
+                      <a:headEnd type="none" w="med" len="med"/>
+                      <a:tailEnd type="none" w="med" len="med"/>
+                    </a:lnT>
+                    <a:lnB w="12700" cap="flat" cmpd="sng" algn="ctr">
+                      <a:solidFill>
+                        <a:schemeClr val="tx1"/>
+                      </a:solidFill>
+                      <a:prstDash val="solid"/>
+                      <a:round/>
+                      <a:headEnd type="none" w="med" len="med"/>
+                      <a:tailEnd type="none" w="med" len="med"/>
+                    </a:lnB>
+                  </a:tcPr>
+                </a:tc>
+                <a:tc>
+                  <a:txBody>
+                    <a:bodyPr/>
+                    <a:lstStyle/>
+                    <a:p>
+                      <a:pPr algn="ctr"/>
                       <a:r>
                         <a:rPr lang="en-US" dirty="0" smtClean="0"/>
-                        <a:t>Naïve </a:t>
-                      </a:r>
-                      <a:r>
-                        <a:rPr lang="en-US" dirty="0" err="1" smtClean="0"/>
-                        <a:t>bayes</a:t>
-                      </a:r>
+                        <a:t>0.599</a:t>
+                      </a:r>
+                    </a:p>
+                  </a:txBody>
+                  <a:tcPr>
+                    <a:lnL w="12700" cap="flat" cmpd="sng" algn="ctr">
+                      <a:solidFill>
+                        <a:schemeClr val="tx1"/>
+                      </a:solidFill>
+                      <a:prstDash val="solid"/>
+                      <a:round/>
+                      <a:headEnd type="none" w="med" len="med"/>
+                      <a:tailEnd type="none" w="med" len="med"/>
+                    </a:lnL>
+                    <a:lnR w="12700" cap="flat" cmpd="sng" algn="ctr">
+                      <a:solidFill>
+                        <a:schemeClr val="tx1"/>
+                      </a:solidFill>
+                      <a:prstDash val="solid"/>
+                      <a:round/>
+                      <a:headEnd type="none" w="med" len="med"/>
+                      <a:tailEnd type="none" w="med" len="med"/>
+                    </a:lnR>
+                    <a:lnT w="12700" cap="flat" cmpd="sng" algn="ctr">
+                      <a:solidFill>
+                        <a:schemeClr val="tx1"/>
+                      </a:solidFill>
+                      <a:prstDash val="solid"/>
+                      <a:round/>
+                      <a:headEnd type="none" w="med" len="med"/>
+                      <a:tailEnd type="none" w="med" len="med"/>
+                    </a:lnT>
+                    <a:lnB w="12700" cap="flat" cmpd="sng" algn="ctr">
+                      <a:solidFill>
+                        <a:schemeClr val="tx1"/>
+                      </a:solidFill>
+                      <a:prstDash val="solid"/>
+                      <a:round/>
+                      <a:headEnd type="none" w="med" len="med"/>
+                      <a:tailEnd type="none" w="med" len="med"/>
+                    </a:lnB>
+                  </a:tcPr>
+                </a:tc>
+                <a:tc>
+                  <a:txBody>
+                    <a:bodyPr/>
+                    <a:lstStyle/>
+                    <a:p>
+                      <a:pPr algn="ctr"/>
                       <a:r>
                         <a:rPr lang="en-US" dirty="0" smtClean="0"/>
-                        <a:t> Bigram</a:t>
+                        <a:t>0.725</a:t>
                       </a:r>
                       <a:endParaRPr lang="en-US" dirty="0"/>
                     </a:p>
                   </a:txBody>
-                  <a:tcPr/>
-                </a:tc>
-                <a:tc>
-                  <a:txBody>
-                    <a:bodyPr/>
-                    <a:lstStyle/>
-                    <a:p>
-                      <a:endParaRPr lang="en-US"/>
-                    </a:p>
-                  </a:txBody>
-                  <a:tcPr/>
-                </a:tc>
-                <a:tc>
-                  <a:txBody>
-                    <a:bodyPr/>
-                    <a:lstStyle/>
-                    <a:p>
-                      <a:endParaRPr lang="en-US"/>
-                    </a:p>
-                  </a:txBody>
-                  <a:tcPr/>
-                </a:tc>
-                <a:tc>
-                  <a:txBody>
-                    <a:bodyPr/>
-                    <a:lstStyle/>
-                    <a:p>
-                      <a:endParaRPr lang="en-US"/>
-                    </a:p>
-                  </a:txBody>
-                  <a:tcPr/>
-                </a:tc>
-                <a:tc>
-                  <a:txBody>
-                    <a:bodyPr/>
-                    <a:lstStyle/>
-                    <a:p>
-                      <a:endParaRPr lang="en-US"/>
-                    </a:p>
-                  </a:txBody>
-                  <a:tcPr/>
-                </a:tc>
-                <a:tc>
-                  <a:txBody>
-                    <a:bodyPr/>
-                    <a:lstStyle/>
-                    <a:p>
-                      <a:endParaRPr lang="en-US"/>
-                    </a:p>
-                  </a:txBody>
-                  <a:tcPr/>
-                </a:tc>
-                <a:tc>
-                  <a:txBody>
-                    <a:bodyPr/>
-                    <a:lstStyle/>
-                    <a:p>
+                  <a:tcPr>
+                    <a:lnL w="12700" cap="flat" cmpd="sng" algn="ctr">
+                      <a:solidFill>
+                        <a:schemeClr val="tx1"/>
+                      </a:solidFill>
+                      <a:prstDash val="solid"/>
+                      <a:round/>
+                      <a:headEnd type="none" w="med" len="med"/>
+                      <a:tailEnd type="none" w="med" len="med"/>
+                    </a:lnL>
+                    <a:lnR w="12700" cap="flat" cmpd="sng" algn="ctr">
+                      <a:solidFill>
+                        <a:schemeClr val="tx1"/>
+                      </a:solidFill>
+                      <a:prstDash val="solid"/>
+                      <a:round/>
+                      <a:headEnd type="none" w="med" len="med"/>
+                      <a:tailEnd type="none" w="med" len="med"/>
+                    </a:lnR>
+                    <a:lnT w="12700" cap="flat" cmpd="sng" algn="ctr">
+                      <a:solidFill>
+                        <a:schemeClr val="tx1"/>
+                      </a:solidFill>
+                      <a:prstDash val="solid"/>
+                      <a:round/>
+                      <a:headEnd type="none" w="med" len="med"/>
+                      <a:tailEnd type="none" w="med" len="med"/>
+                    </a:lnT>
+                    <a:lnB w="12700" cap="flat" cmpd="sng" algn="ctr">
+                      <a:solidFill>
+                        <a:schemeClr val="tx1"/>
+                      </a:solidFill>
+                      <a:prstDash val="solid"/>
+                      <a:round/>
+                      <a:headEnd type="none" w="med" len="med"/>
+                      <a:tailEnd type="none" w="med" len="med"/>
+                    </a:lnB>
+                  </a:tcPr>
+                </a:tc>
+                <a:tc>
+                  <a:txBody>
+                    <a:bodyPr/>
+                    <a:lstStyle/>
+                    <a:p>
+                      <a:pPr algn="ctr"/>
+                      <a:r>
+                        <a:rPr lang="en-US" dirty="0" smtClean="0"/>
+                        <a:t>0.656</a:t>
+                      </a:r>
                       <a:endParaRPr lang="en-US" dirty="0"/>
                     </a:p>
                   </a:txBody>
-                  <a:tcPr/>
-                </a:tc>
-                <a:tc>
-                  <a:txBody>
-                    <a:bodyPr/>
-                    <a:lstStyle/>
-                    <a:p>
+                  <a:tcPr>
+                    <a:lnL w="12700" cap="flat" cmpd="sng" algn="ctr">
+                      <a:solidFill>
+                        <a:schemeClr val="tx1"/>
+                      </a:solidFill>
+                      <a:prstDash val="solid"/>
+                      <a:round/>
+                      <a:headEnd type="none" w="med" len="med"/>
+                      <a:tailEnd type="none" w="med" len="med"/>
+                    </a:lnL>
+                    <a:lnR w="12700" cap="flat" cmpd="sng" algn="ctr">
+                      <a:solidFill>
+                        <a:schemeClr val="tx1"/>
+                      </a:solidFill>
+                      <a:prstDash val="solid"/>
+                      <a:round/>
+                      <a:headEnd type="none" w="med" len="med"/>
+                      <a:tailEnd type="none" w="med" len="med"/>
+                    </a:lnR>
+                    <a:lnT w="12700" cap="flat" cmpd="sng" algn="ctr">
+                      <a:solidFill>
+                        <a:schemeClr val="tx1"/>
+                      </a:solidFill>
+                      <a:prstDash val="solid"/>
+                      <a:round/>
+                      <a:headEnd type="none" w="med" len="med"/>
+                      <a:tailEnd type="none" w="med" len="med"/>
+                    </a:lnT>
+                    <a:lnB w="12700" cap="flat" cmpd="sng" algn="ctr">
+                      <a:solidFill>
+                        <a:schemeClr val="tx1"/>
+                      </a:solidFill>
+                      <a:prstDash val="solid"/>
+                      <a:round/>
+                      <a:headEnd type="none" w="med" len="med"/>
+                      <a:tailEnd type="none" w="med" len="med"/>
+                    </a:lnB>
+                  </a:tcPr>
+                </a:tc>
+                <a:tc>
+                  <a:txBody>
+                    <a:bodyPr/>
+                    <a:lstStyle/>
+                    <a:p>
+                      <a:pPr algn="ctr"/>
+                      <a:r>
+                        <a:rPr lang="en-US" dirty="0" smtClean="0"/>
+                        <a:t>0.485</a:t>
+                      </a:r>
                       <a:endParaRPr lang="en-US" dirty="0"/>
                     </a:p>
                   </a:txBody>
-                  <a:tcPr/>
+                  <a:tcPr>
+                    <a:lnL w="12700" cap="flat" cmpd="sng" algn="ctr">
+                      <a:solidFill>
+                        <a:schemeClr val="tx1"/>
+                      </a:solidFill>
+                      <a:prstDash val="solid"/>
+                      <a:round/>
+                      <a:headEnd type="none" w="med" len="med"/>
+                      <a:tailEnd type="none" w="med" len="med"/>
+                    </a:lnL>
+                    <a:lnR w="12700" cap="flat" cmpd="sng" algn="ctr">
+                      <a:solidFill>
+                        <a:schemeClr val="tx1"/>
+                      </a:solidFill>
+                      <a:prstDash val="solid"/>
+                      <a:round/>
+                      <a:headEnd type="none" w="med" len="med"/>
+                      <a:tailEnd type="none" w="med" len="med"/>
+                    </a:lnR>
+                    <a:lnT w="12700" cap="flat" cmpd="sng" algn="ctr">
+                      <a:solidFill>
+                        <a:schemeClr val="tx1"/>
+                      </a:solidFill>
+                      <a:prstDash val="solid"/>
+                      <a:round/>
+                      <a:headEnd type="none" w="med" len="med"/>
+                      <a:tailEnd type="none" w="med" len="med"/>
+                    </a:lnT>
+                    <a:lnB w="12700" cap="flat" cmpd="sng" algn="ctr">
+                      <a:solidFill>
+                        <a:schemeClr val="tx1"/>
+                      </a:solidFill>
+                      <a:prstDash val="solid"/>
+                      <a:round/>
+                      <a:headEnd type="none" w="med" len="med"/>
+                      <a:tailEnd type="none" w="med" len="med"/>
+                    </a:lnB>
+                  </a:tcPr>
+                </a:tc>
+                <a:tc>
+                  <a:txBody>
+                    <a:bodyPr/>
+                    <a:lstStyle/>
+                    <a:p>
+                      <a:pPr algn="ctr"/>
+                      <a:r>
+                        <a:rPr lang="en-US" dirty="0" smtClean="0"/>
+                        <a:t>0.359</a:t>
+                      </a:r>
+                      <a:endParaRPr lang="en-US" dirty="0"/>
+                    </a:p>
+                  </a:txBody>
+                  <a:tcPr>
+                    <a:lnL w="12700" cap="flat" cmpd="sng" algn="ctr">
+                      <a:solidFill>
+                        <a:schemeClr val="tx1"/>
+                      </a:solidFill>
+                      <a:prstDash val="solid"/>
+                      <a:round/>
+                      <a:headEnd type="none" w="med" len="med"/>
+                      <a:tailEnd type="none" w="med" len="med"/>
+                    </a:lnL>
+                    <a:lnR w="12700" cap="flat" cmpd="sng" algn="ctr">
+                      <a:solidFill>
+                        <a:schemeClr val="tx1"/>
+                      </a:solidFill>
+                      <a:prstDash val="solid"/>
+                      <a:round/>
+                      <a:headEnd type="none" w="med" len="med"/>
+                      <a:tailEnd type="none" w="med" len="med"/>
+                    </a:lnR>
+                    <a:lnT w="12700" cap="flat" cmpd="sng" algn="ctr">
+                      <a:solidFill>
+                        <a:schemeClr val="tx1"/>
+                      </a:solidFill>
+                      <a:prstDash val="solid"/>
+                      <a:round/>
+                      <a:headEnd type="none" w="med" len="med"/>
+                      <a:tailEnd type="none" w="med" len="med"/>
+                    </a:lnT>
+                    <a:lnB w="12700" cap="flat" cmpd="sng" algn="ctr">
+                      <a:solidFill>
+                        <a:schemeClr val="tx1"/>
+                      </a:solidFill>
+                      <a:prstDash val="solid"/>
+                      <a:round/>
+                      <a:headEnd type="none" w="med" len="med"/>
+                      <a:tailEnd type="none" w="med" len="med"/>
+                    </a:lnB>
+                  </a:tcPr>
+                </a:tc>
+                <a:tc>
+                  <a:txBody>
+                    <a:bodyPr/>
+                    <a:lstStyle/>
+                    <a:p>
+                      <a:pPr algn="ctr"/>
+                      <a:r>
+                        <a:rPr lang="en-US" dirty="0" smtClean="0"/>
+                        <a:t>0.41</a:t>
+                      </a:r>
+                      <a:endParaRPr lang="en-US" dirty="0"/>
+                    </a:p>
+                  </a:txBody>
+                  <a:tcPr>
+                    <a:lnL w="12700" cap="flat" cmpd="sng" algn="ctr">
+                      <a:solidFill>
+                        <a:schemeClr val="tx1"/>
+                      </a:solidFill>
+                      <a:prstDash val="solid"/>
+                      <a:round/>
+                      <a:headEnd type="none" w="med" len="med"/>
+                      <a:tailEnd type="none" w="med" len="med"/>
+                    </a:lnL>
+                    <a:lnR w="12700" cap="flat" cmpd="sng" algn="ctr">
+                      <a:solidFill>
+                        <a:schemeClr val="tx1"/>
+                      </a:solidFill>
+                      <a:prstDash val="solid"/>
+                      <a:round/>
+                      <a:headEnd type="none" w="med" len="med"/>
+                      <a:tailEnd type="none" w="med" len="med"/>
+                    </a:lnR>
+                    <a:lnT w="12700" cap="flat" cmpd="sng" algn="ctr">
+                      <a:solidFill>
+                        <a:schemeClr val="tx1"/>
+                      </a:solidFill>
+                      <a:prstDash val="solid"/>
+                      <a:round/>
+                      <a:headEnd type="none" w="med" len="med"/>
+                      <a:tailEnd type="none" w="med" len="med"/>
+                    </a:lnT>
+                    <a:lnB w="12700" cap="flat" cmpd="sng" algn="ctr">
+                      <a:solidFill>
+                        <a:schemeClr val="tx1"/>
+                      </a:solidFill>
+                      <a:prstDash val="solid"/>
+                      <a:round/>
+                      <a:headEnd type="none" w="med" len="med"/>
+                      <a:tailEnd type="none" w="med" len="med"/>
+                    </a:lnB>
+                  </a:tcPr>
+                </a:tc>
+                <a:tc>
+                  <a:txBody>
+                    <a:bodyPr/>
+                    <a:lstStyle/>
+                    <a:p>
+                      <a:pPr algn="ctr"/>
+                      <a:r>
+                        <a:rPr lang="en-US" dirty="0" smtClean="0"/>
+                        <a:t>0.545</a:t>
+                      </a:r>
+                      <a:endParaRPr lang="en-US" dirty="0"/>
+                    </a:p>
+                  </a:txBody>
+                  <a:tcPr>
+                    <a:lnL w="12700" cap="flat" cmpd="sng" algn="ctr">
+                      <a:solidFill>
+                        <a:schemeClr val="tx1"/>
+                      </a:solidFill>
+                      <a:prstDash val="solid"/>
+                      <a:round/>
+                      <a:headEnd type="none" w="med" len="med"/>
+                      <a:tailEnd type="none" w="med" len="med"/>
+                    </a:lnL>
+                    <a:lnR w="12700" cap="flat" cmpd="sng" algn="ctr">
+                      <a:solidFill>
+                        <a:schemeClr val="tx1"/>
+                      </a:solidFill>
+                      <a:prstDash val="solid"/>
+                      <a:round/>
+                      <a:headEnd type="none" w="med" len="med"/>
+                      <a:tailEnd type="none" w="med" len="med"/>
+                    </a:lnR>
+                    <a:lnT w="12700" cap="flat" cmpd="sng" algn="ctr">
+                      <a:solidFill>
+                        <a:schemeClr val="tx1"/>
+                      </a:solidFill>
+                      <a:prstDash val="solid"/>
+                      <a:round/>
+                      <a:headEnd type="none" w="med" len="med"/>
+                      <a:tailEnd type="none" w="med" len="med"/>
+                    </a:lnT>
+                    <a:lnB w="12700" cap="flat" cmpd="sng" algn="ctr">
+                      <a:solidFill>
+                        <a:schemeClr val="tx1"/>
+                      </a:solidFill>
+                      <a:prstDash val="solid"/>
+                      <a:round/>
+                      <a:headEnd type="none" w="med" len="med"/>
+                      <a:tailEnd type="none" w="med" len="med"/>
+                    </a:lnB>
+                  </a:tcPr>
+                </a:tc>
+              </a:tr>
+              <a:tr h="447605">
+                <a:tc>
+                  <a:txBody>
+                    <a:bodyPr/>
+                    <a:lstStyle/>
+                    <a:p>
+                      <a:r>
+                        <a:rPr lang="en-US" b="1" dirty="0" smtClean="0"/>
+                        <a:t>Linear SVM</a:t>
+                      </a:r>
+                      <a:endParaRPr lang="en-US" b="1" dirty="0"/>
+                    </a:p>
+                  </a:txBody>
+                  <a:tcPr>
+                    <a:lnL w="12700" cap="flat" cmpd="sng" algn="ctr">
+                      <a:solidFill>
+                        <a:schemeClr val="tx1"/>
+                      </a:solidFill>
+                      <a:prstDash val="solid"/>
+                      <a:round/>
+                      <a:headEnd type="none" w="med" len="med"/>
+                      <a:tailEnd type="none" w="med" len="med"/>
+                    </a:lnL>
+                    <a:lnR w="12700" cap="flat" cmpd="sng" algn="ctr">
+                      <a:solidFill>
+                        <a:schemeClr val="tx1"/>
+                      </a:solidFill>
+                      <a:prstDash val="solid"/>
+                      <a:round/>
+                      <a:headEnd type="none" w="med" len="med"/>
+                      <a:tailEnd type="none" w="med" len="med"/>
+                    </a:lnR>
+                    <a:lnT w="12700" cap="flat" cmpd="sng" algn="ctr">
+                      <a:solidFill>
+                        <a:schemeClr val="tx1"/>
+                      </a:solidFill>
+                      <a:prstDash val="solid"/>
+                      <a:round/>
+                      <a:headEnd type="none" w="med" len="med"/>
+                      <a:tailEnd type="none" w="med" len="med"/>
+                    </a:lnT>
+                    <a:lnB w="12700" cap="flat" cmpd="sng" algn="ctr">
+                      <a:solidFill>
+                        <a:schemeClr val="tx1"/>
+                      </a:solidFill>
+                      <a:prstDash val="solid"/>
+                      <a:round/>
+                      <a:headEnd type="none" w="med" len="med"/>
+                      <a:tailEnd type="none" w="med" len="med"/>
+                    </a:lnB>
+                  </a:tcPr>
+                </a:tc>
+                <a:tc>
+                  <a:txBody>
+                    <a:bodyPr/>
+                    <a:lstStyle/>
+                    <a:p>
+                      <a:r>
+                        <a:rPr lang="en-US" dirty="0" smtClean="0"/>
+                        <a:t>0.609</a:t>
+                      </a:r>
+                    </a:p>
+                    <a:p>
+                      <a:endParaRPr lang="en-US" dirty="0" smtClean="0"/>
+                    </a:p>
+                  </a:txBody>
+                  <a:tcPr>
+                    <a:lnL w="12700" cap="flat" cmpd="sng" algn="ctr">
+                      <a:solidFill>
+                        <a:schemeClr val="tx1"/>
+                      </a:solidFill>
+                      <a:prstDash val="solid"/>
+                      <a:round/>
+                      <a:headEnd type="none" w="med" len="med"/>
+                      <a:tailEnd type="none" w="med" len="med"/>
+                    </a:lnL>
+                    <a:lnR w="12700" cap="flat" cmpd="sng" algn="ctr">
+                      <a:solidFill>
+                        <a:schemeClr val="tx1"/>
+                      </a:solidFill>
+                      <a:prstDash val="solid"/>
+                      <a:round/>
+                      <a:headEnd type="none" w="med" len="med"/>
+                      <a:tailEnd type="none" w="med" len="med"/>
+                    </a:lnR>
+                    <a:lnT w="12700" cap="flat" cmpd="sng" algn="ctr">
+                      <a:solidFill>
+                        <a:schemeClr val="tx1"/>
+                      </a:solidFill>
+                      <a:prstDash val="solid"/>
+                      <a:round/>
+                      <a:headEnd type="none" w="med" len="med"/>
+                      <a:tailEnd type="none" w="med" len="med"/>
+                    </a:lnT>
+                    <a:lnB w="12700" cap="flat" cmpd="sng" algn="ctr">
+                      <a:solidFill>
+                        <a:schemeClr val="tx1"/>
+                      </a:solidFill>
+                      <a:prstDash val="solid"/>
+                      <a:round/>
+                      <a:headEnd type="none" w="med" len="med"/>
+                      <a:tailEnd type="none" w="med" len="med"/>
+                    </a:lnB>
+                  </a:tcPr>
+                </a:tc>
+                <a:tc>
+                  <a:txBody>
+                    <a:bodyPr/>
+                    <a:lstStyle/>
+                    <a:p>
+                      <a:r>
+                        <a:rPr lang="en-US" dirty="0" smtClean="0"/>
+                        <a:t>0.818</a:t>
+                      </a:r>
+                      <a:endParaRPr lang="en-US" dirty="0"/>
+                    </a:p>
+                  </a:txBody>
+                  <a:tcPr>
+                    <a:lnL w="12700" cap="flat" cmpd="sng" algn="ctr">
+                      <a:solidFill>
+                        <a:schemeClr val="tx1"/>
+                      </a:solidFill>
+                      <a:prstDash val="solid"/>
+                      <a:round/>
+                      <a:headEnd type="none" w="med" len="med"/>
+                      <a:tailEnd type="none" w="med" len="med"/>
+                    </a:lnL>
+                    <a:lnR w="12700" cap="flat" cmpd="sng" algn="ctr">
+                      <a:solidFill>
+                        <a:schemeClr val="tx1"/>
+                      </a:solidFill>
+                      <a:prstDash val="solid"/>
+                      <a:round/>
+                      <a:headEnd type="none" w="med" len="med"/>
+                      <a:tailEnd type="none" w="med" len="med"/>
+                    </a:lnR>
+                    <a:lnT w="12700" cap="flat" cmpd="sng" algn="ctr">
+                      <a:solidFill>
+                        <a:schemeClr val="tx1"/>
+                      </a:solidFill>
+                      <a:prstDash val="solid"/>
+                      <a:round/>
+                      <a:headEnd type="none" w="med" len="med"/>
+                      <a:tailEnd type="none" w="med" len="med"/>
+                    </a:lnT>
+                    <a:lnB w="12700" cap="flat" cmpd="sng" algn="ctr">
+                      <a:solidFill>
+                        <a:schemeClr val="tx1"/>
+                      </a:solidFill>
+                      <a:prstDash val="solid"/>
+                      <a:round/>
+                      <a:headEnd type="none" w="med" len="med"/>
+                      <a:tailEnd type="none" w="med" len="med"/>
+                    </a:lnB>
+                  </a:tcPr>
+                </a:tc>
+                <a:tc>
+                  <a:txBody>
+                    <a:bodyPr/>
+                    <a:lstStyle/>
+                    <a:p>
+                      <a:r>
+                        <a:rPr lang="en-US" dirty="0" smtClean="0"/>
+                        <a:t>0.683</a:t>
+                      </a:r>
+                      <a:endParaRPr lang="en-US" dirty="0"/>
+                    </a:p>
+                  </a:txBody>
+                  <a:tcPr>
+                    <a:lnL w="12700" cap="flat" cmpd="sng" algn="ctr">
+                      <a:solidFill>
+                        <a:schemeClr val="tx1"/>
+                      </a:solidFill>
+                      <a:prstDash val="solid"/>
+                      <a:round/>
+                      <a:headEnd type="none" w="med" len="med"/>
+                      <a:tailEnd type="none" w="med" len="med"/>
+                    </a:lnL>
+                    <a:lnR w="12700" cap="flat" cmpd="sng" algn="ctr">
+                      <a:solidFill>
+                        <a:schemeClr val="tx1"/>
+                      </a:solidFill>
+                      <a:prstDash val="solid"/>
+                      <a:round/>
+                      <a:headEnd type="none" w="med" len="med"/>
+                      <a:tailEnd type="none" w="med" len="med"/>
+                    </a:lnR>
+                    <a:lnT w="12700" cap="flat" cmpd="sng" algn="ctr">
+                      <a:solidFill>
+                        <a:schemeClr val="tx1"/>
+                      </a:solidFill>
+                      <a:prstDash val="solid"/>
+                      <a:round/>
+                      <a:headEnd type="none" w="med" len="med"/>
+                      <a:tailEnd type="none" w="med" len="med"/>
+                    </a:lnT>
+                    <a:lnB w="12700" cap="flat" cmpd="sng" algn="ctr">
+                      <a:solidFill>
+                        <a:schemeClr val="tx1"/>
+                      </a:solidFill>
+                      <a:prstDash val="solid"/>
+                      <a:round/>
+                      <a:headEnd type="none" w="med" len="med"/>
+                      <a:tailEnd type="none" w="med" len="med"/>
+                    </a:lnB>
+                  </a:tcPr>
+                </a:tc>
+                <a:tc>
+                  <a:txBody>
+                    <a:bodyPr/>
+                    <a:lstStyle/>
+                    <a:p>
+                      <a:r>
+                        <a:rPr lang="en-US" dirty="0" smtClean="0"/>
+                        <a:t>0.576</a:t>
+                      </a:r>
+                      <a:endParaRPr lang="en-US" dirty="0"/>
+                    </a:p>
+                  </a:txBody>
+                  <a:tcPr>
+                    <a:lnL w="12700" cap="flat" cmpd="sng" algn="ctr">
+                      <a:solidFill>
+                        <a:schemeClr val="tx1"/>
+                      </a:solidFill>
+                      <a:prstDash val="solid"/>
+                      <a:round/>
+                      <a:headEnd type="none" w="med" len="med"/>
+                      <a:tailEnd type="none" w="med" len="med"/>
+                    </a:lnL>
+                    <a:lnR w="12700" cap="flat" cmpd="sng" algn="ctr">
+                      <a:solidFill>
+                        <a:schemeClr val="tx1"/>
+                      </a:solidFill>
+                      <a:prstDash val="solid"/>
+                      <a:round/>
+                      <a:headEnd type="none" w="med" len="med"/>
+                      <a:tailEnd type="none" w="med" len="med"/>
+                    </a:lnR>
+                    <a:lnT w="12700" cap="flat" cmpd="sng" algn="ctr">
+                      <a:solidFill>
+                        <a:schemeClr val="tx1"/>
+                      </a:solidFill>
+                      <a:prstDash val="solid"/>
+                      <a:round/>
+                      <a:headEnd type="none" w="med" len="med"/>
+                      <a:tailEnd type="none" w="med" len="med"/>
+                    </a:lnT>
+                    <a:lnB w="12700" cap="flat" cmpd="sng" algn="ctr">
+                      <a:solidFill>
+                        <a:schemeClr val="tx1"/>
+                      </a:solidFill>
+                      <a:prstDash val="solid"/>
+                      <a:round/>
+                      <a:headEnd type="none" w="med" len="med"/>
+                      <a:tailEnd type="none" w="med" len="med"/>
+                    </a:lnB>
+                  </a:tcPr>
+                </a:tc>
+                <a:tc>
+                  <a:txBody>
+                    <a:bodyPr/>
+                    <a:lstStyle/>
+                    <a:p>
+                      <a:r>
+                        <a:rPr lang="en-US" dirty="0" smtClean="0"/>
+                        <a:t>0.363</a:t>
+                      </a:r>
+                      <a:endParaRPr lang="en-US" dirty="0"/>
+                    </a:p>
+                  </a:txBody>
+                  <a:tcPr>
+                    <a:lnL w="12700" cap="flat" cmpd="sng" algn="ctr">
+                      <a:solidFill>
+                        <a:schemeClr val="tx1"/>
+                      </a:solidFill>
+                      <a:prstDash val="solid"/>
+                      <a:round/>
+                      <a:headEnd type="none" w="med" len="med"/>
+                      <a:tailEnd type="none" w="med" len="med"/>
+                    </a:lnL>
+                    <a:lnR w="12700" cap="flat" cmpd="sng" algn="ctr">
+                      <a:solidFill>
+                        <a:schemeClr val="tx1"/>
+                      </a:solidFill>
+                      <a:prstDash val="solid"/>
+                      <a:round/>
+                      <a:headEnd type="none" w="med" len="med"/>
+                      <a:tailEnd type="none" w="med" len="med"/>
+                    </a:lnR>
+                    <a:lnT w="12700" cap="flat" cmpd="sng" algn="ctr">
+                      <a:solidFill>
+                        <a:schemeClr val="tx1"/>
+                      </a:solidFill>
+                      <a:prstDash val="solid"/>
+                      <a:round/>
+                      <a:headEnd type="none" w="med" len="med"/>
+                      <a:tailEnd type="none" w="med" len="med"/>
+                    </a:lnT>
+                    <a:lnB w="12700" cap="flat" cmpd="sng" algn="ctr">
+                      <a:solidFill>
+                        <a:schemeClr val="tx1"/>
+                      </a:solidFill>
+                      <a:prstDash val="solid"/>
+                      <a:round/>
+                      <a:headEnd type="none" w="med" len="med"/>
+                      <a:tailEnd type="none" w="med" len="med"/>
+                    </a:lnB>
+                  </a:tcPr>
+                </a:tc>
+                <a:tc>
+                  <a:txBody>
+                    <a:bodyPr/>
+                    <a:lstStyle/>
+                    <a:p>
+                      <a:r>
+                        <a:rPr lang="en-US" dirty="0" smtClean="0"/>
+                        <a:t>0.443</a:t>
+                      </a:r>
+                      <a:endParaRPr lang="en-US" dirty="0"/>
+                    </a:p>
+                  </a:txBody>
+                  <a:tcPr>
+                    <a:lnL w="12700" cap="flat" cmpd="sng" algn="ctr">
+                      <a:solidFill>
+                        <a:schemeClr val="tx1"/>
+                      </a:solidFill>
+                      <a:prstDash val="solid"/>
+                      <a:round/>
+                      <a:headEnd type="none" w="med" len="med"/>
+                      <a:tailEnd type="none" w="med" len="med"/>
+                    </a:lnL>
+                    <a:lnR w="12700" cap="flat" cmpd="sng" algn="ctr">
+                      <a:solidFill>
+                        <a:schemeClr val="tx1"/>
+                      </a:solidFill>
+                      <a:prstDash val="solid"/>
+                      <a:round/>
+                      <a:headEnd type="none" w="med" len="med"/>
+                      <a:tailEnd type="none" w="med" len="med"/>
+                    </a:lnR>
+                    <a:lnT w="12700" cap="flat" cmpd="sng" algn="ctr">
+                      <a:solidFill>
+                        <a:schemeClr val="tx1"/>
+                      </a:solidFill>
+                      <a:prstDash val="solid"/>
+                      <a:round/>
+                      <a:headEnd type="none" w="med" len="med"/>
+                      <a:tailEnd type="none" w="med" len="med"/>
+                    </a:lnT>
+                    <a:lnB w="12700" cap="flat" cmpd="sng" algn="ctr">
+                      <a:solidFill>
+                        <a:schemeClr val="tx1"/>
+                      </a:solidFill>
+                      <a:prstDash val="solid"/>
+                      <a:round/>
+                      <a:headEnd type="none" w="med" len="med"/>
+                      <a:tailEnd type="none" w="med" len="med"/>
+                    </a:lnB>
+                  </a:tcPr>
+                </a:tc>
+                <a:tc>
+                  <a:txBody>
+                    <a:bodyPr/>
+                    <a:lstStyle/>
+                    <a:p>
+                      <a:r>
+                        <a:rPr lang="en-US" dirty="0" smtClean="0"/>
+                        <a:t>0.574</a:t>
+                      </a:r>
+                      <a:endParaRPr lang="en-US" dirty="0"/>
+                    </a:p>
+                  </a:txBody>
+                  <a:tcPr>
+                    <a:lnL w="12700" cap="flat" cmpd="sng" algn="ctr">
+                      <a:solidFill>
+                        <a:schemeClr val="tx1"/>
+                      </a:solidFill>
+                      <a:prstDash val="solid"/>
+                      <a:round/>
+                      <a:headEnd type="none" w="med" len="med"/>
+                      <a:tailEnd type="none" w="med" len="med"/>
+                    </a:lnL>
+                    <a:lnR w="12700" cap="flat" cmpd="sng" algn="ctr">
+                      <a:solidFill>
+                        <a:schemeClr val="tx1"/>
+                      </a:solidFill>
+                      <a:prstDash val="solid"/>
+                      <a:round/>
+                      <a:headEnd type="none" w="med" len="med"/>
+                      <a:tailEnd type="none" w="med" len="med"/>
+                    </a:lnR>
+                    <a:lnT w="12700" cap="flat" cmpd="sng" algn="ctr">
+                      <a:solidFill>
+                        <a:schemeClr val="tx1"/>
+                      </a:solidFill>
+                      <a:prstDash val="solid"/>
+                      <a:round/>
+                      <a:headEnd type="none" w="med" len="med"/>
+                      <a:tailEnd type="none" w="med" len="med"/>
+                    </a:lnT>
+                    <a:lnB w="12700" cap="flat" cmpd="sng" algn="ctr">
+                      <a:solidFill>
+                        <a:schemeClr val="tx1"/>
+                      </a:solidFill>
+                      <a:prstDash val="solid"/>
+                      <a:round/>
+                      <a:headEnd type="none" w="med" len="med"/>
+                      <a:tailEnd type="none" w="med" len="med"/>
+                    </a:lnB>
+                  </a:tcPr>
                 </a:tc>
               </a:tr>
             </a:tbl>
@@ -3907,22 +6434,34 @@
             <p:ph type="title"/>
           </p:nvPr>
         </p:nvSpPr>
-        <p:spPr/>
+        <p:spPr>
+          <a:xfrm>
+            <a:off x="679704" y="145669"/>
+            <a:ext cx="10515600" cy="1325563"/>
+          </a:xfrm>
+        </p:spPr>
         <p:txBody>
           <a:bodyPr/>
           <a:lstStyle/>
           <a:p>
             <a:r>
+              <a:rPr lang="en-US" dirty="0"/>
+              <a:t>Models and Evaluations: </a:t>
+            </a:r>
+            <a:r>
               <a:rPr lang="en-US" dirty="0" smtClean="0"/>
-              <a:t>Models and Evaluations: Romney Training Data</a:t>
+              <a:t>Obama </a:t>
             </a:r>
-            <a:endParaRPr lang="en-US" dirty="0"/>
+            <a:r>
+              <a:rPr lang="en-US" dirty="0"/>
+              <a:t>Training Data</a:t>
+            </a:r>
           </a:p>
         </p:txBody>
       </p:sp>
       <p:graphicFrame>
         <p:nvGraphicFramePr>
-          <p:cNvPr id="4" name="Content Placeholder 3"/>
+          <p:cNvPr id="5" name="Content Placeholder 4"/>
           <p:cNvGraphicFramePr>
             <a:graphicFrameLocks noGrp="1"/>
           </p:cNvGraphicFramePr>
@@ -3930,444 +6469,3192 @@
             <p:ph idx="1"/>
             <p:extLst>
               <p:ext uri="{D42A27DB-BD31-4B8C-83A1-F6EECF244321}">
-                <p14:modId xmlns:p14="http://schemas.microsoft.com/office/powerpoint/2010/main" val="1351212424"/>
+                <p14:modId xmlns:p14="http://schemas.microsoft.com/office/powerpoint/2010/main" val="3317513919"/>
               </p:ext>
             </p:extLst>
           </p:nvPr>
         </p:nvGraphicFramePr>
         <p:xfrm>
-          <a:off x="597408" y="1825622"/>
-          <a:ext cx="10756392" cy="4185450"/>
+          <a:off x="1166590" y="1377537"/>
+          <a:ext cx="8656319" cy="4666002"/>
         </p:xfrm>
         <a:graphic>
           <a:graphicData uri="http://schemas.openxmlformats.org/drawingml/2006/table">
             <a:tbl>
               <a:tblPr firstRow="1" bandRow="1">
-                <a:tableStyleId>{616DA210-FB5B-4158-B5E0-FEB733F419BA}</a:tableStyleId>
+                <a:tableStyleId>{9D7B26C5-4107-4FEC-AEDC-1716B250A1EF}</a:tableStyleId>
               </a:tblPr>
               <a:tblGrid>
-                <a:gridCol w="2689098"/>
-                <a:gridCol w="2689098"/>
-                <a:gridCol w="2689098"/>
-                <a:gridCol w="2689098"/>
+                <a:gridCol w="2048256"/>
+                <a:gridCol w="1072896"/>
+                <a:gridCol w="743712"/>
+                <a:gridCol w="816864"/>
+                <a:gridCol w="1085088"/>
+                <a:gridCol w="845257"/>
+                <a:gridCol w="901874"/>
+                <a:gridCol w="1142372"/>
               </a:tblGrid>
-              <a:tr h="590895">
-                <a:tc>
-                  <a:txBody>
-                    <a:bodyPr/>
-                    <a:lstStyle/>
-                    <a:p>
+              <a:tr h="545091">
+                <a:tc>
+                  <a:txBody>
+                    <a:bodyPr/>
+                    <a:lstStyle/>
+                    <a:p>
+                      <a:pPr algn="ctr"/>
                       <a:r>
                         <a:rPr lang="en-US" dirty="0" smtClean="0"/>
-                        <a:t>Model</a:t>
-                      </a:r>
-                      <a:r>
-                        <a:rPr lang="en-US" baseline="0" dirty="0" smtClean="0"/>
-                        <a:t> Name</a:t>
+                        <a:t>Models</a:t>
                       </a:r>
                       <a:endParaRPr lang="en-US" dirty="0"/>
                     </a:p>
                   </a:txBody>
+                  <a:tcPr>
+                    <a:lnL w="12700" cap="flat" cmpd="sng" algn="ctr">
+                      <a:solidFill>
+                        <a:schemeClr val="tx1"/>
+                      </a:solidFill>
+                      <a:prstDash val="solid"/>
+                      <a:round/>
+                      <a:headEnd type="none" w="med" len="med"/>
+                      <a:tailEnd type="none" w="med" len="med"/>
+                    </a:lnL>
+                    <a:lnR w="12700" cap="flat" cmpd="sng" algn="ctr">
+                      <a:solidFill>
+                        <a:schemeClr val="tx1"/>
+                      </a:solidFill>
+                      <a:prstDash val="solid"/>
+                      <a:round/>
+                      <a:headEnd type="none" w="med" len="med"/>
+                      <a:tailEnd type="none" w="med" len="med"/>
+                    </a:lnR>
+                    <a:lnT w="12700" cap="flat" cmpd="sng" algn="ctr">
+                      <a:solidFill>
+                        <a:schemeClr val="tx1"/>
+                      </a:solidFill>
+                      <a:prstDash val="solid"/>
+                      <a:round/>
+                      <a:headEnd type="none" w="med" len="med"/>
+                      <a:tailEnd type="none" w="med" len="med"/>
+                    </a:lnT>
+                    <a:lnB w="12700" cap="flat" cmpd="sng" algn="ctr">
+                      <a:solidFill>
+                        <a:schemeClr val="tx1"/>
+                      </a:solidFill>
+                      <a:prstDash val="solid"/>
+                      <a:round/>
+                      <a:headEnd type="none" w="med" len="med"/>
+                      <a:tailEnd type="none" w="med" len="med"/>
+                    </a:lnB>
+                  </a:tcPr>
+                </a:tc>
+                <a:tc gridSpan="3">
+                  <a:txBody>
+                    <a:bodyPr/>
+                    <a:lstStyle/>
+                    <a:p>
+                      <a:pPr algn="ctr"/>
+                      <a:r>
+                        <a:rPr lang="en-US" dirty="0" smtClean="0"/>
+                        <a:t>Negative Class</a:t>
+                      </a:r>
+                      <a:endParaRPr lang="en-US" dirty="0"/>
+                    </a:p>
+                  </a:txBody>
+                  <a:tcPr>
+                    <a:lnL w="12700" cap="flat" cmpd="sng" algn="ctr">
+                      <a:solidFill>
+                        <a:schemeClr val="tx1"/>
+                      </a:solidFill>
+                      <a:prstDash val="solid"/>
+                      <a:round/>
+                      <a:headEnd type="none" w="med" len="med"/>
+                      <a:tailEnd type="none" w="med" len="med"/>
+                    </a:lnL>
+                    <a:lnR w="12700" cap="flat" cmpd="sng" algn="ctr">
+                      <a:solidFill>
+                        <a:schemeClr val="tx1"/>
+                      </a:solidFill>
+                      <a:prstDash val="solid"/>
+                      <a:round/>
+                      <a:headEnd type="none" w="med" len="med"/>
+                      <a:tailEnd type="none" w="med" len="med"/>
+                    </a:lnR>
+                    <a:lnT w="12700" cap="flat" cmpd="sng" algn="ctr">
+                      <a:solidFill>
+                        <a:schemeClr val="tx1"/>
+                      </a:solidFill>
+                      <a:prstDash val="solid"/>
+                      <a:round/>
+                      <a:headEnd type="none" w="med" len="med"/>
+                      <a:tailEnd type="none" w="med" len="med"/>
+                    </a:lnT>
+                    <a:lnB w="12700" cap="flat" cmpd="sng" algn="ctr">
+                      <a:solidFill>
+                        <a:schemeClr val="tx1"/>
+                      </a:solidFill>
+                      <a:prstDash val="solid"/>
+                      <a:round/>
+                      <a:headEnd type="none" w="med" len="med"/>
+                      <a:tailEnd type="none" w="med" len="med"/>
+                    </a:lnB>
+                  </a:tcPr>
+                </a:tc>
+                <a:tc hMerge="1">
+                  <a:txBody>
+                    <a:bodyPr/>
+                    <a:lstStyle/>
+                    <a:p>
+                      <a:endParaRPr lang="en-US" dirty="0"/>
+                    </a:p>
+                  </a:txBody>
                   <a:tcPr/>
                 </a:tc>
-                <a:tc>
-                  <a:txBody>
-                    <a:bodyPr/>
-                    <a:lstStyle/>
-                    <a:p>
+                <a:tc hMerge="1">
+                  <a:txBody>
+                    <a:bodyPr/>
+                    <a:lstStyle/>
+                    <a:p>
+                      <a:endParaRPr lang="en-US" dirty="0"/>
+                    </a:p>
+                  </a:txBody>
+                  <a:tcPr/>
+                </a:tc>
+                <a:tc gridSpan="3">
+                  <a:txBody>
+                    <a:bodyPr/>
+                    <a:lstStyle/>
+                    <a:p>
+                      <a:pPr algn="ctr"/>
                       <a:r>
                         <a:rPr lang="en-US" dirty="0" smtClean="0"/>
+                        <a:t>Positive Class</a:t>
+                      </a:r>
+                      <a:endParaRPr lang="en-US" dirty="0"/>
+                    </a:p>
+                  </a:txBody>
+                  <a:tcPr>
+                    <a:lnL w="12700" cap="flat" cmpd="sng" algn="ctr">
+                      <a:solidFill>
+                        <a:schemeClr val="tx1"/>
+                      </a:solidFill>
+                      <a:prstDash val="solid"/>
+                      <a:round/>
+                      <a:headEnd type="none" w="med" len="med"/>
+                      <a:tailEnd type="none" w="med" len="med"/>
+                    </a:lnL>
+                    <a:lnR w="12700" cap="flat" cmpd="sng" algn="ctr">
+                      <a:solidFill>
+                        <a:schemeClr val="tx1"/>
+                      </a:solidFill>
+                      <a:prstDash val="solid"/>
+                      <a:round/>
+                      <a:headEnd type="none" w="med" len="med"/>
+                      <a:tailEnd type="none" w="med" len="med"/>
+                    </a:lnR>
+                    <a:lnT w="12700" cap="flat" cmpd="sng" algn="ctr">
+                      <a:solidFill>
+                        <a:schemeClr val="tx1"/>
+                      </a:solidFill>
+                      <a:prstDash val="solid"/>
+                      <a:round/>
+                      <a:headEnd type="none" w="med" len="med"/>
+                      <a:tailEnd type="none" w="med" len="med"/>
+                    </a:lnT>
+                    <a:lnB w="12700" cap="flat" cmpd="sng" algn="ctr">
+                      <a:solidFill>
+                        <a:schemeClr val="tx1"/>
+                      </a:solidFill>
+                      <a:prstDash val="solid"/>
+                      <a:round/>
+                      <a:headEnd type="none" w="med" len="med"/>
+                      <a:tailEnd type="none" w="med" len="med"/>
+                    </a:lnB>
+                  </a:tcPr>
+                </a:tc>
+                <a:tc hMerge="1">
+                  <a:txBody>
+                    <a:bodyPr/>
+                    <a:lstStyle/>
+                    <a:p>
+                      <a:endParaRPr lang="en-US" dirty="0"/>
+                    </a:p>
+                  </a:txBody>
+                  <a:tcPr/>
+                </a:tc>
+                <a:tc hMerge="1">
+                  <a:txBody>
+                    <a:bodyPr/>
+                    <a:lstStyle/>
+                    <a:p>
+                      <a:endParaRPr lang="en-US" dirty="0"/>
+                    </a:p>
+                  </a:txBody>
+                  <a:tcPr/>
+                </a:tc>
+                <a:tc>
+                  <a:txBody>
+                    <a:bodyPr/>
+                    <a:lstStyle/>
+                    <a:p>
+                      <a:pPr algn="ctr"/>
+                      <a:r>
+                        <a:rPr lang="en-US" dirty="0" smtClean="0"/>
+                        <a:t>Accuracy</a:t>
+                      </a:r>
+                      <a:endParaRPr lang="en-US" dirty="0"/>
+                    </a:p>
+                  </a:txBody>
+                  <a:tcPr>
+                    <a:lnL w="12700" cap="flat" cmpd="sng" algn="ctr">
+                      <a:solidFill>
+                        <a:schemeClr val="tx1"/>
+                      </a:solidFill>
+                      <a:prstDash val="solid"/>
+                      <a:round/>
+                      <a:headEnd type="none" w="med" len="med"/>
+                      <a:tailEnd type="none" w="med" len="med"/>
+                    </a:lnL>
+                    <a:lnR w="12700" cap="flat" cmpd="sng" algn="ctr">
+                      <a:solidFill>
+                        <a:schemeClr val="tx1"/>
+                      </a:solidFill>
+                      <a:prstDash val="solid"/>
+                      <a:round/>
+                      <a:headEnd type="none" w="med" len="med"/>
+                      <a:tailEnd type="none" w="med" len="med"/>
+                    </a:lnR>
+                    <a:lnT w="12700" cap="flat" cmpd="sng" algn="ctr">
+                      <a:solidFill>
+                        <a:schemeClr val="tx1"/>
+                      </a:solidFill>
+                      <a:prstDash val="solid"/>
+                      <a:round/>
+                      <a:headEnd type="none" w="med" len="med"/>
+                      <a:tailEnd type="none" w="med" len="med"/>
+                    </a:lnT>
+                    <a:lnB w="12700" cap="flat" cmpd="sng" algn="ctr">
+                      <a:solidFill>
+                        <a:schemeClr val="tx1"/>
+                      </a:solidFill>
+                      <a:prstDash val="solid"/>
+                      <a:round/>
+                      <a:headEnd type="none" w="med" len="med"/>
+                      <a:tailEnd type="none" w="med" len="med"/>
+                    </a:lnB>
+                  </a:tcPr>
+                </a:tc>
+              </a:tr>
+              <a:tr h="545091">
+                <a:tc>
+                  <a:txBody>
+                    <a:bodyPr/>
+                    <a:lstStyle/>
+                    <a:p>
+                      <a:pPr algn="ctr"/>
+                      <a:endParaRPr lang="en-US" dirty="0"/>
+                    </a:p>
+                  </a:txBody>
+                  <a:tcPr>
+                    <a:lnL w="12700" cap="flat" cmpd="sng" algn="ctr">
+                      <a:solidFill>
+                        <a:schemeClr val="tx1"/>
+                      </a:solidFill>
+                      <a:prstDash val="solid"/>
+                      <a:round/>
+                      <a:headEnd type="none" w="med" len="med"/>
+                      <a:tailEnd type="none" w="med" len="med"/>
+                    </a:lnL>
+                    <a:lnR w="12700" cap="flat" cmpd="sng" algn="ctr">
+                      <a:solidFill>
+                        <a:schemeClr val="tx1"/>
+                      </a:solidFill>
+                      <a:prstDash val="solid"/>
+                      <a:round/>
+                      <a:headEnd type="none" w="med" len="med"/>
+                      <a:tailEnd type="none" w="med" len="med"/>
+                    </a:lnR>
+                    <a:lnT w="12700" cap="flat" cmpd="sng" algn="ctr">
+                      <a:solidFill>
+                        <a:schemeClr val="tx1"/>
+                      </a:solidFill>
+                      <a:prstDash val="solid"/>
+                      <a:round/>
+                      <a:headEnd type="none" w="med" len="med"/>
+                      <a:tailEnd type="none" w="med" len="med"/>
+                    </a:lnT>
+                    <a:lnB w="12700" cap="flat" cmpd="sng" algn="ctr">
+                      <a:solidFill>
+                        <a:schemeClr val="tx1"/>
+                      </a:solidFill>
+                      <a:prstDash val="solid"/>
+                      <a:round/>
+                      <a:headEnd type="none" w="med" len="med"/>
+                      <a:tailEnd type="none" w="med" len="med"/>
+                    </a:lnB>
+                  </a:tcPr>
+                </a:tc>
+                <a:tc>
+                  <a:txBody>
+                    <a:bodyPr/>
+                    <a:lstStyle/>
+                    <a:p>
+                      <a:pPr algn="ctr"/>
+                      <a:r>
+                        <a:rPr lang="en-US" b="1" dirty="0" smtClean="0"/>
                         <a:t>Precision</a:t>
                       </a:r>
+                    </a:p>
+                  </a:txBody>
+                  <a:tcPr>
+                    <a:lnL w="12700" cap="flat" cmpd="sng" algn="ctr">
+                      <a:solidFill>
+                        <a:schemeClr val="tx1"/>
+                      </a:solidFill>
+                      <a:prstDash val="solid"/>
+                      <a:round/>
+                      <a:headEnd type="none" w="med" len="med"/>
+                      <a:tailEnd type="none" w="med" len="med"/>
+                    </a:lnL>
+                    <a:lnR w="12700" cap="flat" cmpd="sng" algn="ctr">
+                      <a:solidFill>
+                        <a:schemeClr val="tx1"/>
+                      </a:solidFill>
+                      <a:prstDash val="solid"/>
+                      <a:round/>
+                      <a:headEnd type="none" w="med" len="med"/>
+                      <a:tailEnd type="none" w="med" len="med"/>
+                    </a:lnR>
+                    <a:lnT w="12700" cap="flat" cmpd="sng" algn="ctr">
+                      <a:solidFill>
+                        <a:schemeClr val="tx1"/>
+                      </a:solidFill>
+                      <a:prstDash val="solid"/>
+                      <a:round/>
+                      <a:headEnd type="none" w="med" len="med"/>
+                      <a:tailEnd type="none" w="med" len="med"/>
+                    </a:lnT>
+                    <a:lnB w="12700" cap="flat" cmpd="sng" algn="ctr">
+                      <a:solidFill>
+                        <a:schemeClr val="tx1"/>
+                      </a:solidFill>
+                      <a:prstDash val="solid"/>
+                      <a:round/>
+                      <a:headEnd type="none" w="med" len="med"/>
+                      <a:tailEnd type="none" w="med" len="med"/>
+                    </a:lnB>
+                  </a:tcPr>
+                </a:tc>
+                <a:tc>
+                  <a:txBody>
+                    <a:bodyPr/>
+                    <a:lstStyle/>
+                    <a:p>
+                      <a:pPr algn="ctr"/>
+                      <a:r>
+                        <a:rPr lang="en-US" b="1" dirty="0" smtClean="0"/>
+                        <a:t>Recall</a:t>
+                      </a:r>
+                      <a:endParaRPr lang="en-US" b="1" dirty="0"/>
+                    </a:p>
+                  </a:txBody>
+                  <a:tcPr>
+                    <a:lnL w="12700" cap="flat" cmpd="sng" algn="ctr">
+                      <a:solidFill>
+                        <a:schemeClr val="tx1"/>
+                      </a:solidFill>
+                      <a:prstDash val="solid"/>
+                      <a:round/>
+                      <a:headEnd type="none" w="med" len="med"/>
+                      <a:tailEnd type="none" w="med" len="med"/>
+                    </a:lnL>
+                    <a:lnR w="12700" cap="flat" cmpd="sng" algn="ctr">
+                      <a:solidFill>
+                        <a:schemeClr val="tx1"/>
+                      </a:solidFill>
+                      <a:prstDash val="solid"/>
+                      <a:round/>
+                      <a:headEnd type="none" w="med" len="med"/>
+                      <a:tailEnd type="none" w="med" len="med"/>
+                    </a:lnR>
+                    <a:lnT w="12700" cap="flat" cmpd="sng" algn="ctr">
+                      <a:solidFill>
+                        <a:schemeClr val="tx1"/>
+                      </a:solidFill>
+                      <a:prstDash val="solid"/>
+                      <a:round/>
+                      <a:headEnd type="none" w="med" len="med"/>
+                      <a:tailEnd type="none" w="med" len="med"/>
+                    </a:lnT>
+                    <a:lnB w="12700" cap="flat" cmpd="sng" algn="ctr">
+                      <a:solidFill>
+                        <a:schemeClr val="tx1"/>
+                      </a:solidFill>
+                      <a:prstDash val="solid"/>
+                      <a:round/>
+                      <a:headEnd type="none" w="med" len="med"/>
+                      <a:tailEnd type="none" w="med" len="med"/>
+                    </a:lnB>
+                  </a:tcPr>
+                </a:tc>
+                <a:tc>
+                  <a:txBody>
+                    <a:bodyPr/>
+                    <a:lstStyle/>
+                    <a:p>
+                      <a:pPr algn="ctr"/>
+                      <a:r>
+                        <a:rPr lang="en-US" b="1" dirty="0" smtClean="0"/>
+                        <a:t>F1 Score</a:t>
+                      </a:r>
+                      <a:endParaRPr lang="en-US" b="1" dirty="0"/>
+                    </a:p>
+                  </a:txBody>
+                  <a:tcPr>
+                    <a:lnL w="12700" cap="flat" cmpd="sng" algn="ctr">
+                      <a:solidFill>
+                        <a:schemeClr val="tx1"/>
+                      </a:solidFill>
+                      <a:prstDash val="solid"/>
+                      <a:round/>
+                      <a:headEnd type="none" w="med" len="med"/>
+                      <a:tailEnd type="none" w="med" len="med"/>
+                    </a:lnL>
+                    <a:lnR w="12700" cap="flat" cmpd="sng" algn="ctr">
+                      <a:solidFill>
+                        <a:schemeClr val="tx1"/>
+                      </a:solidFill>
+                      <a:prstDash val="solid"/>
+                      <a:round/>
+                      <a:headEnd type="none" w="med" len="med"/>
+                      <a:tailEnd type="none" w="med" len="med"/>
+                    </a:lnR>
+                    <a:lnT w="12700" cap="flat" cmpd="sng" algn="ctr">
+                      <a:solidFill>
+                        <a:schemeClr val="tx1"/>
+                      </a:solidFill>
+                      <a:prstDash val="solid"/>
+                      <a:round/>
+                      <a:headEnd type="none" w="med" len="med"/>
+                      <a:tailEnd type="none" w="med" len="med"/>
+                    </a:lnT>
+                    <a:lnB w="12700" cap="flat" cmpd="sng" algn="ctr">
+                      <a:solidFill>
+                        <a:schemeClr val="tx1"/>
+                      </a:solidFill>
+                      <a:prstDash val="solid"/>
+                      <a:round/>
+                      <a:headEnd type="none" w="med" len="med"/>
+                      <a:tailEnd type="none" w="med" len="med"/>
+                    </a:lnB>
+                  </a:tcPr>
+                </a:tc>
+                <a:tc>
+                  <a:txBody>
+                    <a:bodyPr/>
+                    <a:lstStyle/>
+                    <a:p>
+                      <a:pPr algn="ctr"/>
+                      <a:r>
+                        <a:rPr lang="en-US" b="1" dirty="0" smtClean="0"/>
+                        <a:t>Precision</a:t>
+                      </a:r>
+                      <a:endParaRPr lang="en-US" b="1" dirty="0"/>
+                    </a:p>
+                  </a:txBody>
+                  <a:tcPr>
+                    <a:lnL w="12700" cap="flat" cmpd="sng" algn="ctr">
+                      <a:solidFill>
+                        <a:schemeClr val="tx1"/>
+                      </a:solidFill>
+                      <a:prstDash val="solid"/>
+                      <a:round/>
+                      <a:headEnd type="none" w="med" len="med"/>
+                      <a:tailEnd type="none" w="med" len="med"/>
+                    </a:lnL>
+                    <a:lnR w="12700" cap="flat" cmpd="sng" algn="ctr">
+                      <a:solidFill>
+                        <a:schemeClr val="tx1"/>
+                      </a:solidFill>
+                      <a:prstDash val="solid"/>
+                      <a:round/>
+                      <a:headEnd type="none" w="med" len="med"/>
+                      <a:tailEnd type="none" w="med" len="med"/>
+                    </a:lnR>
+                    <a:lnT w="12700" cap="flat" cmpd="sng" algn="ctr">
+                      <a:solidFill>
+                        <a:schemeClr val="tx1"/>
+                      </a:solidFill>
+                      <a:prstDash val="solid"/>
+                      <a:round/>
+                      <a:headEnd type="none" w="med" len="med"/>
+                      <a:tailEnd type="none" w="med" len="med"/>
+                    </a:lnT>
+                    <a:lnB w="12700" cap="flat" cmpd="sng" algn="ctr">
+                      <a:solidFill>
+                        <a:schemeClr val="tx1"/>
+                      </a:solidFill>
+                      <a:prstDash val="solid"/>
+                      <a:round/>
+                      <a:headEnd type="none" w="med" len="med"/>
+                      <a:tailEnd type="none" w="med" len="med"/>
+                    </a:lnB>
+                  </a:tcPr>
+                </a:tc>
+                <a:tc>
+                  <a:txBody>
+                    <a:bodyPr/>
+                    <a:lstStyle/>
+                    <a:p>
+                      <a:pPr algn="ctr"/>
+                      <a:r>
+                        <a:rPr lang="en-US" b="1" dirty="0" smtClean="0"/>
+                        <a:t>Recall</a:t>
+                      </a:r>
+                      <a:endParaRPr lang="en-US" b="1" dirty="0"/>
+                    </a:p>
+                  </a:txBody>
+                  <a:tcPr>
+                    <a:lnL w="12700" cap="flat" cmpd="sng" algn="ctr">
+                      <a:solidFill>
+                        <a:schemeClr val="tx1"/>
+                      </a:solidFill>
+                      <a:prstDash val="solid"/>
+                      <a:round/>
+                      <a:headEnd type="none" w="med" len="med"/>
+                      <a:tailEnd type="none" w="med" len="med"/>
+                    </a:lnL>
+                    <a:lnR w="12700" cap="flat" cmpd="sng" algn="ctr">
+                      <a:solidFill>
+                        <a:schemeClr val="tx1"/>
+                      </a:solidFill>
+                      <a:prstDash val="solid"/>
+                      <a:round/>
+                      <a:headEnd type="none" w="med" len="med"/>
+                      <a:tailEnd type="none" w="med" len="med"/>
+                    </a:lnR>
+                    <a:lnT w="12700" cap="flat" cmpd="sng" algn="ctr">
+                      <a:solidFill>
+                        <a:schemeClr val="tx1"/>
+                      </a:solidFill>
+                      <a:prstDash val="solid"/>
+                      <a:round/>
+                      <a:headEnd type="none" w="med" len="med"/>
+                      <a:tailEnd type="none" w="med" len="med"/>
+                    </a:lnT>
+                    <a:lnB w="12700" cap="flat" cmpd="sng" algn="ctr">
+                      <a:solidFill>
+                        <a:schemeClr val="tx1"/>
+                      </a:solidFill>
+                      <a:prstDash val="solid"/>
+                      <a:round/>
+                      <a:headEnd type="none" w="med" len="med"/>
+                      <a:tailEnd type="none" w="med" len="med"/>
+                    </a:lnB>
+                  </a:tcPr>
+                </a:tc>
+                <a:tc>
+                  <a:txBody>
+                    <a:bodyPr/>
+                    <a:lstStyle/>
+                    <a:p>
+                      <a:pPr algn="ctr"/>
+                      <a:r>
+                        <a:rPr lang="en-US" b="1" dirty="0" smtClean="0"/>
+                        <a:t>F1 Score</a:t>
+                      </a:r>
+                      <a:endParaRPr lang="en-US" b="1" dirty="0"/>
+                    </a:p>
+                  </a:txBody>
+                  <a:tcPr>
+                    <a:lnL w="12700" cap="flat" cmpd="sng" algn="ctr">
+                      <a:solidFill>
+                        <a:schemeClr val="tx1"/>
+                      </a:solidFill>
+                      <a:prstDash val="solid"/>
+                      <a:round/>
+                      <a:headEnd type="none" w="med" len="med"/>
+                      <a:tailEnd type="none" w="med" len="med"/>
+                    </a:lnL>
+                    <a:lnR w="12700" cap="flat" cmpd="sng" algn="ctr">
+                      <a:solidFill>
+                        <a:schemeClr val="tx1"/>
+                      </a:solidFill>
+                      <a:prstDash val="solid"/>
+                      <a:round/>
+                      <a:headEnd type="none" w="med" len="med"/>
+                      <a:tailEnd type="none" w="med" len="med"/>
+                    </a:lnR>
+                    <a:lnT w="12700" cap="flat" cmpd="sng" algn="ctr">
+                      <a:solidFill>
+                        <a:schemeClr val="tx1"/>
+                      </a:solidFill>
+                      <a:prstDash val="solid"/>
+                      <a:round/>
+                      <a:headEnd type="none" w="med" len="med"/>
+                      <a:tailEnd type="none" w="med" len="med"/>
+                    </a:lnT>
+                    <a:lnB w="12700" cap="flat" cmpd="sng" algn="ctr">
+                      <a:solidFill>
+                        <a:schemeClr val="tx1"/>
+                      </a:solidFill>
+                      <a:prstDash val="solid"/>
+                      <a:round/>
+                      <a:headEnd type="none" w="med" len="med"/>
+                      <a:tailEnd type="none" w="med" len="med"/>
+                    </a:lnB>
+                  </a:tcPr>
+                </a:tc>
+                <a:tc>
+                  <a:txBody>
+                    <a:bodyPr/>
+                    <a:lstStyle/>
+                    <a:p>
+                      <a:pPr algn="ctr"/>
                       <a:endParaRPr lang="en-US" dirty="0"/>
                     </a:p>
                   </a:txBody>
-                  <a:tcPr/>
-                </a:tc>
-                <a:tc>
-                  <a:txBody>
-                    <a:bodyPr/>
-                    <a:lstStyle/>
-                    <a:p>
+                  <a:tcPr>
+                    <a:lnL w="12700" cap="flat" cmpd="sng" algn="ctr">
+                      <a:solidFill>
+                        <a:schemeClr val="tx1"/>
+                      </a:solidFill>
+                      <a:prstDash val="solid"/>
+                      <a:round/>
+                      <a:headEnd type="none" w="med" len="med"/>
+                      <a:tailEnd type="none" w="med" len="med"/>
+                    </a:lnL>
+                    <a:lnR w="12700" cap="flat" cmpd="sng" algn="ctr">
+                      <a:solidFill>
+                        <a:schemeClr val="tx1"/>
+                      </a:solidFill>
+                      <a:prstDash val="solid"/>
+                      <a:round/>
+                      <a:headEnd type="none" w="med" len="med"/>
+                      <a:tailEnd type="none" w="med" len="med"/>
+                    </a:lnR>
+                    <a:lnT w="12700" cap="flat" cmpd="sng" algn="ctr">
+                      <a:solidFill>
+                        <a:schemeClr val="tx1"/>
+                      </a:solidFill>
+                      <a:prstDash val="solid"/>
+                      <a:round/>
+                      <a:headEnd type="none" w="med" len="med"/>
+                      <a:tailEnd type="none" w="med" len="med"/>
+                    </a:lnT>
+                    <a:lnB w="12700" cap="flat" cmpd="sng" algn="ctr">
+                      <a:solidFill>
+                        <a:schemeClr val="tx1"/>
+                      </a:solidFill>
+                      <a:prstDash val="solid"/>
+                      <a:round/>
+                      <a:headEnd type="none" w="med" len="med"/>
+                      <a:tailEnd type="none" w="med" len="med"/>
+                    </a:lnB>
+                  </a:tcPr>
+                </a:tc>
+              </a:tr>
+              <a:tr h="545091">
+                <a:tc>
+                  <a:txBody>
+                    <a:bodyPr/>
+                    <a:lstStyle/>
+                    <a:p>
+                      <a:pPr algn="ctr"/>
+                      <a:r>
+                        <a:rPr lang="en-US" b="1" dirty="0" err="1" smtClean="0"/>
+                        <a:t>AdaBoost</a:t>
+                      </a:r>
+                      <a:endParaRPr lang="en-US" b="1" dirty="0"/>
+                    </a:p>
+                  </a:txBody>
+                  <a:tcPr>
+                    <a:lnL w="12700" cap="flat" cmpd="sng" algn="ctr">
+                      <a:solidFill>
+                        <a:schemeClr val="tx1"/>
+                      </a:solidFill>
+                      <a:prstDash val="solid"/>
+                      <a:round/>
+                      <a:headEnd type="none" w="med" len="med"/>
+                      <a:tailEnd type="none" w="med" len="med"/>
+                    </a:lnL>
+                    <a:lnR w="12700" cap="flat" cmpd="sng" algn="ctr">
+                      <a:solidFill>
+                        <a:schemeClr val="tx1"/>
+                      </a:solidFill>
+                      <a:prstDash val="solid"/>
+                      <a:round/>
+                      <a:headEnd type="none" w="med" len="med"/>
+                      <a:tailEnd type="none" w="med" len="med"/>
+                    </a:lnR>
+                    <a:lnT w="12700" cap="flat" cmpd="sng" algn="ctr">
+                      <a:solidFill>
+                        <a:schemeClr val="tx1"/>
+                      </a:solidFill>
+                      <a:prstDash val="solid"/>
+                      <a:round/>
+                      <a:headEnd type="none" w="med" len="med"/>
+                      <a:tailEnd type="none" w="med" len="med"/>
+                    </a:lnT>
+                    <a:lnB w="12700" cap="flat" cmpd="sng" algn="ctr">
+                      <a:solidFill>
+                        <a:schemeClr val="tx1"/>
+                      </a:solidFill>
+                      <a:prstDash val="solid"/>
+                      <a:round/>
+                      <a:headEnd type="none" w="med" len="med"/>
+                      <a:tailEnd type="none" w="med" len="med"/>
+                    </a:lnB>
+                  </a:tcPr>
+                </a:tc>
+                <a:tc>
+                  <a:txBody>
+                    <a:bodyPr/>
+                    <a:lstStyle/>
+                    <a:p>
+                      <a:pPr algn="ctr"/>
                       <a:r>
                         <a:rPr lang="en-US" dirty="0" smtClean="0"/>
-                        <a:t>Recall </a:t>
+                        <a:t>0.518 </a:t>
+                      </a:r>
+                    </a:p>
+                  </a:txBody>
+                  <a:tcPr>
+                    <a:lnL w="12700" cap="flat" cmpd="sng" algn="ctr">
+                      <a:solidFill>
+                        <a:schemeClr val="tx1"/>
+                      </a:solidFill>
+                      <a:prstDash val="solid"/>
+                      <a:round/>
+                      <a:headEnd type="none" w="med" len="med"/>
+                      <a:tailEnd type="none" w="med" len="med"/>
+                    </a:lnL>
+                    <a:lnR w="12700" cap="flat" cmpd="sng" algn="ctr">
+                      <a:solidFill>
+                        <a:schemeClr val="tx1"/>
+                      </a:solidFill>
+                      <a:prstDash val="solid"/>
+                      <a:round/>
+                      <a:headEnd type="none" w="med" len="med"/>
+                      <a:tailEnd type="none" w="med" len="med"/>
+                    </a:lnR>
+                    <a:lnT w="12700" cap="flat" cmpd="sng" algn="ctr">
+                      <a:solidFill>
+                        <a:schemeClr val="tx1"/>
+                      </a:solidFill>
+                      <a:prstDash val="solid"/>
+                      <a:round/>
+                      <a:headEnd type="none" w="med" len="med"/>
+                      <a:tailEnd type="none" w="med" len="med"/>
+                    </a:lnT>
+                    <a:lnB w="12700" cap="flat" cmpd="sng" algn="ctr">
+                      <a:solidFill>
+                        <a:schemeClr val="tx1"/>
+                      </a:solidFill>
+                      <a:prstDash val="solid"/>
+                      <a:round/>
+                      <a:headEnd type="none" w="med" len="med"/>
+                      <a:tailEnd type="none" w="med" len="med"/>
+                    </a:lnB>
+                  </a:tcPr>
+                </a:tc>
+                <a:tc>
+                  <a:txBody>
+                    <a:bodyPr/>
+                    <a:lstStyle/>
+                    <a:p>
+                      <a:pPr algn="ctr"/>
+                      <a:r>
+                        <a:rPr lang="en-US" dirty="0" smtClean="0"/>
+                        <a:t>0.598</a:t>
                       </a:r>
                       <a:endParaRPr lang="en-US" dirty="0"/>
                     </a:p>
                   </a:txBody>
-                  <a:tcPr/>
-                </a:tc>
-                <a:tc>
-                  <a:txBody>
-                    <a:bodyPr/>
-                    <a:lstStyle/>
-                    <a:p>
+                  <a:tcPr>
+                    <a:lnL w="12700" cap="flat" cmpd="sng" algn="ctr">
+                      <a:solidFill>
+                        <a:schemeClr val="tx1"/>
+                      </a:solidFill>
+                      <a:prstDash val="solid"/>
+                      <a:round/>
+                      <a:headEnd type="none" w="med" len="med"/>
+                      <a:tailEnd type="none" w="med" len="med"/>
+                    </a:lnL>
+                    <a:lnR w="12700" cap="flat" cmpd="sng" algn="ctr">
+                      <a:solidFill>
+                        <a:schemeClr val="tx1"/>
+                      </a:solidFill>
+                      <a:prstDash val="solid"/>
+                      <a:round/>
+                      <a:headEnd type="none" w="med" len="med"/>
+                      <a:tailEnd type="none" w="med" len="med"/>
+                    </a:lnR>
+                    <a:lnT w="12700" cap="flat" cmpd="sng" algn="ctr">
+                      <a:solidFill>
+                        <a:schemeClr val="tx1"/>
+                      </a:solidFill>
+                      <a:prstDash val="solid"/>
+                      <a:round/>
+                      <a:headEnd type="none" w="med" len="med"/>
+                      <a:tailEnd type="none" w="med" len="med"/>
+                    </a:lnT>
+                    <a:lnB w="12700" cap="flat" cmpd="sng" algn="ctr">
+                      <a:solidFill>
+                        <a:schemeClr val="tx1"/>
+                      </a:solidFill>
+                      <a:prstDash val="solid"/>
+                      <a:round/>
+                      <a:headEnd type="none" w="med" len="med"/>
+                      <a:tailEnd type="none" w="med" len="med"/>
+                    </a:lnB>
+                  </a:tcPr>
+                </a:tc>
+                <a:tc>
+                  <a:txBody>
+                    <a:bodyPr/>
+                    <a:lstStyle/>
+                    <a:p>
+                      <a:pPr algn="ctr"/>
                       <a:r>
                         <a:rPr lang="en-US" dirty="0" smtClean="0"/>
-                        <a:t>F-Score</a:t>
+                        <a:t>0.542</a:t>
                       </a:r>
                       <a:endParaRPr lang="en-US" dirty="0"/>
                     </a:p>
                   </a:txBody>
-                  <a:tcPr/>
+                  <a:tcPr>
+                    <a:lnL w="12700" cap="flat" cmpd="sng" algn="ctr">
+                      <a:solidFill>
+                        <a:schemeClr val="tx1"/>
+                      </a:solidFill>
+                      <a:prstDash val="solid"/>
+                      <a:round/>
+                      <a:headEnd type="none" w="med" len="med"/>
+                      <a:tailEnd type="none" w="med" len="med"/>
+                    </a:lnL>
+                    <a:lnR w="12700" cap="flat" cmpd="sng" algn="ctr">
+                      <a:solidFill>
+                        <a:schemeClr val="tx1"/>
+                      </a:solidFill>
+                      <a:prstDash val="solid"/>
+                      <a:round/>
+                      <a:headEnd type="none" w="med" len="med"/>
+                      <a:tailEnd type="none" w="med" len="med"/>
+                    </a:lnR>
+                    <a:lnT w="12700" cap="flat" cmpd="sng" algn="ctr">
+                      <a:solidFill>
+                        <a:schemeClr val="tx1"/>
+                      </a:solidFill>
+                      <a:prstDash val="solid"/>
+                      <a:round/>
+                      <a:headEnd type="none" w="med" len="med"/>
+                      <a:tailEnd type="none" w="med" len="med"/>
+                    </a:lnT>
+                    <a:lnB w="12700" cap="flat" cmpd="sng" algn="ctr">
+                      <a:solidFill>
+                        <a:schemeClr val="tx1"/>
+                      </a:solidFill>
+                      <a:prstDash val="solid"/>
+                      <a:round/>
+                      <a:headEnd type="none" w="med" len="med"/>
+                      <a:tailEnd type="none" w="med" len="med"/>
+                    </a:lnB>
+                  </a:tcPr>
+                </a:tc>
+                <a:tc>
+                  <a:txBody>
+                    <a:bodyPr/>
+                    <a:lstStyle/>
+                    <a:p>
+                      <a:pPr algn="ctr"/>
+                      <a:r>
+                        <a:rPr lang="en-US" dirty="0" smtClean="0"/>
+                        <a:t>0.532</a:t>
+                      </a:r>
+                      <a:endParaRPr lang="en-US" dirty="0"/>
+                    </a:p>
+                  </a:txBody>
+                  <a:tcPr>
+                    <a:lnL w="12700" cap="flat" cmpd="sng" algn="ctr">
+                      <a:solidFill>
+                        <a:schemeClr val="tx1"/>
+                      </a:solidFill>
+                      <a:prstDash val="solid"/>
+                      <a:round/>
+                      <a:headEnd type="none" w="med" len="med"/>
+                      <a:tailEnd type="none" w="med" len="med"/>
+                    </a:lnL>
+                    <a:lnR w="12700" cap="flat" cmpd="sng" algn="ctr">
+                      <a:solidFill>
+                        <a:schemeClr val="tx1"/>
+                      </a:solidFill>
+                      <a:prstDash val="solid"/>
+                      <a:round/>
+                      <a:headEnd type="none" w="med" len="med"/>
+                      <a:tailEnd type="none" w="med" len="med"/>
+                    </a:lnR>
+                    <a:lnT w="12700" cap="flat" cmpd="sng" algn="ctr">
+                      <a:solidFill>
+                        <a:schemeClr val="tx1"/>
+                      </a:solidFill>
+                      <a:prstDash val="solid"/>
+                      <a:round/>
+                      <a:headEnd type="none" w="med" len="med"/>
+                      <a:tailEnd type="none" w="med" len="med"/>
+                    </a:lnT>
+                    <a:lnB w="12700" cap="flat" cmpd="sng" algn="ctr">
+                      <a:solidFill>
+                        <a:schemeClr val="tx1"/>
+                      </a:solidFill>
+                      <a:prstDash val="solid"/>
+                      <a:round/>
+                      <a:headEnd type="none" w="med" len="med"/>
+                      <a:tailEnd type="none" w="med" len="med"/>
+                    </a:lnB>
+                  </a:tcPr>
+                </a:tc>
+                <a:tc>
+                  <a:txBody>
+                    <a:bodyPr/>
+                    <a:lstStyle/>
+                    <a:p>
+                      <a:pPr algn="ctr"/>
+                      <a:r>
+                        <a:rPr lang="en-US" dirty="0" smtClean="0"/>
+                        <a:t>0.422</a:t>
+                      </a:r>
+                      <a:endParaRPr lang="en-US" dirty="0"/>
+                    </a:p>
+                  </a:txBody>
+                  <a:tcPr>
+                    <a:lnL w="12700" cap="flat" cmpd="sng" algn="ctr">
+                      <a:solidFill>
+                        <a:schemeClr val="tx1"/>
+                      </a:solidFill>
+                      <a:prstDash val="solid"/>
+                      <a:round/>
+                      <a:headEnd type="none" w="med" len="med"/>
+                      <a:tailEnd type="none" w="med" len="med"/>
+                    </a:lnL>
+                    <a:lnR w="12700" cap="flat" cmpd="sng" algn="ctr">
+                      <a:solidFill>
+                        <a:schemeClr val="tx1"/>
+                      </a:solidFill>
+                      <a:prstDash val="solid"/>
+                      <a:round/>
+                      <a:headEnd type="none" w="med" len="med"/>
+                      <a:tailEnd type="none" w="med" len="med"/>
+                    </a:lnR>
+                    <a:lnT w="12700" cap="flat" cmpd="sng" algn="ctr">
+                      <a:solidFill>
+                        <a:schemeClr val="tx1"/>
+                      </a:solidFill>
+                      <a:prstDash val="solid"/>
+                      <a:round/>
+                      <a:headEnd type="none" w="med" len="med"/>
+                      <a:tailEnd type="none" w="med" len="med"/>
+                    </a:lnT>
+                    <a:lnB w="12700" cap="flat" cmpd="sng" algn="ctr">
+                      <a:solidFill>
+                        <a:schemeClr val="tx1"/>
+                      </a:solidFill>
+                      <a:prstDash val="solid"/>
+                      <a:round/>
+                      <a:headEnd type="none" w="med" len="med"/>
+                      <a:tailEnd type="none" w="med" len="med"/>
+                    </a:lnB>
+                  </a:tcPr>
+                </a:tc>
+                <a:tc>
+                  <a:txBody>
+                    <a:bodyPr/>
+                    <a:lstStyle/>
+                    <a:p>
+                      <a:pPr algn="ctr"/>
+                      <a:r>
+                        <a:rPr lang="en-US" dirty="0" smtClean="0"/>
+                        <a:t>0.457</a:t>
+                      </a:r>
+                      <a:endParaRPr lang="en-US" dirty="0"/>
+                    </a:p>
+                  </a:txBody>
+                  <a:tcPr>
+                    <a:lnL w="12700" cap="flat" cmpd="sng" algn="ctr">
+                      <a:solidFill>
+                        <a:schemeClr val="tx1"/>
+                      </a:solidFill>
+                      <a:prstDash val="solid"/>
+                      <a:round/>
+                      <a:headEnd type="none" w="med" len="med"/>
+                      <a:tailEnd type="none" w="med" len="med"/>
+                    </a:lnL>
+                    <a:lnR w="12700" cap="flat" cmpd="sng" algn="ctr">
+                      <a:solidFill>
+                        <a:schemeClr val="tx1"/>
+                      </a:solidFill>
+                      <a:prstDash val="solid"/>
+                      <a:round/>
+                      <a:headEnd type="none" w="med" len="med"/>
+                      <a:tailEnd type="none" w="med" len="med"/>
+                    </a:lnR>
+                    <a:lnT w="12700" cap="flat" cmpd="sng" algn="ctr">
+                      <a:solidFill>
+                        <a:schemeClr val="tx1"/>
+                      </a:solidFill>
+                      <a:prstDash val="solid"/>
+                      <a:round/>
+                      <a:headEnd type="none" w="med" len="med"/>
+                      <a:tailEnd type="none" w="med" len="med"/>
+                    </a:lnT>
+                    <a:lnB w="12700" cap="flat" cmpd="sng" algn="ctr">
+                      <a:solidFill>
+                        <a:schemeClr val="tx1"/>
+                      </a:solidFill>
+                      <a:prstDash val="solid"/>
+                      <a:round/>
+                      <a:headEnd type="none" w="med" len="med"/>
+                      <a:tailEnd type="none" w="med" len="med"/>
+                    </a:lnB>
+                  </a:tcPr>
+                </a:tc>
+                <a:tc>
+                  <a:txBody>
+                    <a:bodyPr/>
+                    <a:lstStyle/>
+                    <a:p>
+                      <a:pPr algn="ctr"/>
+                      <a:r>
+                        <a:rPr lang="en-US" dirty="0" smtClean="0"/>
+                        <a:t>0.498</a:t>
+                      </a:r>
+                      <a:endParaRPr lang="en-US" dirty="0"/>
+                    </a:p>
+                  </a:txBody>
+                  <a:tcPr>
+                    <a:lnL w="12700" cap="flat" cmpd="sng" algn="ctr">
+                      <a:solidFill>
+                        <a:schemeClr val="tx1"/>
+                      </a:solidFill>
+                      <a:prstDash val="solid"/>
+                      <a:round/>
+                      <a:headEnd type="none" w="med" len="med"/>
+                      <a:tailEnd type="none" w="med" len="med"/>
+                    </a:lnL>
+                    <a:lnR w="12700" cap="flat" cmpd="sng" algn="ctr">
+                      <a:solidFill>
+                        <a:schemeClr val="tx1"/>
+                      </a:solidFill>
+                      <a:prstDash val="solid"/>
+                      <a:round/>
+                      <a:headEnd type="none" w="med" len="med"/>
+                      <a:tailEnd type="none" w="med" len="med"/>
+                    </a:lnR>
+                    <a:lnT w="12700" cap="flat" cmpd="sng" algn="ctr">
+                      <a:solidFill>
+                        <a:schemeClr val="tx1"/>
+                      </a:solidFill>
+                      <a:prstDash val="solid"/>
+                      <a:round/>
+                      <a:headEnd type="none" w="med" len="med"/>
+                      <a:tailEnd type="none" w="med" len="med"/>
+                    </a:lnT>
+                    <a:lnB w="12700" cap="flat" cmpd="sng" algn="ctr">
+                      <a:solidFill>
+                        <a:schemeClr val="tx1"/>
+                      </a:solidFill>
+                      <a:prstDash val="solid"/>
+                      <a:round/>
+                      <a:headEnd type="none" w="med" len="med"/>
+                      <a:tailEnd type="none" w="med" len="med"/>
+                    </a:lnB>
+                  </a:tcPr>
                 </a:tc>
               </a:tr>
-              <a:tr h="590895">
-                <a:tc>
-                  <a:txBody>
-                    <a:bodyPr/>
-                    <a:lstStyle/>
-                    <a:p>
-                      <a:r>
-                        <a:rPr lang="en-US" dirty="0" smtClean="0"/>
-                        <a:t>Naïve Bayes</a:t>
-                      </a:r>
-                      <a:endParaRPr lang="en-US" dirty="0"/>
-                    </a:p>
-                  </a:txBody>
-                  <a:tcPr/>
-                </a:tc>
-                <a:tc>
-                  <a:txBody>
-                    <a:bodyPr/>
-                    <a:lstStyle/>
-                    <a:p>
-                      <a:r>
-                        <a:rPr lang="en-US" dirty="0" smtClean="0"/>
-                        <a:t>0.322</a:t>
-                      </a:r>
-                    </a:p>
-                  </a:txBody>
-                  <a:tcPr/>
-                </a:tc>
-                <a:tc>
-                  <a:txBody>
-                    <a:bodyPr/>
-                    <a:lstStyle/>
-                    <a:p>
-                      <a:r>
-                        <a:rPr lang="en-US" dirty="0" smtClean="0"/>
-                        <a:t>0.31</a:t>
-                      </a:r>
-                      <a:endParaRPr lang="en-US" dirty="0"/>
-                    </a:p>
-                  </a:txBody>
-                  <a:tcPr/>
-                </a:tc>
-                <a:tc>
-                  <a:txBody>
-                    <a:bodyPr/>
-                    <a:lstStyle/>
-                    <a:p>
-                      <a:r>
-                        <a:rPr lang="en-US" dirty="0" smtClean="0"/>
-                        <a:t>0.306</a:t>
-                      </a:r>
-                      <a:endParaRPr lang="en-US" dirty="0"/>
-                    </a:p>
-                  </a:txBody>
-                  <a:tcPr/>
-                </a:tc>
-              </a:tr>
-              <a:tr h="590895">
-                <a:tc>
-                  <a:txBody>
-                    <a:bodyPr/>
-                    <a:lstStyle/>
-                    <a:p>
-                      <a:r>
-                        <a:rPr lang="en-US" dirty="0" smtClean="0"/>
-                        <a:t>Multinomial Naïve Bayes</a:t>
-                      </a:r>
-                      <a:endParaRPr lang="en-US" dirty="0"/>
-                    </a:p>
-                  </a:txBody>
-                  <a:tcPr/>
-                </a:tc>
-                <a:tc>
-                  <a:txBody>
-                    <a:bodyPr/>
-                    <a:lstStyle/>
-                    <a:p>
-                      <a:r>
-                        <a:rPr lang="en-US" dirty="0" smtClean="0"/>
-                        <a:t>0.569</a:t>
-                      </a:r>
-                    </a:p>
-                  </a:txBody>
-                  <a:tcPr/>
-                </a:tc>
-                <a:tc>
-                  <a:txBody>
-                    <a:bodyPr/>
-                    <a:lstStyle/>
-                    <a:p>
-                      <a:r>
-                        <a:rPr lang="en-US" dirty="0" smtClean="0"/>
-                        <a:t>0.531</a:t>
-                      </a:r>
-                      <a:endParaRPr lang="en-US" dirty="0"/>
-                    </a:p>
-                  </a:txBody>
-                  <a:tcPr/>
-                </a:tc>
-                <a:tc>
-                  <a:txBody>
-                    <a:bodyPr/>
-                    <a:lstStyle/>
-                    <a:p>
-                      <a:r>
-                        <a:rPr lang="en-US" dirty="0" smtClean="0"/>
-                        <a:t>0.484</a:t>
-                      </a:r>
-                      <a:endParaRPr lang="en-US" dirty="0"/>
-                    </a:p>
-                  </a:txBody>
-                  <a:tcPr/>
-                </a:tc>
-              </a:tr>
-              <a:tr h="590895">
-                <a:tc>
-                  <a:txBody>
-                    <a:bodyPr/>
-                    <a:lstStyle/>
-                    <a:p>
-                      <a:r>
-                        <a:rPr lang="en-US" dirty="0" smtClean="0"/>
-                        <a:t>K- Nearest</a:t>
-                      </a:r>
-                      <a:r>
-                        <a:rPr lang="en-US" baseline="0" dirty="0" smtClean="0"/>
-                        <a:t> Neighbors</a:t>
-                      </a:r>
-                      <a:endParaRPr lang="en-US" dirty="0"/>
-                    </a:p>
-                  </a:txBody>
-                  <a:tcPr/>
-                </a:tc>
-                <a:tc>
-                  <a:txBody>
-                    <a:bodyPr/>
-                    <a:lstStyle/>
-                    <a:p>
-                      <a:r>
-                        <a:rPr lang="en-US" dirty="0" smtClean="0"/>
-                        <a:t>0.481</a:t>
-                      </a:r>
-                    </a:p>
-                  </a:txBody>
-                  <a:tcPr/>
-                </a:tc>
-                <a:tc>
-                  <a:txBody>
-                    <a:bodyPr/>
-                    <a:lstStyle/>
-                    <a:p>
-                      <a:r>
-                        <a:rPr lang="en-US" dirty="0" smtClean="0"/>
-                        <a:t>0.43</a:t>
-                      </a:r>
-                      <a:endParaRPr lang="en-US" dirty="0"/>
-                    </a:p>
-                  </a:txBody>
-                  <a:tcPr/>
-                </a:tc>
-                <a:tc>
-                  <a:txBody>
-                    <a:bodyPr/>
-                    <a:lstStyle/>
-                    <a:p>
-                      <a:r>
-                        <a:rPr lang="en-US" dirty="0" smtClean="0"/>
-                        <a:t>0.429</a:t>
-                      </a:r>
-                      <a:endParaRPr lang="en-US" dirty="0"/>
-                    </a:p>
-                  </a:txBody>
-                  <a:tcPr/>
-                </a:tc>
-              </a:tr>
-              <a:tr h="590895">
-                <a:tc>
-                  <a:txBody>
-                    <a:bodyPr/>
-                    <a:lstStyle/>
-                    <a:p>
-                      <a:r>
-                        <a:rPr lang="en-US" dirty="0" smtClean="0"/>
-                        <a:t>Decision Trees</a:t>
-                      </a:r>
-                      <a:endParaRPr lang="en-US" dirty="0"/>
-                    </a:p>
-                  </a:txBody>
-                  <a:tcPr/>
-                </a:tc>
-                <a:tc>
-                  <a:txBody>
-                    <a:bodyPr/>
-                    <a:lstStyle/>
-                    <a:p>
-                      <a:r>
-                        <a:rPr lang="en-US" dirty="0" smtClean="0"/>
-                        <a:t> 0.505</a:t>
-                      </a:r>
-                      <a:endParaRPr lang="en-US" dirty="0"/>
-                    </a:p>
-                  </a:txBody>
-                  <a:tcPr/>
-                </a:tc>
-                <a:tc>
-                  <a:txBody>
-                    <a:bodyPr/>
-                    <a:lstStyle/>
-                    <a:p>
-                      <a:r>
-                        <a:rPr lang="en-US" dirty="0" smtClean="0"/>
-                        <a:t>0.48</a:t>
-                      </a:r>
-                      <a:endParaRPr lang="en-US" dirty="0"/>
-                    </a:p>
-                  </a:txBody>
-                  <a:tcPr/>
-                </a:tc>
-                <a:tc>
-                  <a:txBody>
-                    <a:bodyPr/>
-                    <a:lstStyle/>
-                    <a:p>
-                      <a:r>
-                        <a:rPr lang="en-US" dirty="0" smtClean="0"/>
-                        <a:t>0.482</a:t>
-                      </a:r>
-                      <a:endParaRPr lang="en-US" dirty="0"/>
-                    </a:p>
-                  </a:txBody>
-                  <a:tcPr/>
-                </a:tc>
-              </a:tr>
-              <a:tr h="590895">
-                <a:tc>
-                  <a:txBody>
-                    <a:bodyPr/>
-                    <a:lstStyle/>
-                    <a:p>
-                      <a:r>
-                        <a:rPr lang="en-US" dirty="0" smtClean="0"/>
-                        <a:t>Bernoulli Naïve Bayes</a:t>
-                      </a:r>
-                      <a:endParaRPr lang="en-US" dirty="0"/>
-                    </a:p>
-                  </a:txBody>
-                  <a:tcPr/>
-                </a:tc>
-                <a:tc>
-                  <a:txBody>
-                    <a:bodyPr/>
-                    <a:lstStyle/>
-                    <a:p>
-                      <a:r>
-                        <a:rPr lang="en-US" dirty="0" smtClean="0"/>
-                        <a:t>0.574</a:t>
-                      </a:r>
-                    </a:p>
-                  </a:txBody>
-                  <a:tcPr/>
-                </a:tc>
-                <a:tc>
-                  <a:txBody>
-                    <a:bodyPr/>
-                    <a:lstStyle/>
-                    <a:p>
-                      <a:r>
-                        <a:rPr lang="en-US" dirty="0" smtClean="0"/>
-                        <a:t>0.555</a:t>
-                      </a:r>
-                      <a:endParaRPr lang="en-US" dirty="0"/>
-                    </a:p>
-                  </a:txBody>
-                  <a:tcPr/>
-                </a:tc>
-                <a:tc>
-                  <a:txBody>
-                    <a:bodyPr/>
-                    <a:lstStyle/>
-                    <a:p>
-                      <a:r>
-                        <a:rPr lang="en-US" dirty="0" smtClean="0"/>
-                        <a:t>0.546</a:t>
-                      </a:r>
-                      <a:endParaRPr lang="en-US" dirty="0"/>
-                    </a:p>
-                  </a:txBody>
-                  <a:tcPr/>
-                </a:tc>
-              </a:tr>
-              <a:tr h="590895">
-                <a:tc>
-                  <a:txBody>
-                    <a:bodyPr/>
-                    <a:lstStyle/>
-                    <a:p>
-                      <a:r>
-                        <a:rPr lang="en-US" dirty="0" smtClean="0"/>
-                        <a:t>Support</a:t>
-                      </a:r>
-                      <a:r>
-                        <a:rPr lang="en-US" baseline="0" dirty="0" smtClean="0"/>
-                        <a:t> Vector Machines</a:t>
-                      </a:r>
-                    </a:p>
-                    <a:p>
-                      <a:r>
-                        <a:rPr lang="en-US" baseline="0" dirty="0" smtClean="0"/>
-                        <a:t>(Linear)</a:t>
-                      </a:r>
-                      <a:endParaRPr lang="en-US" dirty="0"/>
-                    </a:p>
-                  </a:txBody>
-                  <a:tcPr/>
-                </a:tc>
-                <a:tc>
-                  <a:txBody>
-                    <a:bodyPr/>
-                    <a:lstStyle/>
-                    <a:p>
-                      <a:r>
-                        <a:rPr lang="en-US" dirty="0" smtClean="0"/>
-                        <a:t> 0.603</a:t>
-                      </a:r>
-                    </a:p>
-                  </a:txBody>
-                  <a:tcPr/>
-                </a:tc>
-                <a:tc>
-                  <a:txBody>
-                    <a:bodyPr/>
-                    <a:lstStyle/>
-                    <a:p>
-                      <a:r>
-                        <a:rPr lang="en-US" dirty="0" smtClean="0"/>
-                        <a:t>0.588</a:t>
-                      </a:r>
-                      <a:endParaRPr lang="en-US" dirty="0"/>
-                    </a:p>
-                  </a:txBody>
-                  <a:tcPr/>
-                </a:tc>
-                <a:tc>
-                  <a:txBody>
-                    <a:bodyPr/>
-                    <a:lstStyle/>
-                    <a:p>
+              <a:tr h="586601">
+                <a:tc>
+                  <a:txBody>
+                    <a:bodyPr/>
+                    <a:lstStyle/>
+                    <a:p>
+                      <a:pPr algn="ctr"/>
+                      <a:r>
+                        <a:rPr lang="en-US" b="1" dirty="0" smtClean="0"/>
+                        <a:t>Random Forest</a:t>
+                      </a:r>
+                      <a:endParaRPr lang="en-US" b="1" dirty="0"/>
+                    </a:p>
+                  </a:txBody>
+                  <a:tcPr>
+                    <a:lnL w="12700" cap="flat" cmpd="sng" algn="ctr">
+                      <a:solidFill>
+                        <a:schemeClr val="tx1"/>
+                      </a:solidFill>
+                      <a:prstDash val="solid"/>
+                      <a:round/>
+                      <a:headEnd type="none" w="med" len="med"/>
+                      <a:tailEnd type="none" w="med" len="med"/>
+                    </a:lnL>
+                    <a:lnR w="12700" cap="flat" cmpd="sng" algn="ctr">
+                      <a:solidFill>
+                        <a:schemeClr val="tx1"/>
+                      </a:solidFill>
+                      <a:prstDash val="solid"/>
+                      <a:round/>
+                      <a:headEnd type="none" w="med" len="med"/>
+                      <a:tailEnd type="none" w="med" len="med"/>
+                    </a:lnR>
+                    <a:lnT w="12700" cap="flat" cmpd="sng" algn="ctr">
+                      <a:solidFill>
+                        <a:schemeClr val="tx1"/>
+                      </a:solidFill>
+                      <a:prstDash val="solid"/>
+                      <a:round/>
+                      <a:headEnd type="none" w="med" len="med"/>
+                      <a:tailEnd type="none" w="med" len="med"/>
+                    </a:lnT>
+                    <a:lnB w="12700" cap="flat" cmpd="sng" algn="ctr">
+                      <a:solidFill>
+                        <a:schemeClr val="tx1"/>
+                      </a:solidFill>
+                      <a:prstDash val="solid"/>
+                      <a:round/>
+                      <a:headEnd type="none" w="med" len="med"/>
+                      <a:tailEnd type="none" w="med" len="med"/>
+                    </a:lnB>
+                  </a:tcPr>
+                </a:tc>
+                <a:tc>
+                  <a:txBody>
+                    <a:bodyPr/>
+                    <a:lstStyle/>
+                    <a:p>
+                      <a:pPr algn="ctr"/>
                       <a:r>
                         <a:rPr lang="en-US" dirty="0" smtClean="0"/>
                         <a:t>0.552</a:t>
                       </a:r>
+                    </a:p>
+                  </a:txBody>
+                  <a:tcPr>
+                    <a:lnL w="12700" cap="flat" cmpd="sng" algn="ctr">
+                      <a:solidFill>
+                        <a:schemeClr val="tx1"/>
+                      </a:solidFill>
+                      <a:prstDash val="solid"/>
+                      <a:round/>
+                      <a:headEnd type="none" w="med" len="med"/>
+                      <a:tailEnd type="none" w="med" len="med"/>
+                    </a:lnL>
+                    <a:lnR w="12700" cap="flat" cmpd="sng" algn="ctr">
+                      <a:solidFill>
+                        <a:schemeClr val="tx1"/>
+                      </a:solidFill>
+                      <a:prstDash val="solid"/>
+                      <a:round/>
+                      <a:headEnd type="none" w="med" len="med"/>
+                      <a:tailEnd type="none" w="med" len="med"/>
+                    </a:lnR>
+                    <a:lnT w="12700" cap="flat" cmpd="sng" algn="ctr">
+                      <a:solidFill>
+                        <a:schemeClr val="tx1"/>
+                      </a:solidFill>
+                      <a:prstDash val="solid"/>
+                      <a:round/>
+                      <a:headEnd type="none" w="med" len="med"/>
+                      <a:tailEnd type="none" w="med" len="med"/>
+                    </a:lnT>
+                    <a:lnB w="12700" cap="flat" cmpd="sng" algn="ctr">
+                      <a:solidFill>
+                        <a:schemeClr val="tx1"/>
+                      </a:solidFill>
+                      <a:prstDash val="solid"/>
+                      <a:round/>
+                      <a:headEnd type="none" w="med" len="med"/>
+                      <a:tailEnd type="none" w="med" len="med"/>
+                    </a:lnB>
+                  </a:tcPr>
+                </a:tc>
+                <a:tc>
+                  <a:txBody>
+                    <a:bodyPr/>
+                    <a:lstStyle/>
+                    <a:p>
+                      <a:pPr algn="ctr"/>
+                      <a:r>
+                        <a:rPr lang="en-US" dirty="0" smtClean="0"/>
+                        <a:t>0.579</a:t>
+                      </a:r>
                       <a:endParaRPr lang="en-US" dirty="0"/>
                     </a:p>
                   </a:txBody>
-                  <a:tcPr/>
+                  <a:tcPr>
+                    <a:lnL w="12700" cap="flat" cmpd="sng" algn="ctr">
+                      <a:solidFill>
+                        <a:schemeClr val="tx1"/>
+                      </a:solidFill>
+                      <a:prstDash val="solid"/>
+                      <a:round/>
+                      <a:headEnd type="none" w="med" len="med"/>
+                      <a:tailEnd type="none" w="med" len="med"/>
+                    </a:lnL>
+                    <a:lnR w="12700" cap="flat" cmpd="sng" algn="ctr">
+                      <a:solidFill>
+                        <a:schemeClr val="tx1"/>
+                      </a:solidFill>
+                      <a:prstDash val="solid"/>
+                      <a:round/>
+                      <a:headEnd type="none" w="med" len="med"/>
+                      <a:tailEnd type="none" w="med" len="med"/>
+                    </a:lnR>
+                    <a:lnT w="12700" cap="flat" cmpd="sng" algn="ctr">
+                      <a:solidFill>
+                        <a:schemeClr val="tx1"/>
+                      </a:solidFill>
+                      <a:prstDash val="solid"/>
+                      <a:round/>
+                      <a:headEnd type="none" w="med" len="med"/>
+                      <a:tailEnd type="none" w="med" len="med"/>
+                    </a:lnT>
+                    <a:lnB w="12700" cap="flat" cmpd="sng" algn="ctr">
+                      <a:solidFill>
+                        <a:schemeClr val="tx1"/>
+                      </a:solidFill>
+                      <a:prstDash val="solid"/>
+                      <a:round/>
+                      <a:headEnd type="none" w="med" len="med"/>
+                      <a:tailEnd type="none" w="med" len="med"/>
+                    </a:lnB>
+                  </a:tcPr>
+                </a:tc>
+                <a:tc>
+                  <a:txBody>
+                    <a:bodyPr/>
+                    <a:lstStyle/>
+                    <a:p>
+                      <a:pPr algn="ctr"/>
+                      <a:r>
+                        <a:rPr lang="en-US" dirty="0" smtClean="0"/>
+                        <a:t>0.551</a:t>
+                      </a:r>
+                      <a:endParaRPr lang="en-US" dirty="0"/>
+                    </a:p>
+                  </a:txBody>
+                  <a:tcPr>
+                    <a:lnL w="12700" cap="flat" cmpd="sng" algn="ctr">
+                      <a:solidFill>
+                        <a:schemeClr val="tx1"/>
+                      </a:solidFill>
+                      <a:prstDash val="solid"/>
+                      <a:round/>
+                      <a:headEnd type="none" w="med" len="med"/>
+                      <a:tailEnd type="none" w="med" len="med"/>
+                    </a:lnL>
+                    <a:lnR w="12700" cap="flat" cmpd="sng" algn="ctr">
+                      <a:solidFill>
+                        <a:schemeClr val="tx1"/>
+                      </a:solidFill>
+                      <a:prstDash val="solid"/>
+                      <a:round/>
+                      <a:headEnd type="none" w="med" len="med"/>
+                      <a:tailEnd type="none" w="med" len="med"/>
+                    </a:lnR>
+                    <a:lnT w="12700" cap="flat" cmpd="sng" algn="ctr">
+                      <a:solidFill>
+                        <a:schemeClr val="tx1"/>
+                      </a:solidFill>
+                      <a:prstDash val="solid"/>
+                      <a:round/>
+                      <a:headEnd type="none" w="med" len="med"/>
+                      <a:tailEnd type="none" w="med" len="med"/>
+                    </a:lnT>
+                    <a:lnB w="12700" cap="flat" cmpd="sng" algn="ctr">
+                      <a:solidFill>
+                        <a:schemeClr val="tx1"/>
+                      </a:solidFill>
+                      <a:prstDash val="solid"/>
+                      <a:round/>
+                      <a:headEnd type="none" w="med" len="med"/>
+                      <a:tailEnd type="none" w="med" len="med"/>
+                    </a:lnB>
+                  </a:tcPr>
+                </a:tc>
+                <a:tc>
+                  <a:txBody>
+                    <a:bodyPr/>
+                    <a:lstStyle/>
+                    <a:p>
+                      <a:pPr algn="ctr"/>
+                      <a:r>
+                        <a:rPr lang="en-US" dirty="0" smtClean="0"/>
+                        <a:t>0.556</a:t>
+                      </a:r>
+                      <a:endParaRPr lang="en-US" dirty="0"/>
+                    </a:p>
+                  </a:txBody>
+                  <a:tcPr>
+                    <a:lnL w="12700" cap="flat" cmpd="sng" algn="ctr">
+                      <a:solidFill>
+                        <a:schemeClr val="tx1"/>
+                      </a:solidFill>
+                      <a:prstDash val="solid"/>
+                      <a:round/>
+                      <a:headEnd type="none" w="med" len="med"/>
+                      <a:tailEnd type="none" w="med" len="med"/>
+                    </a:lnL>
+                    <a:lnR w="12700" cap="flat" cmpd="sng" algn="ctr">
+                      <a:solidFill>
+                        <a:schemeClr val="tx1"/>
+                      </a:solidFill>
+                      <a:prstDash val="solid"/>
+                      <a:round/>
+                      <a:headEnd type="none" w="med" len="med"/>
+                      <a:tailEnd type="none" w="med" len="med"/>
+                    </a:lnR>
+                    <a:lnT w="12700" cap="flat" cmpd="sng" algn="ctr">
+                      <a:solidFill>
+                        <a:schemeClr val="tx1"/>
+                      </a:solidFill>
+                      <a:prstDash val="solid"/>
+                      <a:round/>
+                      <a:headEnd type="none" w="med" len="med"/>
+                      <a:tailEnd type="none" w="med" len="med"/>
+                    </a:lnT>
+                    <a:lnB w="12700" cap="flat" cmpd="sng" algn="ctr">
+                      <a:solidFill>
+                        <a:schemeClr val="tx1"/>
+                      </a:solidFill>
+                      <a:prstDash val="solid"/>
+                      <a:round/>
+                      <a:headEnd type="none" w="med" len="med"/>
+                      <a:tailEnd type="none" w="med" len="med"/>
+                    </a:lnB>
+                  </a:tcPr>
+                </a:tc>
+                <a:tc>
+                  <a:txBody>
+                    <a:bodyPr/>
+                    <a:lstStyle/>
+                    <a:p>
+                      <a:pPr algn="ctr"/>
+                      <a:r>
+                        <a:rPr lang="en-US" dirty="0" smtClean="0"/>
+                        <a:t>0.491</a:t>
+                      </a:r>
+                      <a:endParaRPr lang="en-US" dirty="0"/>
+                    </a:p>
+                  </a:txBody>
+                  <a:tcPr>
+                    <a:lnL w="12700" cap="flat" cmpd="sng" algn="ctr">
+                      <a:solidFill>
+                        <a:schemeClr val="tx1"/>
+                      </a:solidFill>
+                      <a:prstDash val="solid"/>
+                      <a:round/>
+                      <a:headEnd type="none" w="med" len="med"/>
+                      <a:tailEnd type="none" w="med" len="med"/>
+                    </a:lnL>
+                    <a:lnR w="12700" cap="flat" cmpd="sng" algn="ctr">
+                      <a:solidFill>
+                        <a:schemeClr val="tx1"/>
+                      </a:solidFill>
+                      <a:prstDash val="solid"/>
+                      <a:round/>
+                      <a:headEnd type="none" w="med" len="med"/>
+                      <a:tailEnd type="none" w="med" len="med"/>
+                    </a:lnR>
+                    <a:lnT w="12700" cap="flat" cmpd="sng" algn="ctr">
+                      <a:solidFill>
+                        <a:schemeClr val="tx1"/>
+                      </a:solidFill>
+                      <a:prstDash val="solid"/>
+                      <a:round/>
+                      <a:headEnd type="none" w="med" len="med"/>
+                      <a:tailEnd type="none" w="med" len="med"/>
+                    </a:lnT>
+                    <a:lnB w="12700" cap="flat" cmpd="sng" algn="ctr">
+                      <a:solidFill>
+                        <a:schemeClr val="tx1"/>
+                      </a:solidFill>
+                      <a:prstDash val="solid"/>
+                      <a:round/>
+                      <a:headEnd type="none" w="med" len="med"/>
+                      <a:tailEnd type="none" w="med" len="med"/>
+                    </a:lnB>
+                  </a:tcPr>
+                </a:tc>
+                <a:tc>
+                  <a:txBody>
+                    <a:bodyPr/>
+                    <a:lstStyle/>
+                    <a:p>
+                      <a:pPr algn="ctr"/>
+                      <a:r>
+                        <a:rPr lang="en-US" dirty="0" smtClean="0"/>
+                        <a:t>0.516</a:t>
+                      </a:r>
+                      <a:endParaRPr lang="en-US" dirty="0"/>
+                    </a:p>
+                  </a:txBody>
+                  <a:tcPr>
+                    <a:lnL w="12700" cap="flat" cmpd="sng" algn="ctr">
+                      <a:solidFill>
+                        <a:schemeClr val="tx1"/>
+                      </a:solidFill>
+                      <a:prstDash val="solid"/>
+                      <a:round/>
+                      <a:headEnd type="none" w="med" len="med"/>
+                      <a:tailEnd type="none" w="med" len="med"/>
+                    </a:lnL>
+                    <a:lnR w="12700" cap="flat" cmpd="sng" algn="ctr">
+                      <a:solidFill>
+                        <a:schemeClr val="tx1"/>
+                      </a:solidFill>
+                      <a:prstDash val="solid"/>
+                      <a:round/>
+                      <a:headEnd type="none" w="med" len="med"/>
+                      <a:tailEnd type="none" w="med" len="med"/>
+                    </a:lnR>
+                    <a:lnT w="12700" cap="flat" cmpd="sng" algn="ctr">
+                      <a:solidFill>
+                        <a:schemeClr val="tx1"/>
+                      </a:solidFill>
+                      <a:prstDash val="solid"/>
+                      <a:round/>
+                      <a:headEnd type="none" w="med" len="med"/>
+                      <a:tailEnd type="none" w="med" len="med"/>
+                    </a:lnT>
+                    <a:lnB w="12700" cap="flat" cmpd="sng" algn="ctr">
+                      <a:solidFill>
+                        <a:schemeClr val="tx1"/>
+                      </a:solidFill>
+                      <a:prstDash val="solid"/>
+                      <a:round/>
+                      <a:headEnd type="none" w="med" len="med"/>
+                      <a:tailEnd type="none" w="med" len="med"/>
+                    </a:lnB>
+                  </a:tcPr>
+                </a:tc>
+                <a:tc>
+                  <a:txBody>
+                    <a:bodyPr/>
+                    <a:lstStyle/>
+                    <a:p>
+                      <a:pPr algn="ctr"/>
+                      <a:r>
+                        <a:rPr lang="en-US" dirty="0" smtClean="0"/>
+                        <a:t>0.520</a:t>
+                      </a:r>
+                      <a:endParaRPr lang="en-US" dirty="0"/>
+                    </a:p>
+                  </a:txBody>
+                  <a:tcPr>
+                    <a:lnL w="12700" cap="flat" cmpd="sng" algn="ctr">
+                      <a:solidFill>
+                        <a:schemeClr val="tx1"/>
+                      </a:solidFill>
+                      <a:prstDash val="solid"/>
+                      <a:round/>
+                      <a:headEnd type="none" w="med" len="med"/>
+                      <a:tailEnd type="none" w="med" len="med"/>
+                    </a:lnL>
+                    <a:lnR w="12700" cap="flat" cmpd="sng" algn="ctr">
+                      <a:solidFill>
+                        <a:schemeClr val="tx1"/>
+                      </a:solidFill>
+                      <a:prstDash val="solid"/>
+                      <a:round/>
+                      <a:headEnd type="none" w="med" len="med"/>
+                      <a:tailEnd type="none" w="med" len="med"/>
+                    </a:lnR>
+                    <a:lnT w="12700" cap="flat" cmpd="sng" algn="ctr">
+                      <a:solidFill>
+                        <a:schemeClr val="tx1"/>
+                      </a:solidFill>
+                      <a:prstDash val="solid"/>
+                      <a:round/>
+                      <a:headEnd type="none" w="med" len="med"/>
+                      <a:tailEnd type="none" w="med" len="med"/>
+                    </a:lnT>
+                    <a:lnB w="12700" cap="flat" cmpd="sng" algn="ctr">
+                      <a:solidFill>
+                        <a:schemeClr val="tx1"/>
+                      </a:solidFill>
+                      <a:prstDash val="solid"/>
+                      <a:round/>
+                      <a:headEnd type="none" w="med" len="med"/>
+                      <a:tailEnd type="none" w="med" len="med"/>
+                    </a:lnB>
+                  </a:tcPr>
+                </a:tc>
+              </a:tr>
+              <a:tr h="545091">
+                <a:tc>
+                  <a:txBody>
+                    <a:bodyPr/>
+                    <a:lstStyle/>
+                    <a:p>
+                      <a:pPr algn="ctr"/>
+                      <a:r>
+                        <a:rPr lang="en-US" b="1" dirty="0" smtClean="0"/>
+                        <a:t>SVM RBF</a:t>
+                      </a:r>
+                      <a:endParaRPr lang="en-US" b="1" dirty="0"/>
+                    </a:p>
+                  </a:txBody>
+                  <a:tcPr>
+                    <a:lnL w="12700" cap="flat" cmpd="sng" algn="ctr">
+                      <a:solidFill>
+                        <a:schemeClr val="tx1"/>
+                      </a:solidFill>
+                      <a:prstDash val="solid"/>
+                      <a:round/>
+                      <a:headEnd type="none" w="med" len="med"/>
+                      <a:tailEnd type="none" w="med" len="med"/>
+                    </a:lnL>
+                    <a:lnR w="12700" cap="flat" cmpd="sng" algn="ctr">
+                      <a:solidFill>
+                        <a:schemeClr val="tx1"/>
+                      </a:solidFill>
+                      <a:prstDash val="solid"/>
+                      <a:round/>
+                      <a:headEnd type="none" w="med" len="med"/>
+                      <a:tailEnd type="none" w="med" len="med"/>
+                    </a:lnR>
+                    <a:lnT w="12700" cap="flat" cmpd="sng" algn="ctr">
+                      <a:solidFill>
+                        <a:schemeClr val="tx1"/>
+                      </a:solidFill>
+                      <a:prstDash val="solid"/>
+                      <a:round/>
+                      <a:headEnd type="none" w="med" len="med"/>
+                      <a:tailEnd type="none" w="med" len="med"/>
+                    </a:lnT>
+                    <a:lnB w="12700" cap="flat" cmpd="sng" algn="ctr">
+                      <a:solidFill>
+                        <a:schemeClr val="tx1"/>
+                      </a:solidFill>
+                      <a:prstDash val="solid"/>
+                      <a:round/>
+                      <a:headEnd type="none" w="med" len="med"/>
+                      <a:tailEnd type="none" w="med" len="med"/>
+                    </a:lnB>
+                  </a:tcPr>
+                </a:tc>
+                <a:tc>
+                  <a:txBody>
+                    <a:bodyPr/>
+                    <a:lstStyle/>
+                    <a:p>
+                      <a:pPr algn="ctr"/>
+                      <a:r>
+                        <a:rPr lang="en-US" dirty="0" smtClean="0"/>
+                        <a:t>0.575</a:t>
+                      </a:r>
+                      <a:endParaRPr lang="en-US" dirty="0"/>
+                    </a:p>
+                  </a:txBody>
+                  <a:tcPr>
+                    <a:lnL w="12700" cap="flat" cmpd="sng" algn="ctr">
+                      <a:solidFill>
+                        <a:schemeClr val="tx1"/>
+                      </a:solidFill>
+                      <a:prstDash val="solid"/>
+                      <a:round/>
+                      <a:headEnd type="none" w="med" len="med"/>
+                      <a:tailEnd type="none" w="med" len="med"/>
+                    </a:lnL>
+                    <a:lnR w="12700" cap="flat" cmpd="sng" algn="ctr">
+                      <a:solidFill>
+                        <a:schemeClr val="tx1"/>
+                      </a:solidFill>
+                      <a:prstDash val="solid"/>
+                      <a:round/>
+                      <a:headEnd type="none" w="med" len="med"/>
+                      <a:tailEnd type="none" w="med" len="med"/>
+                    </a:lnR>
+                    <a:lnT w="12700" cap="flat" cmpd="sng" algn="ctr">
+                      <a:solidFill>
+                        <a:schemeClr val="tx1"/>
+                      </a:solidFill>
+                      <a:prstDash val="solid"/>
+                      <a:round/>
+                      <a:headEnd type="none" w="med" len="med"/>
+                      <a:tailEnd type="none" w="med" len="med"/>
+                    </a:lnT>
+                    <a:lnB w="12700" cap="flat" cmpd="sng" algn="ctr">
+                      <a:solidFill>
+                        <a:schemeClr val="tx1"/>
+                      </a:solidFill>
+                      <a:prstDash val="solid"/>
+                      <a:round/>
+                      <a:headEnd type="none" w="med" len="med"/>
+                      <a:tailEnd type="none" w="med" len="med"/>
+                    </a:lnB>
+                  </a:tcPr>
+                </a:tc>
+                <a:tc>
+                  <a:txBody>
+                    <a:bodyPr/>
+                    <a:lstStyle/>
+                    <a:p>
+                      <a:pPr algn="ctr"/>
+                      <a:r>
+                        <a:rPr lang="en-US" dirty="0" smtClean="0"/>
+                        <a:t>0.652</a:t>
+                      </a:r>
+                      <a:endParaRPr lang="en-US" dirty="0"/>
+                    </a:p>
+                  </a:txBody>
+                  <a:tcPr>
+                    <a:lnL w="12700" cap="flat" cmpd="sng" algn="ctr">
+                      <a:solidFill>
+                        <a:schemeClr val="tx1"/>
+                      </a:solidFill>
+                      <a:prstDash val="solid"/>
+                      <a:round/>
+                      <a:headEnd type="none" w="med" len="med"/>
+                      <a:tailEnd type="none" w="med" len="med"/>
+                    </a:lnL>
+                    <a:lnR w="12700" cap="flat" cmpd="sng" algn="ctr">
+                      <a:solidFill>
+                        <a:schemeClr val="tx1"/>
+                      </a:solidFill>
+                      <a:prstDash val="solid"/>
+                      <a:round/>
+                      <a:headEnd type="none" w="med" len="med"/>
+                      <a:tailEnd type="none" w="med" len="med"/>
+                    </a:lnR>
+                    <a:lnT w="12700" cap="flat" cmpd="sng" algn="ctr">
+                      <a:solidFill>
+                        <a:schemeClr val="tx1"/>
+                      </a:solidFill>
+                      <a:prstDash val="solid"/>
+                      <a:round/>
+                      <a:headEnd type="none" w="med" len="med"/>
+                      <a:tailEnd type="none" w="med" len="med"/>
+                    </a:lnT>
+                    <a:lnB w="12700" cap="flat" cmpd="sng" algn="ctr">
+                      <a:solidFill>
+                        <a:schemeClr val="tx1"/>
+                      </a:solidFill>
+                      <a:prstDash val="solid"/>
+                      <a:round/>
+                      <a:headEnd type="none" w="med" len="med"/>
+                      <a:tailEnd type="none" w="med" len="med"/>
+                    </a:lnB>
+                  </a:tcPr>
+                </a:tc>
+                <a:tc>
+                  <a:txBody>
+                    <a:bodyPr/>
+                    <a:lstStyle/>
+                    <a:p>
+                      <a:pPr algn="ctr"/>
+                      <a:r>
+                        <a:rPr lang="en-US" dirty="0" smtClean="0"/>
+                        <a:t>0.595</a:t>
+                      </a:r>
+                      <a:endParaRPr lang="en-US" dirty="0"/>
+                    </a:p>
+                  </a:txBody>
+                  <a:tcPr>
+                    <a:lnL w="12700" cap="flat" cmpd="sng" algn="ctr">
+                      <a:solidFill>
+                        <a:schemeClr val="tx1"/>
+                      </a:solidFill>
+                      <a:prstDash val="solid"/>
+                      <a:round/>
+                      <a:headEnd type="none" w="med" len="med"/>
+                      <a:tailEnd type="none" w="med" len="med"/>
+                    </a:lnL>
+                    <a:lnR w="12700" cap="flat" cmpd="sng" algn="ctr">
+                      <a:solidFill>
+                        <a:schemeClr val="tx1"/>
+                      </a:solidFill>
+                      <a:prstDash val="solid"/>
+                      <a:round/>
+                      <a:headEnd type="none" w="med" len="med"/>
+                      <a:tailEnd type="none" w="med" len="med"/>
+                    </a:lnR>
+                    <a:lnT w="12700" cap="flat" cmpd="sng" algn="ctr">
+                      <a:solidFill>
+                        <a:schemeClr val="tx1"/>
+                      </a:solidFill>
+                      <a:prstDash val="solid"/>
+                      <a:round/>
+                      <a:headEnd type="none" w="med" len="med"/>
+                      <a:tailEnd type="none" w="med" len="med"/>
+                    </a:lnT>
+                    <a:lnB w="12700" cap="flat" cmpd="sng" algn="ctr">
+                      <a:solidFill>
+                        <a:schemeClr val="tx1"/>
+                      </a:solidFill>
+                      <a:prstDash val="solid"/>
+                      <a:round/>
+                      <a:headEnd type="none" w="med" len="med"/>
+                      <a:tailEnd type="none" w="med" len="med"/>
+                    </a:lnB>
+                  </a:tcPr>
+                </a:tc>
+                <a:tc>
+                  <a:txBody>
+                    <a:bodyPr/>
+                    <a:lstStyle/>
+                    <a:p>
+                      <a:pPr algn="ctr"/>
+                      <a:r>
+                        <a:rPr lang="en-US" dirty="0" smtClean="0"/>
+                        <a:t>0.62</a:t>
+                      </a:r>
+                      <a:endParaRPr lang="en-US" dirty="0"/>
+                    </a:p>
+                  </a:txBody>
+                  <a:tcPr>
+                    <a:lnL w="12700" cap="flat" cmpd="sng" algn="ctr">
+                      <a:solidFill>
+                        <a:schemeClr val="tx1"/>
+                      </a:solidFill>
+                      <a:prstDash val="solid"/>
+                      <a:round/>
+                      <a:headEnd type="none" w="med" len="med"/>
+                      <a:tailEnd type="none" w="med" len="med"/>
+                    </a:lnL>
+                    <a:lnR w="12700" cap="flat" cmpd="sng" algn="ctr">
+                      <a:solidFill>
+                        <a:schemeClr val="tx1"/>
+                      </a:solidFill>
+                      <a:prstDash val="solid"/>
+                      <a:round/>
+                      <a:headEnd type="none" w="med" len="med"/>
+                      <a:tailEnd type="none" w="med" len="med"/>
+                    </a:lnR>
+                    <a:lnT w="12700" cap="flat" cmpd="sng" algn="ctr">
+                      <a:solidFill>
+                        <a:schemeClr val="tx1"/>
+                      </a:solidFill>
+                      <a:prstDash val="solid"/>
+                      <a:round/>
+                      <a:headEnd type="none" w="med" len="med"/>
+                      <a:tailEnd type="none" w="med" len="med"/>
+                    </a:lnT>
+                    <a:lnB w="12700" cap="flat" cmpd="sng" algn="ctr">
+                      <a:solidFill>
+                        <a:schemeClr val="tx1"/>
+                      </a:solidFill>
+                      <a:prstDash val="solid"/>
+                      <a:round/>
+                      <a:headEnd type="none" w="med" len="med"/>
+                      <a:tailEnd type="none" w="med" len="med"/>
+                    </a:lnB>
+                  </a:tcPr>
+                </a:tc>
+                <a:tc>
+                  <a:txBody>
+                    <a:bodyPr/>
+                    <a:lstStyle/>
+                    <a:p>
+                      <a:pPr algn="ctr"/>
+                      <a:r>
+                        <a:rPr lang="en-US" dirty="0" smtClean="0"/>
+                        <a:t>0.554</a:t>
+                      </a:r>
+                      <a:endParaRPr lang="en-US" dirty="0"/>
+                    </a:p>
+                  </a:txBody>
+                  <a:tcPr>
+                    <a:lnL w="12700" cap="flat" cmpd="sng" algn="ctr">
+                      <a:solidFill>
+                        <a:schemeClr val="tx1"/>
+                      </a:solidFill>
+                      <a:prstDash val="solid"/>
+                      <a:round/>
+                      <a:headEnd type="none" w="med" len="med"/>
+                      <a:tailEnd type="none" w="med" len="med"/>
+                    </a:lnL>
+                    <a:lnR w="12700" cap="flat" cmpd="sng" algn="ctr">
+                      <a:solidFill>
+                        <a:schemeClr val="tx1"/>
+                      </a:solidFill>
+                      <a:prstDash val="solid"/>
+                      <a:round/>
+                      <a:headEnd type="none" w="med" len="med"/>
+                      <a:tailEnd type="none" w="med" len="med"/>
+                    </a:lnR>
+                    <a:lnT w="12700" cap="flat" cmpd="sng" algn="ctr">
+                      <a:solidFill>
+                        <a:schemeClr val="tx1"/>
+                      </a:solidFill>
+                      <a:prstDash val="solid"/>
+                      <a:round/>
+                      <a:headEnd type="none" w="med" len="med"/>
+                      <a:tailEnd type="none" w="med" len="med"/>
+                    </a:lnT>
+                    <a:lnB w="12700" cap="flat" cmpd="sng" algn="ctr">
+                      <a:solidFill>
+                        <a:schemeClr val="tx1"/>
+                      </a:solidFill>
+                      <a:prstDash val="solid"/>
+                      <a:round/>
+                      <a:headEnd type="none" w="med" len="med"/>
+                      <a:tailEnd type="none" w="med" len="med"/>
+                    </a:lnB>
+                  </a:tcPr>
+                </a:tc>
+                <a:tc>
+                  <a:txBody>
+                    <a:bodyPr/>
+                    <a:lstStyle/>
+                    <a:p>
+                      <a:pPr algn="ctr"/>
+                      <a:r>
+                        <a:rPr lang="en-US" dirty="0" smtClean="0"/>
+                        <a:t>0.578</a:t>
+                      </a:r>
+                      <a:endParaRPr lang="en-US" dirty="0"/>
+                    </a:p>
+                  </a:txBody>
+                  <a:tcPr>
+                    <a:lnL w="12700" cap="flat" cmpd="sng" algn="ctr">
+                      <a:solidFill>
+                        <a:schemeClr val="tx1"/>
+                      </a:solidFill>
+                      <a:prstDash val="solid"/>
+                      <a:round/>
+                      <a:headEnd type="none" w="med" len="med"/>
+                      <a:tailEnd type="none" w="med" len="med"/>
+                    </a:lnL>
+                    <a:lnR w="12700" cap="flat" cmpd="sng" algn="ctr">
+                      <a:solidFill>
+                        <a:schemeClr val="tx1"/>
+                      </a:solidFill>
+                      <a:prstDash val="solid"/>
+                      <a:round/>
+                      <a:headEnd type="none" w="med" len="med"/>
+                      <a:tailEnd type="none" w="med" len="med"/>
+                    </a:lnR>
+                    <a:lnT w="12700" cap="flat" cmpd="sng" algn="ctr">
+                      <a:solidFill>
+                        <a:schemeClr val="tx1"/>
+                      </a:solidFill>
+                      <a:prstDash val="solid"/>
+                      <a:round/>
+                      <a:headEnd type="none" w="med" len="med"/>
+                      <a:tailEnd type="none" w="med" len="med"/>
+                    </a:lnT>
+                    <a:lnB w="12700" cap="flat" cmpd="sng" algn="ctr">
+                      <a:solidFill>
+                        <a:schemeClr val="tx1"/>
+                      </a:solidFill>
+                      <a:prstDash val="solid"/>
+                      <a:round/>
+                      <a:headEnd type="none" w="med" len="med"/>
+                      <a:tailEnd type="none" w="med" len="med"/>
+                    </a:lnB>
+                  </a:tcPr>
+                </a:tc>
+                <a:tc>
+                  <a:txBody>
+                    <a:bodyPr/>
+                    <a:lstStyle/>
+                    <a:p>
+                      <a:pPr algn="ctr"/>
+                      <a:r>
+                        <a:rPr lang="en-US" dirty="0" smtClean="0"/>
+                        <a:t>0.570</a:t>
+                      </a:r>
+                      <a:endParaRPr lang="en-US" dirty="0"/>
+                    </a:p>
+                  </a:txBody>
+                  <a:tcPr>
+                    <a:lnL w="12700" cap="flat" cmpd="sng" algn="ctr">
+                      <a:solidFill>
+                        <a:schemeClr val="tx1"/>
+                      </a:solidFill>
+                      <a:prstDash val="solid"/>
+                      <a:round/>
+                      <a:headEnd type="none" w="med" len="med"/>
+                      <a:tailEnd type="none" w="med" len="med"/>
+                    </a:lnL>
+                    <a:lnR w="12700" cap="flat" cmpd="sng" algn="ctr">
+                      <a:solidFill>
+                        <a:schemeClr val="tx1"/>
+                      </a:solidFill>
+                      <a:prstDash val="solid"/>
+                      <a:round/>
+                      <a:headEnd type="none" w="med" len="med"/>
+                      <a:tailEnd type="none" w="med" len="med"/>
+                    </a:lnR>
+                    <a:lnT w="12700" cap="flat" cmpd="sng" algn="ctr">
+                      <a:solidFill>
+                        <a:schemeClr val="tx1"/>
+                      </a:solidFill>
+                      <a:prstDash val="solid"/>
+                      <a:round/>
+                      <a:headEnd type="none" w="med" len="med"/>
+                      <a:tailEnd type="none" w="med" len="med"/>
+                    </a:lnT>
+                    <a:lnB w="12700" cap="flat" cmpd="sng" algn="ctr">
+                      <a:solidFill>
+                        <a:schemeClr val="tx1"/>
+                      </a:solidFill>
+                      <a:prstDash val="solid"/>
+                      <a:round/>
+                      <a:headEnd type="none" w="med" len="med"/>
+                      <a:tailEnd type="none" w="med" len="med"/>
+                    </a:lnB>
+                  </a:tcPr>
+                </a:tc>
+              </a:tr>
+              <a:tr h="581984">
+                <a:tc>
+                  <a:txBody>
+                    <a:bodyPr/>
+                    <a:lstStyle/>
+                    <a:p>
+                      <a:pPr algn="ctr"/>
+                      <a:r>
+                        <a:rPr lang="en-US" b="1" dirty="0" smtClean="0"/>
+                        <a:t>Naïve Bayes Unigram</a:t>
+                      </a:r>
+                      <a:endParaRPr lang="en-US" b="1" dirty="0"/>
+                    </a:p>
+                  </a:txBody>
+                  <a:tcPr>
+                    <a:lnL w="12700" cap="flat" cmpd="sng" algn="ctr">
+                      <a:solidFill>
+                        <a:schemeClr val="tx1"/>
+                      </a:solidFill>
+                      <a:prstDash val="solid"/>
+                      <a:round/>
+                      <a:headEnd type="none" w="med" len="med"/>
+                      <a:tailEnd type="none" w="med" len="med"/>
+                    </a:lnL>
+                    <a:lnR w="12700" cap="flat" cmpd="sng" algn="ctr">
+                      <a:solidFill>
+                        <a:schemeClr val="tx1"/>
+                      </a:solidFill>
+                      <a:prstDash val="solid"/>
+                      <a:round/>
+                      <a:headEnd type="none" w="med" len="med"/>
+                      <a:tailEnd type="none" w="med" len="med"/>
+                    </a:lnR>
+                    <a:lnT w="12700" cap="flat" cmpd="sng" algn="ctr">
+                      <a:solidFill>
+                        <a:schemeClr val="tx1"/>
+                      </a:solidFill>
+                      <a:prstDash val="solid"/>
+                      <a:round/>
+                      <a:headEnd type="none" w="med" len="med"/>
+                      <a:tailEnd type="none" w="med" len="med"/>
+                    </a:lnT>
+                    <a:lnB w="12700" cap="flat" cmpd="sng" algn="ctr">
+                      <a:solidFill>
+                        <a:schemeClr val="tx1"/>
+                      </a:solidFill>
+                      <a:prstDash val="solid"/>
+                      <a:round/>
+                      <a:headEnd type="none" w="med" len="med"/>
+                      <a:tailEnd type="none" w="med" len="med"/>
+                    </a:lnB>
+                  </a:tcPr>
+                </a:tc>
+                <a:tc>
+                  <a:txBody>
+                    <a:bodyPr/>
+                    <a:lstStyle/>
+                    <a:p>
+                      <a:pPr algn="ctr"/>
+                      <a:r>
+                        <a:rPr lang="en-US" dirty="0" smtClean="0"/>
+                        <a:t>0.628</a:t>
+                      </a:r>
+                      <a:endParaRPr lang="en-US" dirty="0"/>
+                    </a:p>
+                  </a:txBody>
+                  <a:tcPr>
+                    <a:lnL w="12700" cap="flat" cmpd="sng" algn="ctr">
+                      <a:solidFill>
+                        <a:schemeClr val="tx1"/>
+                      </a:solidFill>
+                      <a:prstDash val="solid"/>
+                      <a:round/>
+                      <a:headEnd type="none" w="med" len="med"/>
+                      <a:tailEnd type="none" w="med" len="med"/>
+                    </a:lnL>
+                    <a:lnR w="12700" cap="flat" cmpd="sng" algn="ctr">
+                      <a:solidFill>
+                        <a:schemeClr val="tx1"/>
+                      </a:solidFill>
+                      <a:prstDash val="solid"/>
+                      <a:round/>
+                      <a:headEnd type="none" w="med" len="med"/>
+                      <a:tailEnd type="none" w="med" len="med"/>
+                    </a:lnR>
+                    <a:lnT w="12700" cap="flat" cmpd="sng" algn="ctr">
+                      <a:solidFill>
+                        <a:schemeClr val="tx1"/>
+                      </a:solidFill>
+                      <a:prstDash val="solid"/>
+                      <a:round/>
+                      <a:headEnd type="none" w="med" len="med"/>
+                      <a:tailEnd type="none" w="med" len="med"/>
+                    </a:lnT>
+                    <a:lnB w="12700" cap="flat" cmpd="sng" algn="ctr">
+                      <a:solidFill>
+                        <a:schemeClr val="tx1"/>
+                      </a:solidFill>
+                      <a:prstDash val="solid"/>
+                      <a:round/>
+                      <a:headEnd type="none" w="med" len="med"/>
+                      <a:tailEnd type="none" w="med" len="med"/>
+                    </a:lnB>
+                  </a:tcPr>
+                </a:tc>
+                <a:tc>
+                  <a:txBody>
+                    <a:bodyPr/>
+                    <a:lstStyle/>
+                    <a:p>
+                      <a:pPr algn="ctr"/>
+                      <a:r>
+                        <a:rPr lang="en-US" dirty="0" smtClean="0"/>
+                        <a:t>0.605</a:t>
+                      </a:r>
+                      <a:endParaRPr lang="en-US" dirty="0"/>
+                    </a:p>
+                  </a:txBody>
+                  <a:tcPr>
+                    <a:lnL w="12700" cap="flat" cmpd="sng" algn="ctr">
+                      <a:solidFill>
+                        <a:schemeClr val="tx1"/>
+                      </a:solidFill>
+                      <a:prstDash val="solid"/>
+                      <a:round/>
+                      <a:headEnd type="none" w="med" len="med"/>
+                      <a:tailEnd type="none" w="med" len="med"/>
+                    </a:lnL>
+                    <a:lnR w="12700" cap="flat" cmpd="sng" algn="ctr">
+                      <a:solidFill>
+                        <a:schemeClr val="tx1"/>
+                      </a:solidFill>
+                      <a:prstDash val="solid"/>
+                      <a:round/>
+                      <a:headEnd type="none" w="med" len="med"/>
+                      <a:tailEnd type="none" w="med" len="med"/>
+                    </a:lnR>
+                    <a:lnT w="12700" cap="flat" cmpd="sng" algn="ctr">
+                      <a:solidFill>
+                        <a:schemeClr val="tx1"/>
+                      </a:solidFill>
+                      <a:prstDash val="solid"/>
+                      <a:round/>
+                      <a:headEnd type="none" w="med" len="med"/>
+                      <a:tailEnd type="none" w="med" len="med"/>
+                    </a:lnT>
+                    <a:lnB w="12700" cap="flat" cmpd="sng" algn="ctr">
+                      <a:solidFill>
+                        <a:schemeClr val="tx1"/>
+                      </a:solidFill>
+                      <a:prstDash val="solid"/>
+                      <a:round/>
+                      <a:headEnd type="none" w="med" len="med"/>
+                      <a:tailEnd type="none" w="med" len="med"/>
+                    </a:lnB>
+                  </a:tcPr>
+                </a:tc>
+                <a:tc>
+                  <a:txBody>
+                    <a:bodyPr/>
+                    <a:lstStyle/>
+                    <a:p>
+                      <a:pPr algn="ctr"/>
+                      <a:r>
+                        <a:rPr lang="en-US" dirty="0" smtClean="0"/>
+                        <a:t>0.618</a:t>
+                      </a:r>
+                      <a:endParaRPr lang="en-US" dirty="0"/>
+                    </a:p>
+                  </a:txBody>
+                  <a:tcPr>
+                    <a:lnL w="12700" cap="flat" cmpd="sng" algn="ctr">
+                      <a:solidFill>
+                        <a:schemeClr val="tx1"/>
+                      </a:solidFill>
+                      <a:prstDash val="solid"/>
+                      <a:round/>
+                      <a:headEnd type="none" w="med" len="med"/>
+                      <a:tailEnd type="none" w="med" len="med"/>
+                    </a:lnL>
+                    <a:lnR w="12700" cap="flat" cmpd="sng" algn="ctr">
+                      <a:solidFill>
+                        <a:schemeClr val="tx1"/>
+                      </a:solidFill>
+                      <a:prstDash val="solid"/>
+                      <a:round/>
+                      <a:headEnd type="none" w="med" len="med"/>
+                      <a:tailEnd type="none" w="med" len="med"/>
+                    </a:lnR>
+                    <a:lnT w="12700" cap="flat" cmpd="sng" algn="ctr">
+                      <a:solidFill>
+                        <a:schemeClr val="tx1"/>
+                      </a:solidFill>
+                      <a:prstDash val="solid"/>
+                      <a:round/>
+                      <a:headEnd type="none" w="med" len="med"/>
+                      <a:tailEnd type="none" w="med" len="med"/>
+                    </a:lnT>
+                    <a:lnB w="12700" cap="flat" cmpd="sng" algn="ctr">
+                      <a:solidFill>
+                        <a:schemeClr val="tx1"/>
+                      </a:solidFill>
+                      <a:prstDash val="solid"/>
+                      <a:round/>
+                      <a:headEnd type="none" w="med" len="med"/>
+                      <a:tailEnd type="none" w="med" len="med"/>
+                    </a:lnB>
+                  </a:tcPr>
+                </a:tc>
+                <a:tc>
+                  <a:txBody>
+                    <a:bodyPr/>
+                    <a:lstStyle/>
+                    <a:p>
+                      <a:pPr algn="ctr"/>
+                      <a:r>
+                        <a:rPr lang="en-US" dirty="0" smtClean="0"/>
+                        <a:t>0.545</a:t>
+                      </a:r>
+                      <a:endParaRPr lang="en-US" dirty="0"/>
+                    </a:p>
+                  </a:txBody>
+                  <a:tcPr>
+                    <a:lnL w="12700" cap="flat" cmpd="sng" algn="ctr">
+                      <a:solidFill>
+                        <a:schemeClr val="tx1"/>
+                      </a:solidFill>
+                      <a:prstDash val="solid"/>
+                      <a:round/>
+                      <a:headEnd type="none" w="med" len="med"/>
+                      <a:tailEnd type="none" w="med" len="med"/>
+                    </a:lnL>
+                    <a:lnR w="12700" cap="flat" cmpd="sng" algn="ctr">
+                      <a:solidFill>
+                        <a:schemeClr val="tx1"/>
+                      </a:solidFill>
+                      <a:prstDash val="solid"/>
+                      <a:round/>
+                      <a:headEnd type="none" w="med" len="med"/>
+                      <a:tailEnd type="none" w="med" len="med"/>
+                    </a:lnR>
+                    <a:lnT w="12700" cap="flat" cmpd="sng" algn="ctr">
+                      <a:solidFill>
+                        <a:schemeClr val="tx1"/>
+                      </a:solidFill>
+                      <a:prstDash val="solid"/>
+                      <a:round/>
+                      <a:headEnd type="none" w="med" len="med"/>
+                      <a:tailEnd type="none" w="med" len="med"/>
+                    </a:lnT>
+                    <a:lnB w="12700" cap="flat" cmpd="sng" algn="ctr">
+                      <a:solidFill>
+                        <a:schemeClr val="tx1"/>
+                      </a:solidFill>
+                      <a:prstDash val="solid"/>
+                      <a:round/>
+                      <a:headEnd type="none" w="med" len="med"/>
+                      <a:tailEnd type="none" w="med" len="med"/>
+                    </a:lnB>
+                  </a:tcPr>
+                </a:tc>
+                <a:tc>
+                  <a:txBody>
+                    <a:bodyPr/>
+                    <a:lstStyle/>
+                    <a:p>
+                      <a:pPr algn="ctr"/>
+                      <a:r>
+                        <a:rPr lang="en-US" dirty="0" smtClean="0"/>
+                        <a:t>0.678</a:t>
+                      </a:r>
+                      <a:endParaRPr lang="en-US" dirty="0"/>
+                    </a:p>
+                  </a:txBody>
+                  <a:tcPr>
+                    <a:lnL w="12700" cap="flat" cmpd="sng" algn="ctr">
+                      <a:solidFill>
+                        <a:schemeClr val="tx1"/>
+                      </a:solidFill>
+                      <a:prstDash val="solid"/>
+                      <a:round/>
+                      <a:headEnd type="none" w="med" len="med"/>
+                      <a:tailEnd type="none" w="med" len="med"/>
+                    </a:lnL>
+                    <a:lnR w="12700" cap="flat" cmpd="sng" algn="ctr">
+                      <a:solidFill>
+                        <a:schemeClr val="tx1"/>
+                      </a:solidFill>
+                      <a:prstDash val="solid"/>
+                      <a:round/>
+                      <a:headEnd type="none" w="med" len="med"/>
+                      <a:tailEnd type="none" w="med" len="med"/>
+                    </a:lnR>
+                    <a:lnT w="12700" cap="flat" cmpd="sng" algn="ctr">
+                      <a:solidFill>
+                        <a:schemeClr val="tx1"/>
+                      </a:solidFill>
+                      <a:prstDash val="solid"/>
+                      <a:round/>
+                      <a:headEnd type="none" w="med" len="med"/>
+                      <a:tailEnd type="none" w="med" len="med"/>
+                    </a:lnT>
+                    <a:lnB w="12700" cap="flat" cmpd="sng" algn="ctr">
+                      <a:solidFill>
+                        <a:schemeClr val="tx1"/>
+                      </a:solidFill>
+                      <a:prstDash val="solid"/>
+                      <a:round/>
+                      <a:headEnd type="none" w="med" len="med"/>
+                      <a:tailEnd type="none" w="med" len="med"/>
+                    </a:lnB>
+                  </a:tcPr>
+                </a:tc>
+                <a:tc>
+                  <a:txBody>
+                    <a:bodyPr/>
+                    <a:lstStyle/>
+                    <a:p>
+                      <a:pPr algn="ctr"/>
+                      <a:r>
+                        <a:rPr lang="en-US" dirty="0" smtClean="0"/>
+                        <a:t>0.604</a:t>
+                      </a:r>
+                      <a:endParaRPr lang="en-US" dirty="0"/>
+                    </a:p>
+                  </a:txBody>
+                  <a:tcPr>
+                    <a:lnL w="12700" cap="flat" cmpd="sng" algn="ctr">
+                      <a:solidFill>
+                        <a:schemeClr val="tx1"/>
+                      </a:solidFill>
+                      <a:prstDash val="solid"/>
+                      <a:round/>
+                      <a:headEnd type="none" w="med" len="med"/>
+                      <a:tailEnd type="none" w="med" len="med"/>
+                    </a:lnL>
+                    <a:lnR w="12700" cap="flat" cmpd="sng" algn="ctr">
+                      <a:solidFill>
+                        <a:schemeClr val="tx1"/>
+                      </a:solidFill>
+                      <a:prstDash val="solid"/>
+                      <a:round/>
+                      <a:headEnd type="none" w="med" len="med"/>
+                      <a:tailEnd type="none" w="med" len="med"/>
+                    </a:lnR>
+                    <a:lnT w="12700" cap="flat" cmpd="sng" algn="ctr">
+                      <a:solidFill>
+                        <a:schemeClr val="tx1"/>
+                      </a:solidFill>
+                      <a:prstDash val="solid"/>
+                      <a:round/>
+                      <a:headEnd type="none" w="med" len="med"/>
+                      <a:tailEnd type="none" w="med" len="med"/>
+                    </a:lnT>
+                    <a:lnB w="12700" cap="flat" cmpd="sng" algn="ctr">
+                      <a:solidFill>
+                        <a:schemeClr val="tx1"/>
+                      </a:solidFill>
+                      <a:prstDash val="solid"/>
+                      <a:round/>
+                      <a:headEnd type="none" w="med" len="med"/>
+                      <a:tailEnd type="none" w="med" len="med"/>
+                    </a:lnB>
+                  </a:tcPr>
+                </a:tc>
+                <a:tc>
+                  <a:txBody>
+                    <a:bodyPr/>
+                    <a:lstStyle/>
+                    <a:p>
+                      <a:pPr algn="ctr"/>
+                      <a:r>
+                        <a:rPr lang="en-US" dirty="0" smtClean="0"/>
+                        <a:t>0.575</a:t>
+                      </a:r>
+                      <a:endParaRPr lang="en-US" dirty="0"/>
+                    </a:p>
+                  </a:txBody>
+                  <a:tcPr>
+                    <a:lnL w="12700" cap="flat" cmpd="sng" algn="ctr">
+                      <a:solidFill>
+                        <a:schemeClr val="tx1"/>
+                      </a:solidFill>
+                      <a:prstDash val="solid"/>
+                      <a:round/>
+                      <a:headEnd type="none" w="med" len="med"/>
+                      <a:tailEnd type="none" w="med" len="med"/>
+                    </a:lnL>
+                    <a:lnR w="12700" cap="flat" cmpd="sng" algn="ctr">
+                      <a:solidFill>
+                        <a:schemeClr val="tx1"/>
+                      </a:solidFill>
+                      <a:prstDash val="solid"/>
+                      <a:round/>
+                      <a:headEnd type="none" w="med" len="med"/>
+                      <a:tailEnd type="none" w="med" len="med"/>
+                    </a:lnR>
+                    <a:lnT w="12700" cap="flat" cmpd="sng" algn="ctr">
+                      <a:solidFill>
+                        <a:schemeClr val="tx1"/>
+                      </a:solidFill>
+                      <a:prstDash val="solid"/>
+                      <a:round/>
+                      <a:headEnd type="none" w="med" len="med"/>
+                      <a:tailEnd type="none" w="med" len="med"/>
+                    </a:lnT>
+                    <a:lnB w="12700" cap="flat" cmpd="sng" algn="ctr">
+                      <a:solidFill>
+                        <a:schemeClr val="tx1"/>
+                      </a:solidFill>
+                      <a:prstDash val="solid"/>
+                      <a:round/>
+                      <a:headEnd type="none" w="med" len="med"/>
+                      <a:tailEnd type="none" w="med" len="med"/>
+                    </a:lnB>
+                  </a:tcPr>
+                </a:tc>
+              </a:tr>
+              <a:tr h="581984">
+                <a:tc>
+                  <a:txBody>
+                    <a:bodyPr/>
+                    <a:lstStyle/>
+                    <a:p>
+                      <a:pPr algn="ctr"/>
+                      <a:r>
+                        <a:rPr lang="en-US" b="1" dirty="0" smtClean="0"/>
+                        <a:t>Naïve Bayes Bigram</a:t>
+                      </a:r>
+                      <a:endParaRPr lang="en-US" b="1" dirty="0"/>
+                    </a:p>
+                  </a:txBody>
+                  <a:tcPr>
+                    <a:lnL w="12700" cap="flat" cmpd="sng" algn="ctr">
+                      <a:solidFill>
+                        <a:schemeClr val="tx1"/>
+                      </a:solidFill>
+                      <a:prstDash val="solid"/>
+                      <a:round/>
+                      <a:headEnd type="none" w="med" len="med"/>
+                      <a:tailEnd type="none" w="med" len="med"/>
+                    </a:lnL>
+                    <a:lnR w="12700" cap="flat" cmpd="sng" algn="ctr">
+                      <a:solidFill>
+                        <a:schemeClr val="tx1"/>
+                      </a:solidFill>
+                      <a:prstDash val="solid"/>
+                      <a:round/>
+                      <a:headEnd type="none" w="med" len="med"/>
+                      <a:tailEnd type="none" w="med" len="med"/>
+                    </a:lnR>
+                    <a:lnT w="12700" cap="flat" cmpd="sng" algn="ctr">
+                      <a:solidFill>
+                        <a:schemeClr val="tx1"/>
+                      </a:solidFill>
+                      <a:prstDash val="solid"/>
+                      <a:round/>
+                      <a:headEnd type="none" w="med" len="med"/>
+                      <a:tailEnd type="none" w="med" len="med"/>
+                    </a:lnT>
+                    <a:lnB w="12700" cap="flat" cmpd="sng" algn="ctr">
+                      <a:solidFill>
+                        <a:schemeClr val="tx1"/>
+                      </a:solidFill>
+                      <a:prstDash val="solid"/>
+                      <a:round/>
+                      <a:headEnd type="none" w="med" len="med"/>
+                      <a:tailEnd type="none" w="med" len="med"/>
+                    </a:lnB>
+                  </a:tcPr>
+                </a:tc>
+                <a:tc>
+                  <a:txBody>
+                    <a:bodyPr/>
+                    <a:lstStyle/>
+                    <a:p>
+                      <a:pPr algn="ctr"/>
+                      <a:r>
+                        <a:rPr lang="en-US" dirty="0" smtClean="0"/>
+                        <a:t>0.612</a:t>
+                      </a:r>
+                    </a:p>
+                  </a:txBody>
+                  <a:tcPr>
+                    <a:lnL w="12700" cap="flat" cmpd="sng" algn="ctr">
+                      <a:solidFill>
+                        <a:schemeClr val="tx1"/>
+                      </a:solidFill>
+                      <a:prstDash val="solid"/>
+                      <a:round/>
+                      <a:headEnd type="none" w="med" len="med"/>
+                      <a:tailEnd type="none" w="med" len="med"/>
+                    </a:lnL>
+                    <a:lnR w="12700" cap="flat" cmpd="sng" algn="ctr">
+                      <a:solidFill>
+                        <a:schemeClr val="tx1"/>
+                      </a:solidFill>
+                      <a:prstDash val="solid"/>
+                      <a:round/>
+                      <a:headEnd type="none" w="med" len="med"/>
+                      <a:tailEnd type="none" w="med" len="med"/>
+                    </a:lnR>
+                    <a:lnT w="12700" cap="flat" cmpd="sng" algn="ctr">
+                      <a:solidFill>
+                        <a:schemeClr val="tx1"/>
+                      </a:solidFill>
+                      <a:prstDash val="solid"/>
+                      <a:round/>
+                      <a:headEnd type="none" w="med" len="med"/>
+                      <a:tailEnd type="none" w="med" len="med"/>
+                    </a:lnT>
+                    <a:lnB w="12700" cap="flat" cmpd="sng" algn="ctr">
+                      <a:solidFill>
+                        <a:schemeClr val="tx1"/>
+                      </a:solidFill>
+                      <a:prstDash val="solid"/>
+                      <a:round/>
+                      <a:headEnd type="none" w="med" len="med"/>
+                      <a:tailEnd type="none" w="med" len="med"/>
+                    </a:lnB>
+                  </a:tcPr>
+                </a:tc>
+                <a:tc>
+                  <a:txBody>
+                    <a:bodyPr/>
+                    <a:lstStyle/>
+                    <a:p>
+                      <a:pPr algn="ctr"/>
+                      <a:r>
+                        <a:rPr lang="en-US" dirty="0" smtClean="0"/>
+                        <a:t>0.488</a:t>
+                      </a:r>
+                      <a:endParaRPr lang="en-US" dirty="0"/>
+                    </a:p>
+                  </a:txBody>
+                  <a:tcPr>
+                    <a:lnL w="12700" cap="flat" cmpd="sng" algn="ctr">
+                      <a:solidFill>
+                        <a:schemeClr val="tx1"/>
+                      </a:solidFill>
+                      <a:prstDash val="solid"/>
+                      <a:round/>
+                      <a:headEnd type="none" w="med" len="med"/>
+                      <a:tailEnd type="none" w="med" len="med"/>
+                    </a:lnL>
+                    <a:lnR w="12700" cap="flat" cmpd="sng" algn="ctr">
+                      <a:solidFill>
+                        <a:schemeClr val="tx1"/>
+                      </a:solidFill>
+                      <a:prstDash val="solid"/>
+                      <a:round/>
+                      <a:headEnd type="none" w="med" len="med"/>
+                      <a:tailEnd type="none" w="med" len="med"/>
+                    </a:lnR>
+                    <a:lnT w="12700" cap="flat" cmpd="sng" algn="ctr">
+                      <a:solidFill>
+                        <a:schemeClr val="tx1"/>
+                      </a:solidFill>
+                      <a:prstDash val="solid"/>
+                      <a:round/>
+                      <a:headEnd type="none" w="med" len="med"/>
+                      <a:tailEnd type="none" w="med" len="med"/>
+                    </a:lnT>
+                    <a:lnB w="12700" cap="flat" cmpd="sng" algn="ctr">
+                      <a:solidFill>
+                        <a:schemeClr val="tx1"/>
+                      </a:solidFill>
+                      <a:prstDash val="solid"/>
+                      <a:round/>
+                      <a:headEnd type="none" w="med" len="med"/>
+                      <a:tailEnd type="none" w="med" len="med"/>
+                    </a:lnB>
+                  </a:tcPr>
+                </a:tc>
+                <a:tc>
+                  <a:txBody>
+                    <a:bodyPr/>
+                    <a:lstStyle/>
+                    <a:p>
+                      <a:pPr algn="ctr"/>
+                      <a:r>
+                        <a:rPr lang="en-US" dirty="0" smtClean="0"/>
+                        <a:t>0.512</a:t>
+                      </a:r>
+                      <a:endParaRPr lang="en-US" dirty="0"/>
+                    </a:p>
+                  </a:txBody>
+                  <a:tcPr>
+                    <a:lnL w="12700" cap="flat" cmpd="sng" algn="ctr">
+                      <a:solidFill>
+                        <a:schemeClr val="tx1"/>
+                      </a:solidFill>
+                      <a:prstDash val="solid"/>
+                      <a:round/>
+                      <a:headEnd type="none" w="med" len="med"/>
+                      <a:tailEnd type="none" w="med" len="med"/>
+                    </a:lnL>
+                    <a:lnR w="12700" cap="flat" cmpd="sng" algn="ctr">
+                      <a:solidFill>
+                        <a:schemeClr val="tx1"/>
+                      </a:solidFill>
+                      <a:prstDash val="solid"/>
+                      <a:round/>
+                      <a:headEnd type="none" w="med" len="med"/>
+                      <a:tailEnd type="none" w="med" len="med"/>
+                    </a:lnR>
+                    <a:lnT w="12700" cap="flat" cmpd="sng" algn="ctr">
+                      <a:solidFill>
+                        <a:schemeClr val="tx1"/>
+                      </a:solidFill>
+                      <a:prstDash val="solid"/>
+                      <a:round/>
+                      <a:headEnd type="none" w="med" len="med"/>
+                      <a:tailEnd type="none" w="med" len="med"/>
+                    </a:lnT>
+                    <a:lnB w="12700" cap="flat" cmpd="sng" algn="ctr">
+                      <a:solidFill>
+                        <a:schemeClr val="tx1"/>
+                      </a:solidFill>
+                      <a:prstDash val="solid"/>
+                      <a:round/>
+                      <a:headEnd type="none" w="med" len="med"/>
+                      <a:tailEnd type="none" w="med" len="med"/>
+                    </a:lnB>
+                  </a:tcPr>
+                </a:tc>
+                <a:tc>
+                  <a:txBody>
+                    <a:bodyPr/>
+                    <a:lstStyle/>
+                    <a:p>
+                      <a:pPr algn="ctr"/>
+                      <a:r>
+                        <a:rPr lang="en-US" dirty="0" smtClean="0"/>
+                        <a:t>0.557</a:t>
+                      </a:r>
+                      <a:endParaRPr lang="en-US" dirty="0"/>
+                    </a:p>
+                  </a:txBody>
+                  <a:tcPr>
+                    <a:lnL w="12700" cap="flat" cmpd="sng" algn="ctr">
+                      <a:solidFill>
+                        <a:schemeClr val="tx1"/>
+                      </a:solidFill>
+                      <a:prstDash val="solid"/>
+                      <a:round/>
+                      <a:headEnd type="none" w="med" len="med"/>
+                      <a:tailEnd type="none" w="med" len="med"/>
+                    </a:lnL>
+                    <a:lnR w="12700" cap="flat" cmpd="sng" algn="ctr">
+                      <a:solidFill>
+                        <a:schemeClr val="tx1"/>
+                      </a:solidFill>
+                      <a:prstDash val="solid"/>
+                      <a:round/>
+                      <a:headEnd type="none" w="med" len="med"/>
+                      <a:tailEnd type="none" w="med" len="med"/>
+                    </a:lnR>
+                    <a:lnT w="12700" cap="flat" cmpd="sng" algn="ctr">
+                      <a:solidFill>
+                        <a:schemeClr val="tx1"/>
+                      </a:solidFill>
+                      <a:prstDash val="solid"/>
+                      <a:round/>
+                      <a:headEnd type="none" w="med" len="med"/>
+                      <a:tailEnd type="none" w="med" len="med"/>
+                    </a:lnT>
+                    <a:lnB w="12700" cap="flat" cmpd="sng" algn="ctr">
+                      <a:solidFill>
+                        <a:schemeClr val="tx1"/>
+                      </a:solidFill>
+                      <a:prstDash val="solid"/>
+                      <a:round/>
+                      <a:headEnd type="none" w="med" len="med"/>
+                      <a:tailEnd type="none" w="med" len="med"/>
+                    </a:lnB>
+                  </a:tcPr>
+                </a:tc>
+                <a:tc>
+                  <a:txBody>
+                    <a:bodyPr/>
+                    <a:lstStyle/>
+                    <a:p>
+                      <a:pPr algn="ctr"/>
+                      <a:r>
+                        <a:rPr lang="en-US" dirty="0" smtClean="0"/>
+                        <a:t>0.591</a:t>
+                      </a:r>
+                      <a:endParaRPr lang="en-US" dirty="0"/>
+                    </a:p>
+                  </a:txBody>
+                  <a:tcPr>
+                    <a:lnL w="12700" cap="flat" cmpd="sng" algn="ctr">
+                      <a:solidFill>
+                        <a:schemeClr val="tx1"/>
+                      </a:solidFill>
+                      <a:prstDash val="solid"/>
+                      <a:round/>
+                      <a:headEnd type="none" w="med" len="med"/>
+                      <a:tailEnd type="none" w="med" len="med"/>
+                    </a:lnL>
+                    <a:lnR w="12700" cap="flat" cmpd="sng" algn="ctr">
+                      <a:solidFill>
+                        <a:schemeClr val="tx1"/>
+                      </a:solidFill>
+                      <a:prstDash val="solid"/>
+                      <a:round/>
+                      <a:headEnd type="none" w="med" len="med"/>
+                      <a:tailEnd type="none" w="med" len="med"/>
+                    </a:lnR>
+                    <a:lnT w="12700" cap="flat" cmpd="sng" algn="ctr">
+                      <a:solidFill>
+                        <a:schemeClr val="tx1"/>
+                      </a:solidFill>
+                      <a:prstDash val="solid"/>
+                      <a:round/>
+                      <a:headEnd type="none" w="med" len="med"/>
+                      <a:tailEnd type="none" w="med" len="med"/>
+                    </a:lnT>
+                    <a:lnB w="12700" cap="flat" cmpd="sng" algn="ctr">
+                      <a:solidFill>
+                        <a:schemeClr val="tx1"/>
+                      </a:solidFill>
+                      <a:prstDash val="solid"/>
+                      <a:round/>
+                      <a:headEnd type="none" w="med" len="med"/>
+                      <a:tailEnd type="none" w="med" len="med"/>
+                    </a:lnB>
+                  </a:tcPr>
+                </a:tc>
+                <a:tc>
+                  <a:txBody>
+                    <a:bodyPr/>
+                    <a:lstStyle/>
+                    <a:p>
+                      <a:pPr algn="ctr"/>
+                      <a:r>
+                        <a:rPr lang="en-US" dirty="0" smtClean="0"/>
+                        <a:t>0.572</a:t>
+                      </a:r>
+                      <a:endParaRPr lang="en-US" dirty="0"/>
+                    </a:p>
+                  </a:txBody>
+                  <a:tcPr>
+                    <a:lnL w="12700" cap="flat" cmpd="sng" algn="ctr">
+                      <a:solidFill>
+                        <a:schemeClr val="tx1"/>
+                      </a:solidFill>
+                      <a:prstDash val="solid"/>
+                      <a:round/>
+                      <a:headEnd type="none" w="med" len="med"/>
+                      <a:tailEnd type="none" w="med" len="med"/>
+                    </a:lnL>
+                    <a:lnR w="12700" cap="flat" cmpd="sng" algn="ctr">
+                      <a:solidFill>
+                        <a:schemeClr val="tx1"/>
+                      </a:solidFill>
+                      <a:prstDash val="solid"/>
+                      <a:round/>
+                      <a:headEnd type="none" w="med" len="med"/>
+                      <a:tailEnd type="none" w="med" len="med"/>
+                    </a:lnR>
+                    <a:lnT w="12700" cap="flat" cmpd="sng" algn="ctr">
+                      <a:solidFill>
+                        <a:schemeClr val="tx1"/>
+                      </a:solidFill>
+                      <a:prstDash val="solid"/>
+                      <a:round/>
+                      <a:headEnd type="none" w="med" len="med"/>
+                      <a:tailEnd type="none" w="med" len="med"/>
+                    </a:lnT>
+                    <a:lnB w="12700" cap="flat" cmpd="sng" algn="ctr">
+                      <a:solidFill>
+                        <a:schemeClr val="tx1"/>
+                      </a:solidFill>
+                      <a:prstDash val="solid"/>
+                      <a:round/>
+                      <a:headEnd type="none" w="med" len="med"/>
+                      <a:tailEnd type="none" w="med" len="med"/>
+                    </a:lnB>
+                  </a:tcPr>
+                </a:tc>
+                <a:tc>
+                  <a:txBody>
+                    <a:bodyPr/>
+                    <a:lstStyle/>
+                    <a:p>
+                      <a:pPr algn="ctr"/>
+                      <a:r>
+                        <a:rPr lang="en-US" dirty="0" smtClean="0"/>
+                        <a:t>0.545</a:t>
+                      </a:r>
+                      <a:endParaRPr lang="en-US" dirty="0"/>
+                    </a:p>
+                  </a:txBody>
+                  <a:tcPr>
+                    <a:lnL w="12700" cap="flat" cmpd="sng" algn="ctr">
+                      <a:solidFill>
+                        <a:schemeClr val="tx1"/>
+                      </a:solidFill>
+                      <a:prstDash val="solid"/>
+                      <a:round/>
+                      <a:headEnd type="none" w="med" len="med"/>
+                      <a:tailEnd type="none" w="med" len="med"/>
+                    </a:lnL>
+                    <a:lnR w="12700" cap="flat" cmpd="sng" algn="ctr">
+                      <a:solidFill>
+                        <a:schemeClr val="tx1"/>
+                      </a:solidFill>
+                      <a:prstDash val="solid"/>
+                      <a:round/>
+                      <a:headEnd type="none" w="med" len="med"/>
+                      <a:tailEnd type="none" w="med" len="med"/>
+                    </a:lnR>
+                    <a:lnT w="12700" cap="flat" cmpd="sng" algn="ctr">
+                      <a:solidFill>
+                        <a:schemeClr val="tx1"/>
+                      </a:solidFill>
+                      <a:prstDash val="solid"/>
+                      <a:round/>
+                      <a:headEnd type="none" w="med" len="med"/>
+                      <a:tailEnd type="none" w="med" len="med"/>
+                    </a:lnT>
+                    <a:lnB w="12700" cap="flat" cmpd="sng" algn="ctr">
+                      <a:solidFill>
+                        <a:schemeClr val="tx1"/>
+                      </a:solidFill>
+                      <a:prstDash val="solid"/>
+                      <a:round/>
+                      <a:headEnd type="none" w="med" len="med"/>
+                      <a:tailEnd type="none" w="med" len="med"/>
+                    </a:lnB>
+                  </a:tcPr>
+                </a:tc>
+              </a:tr>
+              <a:tr h="581984">
+                <a:tc>
+                  <a:txBody>
+                    <a:bodyPr/>
+                    <a:lstStyle/>
+                    <a:p>
+                      <a:pPr algn="ctr"/>
+                      <a:r>
+                        <a:rPr lang="en-US" b="1" dirty="0" smtClean="0"/>
+                        <a:t>Linear SVM</a:t>
+                      </a:r>
+                      <a:endParaRPr lang="en-US" b="1" dirty="0"/>
+                    </a:p>
+                  </a:txBody>
+                  <a:tcPr>
+                    <a:lnL w="12700" cap="flat" cmpd="sng" algn="ctr">
+                      <a:solidFill>
+                        <a:schemeClr val="tx1"/>
+                      </a:solidFill>
+                      <a:prstDash val="solid"/>
+                      <a:round/>
+                      <a:headEnd type="none" w="med" len="med"/>
+                      <a:tailEnd type="none" w="med" len="med"/>
+                    </a:lnL>
+                    <a:lnR w="12700" cap="flat" cmpd="sng" algn="ctr">
+                      <a:solidFill>
+                        <a:schemeClr val="tx1"/>
+                      </a:solidFill>
+                      <a:prstDash val="solid"/>
+                      <a:round/>
+                      <a:headEnd type="none" w="med" len="med"/>
+                      <a:tailEnd type="none" w="med" len="med"/>
+                    </a:lnR>
+                    <a:lnT w="12700" cap="flat" cmpd="sng" algn="ctr">
+                      <a:solidFill>
+                        <a:schemeClr val="tx1"/>
+                      </a:solidFill>
+                      <a:prstDash val="solid"/>
+                      <a:round/>
+                      <a:headEnd type="none" w="med" len="med"/>
+                      <a:tailEnd type="none" w="med" len="med"/>
+                    </a:lnT>
+                    <a:lnB w="12700" cap="flat" cmpd="sng" algn="ctr">
+                      <a:solidFill>
+                        <a:schemeClr val="tx1"/>
+                      </a:solidFill>
+                      <a:prstDash val="solid"/>
+                      <a:round/>
+                      <a:headEnd type="none" w="med" len="med"/>
+                      <a:tailEnd type="none" w="med" len="med"/>
+                    </a:lnB>
+                  </a:tcPr>
+                </a:tc>
+                <a:tc>
+                  <a:txBody>
+                    <a:bodyPr/>
+                    <a:lstStyle/>
+                    <a:p>
+                      <a:pPr algn="ctr"/>
+                      <a:r>
+                        <a:rPr lang="en-US" dirty="0" smtClean="0"/>
+                        <a:t>0.581</a:t>
+                      </a:r>
+                    </a:p>
+                  </a:txBody>
+                  <a:tcPr>
+                    <a:lnL w="12700" cap="flat" cmpd="sng" algn="ctr">
+                      <a:solidFill>
+                        <a:schemeClr val="tx1"/>
+                      </a:solidFill>
+                      <a:prstDash val="solid"/>
+                      <a:round/>
+                      <a:headEnd type="none" w="med" len="med"/>
+                      <a:tailEnd type="none" w="med" len="med"/>
+                    </a:lnL>
+                    <a:lnR w="12700" cap="flat" cmpd="sng" algn="ctr">
+                      <a:solidFill>
+                        <a:schemeClr val="tx1"/>
+                      </a:solidFill>
+                      <a:prstDash val="solid"/>
+                      <a:round/>
+                      <a:headEnd type="none" w="med" len="med"/>
+                      <a:tailEnd type="none" w="med" len="med"/>
+                    </a:lnR>
+                    <a:lnT w="12700" cap="flat" cmpd="sng" algn="ctr">
+                      <a:solidFill>
+                        <a:schemeClr val="tx1"/>
+                      </a:solidFill>
+                      <a:prstDash val="solid"/>
+                      <a:round/>
+                      <a:headEnd type="none" w="med" len="med"/>
+                      <a:tailEnd type="none" w="med" len="med"/>
+                    </a:lnT>
+                    <a:lnB w="12700" cap="flat" cmpd="sng" algn="ctr">
+                      <a:solidFill>
+                        <a:schemeClr val="tx1"/>
+                      </a:solidFill>
+                      <a:prstDash val="solid"/>
+                      <a:round/>
+                      <a:headEnd type="none" w="med" len="med"/>
+                      <a:tailEnd type="none" w="med" len="med"/>
+                    </a:lnB>
+                  </a:tcPr>
+                </a:tc>
+                <a:tc>
+                  <a:txBody>
+                    <a:bodyPr/>
+                    <a:lstStyle/>
+                    <a:p>
+                      <a:pPr algn="ctr"/>
+                      <a:r>
+                        <a:rPr lang="en-US" dirty="0" smtClean="0"/>
+                        <a:t>0.661</a:t>
+                      </a:r>
+                      <a:endParaRPr lang="en-US" dirty="0"/>
+                    </a:p>
+                  </a:txBody>
+                  <a:tcPr>
+                    <a:lnL w="12700" cap="flat" cmpd="sng" algn="ctr">
+                      <a:solidFill>
+                        <a:schemeClr val="tx1"/>
+                      </a:solidFill>
+                      <a:prstDash val="solid"/>
+                      <a:round/>
+                      <a:headEnd type="none" w="med" len="med"/>
+                      <a:tailEnd type="none" w="med" len="med"/>
+                    </a:lnL>
+                    <a:lnR w="12700" cap="flat" cmpd="sng" algn="ctr">
+                      <a:solidFill>
+                        <a:schemeClr val="tx1"/>
+                      </a:solidFill>
+                      <a:prstDash val="solid"/>
+                      <a:round/>
+                      <a:headEnd type="none" w="med" len="med"/>
+                      <a:tailEnd type="none" w="med" len="med"/>
+                    </a:lnR>
+                    <a:lnT w="12700" cap="flat" cmpd="sng" algn="ctr">
+                      <a:solidFill>
+                        <a:schemeClr val="tx1"/>
+                      </a:solidFill>
+                      <a:prstDash val="solid"/>
+                      <a:round/>
+                      <a:headEnd type="none" w="med" len="med"/>
+                      <a:tailEnd type="none" w="med" len="med"/>
+                    </a:lnT>
+                    <a:lnB w="12700" cap="flat" cmpd="sng" algn="ctr">
+                      <a:solidFill>
+                        <a:schemeClr val="tx1"/>
+                      </a:solidFill>
+                      <a:prstDash val="solid"/>
+                      <a:round/>
+                      <a:headEnd type="none" w="med" len="med"/>
+                      <a:tailEnd type="none" w="med" len="med"/>
+                    </a:lnB>
+                  </a:tcPr>
+                </a:tc>
+                <a:tc>
+                  <a:txBody>
+                    <a:bodyPr/>
+                    <a:lstStyle/>
+                    <a:p>
+                      <a:pPr algn="ctr"/>
+                      <a:r>
+                        <a:rPr lang="en-US" dirty="0" smtClean="0"/>
+                        <a:t>0.604</a:t>
+                      </a:r>
+                      <a:endParaRPr lang="en-US" dirty="0"/>
+                    </a:p>
+                  </a:txBody>
+                  <a:tcPr>
+                    <a:lnL w="12700" cap="flat" cmpd="sng" algn="ctr">
+                      <a:solidFill>
+                        <a:schemeClr val="tx1"/>
+                      </a:solidFill>
+                      <a:prstDash val="solid"/>
+                      <a:round/>
+                      <a:headEnd type="none" w="med" len="med"/>
+                      <a:tailEnd type="none" w="med" len="med"/>
+                    </a:lnL>
+                    <a:lnR w="12700" cap="flat" cmpd="sng" algn="ctr">
+                      <a:solidFill>
+                        <a:schemeClr val="tx1"/>
+                      </a:solidFill>
+                      <a:prstDash val="solid"/>
+                      <a:round/>
+                      <a:headEnd type="none" w="med" len="med"/>
+                      <a:tailEnd type="none" w="med" len="med"/>
+                    </a:lnR>
+                    <a:lnT w="12700" cap="flat" cmpd="sng" algn="ctr">
+                      <a:solidFill>
+                        <a:schemeClr val="tx1"/>
+                      </a:solidFill>
+                      <a:prstDash val="solid"/>
+                      <a:round/>
+                      <a:headEnd type="none" w="med" len="med"/>
+                      <a:tailEnd type="none" w="med" len="med"/>
+                    </a:lnT>
+                    <a:lnB w="12700" cap="flat" cmpd="sng" algn="ctr">
+                      <a:solidFill>
+                        <a:schemeClr val="tx1"/>
+                      </a:solidFill>
+                      <a:prstDash val="solid"/>
+                      <a:round/>
+                      <a:headEnd type="none" w="med" len="med"/>
+                      <a:tailEnd type="none" w="med" len="med"/>
+                    </a:lnB>
+                  </a:tcPr>
+                </a:tc>
+                <a:tc>
+                  <a:txBody>
+                    <a:bodyPr/>
+                    <a:lstStyle/>
+                    <a:p>
+                      <a:pPr algn="ctr"/>
+                      <a:r>
+                        <a:rPr lang="en-US" dirty="0" smtClean="0"/>
+                        <a:t>0.582</a:t>
+                      </a:r>
+                      <a:endParaRPr lang="en-US" dirty="0"/>
+                    </a:p>
+                  </a:txBody>
+                  <a:tcPr>
+                    <a:lnL w="12700" cap="flat" cmpd="sng" algn="ctr">
+                      <a:solidFill>
+                        <a:schemeClr val="tx1"/>
+                      </a:solidFill>
+                      <a:prstDash val="solid"/>
+                      <a:round/>
+                      <a:headEnd type="none" w="med" len="med"/>
+                      <a:tailEnd type="none" w="med" len="med"/>
+                    </a:lnL>
+                    <a:lnR w="12700" cap="flat" cmpd="sng" algn="ctr">
+                      <a:solidFill>
+                        <a:schemeClr val="tx1"/>
+                      </a:solidFill>
+                      <a:prstDash val="solid"/>
+                      <a:round/>
+                      <a:headEnd type="none" w="med" len="med"/>
+                      <a:tailEnd type="none" w="med" len="med"/>
+                    </a:lnR>
+                    <a:lnT w="12700" cap="flat" cmpd="sng" algn="ctr">
+                      <a:solidFill>
+                        <a:schemeClr val="tx1"/>
+                      </a:solidFill>
+                      <a:prstDash val="solid"/>
+                      <a:round/>
+                      <a:headEnd type="none" w="med" len="med"/>
+                      <a:tailEnd type="none" w="med" len="med"/>
+                    </a:lnT>
+                    <a:lnB w="12700" cap="flat" cmpd="sng" algn="ctr">
+                      <a:solidFill>
+                        <a:schemeClr val="tx1"/>
+                      </a:solidFill>
+                      <a:prstDash val="solid"/>
+                      <a:round/>
+                      <a:headEnd type="none" w="med" len="med"/>
+                      <a:tailEnd type="none" w="med" len="med"/>
+                    </a:lnB>
+                  </a:tcPr>
+                </a:tc>
+                <a:tc>
+                  <a:txBody>
+                    <a:bodyPr/>
+                    <a:lstStyle/>
+                    <a:p>
+                      <a:pPr algn="ctr"/>
+                      <a:r>
+                        <a:rPr lang="en-US" dirty="0" smtClean="0"/>
+                        <a:t>0.635</a:t>
+                      </a:r>
+                      <a:endParaRPr lang="en-US" dirty="0"/>
+                    </a:p>
+                  </a:txBody>
+                  <a:tcPr>
+                    <a:lnL w="12700" cap="flat" cmpd="sng" algn="ctr">
+                      <a:solidFill>
+                        <a:schemeClr val="tx1"/>
+                      </a:solidFill>
+                      <a:prstDash val="solid"/>
+                      <a:round/>
+                      <a:headEnd type="none" w="med" len="med"/>
+                      <a:tailEnd type="none" w="med" len="med"/>
+                    </a:lnL>
+                    <a:lnR w="12700" cap="flat" cmpd="sng" algn="ctr">
+                      <a:solidFill>
+                        <a:schemeClr val="tx1"/>
+                      </a:solidFill>
+                      <a:prstDash val="solid"/>
+                      <a:round/>
+                      <a:headEnd type="none" w="med" len="med"/>
+                      <a:tailEnd type="none" w="med" len="med"/>
+                    </a:lnR>
+                    <a:lnT w="12700" cap="flat" cmpd="sng" algn="ctr">
+                      <a:solidFill>
+                        <a:schemeClr val="tx1"/>
+                      </a:solidFill>
+                      <a:prstDash val="solid"/>
+                      <a:round/>
+                      <a:headEnd type="none" w="med" len="med"/>
+                      <a:tailEnd type="none" w="med" len="med"/>
+                    </a:lnT>
+                    <a:lnB w="12700" cap="flat" cmpd="sng" algn="ctr">
+                      <a:solidFill>
+                        <a:schemeClr val="tx1"/>
+                      </a:solidFill>
+                      <a:prstDash val="solid"/>
+                      <a:round/>
+                      <a:headEnd type="none" w="med" len="med"/>
+                      <a:tailEnd type="none" w="med" len="med"/>
+                    </a:lnB>
+                  </a:tcPr>
+                </a:tc>
+                <a:tc>
+                  <a:txBody>
+                    <a:bodyPr/>
+                    <a:lstStyle/>
+                    <a:p>
+                      <a:pPr algn="ctr"/>
+                      <a:r>
+                        <a:rPr lang="en-US" dirty="0" smtClean="0"/>
+                        <a:t>0.601</a:t>
+                      </a:r>
+                      <a:endParaRPr lang="en-US" dirty="0"/>
+                    </a:p>
+                  </a:txBody>
+                  <a:tcPr>
+                    <a:lnL w="12700" cap="flat" cmpd="sng" algn="ctr">
+                      <a:solidFill>
+                        <a:schemeClr val="tx1"/>
+                      </a:solidFill>
+                      <a:prstDash val="solid"/>
+                      <a:round/>
+                      <a:headEnd type="none" w="med" len="med"/>
+                      <a:tailEnd type="none" w="med" len="med"/>
+                    </a:lnL>
+                    <a:lnR w="12700" cap="flat" cmpd="sng" algn="ctr">
+                      <a:solidFill>
+                        <a:schemeClr val="tx1"/>
+                      </a:solidFill>
+                      <a:prstDash val="solid"/>
+                      <a:round/>
+                      <a:headEnd type="none" w="med" len="med"/>
+                      <a:tailEnd type="none" w="med" len="med"/>
+                    </a:lnR>
+                    <a:lnT w="12700" cap="flat" cmpd="sng" algn="ctr">
+                      <a:solidFill>
+                        <a:schemeClr val="tx1"/>
+                      </a:solidFill>
+                      <a:prstDash val="solid"/>
+                      <a:round/>
+                      <a:headEnd type="none" w="med" len="med"/>
+                      <a:tailEnd type="none" w="med" len="med"/>
+                    </a:lnT>
+                    <a:lnB w="12700" cap="flat" cmpd="sng" algn="ctr">
+                      <a:solidFill>
+                        <a:schemeClr val="tx1"/>
+                      </a:solidFill>
+                      <a:prstDash val="solid"/>
+                      <a:round/>
+                      <a:headEnd type="none" w="med" len="med"/>
+                      <a:tailEnd type="none" w="med" len="med"/>
+                    </a:lnB>
+                  </a:tcPr>
+                </a:tc>
+                <a:tc>
+                  <a:txBody>
+                    <a:bodyPr/>
+                    <a:lstStyle/>
+                    <a:p>
+                      <a:pPr algn="ctr"/>
+                      <a:r>
+                        <a:rPr lang="en-US" dirty="0" smtClean="0"/>
+                        <a:t>0.575</a:t>
+                      </a:r>
+                      <a:endParaRPr lang="en-US" dirty="0"/>
+                    </a:p>
+                  </a:txBody>
+                  <a:tcPr>
+                    <a:lnL w="12700" cap="flat" cmpd="sng" algn="ctr">
+                      <a:solidFill>
+                        <a:schemeClr val="tx1"/>
+                      </a:solidFill>
+                      <a:prstDash val="solid"/>
+                      <a:round/>
+                      <a:headEnd type="none" w="med" len="med"/>
+                      <a:tailEnd type="none" w="med" len="med"/>
+                    </a:lnL>
+                    <a:lnR w="12700" cap="flat" cmpd="sng" algn="ctr">
+                      <a:solidFill>
+                        <a:schemeClr val="tx1"/>
+                      </a:solidFill>
+                      <a:prstDash val="solid"/>
+                      <a:round/>
+                      <a:headEnd type="none" w="med" len="med"/>
+                      <a:tailEnd type="none" w="med" len="med"/>
+                    </a:lnR>
+                    <a:lnT w="12700" cap="flat" cmpd="sng" algn="ctr">
+                      <a:solidFill>
+                        <a:schemeClr val="tx1"/>
+                      </a:solidFill>
+                      <a:prstDash val="solid"/>
+                      <a:round/>
+                      <a:headEnd type="none" w="med" len="med"/>
+                      <a:tailEnd type="none" w="med" len="med"/>
+                    </a:lnT>
+                    <a:lnB w="12700" cap="flat" cmpd="sng" algn="ctr">
+                      <a:solidFill>
+                        <a:schemeClr val="tx1"/>
+                      </a:solidFill>
+                      <a:prstDash val="solid"/>
+                      <a:round/>
+                      <a:headEnd type="none" w="med" len="med"/>
+                      <a:tailEnd type="none" w="med" len="med"/>
+                    </a:lnB>
+                  </a:tcPr>
                 </a:tc>
               </a:tr>
             </a:tbl>
@@ -4377,120 +9664,7 @@
     </p:spTree>
     <p:extLst>
       <p:ext uri="{BB962C8B-B14F-4D97-AF65-F5344CB8AC3E}">
-        <p14:creationId xmlns:p14="http://schemas.microsoft.com/office/powerpoint/2010/main" val="1490006391"/>
-      </p:ext>
-    </p:extLst>
-  </p:cSld>
-  <p:clrMapOvr>
-    <a:masterClrMapping/>
-  </p:clrMapOvr>
-</p:sld>
-</file>
-
-<file path=ppt/slides/slide5.xml><?xml version="1.0" encoding="utf-8"?>
-<p:sld xmlns:a="http://schemas.openxmlformats.org/drawingml/2006/main" xmlns:r="http://schemas.openxmlformats.org/officeDocument/2006/relationships" xmlns:p="http://schemas.openxmlformats.org/presentationml/2006/main">
-  <p:cSld>
-    <p:spTree>
-      <p:nvGrpSpPr>
-        <p:cNvPr id="1" name=""/>
-        <p:cNvGrpSpPr/>
-        <p:nvPr/>
-      </p:nvGrpSpPr>
-      <p:grpSpPr>
-        <a:xfrm>
-          <a:off x="0" y="0"/>
-          <a:ext cx="0" cy="0"/>
-          <a:chOff x="0" y="0"/>
-          <a:chExt cx="0" cy="0"/>
-        </a:xfrm>
-      </p:grpSpPr>
-      <p:sp>
-        <p:nvSpPr>
-          <p:cNvPr id="2" name="Title 1"/>
-          <p:cNvSpPr>
-            <a:spLocks noGrp="1"/>
-          </p:cNvSpPr>
-          <p:nvPr>
-            <p:ph type="title"/>
-          </p:nvPr>
-        </p:nvSpPr>
-        <p:spPr/>
-        <p:txBody>
-          <a:bodyPr/>
-          <a:lstStyle/>
-          <a:p>
-            <a:r>
-              <a:rPr lang="en-US" dirty="0" smtClean="0"/>
-              <a:t>Other Models</a:t>
-            </a:r>
-            <a:endParaRPr lang="en-US" dirty="0"/>
-          </a:p>
-        </p:txBody>
-      </p:sp>
-      <p:sp>
-        <p:nvSpPr>
-          <p:cNvPr id="3" name="Content Placeholder 2"/>
-          <p:cNvSpPr>
-            <a:spLocks noGrp="1"/>
-          </p:cNvSpPr>
-          <p:nvPr>
-            <p:ph idx="1"/>
-          </p:nvPr>
-        </p:nvSpPr>
-        <p:spPr/>
-        <p:txBody>
-          <a:bodyPr/>
-          <a:lstStyle/>
-          <a:p>
-            <a:r>
-              <a:rPr lang="en-US" dirty="0" smtClean="0"/>
-              <a:t>Ada Boost</a:t>
-            </a:r>
-          </a:p>
-          <a:p>
-            <a:r>
-              <a:rPr lang="en-US" dirty="0" smtClean="0"/>
-              <a:t>Random Forests</a:t>
-            </a:r>
-          </a:p>
-          <a:p>
-            <a:r>
-              <a:rPr lang="en-US" dirty="0" smtClean="0"/>
-              <a:t>Support Vector Machine </a:t>
-            </a:r>
-          </a:p>
-          <a:p>
-            <a:pPr lvl="1"/>
-            <a:r>
-              <a:rPr lang="en-US" dirty="0" smtClean="0"/>
-              <a:t>Radial Bias Function Kernel</a:t>
-            </a:r>
-          </a:p>
-          <a:p>
-            <a:pPr lvl="1"/>
-            <a:r>
-              <a:rPr lang="en-US" dirty="0" smtClean="0"/>
-              <a:t>Polynomial Kernel</a:t>
-            </a:r>
-          </a:p>
-          <a:p>
-            <a:r>
-              <a:rPr lang="en-US" dirty="0" smtClean="0"/>
-              <a:t>Neural Networks</a:t>
-            </a:r>
-          </a:p>
-          <a:p>
-            <a:pPr marL="0" indent="0">
-              <a:buNone/>
-            </a:pPr>
-            <a:endParaRPr lang="en-US" dirty="0"/>
-          </a:p>
-        </p:txBody>
-      </p:sp>
-    </p:spTree>
-    <p:extLst>
-      <p:ext uri="{BB962C8B-B14F-4D97-AF65-F5344CB8AC3E}">
-        <p14:creationId xmlns:p14="http://schemas.microsoft.com/office/powerpoint/2010/main" val="1792191762"/>
+        <p14:creationId xmlns:p14="http://schemas.microsoft.com/office/powerpoint/2010/main" val="1124616507"/>
       </p:ext>
     </p:extLst>
   </p:cSld>

--- a/Version 1.0/Sentiment Analysis Research Project Part II.pptx
+++ b/Version 1.0/Sentiment Analysis Research Project Part II.pptx
@@ -246,7 +246,7 @@
           <a:p>
             <a:fld id="{D8218EBE-9869-4252-8BBD-25174D6BC15F}" type="datetimeFigureOut">
               <a:rPr lang="en-US" smtClean="0"/>
-              <a:t>4/19/2017</a:t>
+              <a:t>4/27/2017</a:t>
             </a:fld>
             <a:endParaRPr lang="en-US"/>
           </a:p>
@@ -416,7 +416,7 @@
           <a:p>
             <a:fld id="{D8218EBE-9869-4252-8BBD-25174D6BC15F}" type="datetimeFigureOut">
               <a:rPr lang="en-US" smtClean="0"/>
-              <a:t>4/19/2017</a:t>
+              <a:t>4/27/2017</a:t>
             </a:fld>
             <a:endParaRPr lang="en-US"/>
           </a:p>
@@ -596,7 +596,7 @@
           <a:p>
             <a:fld id="{D8218EBE-9869-4252-8BBD-25174D6BC15F}" type="datetimeFigureOut">
               <a:rPr lang="en-US" smtClean="0"/>
-              <a:t>4/19/2017</a:t>
+              <a:t>4/27/2017</a:t>
             </a:fld>
             <a:endParaRPr lang="en-US"/>
           </a:p>
@@ -766,7 +766,7 @@
           <a:p>
             <a:fld id="{D8218EBE-9869-4252-8BBD-25174D6BC15F}" type="datetimeFigureOut">
               <a:rPr lang="en-US" smtClean="0"/>
-              <a:t>4/19/2017</a:t>
+              <a:t>4/27/2017</a:t>
             </a:fld>
             <a:endParaRPr lang="en-US"/>
           </a:p>
@@ -1012,7 +1012,7 @@
           <a:p>
             <a:fld id="{D8218EBE-9869-4252-8BBD-25174D6BC15F}" type="datetimeFigureOut">
               <a:rPr lang="en-US" smtClean="0"/>
-              <a:t>4/19/2017</a:t>
+              <a:t>4/27/2017</a:t>
             </a:fld>
             <a:endParaRPr lang="en-US"/>
           </a:p>
@@ -1244,7 +1244,7 @@
           <a:p>
             <a:fld id="{D8218EBE-9869-4252-8BBD-25174D6BC15F}" type="datetimeFigureOut">
               <a:rPr lang="en-US" smtClean="0"/>
-              <a:t>4/19/2017</a:t>
+              <a:t>4/27/2017</a:t>
             </a:fld>
             <a:endParaRPr lang="en-US"/>
           </a:p>
@@ -1611,7 +1611,7 @@
           <a:p>
             <a:fld id="{D8218EBE-9869-4252-8BBD-25174D6BC15F}" type="datetimeFigureOut">
               <a:rPr lang="en-US" smtClean="0"/>
-              <a:t>4/19/2017</a:t>
+              <a:t>4/27/2017</a:t>
             </a:fld>
             <a:endParaRPr lang="en-US"/>
           </a:p>
@@ -1729,7 +1729,7 @@
           <a:p>
             <a:fld id="{D8218EBE-9869-4252-8BBD-25174D6BC15F}" type="datetimeFigureOut">
               <a:rPr lang="en-US" smtClean="0"/>
-              <a:t>4/19/2017</a:t>
+              <a:t>4/27/2017</a:t>
             </a:fld>
             <a:endParaRPr lang="en-US"/>
           </a:p>
@@ -1824,7 +1824,7 @@
           <a:p>
             <a:fld id="{D8218EBE-9869-4252-8BBD-25174D6BC15F}" type="datetimeFigureOut">
               <a:rPr lang="en-US" smtClean="0"/>
-              <a:t>4/19/2017</a:t>
+              <a:t>4/27/2017</a:t>
             </a:fld>
             <a:endParaRPr lang="en-US"/>
           </a:p>
@@ -2101,7 +2101,7 @@
           <a:p>
             <a:fld id="{D8218EBE-9869-4252-8BBD-25174D6BC15F}" type="datetimeFigureOut">
               <a:rPr lang="en-US" smtClean="0"/>
-              <a:t>4/19/2017</a:t>
+              <a:t>4/27/2017</a:t>
             </a:fld>
             <a:endParaRPr lang="en-US"/>
           </a:p>
@@ -2354,7 +2354,7 @@
           <a:p>
             <a:fld id="{D8218EBE-9869-4252-8BBD-25174D6BC15F}" type="datetimeFigureOut">
               <a:rPr lang="en-US" smtClean="0"/>
-              <a:t>4/19/2017</a:t>
+              <a:t>4/27/2017</a:t>
             </a:fld>
             <a:endParaRPr lang="en-US"/>
           </a:p>
@@ -2567,7 +2567,7 @@
           <a:p>
             <a:fld id="{D8218EBE-9869-4252-8BBD-25174D6BC15F}" type="datetimeFigureOut">
               <a:rPr lang="en-US" smtClean="0"/>
-              <a:t>4/19/2017</a:t>
+              <a:t>4/27/2017</a:t>
             </a:fld>
             <a:endParaRPr lang="en-US"/>
           </a:p>
@@ -3200,14 +3200,14 @@
             <p:ph idx="1"/>
             <p:extLst>
               <p:ext uri="{D42A27DB-BD31-4B8C-83A1-F6EECF244321}">
-                <p14:modId xmlns:p14="http://schemas.microsoft.com/office/powerpoint/2010/main" val="503533563"/>
+                <p14:modId xmlns:p14="http://schemas.microsoft.com/office/powerpoint/2010/main" val="2904494763"/>
               </p:ext>
             </p:extLst>
           </p:nvPr>
         </p:nvGraphicFramePr>
         <p:xfrm>
-          <a:off x="1868048" y="1596492"/>
-          <a:ext cx="8656319" cy="4724098"/>
+          <a:off x="1596818" y="145644"/>
+          <a:ext cx="8656319" cy="7732023"/>
         </p:xfrm>
         <a:graphic>
           <a:graphicData uri="http://schemas.openxmlformats.org/drawingml/2006/table">
@@ -3892,8 +3892,12 @@
                     <a:p>
                       <a:pPr algn="ctr"/>
                       <a:r>
-                        <a:rPr lang="en-US" b="1" dirty="0" err="1" smtClean="0"/>
-                        <a:t>AdaBoost</a:t>
+                        <a:rPr lang="en-US" b="1" dirty="0" smtClean="0"/>
+                        <a:t>Random</a:t>
+                      </a:r>
+                      <a:r>
+                        <a:rPr lang="en-US" b="1" baseline="0" dirty="0" smtClean="0"/>
+                        <a:t> Forest</a:t>
                       </a:r>
                       <a:endParaRPr lang="en-US" b="1" dirty="0"/>
                     </a:p>
@@ -3945,58 +3949,111 @@
                       <a:pPr algn="ctr"/>
                       <a:r>
                         <a:rPr lang="en-US" dirty="0" smtClean="0"/>
-                        <a:t>0.518 </a:t>
-                      </a:r>
-                    </a:p>
-                  </a:txBody>
-                  <a:tcPr>
-                    <a:lnL w="12700" cap="flat" cmpd="sng" algn="ctr">
-                      <a:solidFill>
-                        <a:schemeClr val="tx1"/>
-                      </a:solidFill>
-                      <a:prstDash val="solid"/>
-                      <a:round/>
-                      <a:headEnd type="none" w="med" len="med"/>
-                      <a:tailEnd type="none" w="med" len="med"/>
-                    </a:lnL>
-                    <a:lnR w="12700" cap="flat" cmpd="sng" algn="ctr">
-                      <a:solidFill>
-                        <a:schemeClr val="tx1"/>
-                      </a:solidFill>
-                      <a:prstDash val="solid"/>
-                      <a:round/>
-                      <a:headEnd type="none" w="med" len="med"/>
-                      <a:tailEnd type="none" w="med" len="med"/>
-                    </a:lnR>
-                    <a:lnT w="12700" cap="flat" cmpd="sng" algn="ctr">
-                      <a:solidFill>
-                        <a:schemeClr val="tx1"/>
-                      </a:solidFill>
-                      <a:prstDash val="solid"/>
-                      <a:round/>
-                      <a:headEnd type="none" w="med" len="med"/>
-                      <a:tailEnd type="none" w="med" len="med"/>
-                    </a:lnT>
-                    <a:lnB w="12700" cap="flat" cmpd="sng" algn="ctr">
-                      <a:solidFill>
-                        <a:schemeClr val="tx1"/>
-                      </a:solidFill>
-                      <a:prstDash val="solid"/>
-                      <a:round/>
-                      <a:headEnd type="none" w="med" len="med"/>
-                      <a:tailEnd type="none" w="med" len="med"/>
-                    </a:lnB>
-                  </a:tcPr>
-                </a:tc>
-                <a:tc>
-                  <a:txBody>
-                    <a:bodyPr/>
-                    <a:lstStyle/>
-                    <a:p>
-                      <a:pPr algn="ctr"/>
-                      <a:r>
-                        <a:rPr lang="en-US" dirty="0" smtClean="0"/>
-                        <a:t>0.598</a:t>
+                        <a:t>0.58</a:t>
+                      </a:r>
+                      <a:endParaRPr lang="en-US" dirty="0" smtClean="0"/>
+                    </a:p>
+                  </a:txBody>
+                  <a:tcPr>
+                    <a:lnL w="12700" cap="flat" cmpd="sng" algn="ctr">
+                      <a:solidFill>
+                        <a:schemeClr val="tx1"/>
+                      </a:solidFill>
+                      <a:prstDash val="solid"/>
+                      <a:round/>
+                      <a:headEnd type="none" w="med" len="med"/>
+                      <a:tailEnd type="none" w="med" len="med"/>
+                    </a:lnL>
+                    <a:lnR w="12700" cap="flat" cmpd="sng" algn="ctr">
+                      <a:solidFill>
+                        <a:schemeClr val="tx1"/>
+                      </a:solidFill>
+                      <a:prstDash val="solid"/>
+                      <a:round/>
+                      <a:headEnd type="none" w="med" len="med"/>
+                      <a:tailEnd type="none" w="med" len="med"/>
+                    </a:lnR>
+                    <a:lnT w="12700" cap="flat" cmpd="sng" algn="ctr">
+                      <a:solidFill>
+                        <a:schemeClr val="tx1"/>
+                      </a:solidFill>
+                      <a:prstDash val="solid"/>
+                      <a:round/>
+                      <a:headEnd type="none" w="med" len="med"/>
+                      <a:tailEnd type="none" w="med" len="med"/>
+                    </a:lnT>
+                    <a:lnB w="12700" cap="flat" cmpd="sng" algn="ctr">
+                      <a:solidFill>
+                        <a:schemeClr val="tx1"/>
+                      </a:solidFill>
+                      <a:prstDash val="solid"/>
+                      <a:round/>
+                      <a:headEnd type="none" w="med" len="med"/>
+                      <a:tailEnd type="none" w="med" len="med"/>
+                    </a:lnB>
+                  </a:tcPr>
+                </a:tc>
+                <a:tc>
+                  <a:txBody>
+                    <a:bodyPr/>
+                    <a:lstStyle/>
+                    <a:p>
+                      <a:pPr algn="ctr"/>
+                      <a:r>
+                        <a:rPr lang="en-US" dirty="0" smtClean="0"/>
+                        <a:t>0.835</a:t>
+                      </a:r>
+                      <a:endParaRPr lang="en-US" dirty="0"/>
+                    </a:p>
+                  </a:txBody>
+                  <a:tcPr>
+                    <a:lnL w="12700" cap="flat" cmpd="sng" algn="ctr">
+                      <a:solidFill>
+                        <a:schemeClr val="tx1"/>
+                      </a:solidFill>
+                      <a:prstDash val="solid"/>
+                      <a:round/>
+                      <a:headEnd type="none" w="med" len="med"/>
+                      <a:tailEnd type="none" w="med" len="med"/>
+                    </a:lnL>
+                    <a:lnR w="12700" cap="flat" cmpd="sng" algn="ctr">
+                      <a:solidFill>
+                        <a:schemeClr val="tx1"/>
+                      </a:solidFill>
+                      <a:prstDash val="solid"/>
+                      <a:round/>
+                      <a:headEnd type="none" w="med" len="med"/>
+                      <a:tailEnd type="none" w="med" len="med"/>
+                    </a:lnR>
+                    <a:lnT w="12700" cap="flat" cmpd="sng" algn="ctr">
+                      <a:solidFill>
+                        <a:schemeClr val="tx1"/>
+                      </a:solidFill>
+                      <a:prstDash val="solid"/>
+                      <a:round/>
+                      <a:headEnd type="none" w="med" len="med"/>
+                      <a:tailEnd type="none" w="med" len="med"/>
+                    </a:lnT>
+                    <a:lnB w="12700" cap="flat" cmpd="sng" algn="ctr">
+                      <a:solidFill>
+                        <a:schemeClr val="tx1"/>
+                      </a:solidFill>
+                      <a:prstDash val="solid"/>
+                      <a:round/>
+                      <a:headEnd type="none" w="med" len="med"/>
+                      <a:tailEnd type="none" w="med" len="med"/>
+                    </a:lnB>
+                  </a:tcPr>
+                </a:tc>
+                <a:tc>
+                  <a:txBody>
+                    <a:bodyPr/>
+                    <a:lstStyle/>
+                    <a:p>
+                      <a:pPr algn="ctr"/>
+                      <a:r>
+                        <a:rPr lang="en-US" dirty="0" smtClean="0"/>
+                        <a:t>0.673</a:t>
                       </a:r>
                       <a:endParaRPr lang="en-US" dirty="0"/>
                     </a:p>
@@ -4100,163 +4157,111 @@
                       <a:pPr algn="ctr"/>
                       <a:r>
                         <a:rPr lang="en-US" dirty="0" smtClean="0"/>
-                        <a:t>0.532</a:t>
-                      </a:r>
-                      <a:endParaRPr lang="en-US" dirty="0"/>
-                    </a:p>
-                  </a:txBody>
-                  <a:tcPr>
-                    <a:lnL w="12700" cap="flat" cmpd="sng" algn="ctr">
-                      <a:solidFill>
-                        <a:schemeClr val="tx1"/>
-                      </a:solidFill>
-                      <a:prstDash val="solid"/>
-                      <a:round/>
-                      <a:headEnd type="none" w="med" len="med"/>
-                      <a:tailEnd type="none" w="med" len="med"/>
-                    </a:lnL>
-                    <a:lnR w="12700" cap="flat" cmpd="sng" algn="ctr">
-                      <a:solidFill>
-                        <a:schemeClr val="tx1"/>
-                      </a:solidFill>
-                      <a:prstDash val="solid"/>
-                      <a:round/>
-                      <a:headEnd type="none" w="med" len="med"/>
-                      <a:tailEnd type="none" w="med" len="med"/>
-                    </a:lnR>
-                    <a:lnT w="12700" cap="flat" cmpd="sng" algn="ctr">
-                      <a:solidFill>
-                        <a:schemeClr val="tx1"/>
-                      </a:solidFill>
-                      <a:prstDash val="solid"/>
-                      <a:round/>
-                      <a:headEnd type="none" w="med" len="med"/>
-                      <a:tailEnd type="none" w="med" len="med"/>
-                    </a:lnT>
-                    <a:lnB w="12700" cap="flat" cmpd="sng" algn="ctr">
-                      <a:solidFill>
-                        <a:schemeClr val="tx1"/>
-                      </a:solidFill>
-                      <a:prstDash val="solid"/>
-                      <a:round/>
-                      <a:headEnd type="none" w="med" len="med"/>
-                      <a:tailEnd type="none" w="med" len="med"/>
-                    </a:lnB>
-                  </a:tcPr>
-                </a:tc>
-                <a:tc>
-                  <a:txBody>
-                    <a:bodyPr/>
-                    <a:lstStyle/>
-                    <a:p>
-                      <a:pPr algn="ctr"/>
-                      <a:r>
-                        <a:rPr lang="en-US" dirty="0" smtClean="0"/>
-                        <a:t>0.422</a:t>
-                      </a:r>
-                      <a:endParaRPr lang="en-US" dirty="0"/>
-                    </a:p>
-                  </a:txBody>
-                  <a:tcPr>
-                    <a:lnL w="12700" cap="flat" cmpd="sng" algn="ctr">
-                      <a:solidFill>
-                        <a:schemeClr val="tx1"/>
-                      </a:solidFill>
-                      <a:prstDash val="solid"/>
-                      <a:round/>
-                      <a:headEnd type="none" w="med" len="med"/>
-                      <a:tailEnd type="none" w="med" len="med"/>
-                    </a:lnL>
-                    <a:lnR w="12700" cap="flat" cmpd="sng" algn="ctr">
-                      <a:solidFill>
-                        <a:schemeClr val="tx1"/>
-                      </a:solidFill>
-                      <a:prstDash val="solid"/>
-                      <a:round/>
-                      <a:headEnd type="none" w="med" len="med"/>
-                      <a:tailEnd type="none" w="med" len="med"/>
-                    </a:lnR>
-                    <a:lnT w="12700" cap="flat" cmpd="sng" algn="ctr">
-                      <a:solidFill>
-                        <a:schemeClr val="tx1"/>
-                      </a:solidFill>
-                      <a:prstDash val="solid"/>
-                      <a:round/>
-                      <a:headEnd type="none" w="med" len="med"/>
-                      <a:tailEnd type="none" w="med" len="med"/>
-                    </a:lnT>
-                    <a:lnB w="12700" cap="flat" cmpd="sng" algn="ctr">
-                      <a:solidFill>
-                        <a:schemeClr val="tx1"/>
-                      </a:solidFill>
-                      <a:prstDash val="solid"/>
-                      <a:round/>
-                      <a:headEnd type="none" w="med" len="med"/>
-                      <a:tailEnd type="none" w="med" len="med"/>
-                    </a:lnB>
-                  </a:tcPr>
-                </a:tc>
-                <a:tc>
-                  <a:txBody>
-                    <a:bodyPr/>
-                    <a:lstStyle/>
-                    <a:p>
-                      <a:pPr algn="ctr"/>
-                      <a:r>
-                        <a:rPr lang="en-US" dirty="0" smtClean="0"/>
-                        <a:t>0.457</a:t>
-                      </a:r>
-                      <a:endParaRPr lang="en-US" dirty="0"/>
-                    </a:p>
-                  </a:txBody>
-                  <a:tcPr>
-                    <a:lnL w="12700" cap="flat" cmpd="sng" algn="ctr">
-                      <a:solidFill>
-                        <a:schemeClr val="tx1"/>
-                      </a:solidFill>
-                      <a:prstDash val="solid"/>
-                      <a:round/>
-                      <a:headEnd type="none" w="med" len="med"/>
-                      <a:tailEnd type="none" w="med" len="med"/>
-                    </a:lnL>
-                    <a:lnR w="12700" cap="flat" cmpd="sng" algn="ctr">
-                      <a:solidFill>
-                        <a:schemeClr val="tx1"/>
-                      </a:solidFill>
-                      <a:prstDash val="solid"/>
-                      <a:round/>
-                      <a:headEnd type="none" w="med" len="med"/>
-                      <a:tailEnd type="none" w="med" len="med"/>
-                    </a:lnR>
-                    <a:lnT w="12700" cap="flat" cmpd="sng" algn="ctr">
-                      <a:solidFill>
-                        <a:schemeClr val="tx1"/>
-                      </a:solidFill>
-                      <a:prstDash val="solid"/>
-                      <a:round/>
-                      <a:headEnd type="none" w="med" len="med"/>
-                      <a:tailEnd type="none" w="med" len="med"/>
-                    </a:lnT>
-                    <a:lnB w="12700" cap="flat" cmpd="sng" algn="ctr">
-                      <a:solidFill>
-                        <a:schemeClr val="tx1"/>
-                      </a:solidFill>
-                      <a:prstDash val="solid"/>
-                      <a:round/>
-                      <a:headEnd type="none" w="med" len="med"/>
-                      <a:tailEnd type="none" w="med" len="med"/>
-                    </a:lnB>
-                  </a:tcPr>
-                </a:tc>
-                <a:tc>
-                  <a:txBody>
-                    <a:bodyPr/>
-                    <a:lstStyle/>
-                    <a:p>
-                      <a:pPr algn="ctr"/>
-                      <a:r>
-                        <a:rPr lang="en-US" dirty="0" smtClean="0"/>
-                        <a:t>0.498</a:t>
+                        <a:t>0.248</a:t>
+                      </a:r>
+                      <a:endParaRPr lang="en-US" dirty="0"/>
+                    </a:p>
+                  </a:txBody>
+                  <a:tcPr>
+                    <a:lnL w="12700" cap="flat" cmpd="sng" algn="ctr">
+                      <a:solidFill>
+                        <a:schemeClr val="tx1"/>
+                      </a:solidFill>
+                      <a:prstDash val="solid"/>
+                      <a:round/>
+                      <a:headEnd type="none" w="med" len="med"/>
+                      <a:tailEnd type="none" w="med" len="med"/>
+                    </a:lnL>
+                    <a:lnR w="12700" cap="flat" cmpd="sng" algn="ctr">
+                      <a:solidFill>
+                        <a:schemeClr val="tx1"/>
+                      </a:solidFill>
+                      <a:prstDash val="solid"/>
+                      <a:round/>
+                      <a:headEnd type="none" w="med" len="med"/>
+                      <a:tailEnd type="none" w="med" len="med"/>
+                    </a:lnR>
+                    <a:lnT w="12700" cap="flat" cmpd="sng" algn="ctr">
+                      <a:solidFill>
+                        <a:schemeClr val="tx1"/>
+                      </a:solidFill>
+                      <a:prstDash val="solid"/>
+                      <a:round/>
+                      <a:headEnd type="none" w="med" len="med"/>
+                      <a:tailEnd type="none" w="med" len="med"/>
+                    </a:lnT>
+                    <a:lnB w="12700" cap="flat" cmpd="sng" algn="ctr">
+                      <a:solidFill>
+                        <a:schemeClr val="tx1"/>
+                      </a:solidFill>
+                      <a:prstDash val="solid"/>
+                      <a:round/>
+                      <a:headEnd type="none" w="med" len="med"/>
+                      <a:tailEnd type="none" w="med" len="med"/>
+                    </a:lnB>
+                  </a:tcPr>
+                </a:tc>
+                <a:tc>
+                  <a:txBody>
+                    <a:bodyPr/>
+                    <a:lstStyle/>
+                    <a:p>
+                      <a:pPr algn="ctr"/>
+                      <a:r>
+                        <a:rPr lang="en-US" dirty="0" smtClean="0"/>
+                        <a:t>0.338</a:t>
+                      </a:r>
+                      <a:endParaRPr lang="en-US" dirty="0"/>
+                    </a:p>
+                  </a:txBody>
+                  <a:tcPr>
+                    <a:lnL w="12700" cap="flat" cmpd="sng" algn="ctr">
+                      <a:solidFill>
+                        <a:schemeClr val="tx1"/>
+                      </a:solidFill>
+                      <a:prstDash val="solid"/>
+                      <a:round/>
+                      <a:headEnd type="none" w="med" len="med"/>
+                      <a:tailEnd type="none" w="med" len="med"/>
+                    </a:lnL>
+                    <a:lnR w="12700" cap="flat" cmpd="sng" algn="ctr">
+                      <a:solidFill>
+                        <a:schemeClr val="tx1"/>
+                      </a:solidFill>
+                      <a:prstDash val="solid"/>
+                      <a:round/>
+                      <a:headEnd type="none" w="med" len="med"/>
+                      <a:tailEnd type="none" w="med" len="med"/>
+                    </a:lnR>
+                    <a:lnT w="12700" cap="flat" cmpd="sng" algn="ctr">
+                      <a:solidFill>
+                        <a:schemeClr val="tx1"/>
+                      </a:solidFill>
+                      <a:prstDash val="solid"/>
+                      <a:round/>
+                      <a:headEnd type="none" w="med" len="med"/>
+                      <a:tailEnd type="none" w="med" len="med"/>
+                    </a:lnT>
+                    <a:lnB w="12700" cap="flat" cmpd="sng" algn="ctr">
+                      <a:solidFill>
+                        <a:schemeClr val="tx1"/>
+                      </a:solidFill>
+                      <a:prstDash val="solid"/>
+                      <a:round/>
+                      <a:headEnd type="none" w="med" len="med"/>
+                      <a:tailEnd type="none" w="med" len="med"/>
+                    </a:lnB>
+                  </a:tcPr>
+                </a:tc>
+                <a:tc>
+                  <a:txBody>
+                    <a:bodyPr/>
+                    <a:lstStyle/>
+                    <a:p>
+                      <a:pPr algn="ctr"/>
+                      <a:r>
+                        <a:rPr lang="en-US" dirty="0" smtClean="0"/>
+                        <a:t>0.551</a:t>
                       </a:r>
                       <a:endParaRPr lang="en-US" dirty="0"/>
                     </a:p>
@@ -4309,8 +4314,8 @@
                     <a:p>
                       <a:pPr algn="ctr"/>
                       <a:r>
-                        <a:rPr lang="en-US" b="1" dirty="0" smtClean="0"/>
-                        <a:t>Random Forest</a:t>
+                        <a:rPr lang="en-US" b="1" dirty="0" err="1" smtClean="0"/>
+                        <a:t>Adaboost</a:t>
                       </a:r>
                       <a:endParaRPr lang="en-US" b="1" dirty="0"/>
                     </a:p>
@@ -4673,7 +4678,7 @@
                       <a:pPr algn="ctr"/>
                       <a:r>
                         <a:rPr lang="en-US" dirty="0" smtClean="0"/>
-                        <a:t>0.520</a:t>
+                        <a:t>0.522</a:t>
                       </a:r>
                       <a:endParaRPr lang="en-US" dirty="0"/>
                     </a:p>
@@ -4779,318 +4784,319 @@
                       <a:pPr algn="ctr"/>
                       <a:r>
                         <a:rPr lang="en-US" dirty="0" smtClean="0"/>
-                        <a:t>0.576</a:t>
-                      </a:r>
-                    </a:p>
-                  </a:txBody>
-                  <a:tcPr>
-                    <a:lnL w="12700" cap="flat" cmpd="sng" algn="ctr">
-                      <a:solidFill>
-                        <a:schemeClr val="tx1"/>
-                      </a:solidFill>
-                      <a:prstDash val="solid"/>
-                      <a:round/>
-                      <a:headEnd type="none" w="med" len="med"/>
-                      <a:tailEnd type="none" w="med" len="med"/>
-                    </a:lnL>
-                    <a:lnR w="12700" cap="flat" cmpd="sng" algn="ctr">
-                      <a:solidFill>
-                        <a:schemeClr val="tx1"/>
-                      </a:solidFill>
-                      <a:prstDash val="solid"/>
-                      <a:round/>
-                      <a:headEnd type="none" w="med" len="med"/>
-                      <a:tailEnd type="none" w="med" len="med"/>
-                    </a:lnR>
-                    <a:lnT w="12700" cap="flat" cmpd="sng" algn="ctr">
-                      <a:solidFill>
-                        <a:schemeClr val="tx1"/>
-                      </a:solidFill>
-                      <a:prstDash val="solid"/>
-                      <a:round/>
-                      <a:headEnd type="none" w="med" len="med"/>
-                      <a:tailEnd type="none" w="med" len="med"/>
-                    </a:lnT>
-                    <a:lnB w="12700" cap="flat" cmpd="sng" algn="ctr">
-                      <a:solidFill>
-                        <a:schemeClr val="tx1"/>
-                      </a:solidFill>
-                      <a:prstDash val="solid"/>
-                      <a:round/>
-                      <a:headEnd type="none" w="med" len="med"/>
-                      <a:tailEnd type="none" w="med" len="med"/>
-                    </a:lnB>
-                  </a:tcPr>
-                </a:tc>
-                <a:tc>
-                  <a:txBody>
-                    <a:bodyPr/>
-                    <a:lstStyle/>
-                    <a:p>
-                      <a:pPr algn="ctr"/>
-                      <a:r>
-                        <a:rPr lang="en-US" dirty="0" smtClean="0"/>
-                        <a:t>0.832</a:t>
-                      </a:r>
-                      <a:endParaRPr lang="en-US" dirty="0"/>
-                    </a:p>
-                  </a:txBody>
-                  <a:tcPr>
-                    <a:lnL w="12700" cap="flat" cmpd="sng" algn="ctr">
-                      <a:solidFill>
-                        <a:schemeClr val="tx1"/>
-                      </a:solidFill>
-                      <a:prstDash val="solid"/>
-                      <a:round/>
-                      <a:headEnd type="none" w="med" len="med"/>
-                      <a:tailEnd type="none" w="med" len="med"/>
-                    </a:lnL>
-                    <a:lnR w="12700" cap="flat" cmpd="sng" algn="ctr">
-                      <a:solidFill>
-                        <a:schemeClr val="tx1"/>
-                      </a:solidFill>
-                      <a:prstDash val="solid"/>
-                      <a:round/>
-                      <a:headEnd type="none" w="med" len="med"/>
-                      <a:tailEnd type="none" w="med" len="med"/>
-                    </a:lnR>
-                    <a:lnT w="12700" cap="flat" cmpd="sng" algn="ctr">
-                      <a:solidFill>
-                        <a:schemeClr val="tx1"/>
-                      </a:solidFill>
-                      <a:prstDash val="solid"/>
-                      <a:round/>
-                      <a:headEnd type="none" w="med" len="med"/>
-                      <a:tailEnd type="none" w="med" len="med"/>
-                    </a:lnT>
-                    <a:lnB w="12700" cap="flat" cmpd="sng" algn="ctr">
-                      <a:solidFill>
-                        <a:schemeClr val="tx1"/>
-                      </a:solidFill>
-                      <a:prstDash val="solid"/>
-                      <a:round/>
-                      <a:headEnd type="none" w="med" len="med"/>
-                      <a:tailEnd type="none" w="med" len="med"/>
-                    </a:lnB>
-                  </a:tcPr>
-                </a:tc>
-                <a:tc>
-                  <a:txBody>
-                    <a:bodyPr/>
-                    <a:lstStyle/>
-                    <a:p>
-                      <a:pPr algn="ctr"/>
-                      <a:r>
-                        <a:rPr lang="en-US" dirty="0" smtClean="0"/>
-                        <a:t>0.669</a:t>
-                      </a:r>
-                      <a:endParaRPr lang="en-US" dirty="0"/>
-                    </a:p>
-                  </a:txBody>
-                  <a:tcPr>
-                    <a:lnL w="12700" cap="flat" cmpd="sng" algn="ctr">
-                      <a:solidFill>
-                        <a:schemeClr val="tx1"/>
-                      </a:solidFill>
-                      <a:prstDash val="solid"/>
-                      <a:round/>
-                      <a:headEnd type="none" w="med" len="med"/>
-                      <a:tailEnd type="none" w="med" len="med"/>
-                    </a:lnL>
-                    <a:lnR w="12700" cap="flat" cmpd="sng" algn="ctr">
-                      <a:solidFill>
-                        <a:schemeClr val="tx1"/>
-                      </a:solidFill>
-                      <a:prstDash val="solid"/>
-                      <a:round/>
-                      <a:headEnd type="none" w="med" len="med"/>
-                      <a:tailEnd type="none" w="med" len="med"/>
-                    </a:lnR>
-                    <a:lnT w="12700" cap="flat" cmpd="sng" algn="ctr">
-                      <a:solidFill>
-                        <a:schemeClr val="tx1"/>
-                      </a:solidFill>
-                      <a:prstDash val="solid"/>
-                      <a:round/>
-                      <a:headEnd type="none" w="med" len="med"/>
-                      <a:tailEnd type="none" w="med" len="med"/>
-                    </a:lnT>
-                    <a:lnB w="12700" cap="flat" cmpd="sng" algn="ctr">
-                      <a:solidFill>
-                        <a:schemeClr val="tx1"/>
-                      </a:solidFill>
-                      <a:prstDash val="solid"/>
-                      <a:round/>
-                      <a:headEnd type="none" w="med" len="med"/>
-                      <a:tailEnd type="none" w="med" len="med"/>
-                    </a:lnB>
-                  </a:tcPr>
-                </a:tc>
-                <a:tc>
-                  <a:txBody>
-                    <a:bodyPr/>
-                    <a:lstStyle/>
-                    <a:p>
-                      <a:pPr algn="ctr"/>
-                      <a:r>
-                        <a:rPr lang="en-US" dirty="0" smtClean="0"/>
-                        <a:t>0.517</a:t>
-                      </a:r>
-                      <a:endParaRPr lang="en-US" dirty="0"/>
-                    </a:p>
-                  </a:txBody>
-                  <a:tcPr>
-                    <a:lnL w="12700" cap="flat" cmpd="sng" algn="ctr">
-                      <a:solidFill>
-                        <a:schemeClr val="tx1"/>
-                      </a:solidFill>
-                      <a:prstDash val="solid"/>
-                      <a:round/>
-                      <a:headEnd type="none" w="med" len="med"/>
-                      <a:tailEnd type="none" w="med" len="med"/>
-                    </a:lnL>
-                    <a:lnR w="12700" cap="flat" cmpd="sng" algn="ctr">
-                      <a:solidFill>
-                        <a:schemeClr val="tx1"/>
-                      </a:solidFill>
-                      <a:prstDash val="solid"/>
-                      <a:round/>
-                      <a:headEnd type="none" w="med" len="med"/>
-                      <a:tailEnd type="none" w="med" len="med"/>
-                    </a:lnR>
-                    <a:lnT w="12700" cap="flat" cmpd="sng" algn="ctr">
-                      <a:solidFill>
-                        <a:schemeClr val="tx1"/>
-                      </a:solidFill>
-                      <a:prstDash val="solid"/>
-                      <a:round/>
-                      <a:headEnd type="none" w="med" len="med"/>
-                      <a:tailEnd type="none" w="med" len="med"/>
-                    </a:lnT>
-                    <a:lnB w="12700" cap="flat" cmpd="sng" algn="ctr">
-                      <a:solidFill>
-                        <a:schemeClr val="tx1"/>
-                      </a:solidFill>
-                      <a:prstDash val="solid"/>
-                      <a:round/>
-                      <a:headEnd type="none" w="med" len="med"/>
-                      <a:tailEnd type="none" w="med" len="med"/>
-                    </a:lnB>
-                  </a:tcPr>
-                </a:tc>
-                <a:tc>
-                  <a:txBody>
-                    <a:bodyPr/>
-                    <a:lstStyle/>
-                    <a:p>
-                      <a:pPr algn="ctr"/>
-                      <a:r>
-                        <a:rPr lang="en-US" dirty="0" smtClean="0"/>
-                        <a:t>0.238</a:t>
-                      </a:r>
-                      <a:endParaRPr lang="en-US" dirty="0"/>
-                    </a:p>
-                  </a:txBody>
-                  <a:tcPr>
-                    <a:lnL w="12700" cap="flat" cmpd="sng" algn="ctr">
-                      <a:solidFill>
-                        <a:schemeClr val="tx1"/>
-                      </a:solidFill>
-                      <a:prstDash val="solid"/>
-                      <a:round/>
-                      <a:headEnd type="none" w="med" len="med"/>
-                      <a:tailEnd type="none" w="med" len="med"/>
-                    </a:lnL>
-                    <a:lnR w="12700" cap="flat" cmpd="sng" algn="ctr">
-                      <a:solidFill>
-                        <a:schemeClr val="tx1"/>
-                      </a:solidFill>
-                      <a:prstDash val="solid"/>
-                      <a:round/>
-                      <a:headEnd type="none" w="med" len="med"/>
-                      <a:tailEnd type="none" w="med" len="med"/>
-                    </a:lnR>
-                    <a:lnT w="12700" cap="flat" cmpd="sng" algn="ctr">
-                      <a:solidFill>
-                        <a:schemeClr val="tx1"/>
-                      </a:solidFill>
-                      <a:prstDash val="solid"/>
-                      <a:round/>
-                      <a:headEnd type="none" w="med" len="med"/>
-                      <a:tailEnd type="none" w="med" len="med"/>
-                    </a:lnT>
-                    <a:lnB w="12700" cap="flat" cmpd="sng" algn="ctr">
-                      <a:solidFill>
-                        <a:schemeClr val="tx1"/>
-                      </a:solidFill>
-                      <a:prstDash val="solid"/>
-                      <a:round/>
-                      <a:headEnd type="none" w="med" len="med"/>
-                      <a:tailEnd type="none" w="med" len="med"/>
-                    </a:lnB>
-                  </a:tcPr>
-                </a:tc>
-                <a:tc>
-                  <a:txBody>
-                    <a:bodyPr/>
-                    <a:lstStyle/>
-                    <a:p>
-                      <a:pPr algn="ctr"/>
-                      <a:r>
-                        <a:rPr lang="en-US" dirty="0" smtClean="0"/>
-                        <a:t>0.32</a:t>
-                      </a:r>
-                      <a:endParaRPr lang="en-US" dirty="0"/>
-                    </a:p>
-                  </a:txBody>
-                  <a:tcPr>
-                    <a:lnL w="12700" cap="flat" cmpd="sng" algn="ctr">
-                      <a:solidFill>
-                        <a:schemeClr val="tx1"/>
-                      </a:solidFill>
-                      <a:prstDash val="solid"/>
-                      <a:round/>
-                      <a:headEnd type="none" w="med" len="med"/>
-                      <a:tailEnd type="none" w="med" len="med"/>
-                    </a:lnL>
-                    <a:lnR w="12700" cap="flat" cmpd="sng" algn="ctr">
-                      <a:solidFill>
-                        <a:schemeClr val="tx1"/>
-                      </a:solidFill>
-                      <a:prstDash val="solid"/>
-                      <a:round/>
-                      <a:headEnd type="none" w="med" len="med"/>
-                      <a:tailEnd type="none" w="med" len="med"/>
-                    </a:lnR>
-                    <a:lnT w="12700" cap="flat" cmpd="sng" algn="ctr">
-                      <a:solidFill>
-                        <a:schemeClr val="tx1"/>
-                      </a:solidFill>
-                      <a:prstDash val="solid"/>
-                      <a:round/>
-                      <a:headEnd type="none" w="med" len="med"/>
-                      <a:tailEnd type="none" w="med" len="med"/>
-                    </a:lnT>
-                    <a:lnB w="12700" cap="flat" cmpd="sng" algn="ctr">
-                      <a:solidFill>
-                        <a:schemeClr val="tx1"/>
-                      </a:solidFill>
-                      <a:prstDash val="solid"/>
-                      <a:round/>
-                      <a:headEnd type="none" w="med" len="med"/>
-                      <a:tailEnd type="none" w="med" len="med"/>
-                    </a:lnB>
-                  </a:tcPr>
-                </a:tc>
-                <a:tc>
-                  <a:txBody>
-                    <a:bodyPr/>
-                    <a:lstStyle/>
-                    <a:p>
-                      <a:pPr algn="ctr"/>
-                      <a:r>
-                        <a:rPr lang="en-US" dirty="0" smtClean="0"/>
-                        <a:t>0.57</a:t>
+                        <a:t>0.582</a:t>
+                      </a:r>
+                      <a:endParaRPr lang="en-US" dirty="0" smtClean="0"/>
+                    </a:p>
+                  </a:txBody>
+                  <a:tcPr>
+                    <a:lnL w="12700" cap="flat" cmpd="sng" algn="ctr">
+                      <a:solidFill>
+                        <a:schemeClr val="tx1"/>
+                      </a:solidFill>
+                      <a:prstDash val="solid"/>
+                      <a:round/>
+                      <a:headEnd type="none" w="med" len="med"/>
+                      <a:tailEnd type="none" w="med" len="med"/>
+                    </a:lnL>
+                    <a:lnR w="12700" cap="flat" cmpd="sng" algn="ctr">
+                      <a:solidFill>
+                        <a:schemeClr val="tx1"/>
+                      </a:solidFill>
+                      <a:prstDash val="solid"/>
+                      <a:round/>
+                      <a:headEnd type="none" w="med" len="med"/>
+                      <a:tailEnd type="none" w="med" len="med"/>
+                    </a:lnR>
+                    <a:lnT w="12700" cap="flat" cmpd="sng" algn="ctr">
+                      <a:solidFill>
+                        <a:schemeClr val="tx1"/>
+                      </a:solidFill>
+                      <a:prstDash val="solid"/>
+                      <a:round/>
+                      <a:headEnd type="none" w="med" len="med"/>
+                      <a:tailEnd type="none" w="med" len="med"/>
+                    </a:lnT>
+                    <a:lnB w="12700" cap="flat" cmpd="sng" algn="ctr">
+                      <a:solidFill>
+                        <a:schemeClr val="tx1"/>
+                      </a:solidFill>
+                      <a:prstDash val="solid"/>
+                      <a:round/>
+                      <a:headEnd type="none" w="med" len="med"/>
+                      <a:tailEnd type="none" w="med" len="med"/>
+                    </a:lnB>
+                  </a:tcPr>
+                </a:tc>
+                <a:tc>
+                  <a:txBody>
+                    <a:bodyPr/>
+                    <a:lstStyle/>
+                    <a:p>
+                      <a:pPr algn="ctr"/>
+                      <a:r>
+                        <a:rPr lang="en-US" dirty="0" smtClean="0"/>
+                        <a:t>0.882</a:t>
+                      </a:r>
+                      <a:endParaRPr lang="en-US" dirty="0"/>
+                    </a:p>
+                  </a:txBody>
+                  <a:tcPr>
+                    <a:lnL w="12700" cap="flat" cmpd="sng" algn="ctr">
+                      <a:solidFill>
+                        <a:schemeClr val="tx1"/>
+                      </a:solidFill>
+                      <a:prstDash val="solid"/>
+                      <a:round/>
+                      <a:headEnd type="none" w="med" len="med"/>
+                      <a:tailEnd type="none" w="med" len="med"/>
+                    </a:lnL>
+                    <a:lnR w="12700" cap="flat" cmpd="sng" algn="ctr">
+                      <a:solidFill>
+                        <a:schemeClr val="tx1"/>
+                      </a:solidFill>
+                      <a:prstDash val="solid"/>
+                      <a:round/>
+                      <a:headEnd type="none" w="med" len="med"/>
+                      <a:tailEnd type="none" w="med" len="med"/>
+                    </a:lnR>
+                    <a:lnT w="12700" cap="flat" cmpd="sng" algn="ctr">
+                      <a:solidFill>
+                        <a:schemeClr val="tx1"/>
+                      </a:solidFill>
+                      <a:prstDash val="solid"/>
+                      <a:round/>
+                      <a:headEnd type="none" w="med" len="med"/>
+                      <a:tailEnd type="none" w="med" len="med"/>
+                    </a:lnT>
+                    <a:lnB w="12700" cap="flat" cmpd="sng" algn="ctr">
+                      <a:solidFill>
+                        <a:schemeClr val="tx1"/>
+                      </a:solidFill>
+                      <a:prstDash val="solid"/>
+                      <a:round/>
+                      <a:headEnd type="none" w="med" len="med"/>
+                      <a:tailEnd type="none" w="med" len="med"/>
+                    </a:lnB>
+                  </a:tcPr>
+                </a:tc>
+                <a:tc>
+                  <a:txBody>
+                    <a:bodyPr/>
+                    <a:lstStyle/>
+                    <a:p>
+                      <a:pPr algn="ctr"/>
+                      <a:r>
+                        <a:rPr lang="en-US" dirty="0" smtClean="0"/>
+                        <a:t>0.685</a:t>
+                      </a:r>
+                      <a:endParaRPr lang="en-US" dirty="0"/>
+                    </a:p>
+                  </a:txBody>
+                  <a:tcPr>
+                    <a:lnL w="12700" cap="flat" cmpd="sng" algn="ctr">
+                      <a:solidFill>
+                        <a:schemeClr val="tx1"/>
+                      </a:solidFill>
+                      <a:prstDash val="solid"/>
+                      <a:round/>
+                      <a:headEnd type="none" w="med" len="med"/>
+                      <a:tailEnd type="none" w="med" len="med"/>
+                    </a:lnL>
+                    <a:lnR w="12700" cap="flat" cmpd="sng" algn="ctr">
+                      <a:solidFill>
+                        <a:schemeClr val="tx1"/>
+                      </a:solidFill>
+                      <a:prstDash val="solid"/>
+                      <a:round/>
+                      <a:headEnd type="none" w="med" len="med"/>
+                      <a:tailEnd type="none" w="med" len="med"/>
+                    </a:lnR>
+                    <a:lnT w="12700" cap="flat" cmpd="sng" algn="ctr">
+                      <a:solidFill>
+                        <a:schemeClr val="tx1"/>
+                      </a:solidFill>
+                      <a:prstDash val="solid"/>
+                      <a:round/>
+                      <a:headEnd type="none" w="med" len="med"/>
+                      <a:tailEnd type="none" w="med" len="med"/>
+                    </a:lnT>
+                    <a:lnB w="12700" cap="flat" cmpd="sng" algn="ctr">
+                      <a:solidFill>
+                        <a:schemeClr val="tx1"/>
+                      </a:solidFill>
+                      <a:prstDash val="solid"/>
+                      <a:round/>
+                      <a:headEnd type="none" w="med" len="med"/>
+                      <a:tailEnd type="none" w="med" len="med"/>
+                    </a:lnB>
+                  </a:tcPr>
+                </a:tc>
+                <a:tc>
+                  <a:txBody>
+                    <a:bodyPr/>
+                    <a:lstStyle/>
+                    <a:p>
+                      <a:pPr algn="ctr"/>
+                      <a:r>
+                        <a:rPr lang="en-US" dirty="0" smtClean="0"/>
+                        <a:t>0.625</a:t>
+                      </a:r>
+                      <a:endParaRPr lang="en-US" dirty="0"/>
+                    </a:p>
+                  </a:txBody>
+                  <a:tcPr>
+                    <a:lnL w="12700" cap="flat" cmpd="sng" algn="ctr">
+                      <a:solidFill>
+                        <a:schemeClr val="tx1"/>
+                      </a:solidFill>
+                      <a:prstDash val="solid"/>
+                      <a:round/>
+                      <a:headEnd type="none" w="med" len="med"/>
+                      <a:tailEnd type="none" w="med" len="med"/>
+                    </a:lnL>
+                    <a:lnR w="12700" cap="flat" cmpd="sng" algn="ctr">
+                      <a:solidFill>
+                        <a:schemeClr val="tx1"/>
+                      </a:solidFill>
+                      <a:prstDash val="solid"/>
+                      <a:round/>
+                      <a:headEnd type="none" w="med" len="med"/>
+                      <a:tailEnd type="none" w="med" len="med"/>
+                    </a:lnR>
+                    <a:lnT w="12700" cap="flat" cmpd="sng" algn="ctr">
+                      <a:solidFill>
+                        <a:schemeClr val="tx1"/>
+                      </a:solidFill>
+                      <a:prstDash val="solid"/>
+                      <a:round/>
+                      <a:headEnd type="none" w="med" len="med"/>
+                      <a:tailEnd type="none" w="med" len="med"/>
+                    </a:lnT>
+                    <a:lnB w="12700" cap="flat" cmpd="sng" algn="ctr">
+                      <a:solidFill>
+                        <a:schemeClr val="tx1"/>
+                      </a:solidFill>
+                      <a:prstDash val="solid"/>
+                      <a:round/>
+                      <a:headEnd type="none" w="med" len="med"/>
+                      <a:tailEnd type="none" w="med" len="med"/>
+                    </a:lnB>
+                  </a:tcPr>
+                </a:tc>
+                <a:tc>
+                  <a:txBody>
+                    <a:bodyPr/>
+                    <a:lstStyle/>
+                    <a:p>
+                      <a:pPr algn="ctr"/>
+                      <a:r>
+                        <a:rPr lang="en-US" dirty="0" smtClean="0"/>
+                        <a:t>0.263</a:t>
+                      </a:r>
+                      <a:endParaRPr lang="en-US" dirty="0"/>
+                    </a:p>
+                  </a:txBody>
+                  <a:tcPr>
+                    <a:lnL w="12700" cap="flat" cmpd="sng" algn="ctr">
+                      <a:solidFill>
+                        <a:schemeClr val="tx1"/>
+                      </a:solidFill>
+                      <a:prstDash val="solid"/>
+                      <a:round/>
+                      <a:headEnd type="none" w="med" len="med"/>
+                      <a:tailEnd type="none" w="med" len="med"/>
+                    </a:lnL>
+                    <a:lnR w="12700" cap="flat" cmpd="sng" algn="ctr">
+                      <a:solidFill>
+                        <a:schemeClr val="tx1"/>
+                      </a:solidFill>
+                      <a:prstDash val="solid"/>
+                      <a:round/>
+                      <a:headEnd type="none" w="med" len="med"/>
+                      <a:tailEnd type="none" w="med" len="med"/>
+                    </a:lnR>
+                    <a:lnT w="12700" cap="flat" cmpd="sng" algn="ctr">
+                      <a:solidFill>
+                        <a:schemeClr val="tx1"/>
+                      </a:solidFill>
+                      <a:prstDash val="solid"/>
+                      <a:round/>
+                      <a:headEnd type="none" w="med" len="med"/>
+                      <a:tailEnd type="none" w="med" len="med"/>
+                    </a:lnT>
+                    <a:lnB w="12700" cap="flat" cmpd="sng" algn="ctr">
+                      <a:solidFill>
+                        <a:schemeClr val="tx1"/>
+                      </a:solidFill>
+                      <a:prstDash val="solid"/>
+                      <a:round/>
+                      <a:headEnd type="none" w="med" len="med"/>
+                      <a:tailEnd type="none" w="med" len="med"/>
+                    </a:lnB>
+                  </a:tcPr>
+                </a:tc>
+                <a:tc>
+                  <a:txBody>
+                    <a:bodyPr/>
+                    <a:lstStyle/>
+                    <a:p>
+                      <a:pPr algn="ctr"/>
+                      <a:r>
+                        <a:rPr lang="en-US" dirty="0" smtClean="0"/>
+                        <a:t>0.365</a:t>
+                      </a:r>
+                      <a:endParaRPr lang="en-US" dirty="0"/>
+                    </a:p>
+                  </a:txBody>
+                  <a:tcPr>
+                    <a:lnL w="12700" cap="flat" cmpd="sng" algn="ctr">
+                      <a:solidFill>
+                        <a:schemeClr val="tx1"/>
+                      </a:solidFill>
+                      <a:prstDash val="solid"/>
+                      <a:round/>
+                      <a:headEnd type="none" w="med" len="med"/>
+                      <a:tailEnd type="none" w="med" len="med"/>
+                    </a:lnL>
+                    <a:lnR w="12700" cap="flat" cmpd="sng" algn="ctr">
+                      <a:solidFill>
+                        <a:schemeClr val="tx1"/>
+                      </a:solidFill>
+                      <a:prstDash val="solid"/>
+                      <a:round/>
+                      <a:headEnd type="none" w="med" len="med"/>
+                      <a:tailEnd type="none" w="med" len="med"/>
+                    </a:lnR>
+                    <a:lnT w="12700" cap="flat" cmpd="sng" algn="ctr">
+                      <a:solidFill>
+                        <a:schemeClr val="tx1"/>
+                      </a:solidFill>
+                      <a:prstDash val="solid"/>
+                      <a:round/>
+                      <a:headEnd type="none" w="med" len="med"/>
+                      <a:tailEnd type="none" w="med" len="med"/>
+                    </a:lnT>
+                    <a:lnB w="12700" cap="flat" cmpd="sng" algn="ctr">
+                      <a:solidFill>
+                        <a:schemeClr val="tx1"/>
+                      </a:solidFill>
+                      <a:prstDash val="solid"/>
+                      <a:round/>
+                      <a:headEnd type="none" w="med" len="med"/>
+                      <a:tailEnd type="none" w="med" len="med"/>
+                    </a:lnB>
+                  </a:tcPr>
+                </a:tc>
+                <a:tc>
+                  <a:txBody>
+                    <a:bodyPr/>
+                    <a:lstStyle/>
+                    <a:p>
+                      <a:pPr algn="ctr"/>
+                      <a:r>
+                        <a:rPr lang="en-US" dirty="0" smtClean="0"/>
+                        <a:t>0.565</a:t>
                       </a:r>
                       <a:endParaRPr lang="en-US" dirty="0"/>
                     </a:p>
@@ -5196,7 +5202,7 @@
                       <a:pPr algn="ctr"/>
                       <a:r>
                         <a:rPr lang="en-US" dirty="0" smtClean="0"/>
-                        <a:t>0.632</a:t>
+                        <a:t>0.628</a:t>
                       </a:r>
                       <a:endParaRPr lang="en-US" dirty="0"/>
                     </a:p>
@@ -5300,215 +5306,215 @@
                       <a:pPr algn="ctr"/>
                       <a:r>
                         <a:rPr lang="en-US" dirty="0" smtClean="0"/>
-                        <a:t>0.677</a:t>
-                      </a:r>
-                      <a:endParaRPr lang="en-US" dirty="0"/>
-                    </a:p>
-                  </a:txBody>
-                  <a:tcPr>
-                    <a:lnL w="12700" cap="flat" cmpd="sng" algn="ctr">
-                      <a:solidFill>
-                        <a:schemeClr val="tx1"/>
-                      </a:solidFill>
-                      <a:prstDash val="solid"/>
-                      <a:round/>
-                      <a:headEnd type="none" w="med" len="med"/>
-                      <a:tailEnd type="none" w="med" len="med"/>
-                    </a:lnL>
-                    <a:lnR w="12700" cap="flat" cmpd="sng" algn="ctr">
-                      <a:solidFill>
-                        <a:schemeClr val="tx1"/>
-                      </a:solidFill>
-                      <a:prstDash val="solid"/>
-                      <a:round/>
-                      <a:headEnd type="none" w="med" len="med"/>
-                      <a:tailEnd type="none" w="med" len="med"/>
-                    </a:lnR>
-                    <a:lnT w="12700" cap="flat" cmpd="sng" algn="ctr">
-                      <a:solidFill>
-                        <a:schemeClr val="tx1"/>
-                      </a:solidFill>
-                      <a:prstDash val="solid"/>
-                      <a:round/>
-                      <a:headEnd type="none" w="med" len="med"/>
-                      <a:tailEnd type="none" w="med" len="med"/>
-                    </a:lnT>
-                    <a:lnB w="12700" cap="flat" cmpd="sng" algn="ctr">
-                      <a:solidFill>
-                        <a:schemeClr val="tx1"/>
-                      </a:solidFill>
-                      <a:prstDash val="solid"/>
-                      <a:round/>
-                      <a:headEnd type="none" w="med" len="med"/>
-                      <a:tailEnd type="none" w="med" len="med"/>
-                    </a:lnB>
-                  </a:tcPr>
-                </a:tc>
-                <a:tc>
-                  <a:txBody>
-                    <a:bodyPr/>
-                    <a:lstStyle/>
-                    <a:p>
-                      <a:pPr algn="ctr"/>
-                      <a:r>
-                        <a:rPr lang="en-US" dirty="0" smtClean="0"/>
-                        <a:t>0.476</a:t>
-                      </a:r>
-                      <a:endParaRPr lang="en-US" dirty="0"/>
-                    </a:p>
-                  </a:txBody>
-                  <a:tcPr>
-                    <a:lnL w="12700" cap="flat" cmpd="sng" algn="ctr">
-                      <a:solidFill>
-                        <a:schemeClr val="tx1"/>
-                      </a:solidFill>
-                      <a:prstDash val="solid"/>
-                      <a:round/>
-                      <a:headEnd type="none" w="med" len="med"/>
-                      <a:tailEnd type="none" w="med" len="med"/>
-                    </a:lnL>
-                    <a:lnR w="12700" cap="flat" cmpd="sng" algn="ctr">
-                      <a:solidFill>
-                        <a:schemeClr val="tx1"/>
-                      </a:solidFill>
-                      <a:prstDash val="solid"/>
-                      <a:round/>
-                      <a:headEnd type="none" w="med" len="med"/>
-                      <a:tailEnd type="none" w="med" len="med"/>
-                    </a:lnR>
-                    <a:lnT w="12700" cap="flat" cmpd="sng" algn="ctr">
-                      <a:solidFill>
-                        <a:schemeClr val="tx1"/>
-                      </a:solidFill>
-                      <a:prstDash val="solid"/>
-                      <a:round/>
-                      <a:headEnd type="none" w="med" len="med"/>
-                      <a:tailEnd type="none" w="med" len="med"/>
-                    </a:lnT>
-                    <a:lnB w="12700" cap="flat" cmpd="sng" algn="ctr">
-                      <a:solidFill>
-                        <a:schemeClr val="tx1"/>
-                      </a:solidFill>
-                      <a:prstDash val="solid"/>
-                      <a:round/>
-                      <a:headEnd type="none" w="med" len="med"/>
-                      <a:tailEnd type="none" w="med" len="med"/>
-                    </a:lnB>
-                  </a:tcPr>
-                </a:tc>
-                <a:tc>
-                  <a:txBody>
-                    <a:bodyPr/>
-                    <a:lstStyle/>
-                    <a:p>
-                      <a:pPr algn="ctr"/>
-                      <a:r>
-                        <a:rPr lang="en-US" dirty="0" smtClean="0"/>
-                        <a:t>0.403</a:t>
-                      </a:r>
-                      <a:endParaRPr lang="en-US" dirty="0"/>
-                    </a:p>
-                  </a:txBody>
-                  <a:tcPr>
-                    <a:lnL w="12700" cap="flat" cmpd="sng" algn="ctr">
-                      <a:solidFill>
-                        <a:schemeClr val="tx1"/>
-                      </a:solidFill>
-                      <a:prstDash val="solid"/>
-                      <a:round/>
-                      <a:headEnd type="none" w="med" len="med"/>
-                      <a:tailEnd type="none" w="med" len="med"/>
-                    </a:lnL>
-                    <a:lnR w="12700" cap="flat" cmpd="sng" algn="ctr">
-                      <a:solidFill>
-                        <a:schemeClr val="tx1"/>
-                      </a:solidFill>
-                      <a:prstDash val="solid"/>
-                      <a:round/>
-                      <a:headEnd type="none" w="med" len="med"/>
-                      <a:tailEnd type="none" w="med" len="med"/>
-                    </a:lnR>
-                    <a:lnT w="12700" cap="flat" cmpd="sng" algn="ctr">
-                      <a:solidFill>
-                        <a:schemeClr val="tx1"/>
-                      </a:solidFill>
-                      <a:prstDash val="solid"/>
-                      <a:round/>
-                      <a:headEnd type="none" w="med" len="med"/>
-                      <a:tailEnd type="none" w="med" len="med"/>
-                    </a:lnT>
-                    <a:lnB w="12700" cap="flat" cmpd="sng" algn="ctr">
-                      <a:solidFill>
-                        <a:schemeClr val="tx1"/>
-                      </a:solidFill>
-                      <a:prstDash val="solid"/>
-                      <a:round/>
-                      <a:headEnd type="none" w="med" len="med"/>
-                      <a:tailEnd type="none" w="med" len="med"/>
-                    </a:lnB>
-                  </a:tcPr>
-                </a:tc>
-                <a:tc>
-                  <a:txBody>
-                    <a:bodyPr/>
-                    <a:lstStyle/>
-                    <a:p>
-                      <a:pPr algn="ctr"/>
-                      <a:r>
-                        <a:rPr lang="en-US" dirty="0" smtClean="0"/>
-                        <a:t>0.432</a:t>
-                      </a:r>
-                      <a:endParaRPr lang="en-US" dirty="0"/>
-                    </a:p>
-                  </a:txBody>
-                  <a:tcPr>
-                    <a:lnL w="12700" cap="flat" cmpd="sng" algn="ctr">
-                      <a:solidFill>
-                        <a:schemeClr val="tx1"/>
-                      </a:solidFill>
-                      <a:prstDash val="solid"/>
-                      <a:round/>
-                      <a:headEnd type="none" w="med" len="med"/>
-                      <a:tailEnd type="none" w="med" len="med"/>
-                    </a:lnL>
-                    <a:lnR w="12700" cap="flat" cmpd="sng" algn="ctr">
-                      <a:solidFill>
-                        <a:schemeClr val="tx1"/>
-                      </a:solidFill>
-                      <a:prstDash val="solid"/>
-                      <a:round/>
-                      <a:headEnd type="none" w="med" len="med"/>
-                      <a:tailEnd type="none" w="med" len="med"/>
-                    </a:lnR>
-                    <a:lnT w="12700" cap="flat" cmpd="sng" algn="ctr">
-                      <a:solidFill>
-                        <a:schemeClr val="tx1"/>
-                      </a:solidFill>
-                      <a:prstDash val="solid"/>
-                      <a:round/>
-                      <a:headEnd type="none" w="med" len="med"/>
-                      <a:tailEnd type="none" w="med" len="med"/>
-                    </a:lnT>
-                    <a:lnB w="12700" cap="flat" cmpd="sng" algn="ctr">
-                      <a:solidFill>
-                        <a:schemeClr val="tx1"/>
-                      </a:solidFill>
-                      <a:prstDash val="solid"/>
-                      <a:round/>
-                      <a:headEnd type="none" w="med" len="med"/>
-                      <a:tailEnd type="none" w="med" len="med"/>
-                    </a:lnB>
-                  </a:tcPr>
-                </a:tc>
-                <a:tc>
-                  <a:txBody>
-                    <a:bodyPr/>
-                    <a:lstStyle/>
-                    <a:p>
-                      <a:pPr algn="ctr"/>
-                      <a:r>
-                        <a:rPr lang="en-US" dirty="0" smtClean="0"/>
-                        <a:t>0.575</a:t>
+                        <a:t>0.673</a:t>
+                      </a:r>
+                      <a:endParaRPr lang="en-US" dirty="0"/>
+                    </a:p>
+                  </a:txBody>
+                  <a:tcPr>
+                    <a:lnL w="12700" cap="flat" cmpd="sng" algn="ctr">
+                      <a:solidFill>
+                        <a:schemeClr val="tx1"/>
+                      </a:solidFill>
+                      <a:prstDash val="solid"/>
+                      <a:round/>
+                      <a:headEnd type="none" w="med" len="med"/>
+                      <a:tailEnd type="none" w="med" len="med"/>
+                    </a:lnL>
+                    <a:lnR w="12700" cap="flat" cmpd="sng" algn="ctr">
+                      <a:solidFill>
+                        <a:schemeClr val="tx1"/>
+                      </a:solidFill>
+                      <a:prstDash val="solid"/>
+                      <a:round/>
+                      <a:headEnd type="none" w="med" len="med"/>
+                      <a:tailEnd type="none" w="med" len="med"/>
+                    </a:lnR>
+                    <a:lnT w="12700" cap="flat" cmpd="sng" algn="ctr">
+                      <a:solidFill>
+                        <a:schemeClr val="tx1"/>
+                      </a:solidFill>
+                      <a:prstDash val="solid"/>
+                      <a:round/>
+                      <a:headEnd type="none" w="med" len="med"/>
+                      <a:tailEnd type="none" w="med" len="med"/>
+                    </a:lnT>
+                    <a:lnB w="12700" cap="flat" cmpd="sng" algn="ctr">
+                      <a:solidFill>
+                        <a:schemeClr val="tx1"/>
+                      </a:solidFill>
+                      <a:prstDash val="solid"/>
+                      <a:round/>
+                      <a:headEnd type="none" w="med" len="med"/>
+                      <a:tailEnd type="none" w="med" len="med"/>
+                    </a:lnB>
+                  </a:tcPr>
+                </a:tc>
+                <a:tc>
+                  <a:txBody>
+                    <a:bodyPr/>
+                    <a:lstStyle/>
+                    <a:p>
+                      <a:pPr algn="ctr"/>
+                      <a:r>
+                        <a:rPr lang="en-US" dirty="0" smtClean="0"/>
+                        <a:t>0.465</a:t>
+                      </a:r>
+                      <a:endParaRPr lang="en-US" dirty="0"/>
+                    </a:p>
+                  </a:txBody>
+                  <a:tcPr>
+                    <a:lnL w="12700" cap="flat" cmpd="sng" algn="ctr">
+                      <a:solidFill>
+                        <a:schemeClr val="tx1"/>
+                      </a:solidFill>
+                      <a:prstDash val="solid"/>
+                      <a:round/>
+                      <a:headEnd type="none" w="med" len="med"/>
+                      <a:tailEnd type="none" w="med" len="med"/>
+                    </a:lnL>
+                    <a:lnR w="12700" cap="flat" cmpd="sng" algn="ctr">
+                      <a:solidFill>
+                        <a:schemeClr val="tx1"/>
+                      </a:solidFill>
+                      <a:prstDash val="solid"/>
+                      <a:round/>
+                      <a:headEnd type="none" w="med" len="med"/>
+                      <a:tailEnd type="none" w="med" len="med"/>
+                    </a:lnR>
+                    <a:lnT w="12700" cap="flat" cmpd="sng" algn="ctr">
+                      <a:solidFill>
+                        <a:schemeClr val="tx1"/>
+                      </a:solidFill>
+                      <a:prstDash val="solid"/>
+                      <a:round/>
+                      <a:headEnd type="none" w="med" len="med"/>
+                      <a:tailEnd type="none" w="med" len="med"/>
+                    </a:lnT>
+                    <a:lnB w="12700" cap="flat" cmpd="sng" algn="ctr">
+                      <a:solidFill>
+                        <a:schemeClr val="tx1"/>
+                      </a:solidFill>
+                      <a:prstDash val="solid"/>
+                      <a:round/>
+                      <a:headEnd type="none" w="med" len="med"/>
+                      <a:tailEnd type="none" w="med" len="med"/>
+                    </a:lnB>
+                  </a:tcPr>
+                </a:tc>
+                <a:tc>
+                  <a:txBody>
+                    <a:bodyPr/>
+                    <a:lstStyle/>
+                    <a:p>
+                      <a:pPr algn="ctr"/>
+                      <a:r>
+                        <a:rPr lang="en-US" dirty="0" smtClean="0"/>
+                        <a:t>0.404</a:t>
+                      </a:r>
+                      <a:endParaRPr lang="en-US" dirty="0"/>
+                    </a:p>
+                  </a:txBody>
+                  <a:tcPr>
+                    <a:lnL w="12700" cap="flat" cmpd="sng" algn="ctr">
+                      <a:solidFill>
+                        <a:schemeClr val="tx1"/>
+                      </a:solidFill>
+                      <a:prstDash val="solid"/>
+                      <a:round/>
+                      <a:headEnd type="none" w="med" len="med"/>
+                      <a:tailEnd type="none" w="med" len="med"/>
+                    </a:lnL>
+                    <a:lnR w="12700" cap="flat" cmpd="sng" algn="ctr">
+                      <a:solidFill>
+                        <a:schemeClr val="tx1"/>
+                      </a:solidFill>
+                      <a:prstDash val="solid"/>
+                      <a:round/>
+                      <a:headEnd type="none" w="med" len="med"/>
+                      <a:tailEnd type="none" w="med" len="med"/>
+                    </a:lnR>
+                    <a:lnT w="12700" cap="flat" cmpd="sng" algn="ctr">
+                      <a:solidFill>
+                        <a:schemeClr val="tx1"/>
+                      </a:solidFill>
+                      <a:prstDash val="solid"/>
+                      <a:round/>
+                      <a:headEnd type="none" w="med" len="med"/>
+                      <a:tailEnd type="none" w="med" len="med"/>
+                    </a:lnT>
+                    <a:lnB w="12700" cap="flat" cmpd="sng" algn="ctr">
+                      <a:solidFill>
+                        <a:schemeClr val="tx1"/>
+                      </a:solidFill>
+                      <a:prstDash val="solid"/>
+                      <a:round/>
+                      <a:headEnd type="none" w="med" len="med"/>
+                      <a:tailEnd type="none" w="med" len="med"/>
+                    </a:lnB>
+                  </a:tcPr>
+                </a:tc>
+                <a:tc>
+                  <a:txBody>
+                    <a:bodyPr/>
+                    <a:lstStyle/>
+                    <a:p>
+                      <a:pPr algn="ctr"/>
+                      <a:r>
+                        <a:rPr lang="en-US" dirty="0" smtClean="0"/>
+                        <a:t>0.431</a:t>
+                      </a:r>
+                      <a:endParaRPr lang="en-US" dirty="0"/>
+                    </a:p>
+                  </a:txBody>
+                  <a:tcPr>
+                    <a:lnL w="12700" cap="flat" cmpd="sng" algn="ctr">
+                      <a:solidFill>
+                        <a:schemeClr val="tx1"/>
+                      </a:solidFill>
+                      <a:prstDash val="solid"/>
+                      <a:round/>
+                      <a:headEnd type="none" w="med" len="med"/>
+                      <a:tailEnd type="none" w="med" len="med"/>
+                    </a:lnL>
+                    <a:lnR w="12700" cap="flat" cmpd="sng" algn="ctr">
+                      <a:solidFill>
+                        <a:schemeClr val="tx1"/>
+                      </a:solidFill>
+                      <a:prstDash val="solid"/>
+                      <a:round/>
+                      <a:headEnd type="none" w="med" len="med"/>
+                      <a:tailEnd type="none" w="med" len="med"/>
+                    </a:lnR>
+                    <a:lnT w="12700" cap="flat" cmpd="sng" algn="ctr">
+                      <a:solidFill>
+                        <a:schemeClr val="tx1"/>
+                      </a:solidFill>
+                      <a:prstDash val="solid"/>
+                      <a:round/>
+                      <a:headEnd type="none" w="med" len="med"/>
+                      <a:tailEnd type="none" w="med" len="med"/>
+                    </a:lnT>
+                    <a:lnB w="12700" cap="flat" cmpd="sng" algn="ctr">
+                      <a:solidFill>
+                        <a:schemeClr val="tx1"/>
+                      </a:solidFill>
+                      <a:prstDash val="solid"/>
+                      <a:round/>
+                      <a:headEnd type="none" w="med" len="med"/>
+                      <a:tailEnd type="none" w="med" len="med"/>
+                    </a:lnB>
+                  </a:tcPr>
+                </a:tc>
+                <a:tc>
+                  <a:txBody>
+                    <a:bodyPr/>
+                    <a:lstStyle/>
+                    <a:p>
+                      <a:pPr algn="ctr"/>
+                      <a:r>
+                        <a:rPr lang="en-US" dirty="0" smtClean="0"/>
+                        <a:t>0.557</a:t>
                       </a:r>
                       <a:endParaRPr lang="en-US" dirty="0"/>
                     </a:p>
@@ -5562,15 +5568,7 @@
                       <a:pPr algn="ctr"/>
                       <a:r>
                         <a:rPr lang="en-US" b="1" dirty="0" smtClean="0"/>
-                        <a:t>Naïve </a:t>
-                      </a:r>
-                      <a:r>
-                        <a:rPr lang="en-US" b="1" dirty="0" smtClean="0"/>
-                        <a:t>Bayes </a:t>
-                      </a:r>
-                      <a:r>
-                        <a:rPr lang="en-US" b="1" dirty="0" smtClean="0"/>
-                        <a:t>Bigram</a:t>
+                        <a:t>Naïve Bayes Bigram</a:t>
                       </a:r>
                       <a:endParaRPr lang="en-US" b="1" dirty="0"/>
                     </a:p>
@@ -5622,58 +5620,59 @@
                       <a:pPr algn="ctr"/>
                       <a:r>
                         <a:rPr lang="en-US" dirty="0" smtClean="0"/>
-                        <a:t>0.599</a:t>
-                      </a:r>
-                    </a:p>
-                  </a:txBody>
-                  <a:tcPr>
-                    <a:lnL w="12700" cap="flat" cmpd="sng" algn="ctr">
-                      <a:solidFill>
-                        <a:schemeClr val="tx1"/>
-                      </a:solidFill>
-                      <a:prstDash val="solid"/>
-                      <a:round/>
-                      <a:headEnd type="none" w="med" len="med"/>
-                      <a:tailEnd type="none" w="med" len="med"/>
-                    </a:lnL>
-                    <a:lnR w="12700" cap="flat" cmpd="sng" algn="ctr">
-                      <a:solidFill>
-                        <a:schemeClr val="tx1"/>
-                      </a:solidFill>
-                      <a:prstDash val="solid"/>
-                      <a:round/>
-                      <a:headEnd type="none" w="med" len="med"/>
-                      <a:tailEnd type="none" w="med" len="med"/>
-                    </a:lnR>
-                    <a:lnT w="12700" cap="flat" cmpd="sng" algn="ctr">
-                      <a:solidFill>
-                        <a:schemeClr val="tx1"/>
-                      </a:solidFill>
-                      <a:prstDash val="solid"/>
-                      <a:round/>
-                      <a:headEnd type="none" w="med" len="med"/>
-                      <a:tailEnd type="none" w="med" len="med"/>
-                    </a:lnT>
-                    <a:lnB w="12700" cap="flat" cmpd="sng" algn="ctr">
-                      <a:solidFill>
-                        <a:schemeClr val="tx1"/>
-                      </a:solidFill>
-                      <a:prstDash val="solid"/>
-                      <a:round/>
-                      <a:headEnd type="none" w="med" len="med"/>
-                      <a:tailEnd type="none" w="med" len="med"/>
-                    </a:lnB>
-                  </a:tcPr>
-                </a:tc>
-                <a:tc>
-                  <a:txBody>
-                    <a:bodyPr/>
-                    <a:lstStyle/>
-                    <a:p>
-                      <a:pPr algn="ctr"/>
-                      <a:r>
-                        <a:rPr lang="en-US" dirty="0" smtClean="0"/>
-                        <a:t>0.725</a:t>
+                        <a:t>0.60</a:t>
+                      </a:r>
+                      <a:endParaRPr lang="en-US" dirty="0" smtClean="0"/>
+                    </a:p>
+                  </a:txBody>
+                  <a:tcPr>
+                    <a:lnL w="12700" cap="flat" cmpd="sng" algn="ctr">
+                      <a:solidFill>
+                        <a:schemeClr val="tx1"/>
+                      </a:solidFill>
+                      <a:prstDash val="solid"/>
+                      <a:round/>
+                      <a:headEnd type="none" w="med" len="med"/>
+                      <a:tailEnd type="none" w="med" len="med"/>
+                    </a:lnL>
+                    <a:lnR w="12700" cap="flat" cmpd="sng" algn="ctr">
+                      <a:solidFill>
+                        <a:schemeClr val="tx1"/>
+                      </a:solidFill>
+                      <a:prstDash val="solid"/>
+                      <a:round/>
+                      <a:headEnd type="none" w="med" len="med"/>
+                      <a:tailEnd type="none" w="med" len="med"/>
+                    </a:lnR>
+                    <a:lnT w="12700" cap="flat" cmpd="sng" algn="ctr">
+                      <a:solidFill>
+                        <a:schemeClr val="tx1"/>
+                      </a:solidFill>
+                      <a:prstDash val="solid"/>
+                      <a:round/>
+                      <a:headEnd type="none" w="med" len="med"/>
+                      <a:tailEnd type="none" w="med" len="med"/>
+                    </a:lnT>
+                    <a:lnB w="12700" cap="flat" cmpd="sng" algn="ctr">
+                      <a:solidFill>
+                        <a:schemeClr val="tx1"/>
+                      </a:solidFill>
+                      <a:prstDash val="solid"/>
+                      <a:round/>
+                      <a:headEnd type="none" w="med" len="med"/>
+                      <a:tailEnd type="none" w="med" len="med"/>
+                    </a:lnB>
+                  </a:tcPr>
+                </a:tc>
+                <a:tc>
+                  <a:txBody>
+                    <a:bodyPr/>
+                    <a:lstStyle/>
+                    <a:p>
+                      <a:pPr algn="ctr"/>
+                      <a:r>
+                        <a:rPr lang="en-US" dirty="0" smtClean="0"/>
+                        <a:t>0.723</a:t>
                       </a:r>
                       <a:endParaRPr lang="en-US" dirty="0"/>
                     </a:p>
@@ -5777,163 +5776,163 @@
                       <a:pPr algn="ctr"/>
                       <a:r>
                         <a:rPr lang="en-US" dirty="0" smtClean="0"/>
-                        <a:t>0.485</a:t>
-                      </a:r>
-                      <a:endParaRPr lang="en-US" dirty="0"/>
-                    </a:p>
-                  </a:txBody>
-                  <a:tcPr>
-                    <a:lnL w="12700" cap="flat" cmpd="sng" algn="ctr">
-                      <a:solidFill>
-                        <a:schemeClr val="tx1"/>
-                      </a:solidFill>
-                      <a:prstDash val="solid"/>
-                      <a:round/>
-                      <a:headEnd type="none" w="med" len="med"/>
-                      <a:tailEnd type="none" w="med" len="med"/>
-                    </a:lnL>
-                    <a:lnR w="12700" cap="flat" cmpd="sng" algn="ctr">
-                      <a:solidFill>
-                        <a:schemeClr val="tx1"/>
-                      </a:solidFill>
-                      <a:prstDash val="solid"/>
-                      <a:round/>
-                      <a:headEnd type="none" w="med" len="med"/>
-                      <a:tailEnd type="none" w="med" len="med"/>
-                    </a:lnR>
-                    <a:lnT w="12700" cap="flat" cmpd="sng" algn="ctr">
-                      <a:solidFill>
-                        <a:schemeClr val="tx1"/>
-                      </a:solidFill>
-                      <a:prstDash val="solid"/>
-                      <a:round/>
-                      <a:headEnd type="none" w="med" len="med"/>
-                      <a:tailEnd type="none" w="med" len="med"/>
-                    </a:lnT>
-                    <a:lnB w="12700" cap="flat" cmpd="sng" algn="ctr">
-                      <a:solidFill>
-                        <a:schemeClr val="tx1"/>
-                      </a:solidFill>
-                      <a:prstDash val="solid"/>
-                      <a:round/>
-                      <a:headEnd type="none" w="med" len="med"/>
-                      <a:tailEnd type="none" w="med" len="med"/>
-                    </a:lnB>
-                  </a:tcPr>
-                </a:tc>
-                <a:tc>
-                  <a:txBody>
-                    <a:bodyPr/>
-                    <a:lstStyle/>
-                    <a:p>
-                      <a:pPr algn="ctr"/>
-                      <a:r>
-                        <a:rPr lang="en-US" dirty="0" smtClean="0"/>
-                        <a:t>0.359</a:t>
-                      </a:r>
-                      <a:endParaRPr lang="en-US" dirty="0"/>
-                    </a:p>
-                  </a:txBody>
-                  <a:tcPr>
-                    <a:lnL w="12700" cap="flat" cmpd="sng" algn="ctr">
-                      <a:solidFill>
-                        <a:schemeClr val="tx1"/>
-                      </a:solidFill>
-                      <a:prstDash val="solid"/>
-                      <a:round/>
-                      <a:headEnd type="none" w="med" len="med"/>
-                      <a:tailEnd type="none" w="med" len="med"/>
-                    </a:lnL>
-                    <a:lnR w="12700" cap="flat" cmpd="sng" algn="ctr">
-                      <a:solidFill>
-                        <a:schemeClr val="tx1"/>
-                      </a:solidFill>
-                      <a:prstDash val="solid"/>
-                      <a:round/>
-                      <a:headEnd type="none" w="med" len="med"/>
-                      <a:tailEnd type="none" w="med" len="med"/>
-                    </a:lnR>
-                    <a:lnT w="12700" cap="flat" cmpd="sng" algn="ctr">
-                      <a:solidFill>
-                        <a:schemeClr val="tx1"/>
-                      </a:solidFill>
-                      <a:prstDash val="solid"/>
-                      <a:round/>
-                      <a:headEnd type="none" w="med" len="med"/>
-                      <a:tailEnd type="none" w="med" len="med"/>
-                    </a:lnT>
-                    <a:lnB w="12700" cap="flat" cmpd="sng" algn="ctr">
-                      <a:solidFill>
-                        <a:schemeClr val="tx1"/>
-                      </a:solidFill>
-                      <a:prstDash val="solid"/>
-                      <a:round/>
-                      <a:headEnd type="none" w="med" len="med"/>
-                      <a:tailEnd type="none" w="med" len="med"/>
-                    </a:lnB>
-                  </a:tcPr>
-                </a:tc>
-                <a:tc>
-                  <a:txBody>
-                    <a:bodyPr/>
-                    <a:lstStyle/>
-                    <a:p>
-                      <a:pPr algn="ctr"/>
-                      <a:r>
-                        <a:rPr lang="en-US" dirty="0" smtClean="0"/>
-                        <a:t>0.41</a:t>
-                      </a:r>
-                      <a:endParaRPr lang="en-US" dirty="0"/>
-                    </a:p>
-                  </a:txBody>
-                  <a:tcPr>
-                    <a:lnL w="12700" cap="flat" cmpd="sng" algn="ctr">
-                      <a:solidFill>
-                        <a:schemeClr val="tx1"/>
-                      </a:solidFill>
-                      <a:prstDash val="solid"/>
-                      <a:round/>
-                      <a:headEnd type="none" w="med" len="med"/>
-                      <a:tailEnd type="none" w="med" len="med"/>
-                    </a:lnL>
-                    <a:lnR w="12700" cap="flat" cmpd="sng" algn="ctr">
-                      <a:solidFill>
-                        <a:schemeClr val="tx1"/>
-                      </a:solidFill>
-                      <a:prstDash val="solid"/>
-                      <a:round/>
-                      <a:headEnd type="none" w="med" len="med"/>
-                      <a:tailEnd type="none" w="med" len="med"/>
-                    </a:lnR>
-                    <a:lnT w="12700" cap="flat" cmpd="sng" algn="ctr">
-                      <a:solidFill>
-                        <a:schemeClr val="tx1"/>
-                      </a:solidFill>
-                      <a:prstDash val="solid"/>
-                      <a:round/>
-                      <a:headEnd type="none" w="med" len="med"/>
-                      <a:tailEnd type="none" w="med" len="med"/>
-                    </a:lnT>
-                    <a:lnB w="12700" cap="flat" cmpd="sng" algn="ctr">
-                      <a:solidFill>
-                        <a:schemeClr val="tx1"/>
-                      </a:solidFill>
-                      <a:prstDash val="solid"/>
-                      <a:round/>
-                      <a:headEnd type="none" w="med" len="med"/>
-                      <a:tailEnd type="none" w="med" len="med"/>
-                    </a:lnB>
-                  </a:tcPr>
-                </a:tc>
-                <a:tc>
-                  <a:txBody>
-                    <a:bodyPr/>
-                    <a:lstStyle/>
-                    <a:p>
-                      <a:pPr algn="ctr"/>
-                      <a:r>
-                        <a:rPr lang="en-US" dirty="0" smtClean="0"/>
-                        <a:t>0.545</a:t>
+                        <a:t>0.489</a:t>
+                      </a:r>
+                      <a:endParaRPr lang="en-US" dirty="0"/>
+                    </a:p>
+                  </a:txBody>
+                  <a:tcPr>
+                    <a:lnL w="12700" cap="flat" cmpd="sng" algn="ctr">
+                      <a:solidFill>
+                        <a:schemeClr val="tx1"/>
+                      </a:solidFill>
+                      <a:prstDash val="solid"/>
+                      <a:round/>
+                      <a:headEnd type="none" w="med" len="med"/>
+                      <a:tailEnd type="none" w="med" len="med"/>
+                    </a:lnL>
+                    <a:lnR w="12700" cap="flat" cmpd="sng" algn="ctr">
+                      <a:solidFill>
+                        <a:schemeClr val="tx1"/>
+                      </a:solidFill>
+                      <a:prstDash val="solid"/>
+                      <a:round/>
+                      <a:headEnd type="none" w="med" len="med"/>
+                      <a:tailEnd type="none" w="med" len="med"/>
+                    </a:lnR>
+                    <a:lnT w="12700" cap="flat" cmpd="sng" algn="ctr">
+                      <a:solidFill>
+                        <a:schemeClr val="tx1"/>
+                      </a:solidFill>
+                      <a:prstDash val="solid"/>
+                      <a:round/>
+                      <a:headEnd type="none" w="med" len="med"/>
+                      <a:tailEnd type="none" w="med" len="med"/>
+                    </a:lnT>
+                    <a:lnB w="12700" cap="flat" cmpd="sng" algn="ctr">
+                      <a:solidFill>
+                        <a:schemeClr val="tx1"/>
+                      </a:solidFill>
+                      <a:prstDash val="solid"/>
+                      <a:round/>
+                      <a:headEnd type="none" w="med" len="med"/>
+                      <a:tailEnd type="none" w="med" len="med"/>
+                    </a:lnB>
+                  </a:tcPr>
+                </a:tc>
+                <a:tc>
+                  <a:txBody>
+                    <a:bodyPr/>
+                    <a:lstStyle/>
+                    <a:p>
+                      <a:pPr algn="ctr"/>
+                      <a:r>
+                        <a:rPr lang="en-US" dirty="0" smtClean="0"/>
+                        <a:t>0.356</a:t>
+                      </a:r>
+                      <a:endParaRPr lang="en-US" dirty="0"/>
+                    </a:p>
+                  </a:txBody>
+                  <a:tcPr>
+                    <a:lnL w="12700" cap="flat" cmpd="sng" algn="ctr">
+                      <a:solidFill>
+                        <a:schemeClr val="tx1"/>
+                      </a:solidFill>
+                      <a:prstDash val="solid"/>
+                      <a:round/>
+                      <a:headEnd type="none" w="med" len="med"/>
+                      <a:tailEnd type="none" w="med" len="med"/>
+                    </a:lnL>
+                    <a:lnR w="12700" cap="flat" cmpd="sng" algn="ctr">
+                      <a:solidFill>
+                        <a:schemeClr val="tx1"/>
+                      </a:solidFill>
+                      <a:prstDash val="solid"/>
+                      <a:round/>
+                      <a:headEnd type="none" w="med" len="med"/>
+                      <a:tailEnd type="none" w="med" len="med"/>
+                    </a:lnR>
+                    <a:lnT w="12700" cap="flat" cmpd="sng" algn="ctr">
+                      <a:solidFill>
+                        <a:schemeClr val="tx1"/>
+                      </a:solidFill>
+                      <a:prstDash val="solid"/>
+                      <a:round/>
+                      <a:headEnd type="none" w="med" len="med"/>
+                      <a:tailEnd type="none" w="med" len="med"/>
+                    </a:lnT>
+                    <a:lnB w="12700" cap="flat" cmpd="sng" algn="ctr">
+                      <a:solidFill>
+                        <a:schemeClr val="tx1"/>
+                      </a:solidFill>
+                      <a:prstDash val="solid"/>
+                      <a:round/>
+                      <a:headEnd type="none" w="med" len="med"/>
+                      <a:tailEnd type="none" w="med" len="med"/>
+                    </a:lnB>
+                  </a:tcPr>
+                </a:tc>
+                <a:tc>
+                  <a:txBody>
+                    <a:bodyPr/>
+                    <a:lstStyle/>
+                    <a:p>
+                      <a:pPr algn="ctr"/>
+                      <a:r>
+                        <a:rPr lang="en-US" dirty="0" smtClean="0"/>
+                        <a:t>0.411</a:t>
+                      </a:r>
+                      <a:endParaRPr lang="en-US" dirty="0"/>
+                    </a:p>
+                  </a:txBody>
+                  <a:tcPr>
+                    <a:lnL w="12700" cap="flat" cmpd="sng" algn="ctr">
+                      <a:solidFill>
+                        <a:schemeClr val="tx1"/>
+                      </a:solidFill>
+                      <a:prstDash val="solid"/>
+                      <a:round/>
+                      <a:headEnd type="none" w="med" len="med"/>
+                      <a:tailEnd type="none" w="med" len="med"/>
+                    </a:lnL>
+                    <a:lnR w="12700" cap="flat" cmpd="sng" algn="ctr">
+                      <a:solidFill>
+                        <a:schemeClr val="tx1"/>
+                      </a:solidFill>
+                      <a:prstDash val="solid"/>
+                      <a:round/>
+                      <a:headEnd type="none" w="med" len="med"/>
+                      <a:tailEnd type="none" w="med" len="med"/>
+                    </a:lnR>
+                    <a:lnT w="12700" cap="flat" cmpd="sng" algn="ctr">
+                      <a:solidFill>
+                        <a:schemeClr val="tx1"/>
+                      </a:solidFill>
+                      <a:prstDash val="solid"/>
+                      <a:round/>
+                      <a:headEnd type="none" w="med" len="med"/>
+                      <a:tailEnd type="none" w="med" len="med"/>
+                    </a:lnT>
+                    <a:lnB w="12700" cap="flat" cmpd="sng" algn="ctr">
+                      <a:solidFill>
+                        <a:schemeClr val="tx1"/>
+                      </a:solidFill>
+                      <a:prstDash val="solid"/>
+                      <a:round/>
+                      <a:headEnd type="none" w="med" len="med"/>
+                      <a:tailEnd type="none" w="med" len="med"/>
+                    </a:lnB>
+                  </a:tcPr>
+                </a:tc>
+                <a:tc>
+                  <a:txBody>
+                    <a:bodyPr/>
+                    <a:lstStyle/>
+                    <a:p>
+                      <a:pPr algn="ctr"/>
+                      <a:r>
+                        <a:rPr lang="en-US" dirty="0" smtClean="0"/>
+                        <a:t>0.544</a:t>
                       </a:r>
                       <a:endParaRPr lang="en-US" dirty="0"/>
                     </a:p>
@@ -6037,12 +6036,13 @@
                     <a:p>
                       <a:r>
                         <a:rPr lang="en-US" dirty="0" smtClean="0"/>
-                        <a:t>0.609</a:t>
-                      </a:r>
-                    </a:p>
-                    <a:p>
+                        <a:t>0.610</a:t>
+                      </a:r>
                       <a:endParaRPr lang="en-US" dirty="0" smtClean="0"/>
                     </a:p>
+                    <a:p>
+                      <a:endParaRPr lang="en-US" dirty="0" smtClean="0"/>
+                    </a:p>
                   </a:txBody>
                   <a:tcPr>
                     <a:lnL w="12700" cap="flat" cmpd="sng" algn="ctr">
@@ -6141,7 +6141,7 @@
                     <a:p>
                       <a:r>
                         <a:rPr lang="en-US" dirty="0" smtClean="0"/>
-                        <a:t>0.683</a:t>
+                        <a:t>0.684</a:t>
                       </a:r>
                       <a:endParaRPr lang="en-US" dirty="0"/>
                     </a:p>
@@ -6345,7 +6345,2057 @@
                     <a:p>
                       <a:r>
                         <a:rPr lang="en-US" dirty="0" smtClean="0"/>
-                        <a:t>0.574</a:t>
+                        <a:t>0.575</a:t>
+                      </a:r>
+                      <a:endParaRPr lang="en-US" dirty="0"/>
+                    </a:p>
+                  </a:txBody>
+                  <a:tcPr>
+                    <a:lnL w="12700" cap="flat" cmpd="sng" algn="ctr">
+                      <a:solidFill>
+                        <a:schemeClr val="tx1"/>
+                      </a:solidFill>
+                      <a:prstDash val="solid"/>
+                      <a:round/>
+                      <a:headEnd type="none" w="med" len="med"/>
+                      <a:tailEnd type="none" w="med" len="med"/>
+                    </a:lnL>
+                    <a:lnR w="12700" cap="flat" cmpd="sng" algn="ctr">
+                      <a:solidFill>
+                        <a:schemeClr val="tx1"/>
+                      </a:solidFill>
+                      <a:prstDash val="solid"/>
+                      <a:round/>
+                      <a:headEnd type="none" w="med" len="med"/>
+                      <a:tailEnd type="none" w="med" len="med"/>
+                    </a:lnR>
+                    <a:lnT w="12700" cap="flat" cmpd="sng" algn="ctr">
+                      <a:solidFill>
+                        <a:schemeClr val="tx1"/>
+                      </a:solidFill>
+                      <a:prstDash val="solid"/>
+                      <a:round/>
+                      <a:headEnd type="none" w="med" len="med"/>
+                      <a:tailEnd type="none" w="med" len="med"/>
+                    </a:lnT>
+                    <a:lnB w="12700" cap="flat" cmpd="sng" algn="ctr">
+                      <a:solidFill>
+                        <a:schemeClr val="tx1"/>
+                      </a:solidFill>
+                      <a:prstDash val="solid"/>
+                      <a:round/>
+                      <a:headEnd type="none" w="med" len="med"/>
+                      <a:tailEnd type="none" w="med" len="med"/>
+                    </a:lnB>
+                  </a:tcPr>
+                </a:tc>
+              </a:tr>
+              <a:tr h="447605">
+                <a:tc>
+                  <a:txBody>
+                    <a:bodyPr/>
+                    <a:lstStyle/>
+                    <a:p>
+                      <a:r>
+                        <a:rPr lang="en-US" b="1" dirty="0" smtClean="0"/>
+                        <a:t>Naïve Bayes Trigram</a:t>
+                      </a:r>
+                      <a:endParaRPr lang="en-US" b="1" dirty="0"/>
+                    </a:p>
+                  </a:txBody>
+                  <a:tcPr>
+                    <a:lnL w="12700" cap="flat" cmpd="sng" algn="ctr">
+                      <a:solidFill>
+                        <a:schemeClr val="tx1"/>
+                      </a:solidFill>
+                      <a:prstDash val="solid"/>
+                      <a:round/>
+                      <a:headEnd type="none" w="med" len="med"/>
+                      <a:tailEnd type="none" w="med" len="med"/>
+                    </a:lnL>
+                    <a:lnR w="12700" cap="flat" cmpd="sng" algn="ctr">
+                      <a:solidFill>
+                        <a:schemeClr val="tx1"/>
+                      </a:solidFill>
+                      <a:prstDash val="solid"/>
+                      <a:round/>
+                      <a:headEnd type="none" w="med" len="med"/>
+                      <a:tailEnd type="none" w="med" len="med"/>
+                    </a:lnR>
+                    <a:lnT w="12700" cap="flat" cmpd="sng" algn="ctr">
+                      <a:solidFill>
+                        <a:schemeClr val="tx1"/>
+                      </a:solidFill>
+                      <a:prstDash val="solid"/>
+                      <a:round/>
+                      <a:headEnd type="none" w="med" len="med"/>
+                      <a:tailEnd type="none" w="med" len="med"/>
+                    </a:lnT>
+                    <a:lnB w="12700" cap="flat" cmpd="sng" algn="ctr">
+                      <a:solidFill>
+                        <a:schemeClr val="tx1"/>
+                      </a:solidFill>
+                      <a:prstDash val="solid"/>
+                      <a:round/>
+                      <a:headEnd type="none" w="med" len="med"/>
+                      <a:tailEnd type="none" w="med" len="med"/>
+                    </a:lnB>
+                  </a:tcPr>
+                </a:tc>
+                <a:tc>
+                  <a:txBody>
+                    <a:bodyPr/>
+                    <a:lstStyle/>
+                    <a:p>
+                      <a:r>
+                        <a:rPr lang="en-US" dirty="0" smtClean="0"/>
+                        <a:t>0.561</a:t>
+                      </a:r>
+                      <a:endParaRPr lang="en-US" dirty="0" smtClean="0"/>
+                    </a:p>
+                  </a:txBody>
+                  <a:tcPr>
+                    <a:lnL w="12700" cap="flat" cmpd="sng" algn="ctr">
+                      <a:solidFill>
+                        <a:schemeClr val="tx1"/>
+                      </a:solidFill>
+                      <a:prstDash val="solid"/>
+                      <a:round/>
+                      <a:headEnd type="none" w="med" len="med"/>
+                      <a:tailEnd type="none" w="med" len="med"/>
+                    </a:lnL>
+                    <a:lnR w="12700" cap="flat" cmpd="sng" algn="ctr">
+                      <a:solidFill>
+                        <a:schemeClr val="tx1"/>
+                      </a:solidFill>
+                      <a:prstDash val="solid"/>
+                      <a:round/>
+                      <a:headEnd type="none" w="med" len="med"/>
+                      <a:tailEnd type="none" w="med" len="med"/>
+                    </a:lnR>
+                    <a:lnT w="12700" cap="flat" cmpd="sng" algn="ctr">
+                      <a:solidFill>
+                        <a:schemeClr val="tx1"/>
+                      </a:solidFill>
+                      <a:prstDash val="solid"/>
+                      <a:round/>
+                      <a:headEnd type="none" w="med" len="med"/>
+                      <a:tailEnd type="none" w="med" len="med"/>
+                    </a:lnT>
+                    <a:lnB w="12700" cap="flat" cmpd="sng" algn="ctr">
+                      <a:solidFill>
+                        <a:schemeClr val="tx1"/>
+                      </a:solidFill>
+                      <a:prstDash val="solid"/>
+                      <a:round/>
+                      <a:headEnd type="none" w="med" len="med"/>
+                      <a:tailEnd type="none" w="med" len="med"/>
+                    </a:lnB>
+                  </a:tcPr>
+                </a:tc>
+                <a:tc>
+                  <a:txBody>
+                    <a:bodyPr/>
+                    <a:lstStyle/>
+                    <a:p>
+                      <a:r>
+                        <a:rPr lang="en-US" dirty="0" smtClean="0"/>
+                        <a:t>0.847</a:t>
+                      </a:r>
+                      <a:endParaRPr lang="en-US" dirty="0"/>
+                    </a:p>
+                  </a:txBody>
+                  <a:tcPr>
+                    <a:lnL w="12700" cap="flat" cmpd="sng" algn="ctr">
+                      <a:solidFill>
+                        <a:schemeClr val="tx1"/>
+                      </a:solidFill>
+                      <a:prstDash val="solid"/>
+                      <a:round/>
+                      <a:headEnd type="none" w="med" len="med"/>
+                      <a:tailEnd type="none" w="med" len="med"/>
+                    </a:lnL>
+                    <a:lnR w="12700" cap="flat" cmpd="sng" algn="ctr">
+                      <a:solidFill>
+                        <a:schemeClr val="tx1"/>
+                      </a:solidFill>
+                      <a:prstDash val="solid"/>
+                      <a:round/>
+                      <a:headEnd type="none" w="med" len="med"/>
+                      <a:tailEnd type="none" w="med" len="med"/>
+                    </a:lnR>
+                    <a:lnT w="12700" cap="flat" cmpd="sng" algn="ctr">
+                      <a:solidFill>
+                        <a:schemeClr val="tx1"/>
+                      </a:solidFill>
+                      <a:prstDash val="solid"/>
+                      <a:round/>
+                      <a:headEnd type="none" w="med" len="med"/>
+                      <a:tailEnd type="none" w="med" len="med"/>
+                    </a:lnT>
+                    <a:lnB w="12700" cap="flat" cmpd="sng" algn="ctr">
+                      <a:solidFill>
+                        <a:schemeClr val="tx1"/>
+                      </a:solidFill>
+                      <a:prstDash val="solid"/>
+                      <a:round/>
+                      <a:headEnd type="none" w="med" len="med"/>
+                      <a:tailEnd type="none" w="med" len="med"/>
+                    </a:lnB>
+                  </a:tcPr>
+                </a:tc>
+                <a:tc>
+                  <a:txBody>
+                    <a:bodyPr/>
+                    <a:lstStyle/>
+                    <a:p>
+                      <a:r>
+                        <a:rPr lang="en-US" dirty="0" smtClean="0"/>
+                        <a:t>0.672</a:t>
+                      </a:r>
+                      <a:endParaRPr lang="en-US" dirty="0"/>
+                    </a:p>
+                  </a:txBody>
+                  <a:tcPr>
+                    <a:lnL w="12700" cap="flat" cmpd="sng" algn="ctr">
+                      <a:solidFill>
+                        <a:schemeClr val="tx1"/>
+                      </a:solidFill>
+                      <a:prstDash val="solid"/>
+                      <a:round/>
+                      <a:headEnd type="none" w="med" len="med"/>
+                      <a:tailEnd type="none" w="med" len="med"/>
+                    </a:lnL>
+                    <a:lnR w="12700" cap="flat" cmpd="sng" algn="ctr">
+                      <a:solidFill>
+                        <a:schemeClr val="tx1"/>
+                      </a:solidFill>
+                      <a:prstDash val="solid"/>
+                      <a:round/>
+                      <a:headEnd type="none" w="med" len="med"/>
+                      <a:tailEnd type="none" w="med" len="med"/>
+                    </a:lnR>
+                    <a:lnT w="12700" cap="flat" cmpd="sng" algn="ctr">
+                      <a:solidFill>
+                        <a:schemeClr val="tx1"/>
+                      </a:solidFill>
+                      <a:prstDash val="solid"/>
+                      <a:round/>
+                      <a:headEnd type="none" w="med" len="med"/>
+                      <a:tailEnd type="none" w="med" len="med"/>
+                    </a:lnT>
+                    <a:lnB w="12700" cap="flat" cmpd="sng" algn="ctr">
+                      <a:solidFill>
+                        <a:schemeClr val="tx1"/>
+                      </a:solidFill>
+                      <a:prstDash val="solid"/>
+                      <a:round/>
+                      <a:headEnd type="none" w="med" len="med"/>
+                      <a:tailEnd type="none" w="med" len="med"/>
+                    </a:lnB>
+                  </a:tcPr>
+                </a:tc>
+                <a:tc>
+                  <a:txBody>
+                    <a:bodyPr/>
+                    <a:lstStyle/>
+                    <a:p>
+                      <a:r>
+                        <a:rPr lang="en-US" dirty="0" smtClean="0"/>
+                        <a:t>0.501</a:t>
+                      </a:r>
+                      <a:endParaRPr lang="en-US" dirty="0"/>
+                    </a:p>
+                  </a:txBody>
+                  <a:tcPr>
+                    <a:lnL w="12700" cap="flat" cmpd="sng" algn="ctr">
+                      <a:solidFill>
+                        <a:schemeClr val="tx1"/>
+                      </a:solidFill>
+                      <a:prstDash val="solid"/>
+                      <a:round/>
+                      <a:headEnd type="none" w="med" len="med"/>
+                      <a:tailEnd type="none" w="med" len="med"/>
+                    </a:lnL>
+                    <a:lnR w="12700" cap="flat" cmpd="sng" algn="ctr">
+                      <a:solidFill>
+                        <a:schemeClr val="tx1"/>
+                      </a:solidFill>
+                      <a:prstDash val="solid"/>
+                      <a:round/>
+                      <a:headEnd type="none" w="med" len="med"/>
+                      <a:tailEnd type="none" w="med" len="med"/>
+                    </a:lnR>
+                    <a:lnT w="12700" cap="flat" cmpd="sng" algn="ctr">
+                      <a:solidFill>
+                        <a:schemeClr val="tx1"/>
+                      </a:solidFill>
+                      <a:prstDash val="solid"/>
+                      <a:round/>
+                      <a:headEnd type="none" w="med" len="med"/>
+                      <a:tailEnd type="none" w="med" len="med"/>
+                    </a:lnT>
+                    <a:lnB w="12700" cap="flat" cmpd="sng" algn="ctr">
+                      <a:solidFill>
+                        <a:schemeClr val="tx1"/>
+                      </a:solidFill>
+                      <a:prstDash val="solid"/>
+                      <a:round/>
+                      <a:headEnd type="none" w="med" len="med"/>
+                      <a:tailEnd type="none" w="med" len="med"/>
+                    </a:lnB>
+                  </a:tcPr>
+                </a:tc>
+                <a:tc>
+                  <a:txBody>
+                    <a:bodyPr/>
+                    <a:lstStyle/>
+                    <a:p>
+                      <a:r>
+                        <a:rPr lang="en-US" dirty="0" smtClean="0"/>
+                        <a:t>0.248</a:t>
+                      </a:r>
+                      <a:endParaRPr lang="en-US" dirty="0"/>
+                    </a:p>
+                  </a:txBody>
+                  <a:tcPr>
+                    <a:lnL w="12700" cap="flat" cmpd="sng" algn="ctr">
+                      <a:solidFill>
+                        <a:schemeClr val="tx1"/>
+                      </a:solidFill>
+                      <a:prstDash val="solid"/>
+                      <a:round/>
+                      <a:headEnd type="none" w="med" len="med"/>
+                      <a:tailEnd type="none" w="med" len="med"/>
+                    </a:lnL>
+                    <a:lnR w="12700" cap="flat" cmpd="sng" algn="ctr">
+                      <a:solidFill>
+                        <a:schemeClr val="tx1"/>
+                      </a:solidFill>
+                      <a:prstDash val="solid"/>
+                      <a:round/>
+                      <a:headEnd type="none" w="med" len="med"/>
+                      <a:tailEnd type="none" w="med" len="med"/>
+                    </a:lnR>
+                    <a:lnT w="12700" cap="flat" cmpd="sng" algn="ctr">
+                      <a:solidFill>
+                        <a:schemeClr val="tx1"/>
+                      </a:solidFill>
+                      <a:prstDash val="solid"/>
+                      <a:round/>
+                      <a:headEnd type="none" w="med" len="med"/>
+                      <a:tailEnd type="none" w="med" len="med"/>
+                    </a:lnT>
+                    <a:lnB w="12700" cap="flat" cmpd="sng" algn="ctr">
+                      <a:solidFill>
+                        <a:schemeClr val="tx1"/>
+                      </a:solidFill>
+                      <a:prstDash val="solid"/>
+                      <a:round/>
+                      <a:headEnd type="none" w="med" len="med"/>
+                      <a:tailEnd type="none" w="med" len="med"/>
+                    </a:lnB>
+                  </a:tcPr>
+                </a:tc>
+                <a:tc>
+                  <a:txBody>
+                    <a:bodyPr/>
+                    <a:lstStyle/>
+                    <a:p>
+                      <a:r>
+                        <a:rPr lang="en-US" dirty="0" smtClean="0"/>
+                        <a:t>0.333</a:t>
+                      </a:r>
+                      <a:endParaRPr lang="en-US" dirty="0"/>
+                    </a:p>
+                  </a:txBody>
+                  <a:tcPr>
+                    <a:lnL w="12700" cap="flat" cmpd="sng" algn="ctr">
+                      <a:solidFill>
+                        <a:schemeClr val="tx1"/>
+                      </a:solidFill>
+                      <a:prstDash val="solid"/>
+                      <a:round/>
+                      <a:headEnd type="none" w="med" len="med"/>
+                      <a:tailEnd type="none" w="med" len="med"/>
+                    </a:lnL>
+                    <a:lnR w="12700" cap="flat" cmpd="sng" algn="ctr">
+                      <a:solidFill>
+                        <a:schemeClr val="tx1"/>
+                      </a:solidFill>
+                      <a:prstDash val="solid"/>
+                      <a:round/>
+                      <a:headEnd type="none" w="med" len="med"/>
+                      <a:tailEnd type="none" w="med" len="med"/>
+                    </a:lnR>
+                    <a:lnT w="12700" cap="flat" cmpd="sng" algn="ctr">
+                      <a:solidFill>
+                        <a:schemeClr val="tx1"/>
+                      </a:solidFill>
+                      <a:prstDash val="solid"/>
+                      <a:round/>
+                      <a:headEnd type="none" w="med" len="med"/>
+                      <a:tailEnd type="none" w="med" len="med"/>
+                    </a:lnT>
+                    <a:lnB w="12700" cap="flat" cmpd="sng" algn="ctr">
+                      <a:solidFill>
+                        <a:schemeClr val="tx1"/>
+                      </a:solidFill>
+                      <a:prstDash val="solid"/>
+                      <a:round/>
+                      <a:headEnd type="none" w="med" len="med"/>
+                      <a:tailEnd type="none" w="med" len="med"/>
+                    </a:lnB>
+                  </a:tcPr>
+                </a:tc>
+                <a:tc>
+                  <a:txBody>
+                    <a:bodyPr/>
+                    <a:lstStyle/>
+                    <a:p>
+                      <a:r>
+                        <a:rPr lang="en-US" dirty="0" smtClean="0"/>
+                        <a:t>0.543</a:t>
+                      </a:r>
+                      <a:endParaRPr lang="en-US" dirty="0"/>
+                    </a:p>
+                  </a:txBody>
+                  <a:tcPr>
+                    <a:lnL w="12700" cap="flat" cmpd="sng" algn="ctr">
+                      <a:solidFill>
+                        <a:schemeClr val="tx1"/>
+                      </a:solidFill>
+                      <a:prstDash val="solid"/>
+                      <a:round/>
+                      <a:headEnd type="none" w="med" len="med"/>
+                      <a:tailEnd type="none" w="med" len="med"/>
+                    </a:lnL>
+                    <a:lnR w="12700" cap="flat" cmpd="sng" algn="ctr">
+                      <a:solidFill>
+                        <a:schemeClr val="tx1"/>
+                      </a:solidFill>
+                      <a:prstDash val="solid"/>
+                      <a:round/>
+                      <a:headEnd type="none" w="med" len="med"/>
+                      <a:tailEnd type="none" w="med" len="med"/>
+                    </a:lnR>
+                    <a:lnT w="12700" cap="flat" cmpd="sng" algn="ctr">
+                      <a:solidFill>
+                        <a:schemeClr val="tx1"/>
+                      </a:solidFill>
+                      <a:prstDash val="solid"/>
+                      <a:round/>
+                      <a:headEnd type="none" w="med" len="med"/>
+                      <a:tailEnd type="none" w="med" len="med"/>
+                    </a:lnT>
+                    <a:lnB w="12700" cap="flat" cmpd="sng" algn="ctr">
+                      <a:solidFill>
+                        <a:schemeClr val="tx1"/>
+                      </a:solidFill>
+                      <a:prstDash val="solid"/>
+                      <a:round/>
+                      <a:headEnd type="none" w="med" len="med"/>
+                      <a:tailEnd type="none" w="med" len="med"/>
+                    </a:lnB>
+                  </a:tcPr>
+                </a:tc>
+              </a:tr>
+              <a:tr h="447605">
+                <a:tc>
+                  <a:txBody>
+                    <a:bodyPr/>
+                    <a:lstStyle/>
+                    <a:p>
+                      <a:r>
+                        <a:rPr lang="en-US" b="1" dirty="0" smtClean="0"/>
+                        <a:t>Decision trees</a:t>
+                      </a:r>
+                      <a:endParaRPr lang="en-US" b="1" dirty="0"/>
+                    </a:p>
+                  </a:txBody>
+                  <a:tcPr>
+                    <a:lnL w="12700" cap="flat" cmpd="sng" algn="ctr">
+                      <a:solidFill>
+                        <a:schemeClr val="tx1"/>
+                      </a:solidFill>
+                      <a:prstDash val="solid"/>
+                      <a:round/>
+                      <a:headEnd type="none" w="med" len="med"/>
+                      <a:tailEnd type="none" w="med" len="med"/>
+                    </a:lnL>
+                    <a:lnR w="12700" cap="flat" cmpd="sng" algn="ctr">
+                      <a:solidFill>
+                        <a:schemeClr val="tx1"/>
+                      </a:solidFill>
+                      <a:prstDash val="solid"/>
+                      <a:round/>
+                      <a:headEnd type="none" w="med" len="med"/>
+                      <a:tailEnd type="none" w="med" len="med"/>
+                    </a:lnR>
+                    <a:lnT w="12700" cap="flat" cmpd="sng" algn="ctr">
+                      <a:solidFill>
+                        <a:schemeClr val="tx1"/>
+                      </a:solidFill>
+                      <a:prstDash val="solid"/>
+                      <a:round/>
+                      <a:headEnd type="none" w="med" len="med"/>
+                      <a:tailEnd type="none" w="med" len="med"/>
+                    </a:lnT>
+                    <a:lnB w="12700" cap="flat" cmpd="sng" algn="ctr">
+                      <a:solidFill>
+                        <a:schemeClr val="tx1"/>
+                      </a:solidFill>
+                      <a:prstDash val="solid"/>
+                      <a:round/>
+                      <a:headEnd type="none" w="med" len="med"/>
+                      <a:tailEnd type="none" w="med" len="med"/>
+                    </a:lnB>
+                  </a:tcPr>
+                </a:tc>
+                <a:tc>
+                  <a:txBody>
+                    <a:bodyPr/>
+                    <a:lstStyle/>
+                    <a:p>
+                      <a:r>
+                        <a:rPr lang="en-US" dirty="0" smtClean="0"/>
+                        <a:t>0.589</a:t>
+                      </a:r>
+                      <a:endParaRPr lang="en-US" dirty="0" smtClean="0"/>
+                    </a:p>
+                  </a:txBody>
+                  <a:tcPr>
+                    <a:lnL w="12700" cap="flat" cmpd="sng" algn="ctr">
+                      <a:solidFill>
+                        <a:schemeClr val="tx1"/>
+                      </a:solidFill>
+                      <a:prstDash val="solid"/>
+                      <a:round/>
+                      <a:headEnd type="none" w="med" len="med"/>
+                      <a:tailEnd type="none" w="med" len="med"/>
+                    </a:lnL>
+                    <a:lnR w="12700" cap="flat" cmpd="sng" algn="ctr">
+                      <a:solidFill>
+                        <a:schemeClr val="tx1"/>
+                      </a:solidFill>
+                      <a:prstDash val="solid"/>
+                      <a:round/>
+                      <a:headEnd type="none" w="med" len="med"/>
+                      <a:tailEnd type="none" w="med" len="med"/>
+                    </a:lnR>
+                    <a:lnT w="12700" cap="flat" cmpd="sng" algn="ctr">
+                      <a:solidFill>
+                        <a:schemeClr val="tx1"/>
+                      </a:solidFill>
+                      <a:prstDash val="solid"/>
+                      <a:round/>
+                      <a:headEnd type="none" w="med" len="med"/>
+                      <a:tailEnd type="none" w="med" len="med"/>
+                    </a:lnT>
+                    <a:lnB w="12700" cap="flat" cmpd="sng" algn="ctr">
+                      <a:solidFill>
+                        <a:schemeClr val="tx1"/>
+                      </a:solidFill>
+                      <a:prstDash val="solid"/>
+                      <a:round/>
+                      <a:headEnd type="none" w="med" len="med"/>
+                      <a:tailEnd type="none" w="med" len="med"/>
+                    </a:lnB>
+                  </a:tcPr>
+                </a:tc>
+                <a:tc>
+                  <a:txBody>
+                    <a:bodyPr/>
+                    <a:lstStyle/>
+                    <a:p>
+                      <a:r>
+                        <a:rPr lang="en-US" dirty="0" smtClean="0"/>
+                        <a:t>0.642</a:t>
+                      </a:r>
+                      <a:endParaRPr lang="en-US" dirty="0"/>
+                    </a:p>
+                  </a:txBody>
+                  <a:tcPr>
+                    <a:lnL w="12700" cap="flat" cmpd="sng" algn="ctr">
+                      <a:solidFill>
+                        <a:schemeClr val="tx1"/>
+                      </a:solidFill>
+                      <a:prstDash val="solid"/>
+                      <a:round/>
+                      <a:headEnd type="none" w="med" len="med"/>
+                      <a:tailEnd type="none" w="med" len="med"/>
+                    </a:lnL>
+                    <a:lnR w="12700" cap="flat" cmpd="sng" algn="ctr">
+                      <a:solidFill>
+                        <a:schemeClr val="tx1"/>
+                      </a:solidFill>
+                      <a:prstDash val="solid"/>
+                      <a:round/>
+                      <a:headEnd type="none" w="med" len="med"/>
+                      <a:tailEnd type="none" w="med" len="med"/>
+                    </a:lnR>
+                    <a:lnT w="12700" cap="flat" cmpd="sng" algn="ctr">
+                      <a:solidFill>
+                        <a:schemeClr val="tx1"/>
+                      </a:solidFill>
+                      <a:prstDash val="solid"/>
+                      <a:round/>
+                      <a:headEnd type="none" w="med" len="med"/>
+                      <a:tailEnd type="none" w="med" len="med"/>
+                    </a:lnT>
+                    <a:lnB w="12700" cap="flat" cmpd="sng" algn="ctr">
+                      <a:solidFill>
+                        <a:schemeClr val="tx1"/>
+                      </a:solidFill>
+                      <a:prstDash val="solid"/>
+                      <a:round/>
+                      <a:headEnd type="none" w="med" len="med"/>
+                      <a:tailEnd type="none" w="med" len="med"/>
+                    </a:lnB>
+                  </a:tcPr>
+                </a:tc>
+                <a:tc>
+                  <a:txBody>
+                    <a:bodyPr/>
+                    <a:lstStyle/>
+                    <a:p>
+                      <a:r>
+                        <a:rPr lang="en-US" dirty="0" smtClean="0"/>
+                        <a:t>0.603</a:t>
+                      </a:r>
+                      <a:endParaRPr lang="en-US" dirty="0"/>
+                    </a:p>
+                  </a:txBody>
+                  <a:tcPr>
+                    <a:lnL w="12700" cap="flat" cmpd="sng" algn="ctr">
+                      <a:solidFill>
+                        <a:schemeClr val="tx1"/>
+                      </a:solidFill>
+                      <a:prstDash val="solid"/>
+                      <a:round/>
+                      <a:headEnd type="none" w="med" len="med"/>
+                      <a:tailEnd type="none" w="med" len="med"/>
+                    </a:lnL>
+                    <a:lnR w="12700" cap="flat" cmpd="sng" algn="ctr">
+                      <a:solidFill>
+                        <a:schemeClr val="tx1"/>
+                      </a:solidFill>
+                      <a:prstDash val="solid"/>
+                      <a:round/>
+                      <a:headEnd type="none" w="med" len="med"/>
+                      <a:tailEnd type="none" w="med" len="med"/>
+                    </a:lnR>
+                    <a:lnT w="12700" cap="flat" cmpd="sng" algn="ctr">
+                      <a:solidFill>
+                        <a:schemeClr val="tx1"/>
+                      </a:solidFill>
+                      <a:prstDash val="solid"/>
+                      <a:round/>
+                      <a:headEnd type="none" w="med" len="med"/>
+                      <a:tailEnd type="none" w="med" len="med"/>
+                    </a:lnT>
+                    <a:lnB w="12700" cap="flat" cmpd="sng" algn="ctr">
+                      <a:solidFill>
+                        <a:schemeClr val="tx1"/>
+                      </a:solidFill>
+                      <a:prstDash val="solid"/>
+                      <a:round/>
+                      <a:headEnd type="none" w="med" len="med"/>
+                      <a:tailEnd type="none" w="med" len="med"/>
+                    </a:lnB>
+                  </a:tcPr>
+                </a:tc>
+                <a:tc>
+                  <a:txBody>
+                    <a:bodyPr/>
+                    <a:lstStyle/>
+                    <a:p>
+                      <a:r>
+                        <a:rPr lang="en-US" dirty="0" smtClean="0"/>
+                        <a:t>0.376</a:t>
+                      </a:r>
+                      <a:endParaRPr lang="en-US" dirty="0"/>
+                    </a:p>
+                  </a:txBody>
+                  <a:tcPr>
+                    <a:lnL w="12700" cap="flat" cmpd="sng" algn="ctr">
+                      <a:solidFill>
+                        <a:schemeClr val="tx1"/>
+                      </a:solidFill>
+                      <a:prstDash val="solid"/>
+                      <a:round/>
+                      <a:headEnd type="none" w="med" len="med"/>
+                      <a:tailEnd type="none" w="med" len="med"/>
+                    </a:lnL>
+                    <a:lnR w="12700" cap="flat" cmpd="sng" algn="ctr">
+                      <a:solidFill>
+                        <a:schemeClr val="tx1"/>
+                      </a:solidFill>
+                      <a:prstDash val="solid"/>
+                      <a:round/>
+                      <a:headEnd type="none" w="med" len="med"/>
+                      <a:tailEnd type="none" w="med" len="med"/>
+                    </a:lnR>
+                    <a:lnT w="12700" cap="flat" cmpd="sng" algn="ctr">
+                      <a:solidFill>
+                        <a:schemeClr val="tx1"/>
+                      </a:solidFill>
+                      <a:prstDash val="solid"/>
+                      <a:round/>
+                      <a:headEnd type="none" w="med" len="med"/>
+                      <a:tailEnd type="none" w="med" len="med"/>
+                    </a:lnT>
+                    <a:lnB w="12700" cap="flat" cmpd="sng" algn="ctr">
+                      <a:solidFill>
+                        <a:schemeClr val="tx1"/>
+                      </a:solidFill>
+                      <a:prstDash val="solid"/>
+                      <a:round/>
+                      <a:headEnd type="none" w="med" len="med"/>
+                      <a:tailEnd type="none" w="med" len="med"/>
+                    </a:lnB>
+                  </a:tcPr>
+                </a:tc>
+                <a:tc>
+                  <a:txBody>
+                    <a:bodyPr/>
+                    <a:lstStyle/>
+                    <a:p>
+                      <a:r>
+                        <a:rPr lang="en-US" dirty="0" smtClean="0"/>
+                        <a:t>0.331</a:t>
+                      </a:r>
+                      <a:endParaRPr lang="en-US" dirty="0"/>
+                    </a:p>
+                  </a:txBody>
+                  <a:tcPr>
+                    <a:lnL w="12700" cap="flat" cmpd="sng" algn="ctr">
+                      <a:solidFill>
+                        <a:schemeClr val="tx1"/>
+                      </a:solidFill>
+                      <a:prstDash val="solid"/>
+                      <a:round/>
+                      <a:headEnd type="none" w="med" len="med"/>
+                      <a:tailEnd type="none" w="med" len="med"/>
+                    </a:lnL>
+                    <a:lnR w="12700" cap="flat" cmpd="sng" algn="ctr">
+                      <a:solidFill>
+                        <a:schemeClr val="tx1"/>
+                      </a:solidFill>
+                      <a:prstDash val="solid"/>
+                      <a:round/>
+                      <a:headEnd type="none" w="med" len="med"/>
+                      <a:tailEnd type="none" w="med" len="med"/>
+                    </a:lnR>
+                    <a:lnT w="12700" cap="flat" cmpd="sng" algn="ctr">
+                      <a:solidFill>
+                        <a:schemeClr val="tx1"/>
+                      </a:solidFill>
+                      <a:prstDash val="solid"/>
+                      <a:round/>
+                      <a:headEnd type="none" w="med" len="med"/>
+                      <a:tailEnd type="none" w="med" len="med"/>
+                    </a:lnT>
+                    <a:lnB w="12700" cap="flat" cmpd="sng" algn="ctr">
+                      <a:solidFill>
+                        <a:schemeClr val="tx1"/>
+                      </a:solidFill>
+                      <a:prstDash val="solid"/>
+                      <a:round/>
+                      <a:headEnd type="none" w="med" len="med"/>
+                      <a:tailEnd type="none" w="med" len="med"/>
+                    </a:lnB>
+                  </a:tcPr>
+                </a:tc>
+                <a:tc>
+                  <a:txBody>
+                    <a:bodyPr/>
+                    <a:lstStyle/>
+                    <a:p>
+                      <a:r>
+                        <a:rPr lang="en-US" dirty="0" smtClean="0"/>
+                        <a:t>0.348</a:t>
+                      </a:r>
+                      <a:endParaRPr lang="en-US" dirty="0"/>
+                    </a:p>
+                  </a:txBody>
+                  <a:tcPr>
+                    <a:lnL w="12700" cap="flat" cmpd="sng" algn="ctr">
+                      <a:solidFill>
+                        <a:schemeClr val="tx1"/>
+                      </a:solidFill>
+                      <a:prstDash val="solid"/>
+                      <a:round/>
+                      <a:headEnd type="none" w="med" len="med"/>
+                      <a:tailEnd type="none" w="med" len="med"/>
+                    </a:lnL>
+                    <a:lnR w="12700" cap="flat" cmpd="sng" algn="ctr">
+                      <a:solidFill>
+                        <a:schemeClr val="tx1"/>
+                      </a:solidFill>
+                      <a:prstDash val="solid"/>
+                      <a:round/>
+                      <a:headEnd type="none" w="med" len="med"/>
+                      <a:tailEnd type="none" w="med" len="med"/>
+                    </a:lnR>
+                    <a:lnT w="12700" cap="flat" cmpd="sng" algn="ctr">
+                      <a:solidFill>
+                        <a:schemeClr val="tx1"/>
+                      </a:solidFill>
+                      <a:prstDash val="solid"/>
+                      <a:round/>
+                      <a:headEnd type="none" w="med" len="med"/>
+                      <a:tailEnd type="none" w="med" len="med"/>
+                    </a:lnT>
+                    <a:lnB w="12700" cap="flat" cmpd="sng" algn="ctr">
+                      <a:solidFill>
+                        <a:schemeClr val="tx1"/>
+                      </a:solidFill>
+                      <a:prstDash val="solid"/>
+                      <a:round/>
+                      <a:headEnd type="none" w="med" len="med"/>
+                      <a:tailEnd type="none" w="med" len="med"/>
+                    </a:lnB>
+                  </a:tcPr>
+                </a:tc>
+                <a:tc>
+                  <a:txBody>
+                    <a:bodyPr/>
+                    <a:lstStyle/>
+                    <a:p>
+                      <a:r>
+                        <a:rPr lang="en-US" dirty="0" smtClean="0"/>
+                        <a:t>0.497</a:t>
+                      </a:r>
+                      <a:endParaRPr lang="en-US" dirty="0"/>
+                    </a:p>
+                  </a:txBody>
+                  <a:tcPr>
+                    <a:lnL w="12700" cap="flat" cmpd="sng" algn="ctr">
+                      <a:solidFill>
+                        <a:schemeClr val="tx1"/>
+                      </a:solidFill>
+                      <a:prstDash val="solid"/>
+                      <a:round/>
+                      <a:headEnd type="none" w="med" len="med"/>
+                      <a:tailEnd type="none" w="med" len="med"/>
+                    </a:lnL>
+                    <a:lnR w="12700" cap="flat" cmpd="sng" algn="ctr">
+                      <a:solidFill>
+                        <a:schemeClr val="tx1"/>
+                      </a:solidFill>
+                      <a:prstDash val="solid"/>
+                      <a:round/>
+                      <a:headEnd type="none" w="med" len="med"/>
+                      <a:tailEnd type="none" w="med" len="med"/>
+                    </a:lnR>
+                    <a:lnT w="12700" cap="flat" cmpd="sng" algn="ctr">
+                      <a:solidFill>
+                        <a:schemeClr val="tx1"/>
+                      </a:solidFill>
+                      <a:prstDash val="solid"/>
+                      <a:round/>
+                      <a:headEnd type="none" w="med" len="med"/>
+                      <a:tailEnd type="none" w="med" len="med"/>
+                    </a:lnT>
+                    <a:lnB w="12700" cap="flat" cmpd="sng" algn="ctr">
+                      <a:solidFill>
+                        <a:schemeClr val="tx1"/>
+                      </a:solidFill>
+                      <a:prstDash val="solid"/>
+                      <a:round/>
+                      <a:headEnd type="none" w="med" len="med"/>
+                      <a:tailEnd type="none" w="med" len="med"/>
+                    </a:lnB>
+                  </a:tcPr>
+                </a:tc>
+              </a:tr>
+              <a:tr h="447605">
+                <a:tc>
+                  <a:txBody>
+                    <a:bodyPr/>
+                    <a:lstStyle/>
+                    <a:p>
+                      <a:r>
+                        <a:rPr lang="en-US" b="1" dirty="0" smtClean="0"/>
+                        <a:t>Multinomial Naïve Bayes</a:t>
+                      </a:r>
+                      <a:endParaRPr lang="en-US" b="1" dirty="0"/>
+                    </a:p>
+                  </a:txBody>
+                  <a:tcPr>
+                    <a:lnL w="12700" cap="flat" cmpd="sng" algn="ctr">
+                      <a:solidFill>
+                        <a:schemeClr val="tx1"/>
+                      </a:solidFill>
+                      <a:prstDash val="solid"/>
+                      <a:round/>
+                      <a:headEnd type="none" w="med" len="med"/>
+                      <a:tailEnd type="none" w="med" len="med"/>
+                    </a:lnL>
+                    <a:lnR w="12700" cap="flat" cmpd="sng" algn="ctr">
+                      <a:solidFill>
+                        <a:schemeClr val="tx1"/>
+                      </a:solidFill>
+                      <a:prstDash val="solid"/>
+                      <a:round/>
+                      <a:headEnd type="none" w="med" len="med"/>
+                      <a:tailEnd type="none" w="med" len="med"/>
+                    </a:lnR>
+                    <a:lnT w="12700" cap="flat" cmpd="sng" algn="ctr">
+                      <a:solidFill>
+                        <a:schemeClr val="tx1"/>
+                      </a:solidFill>
+                      <a:prstDash val="solid"/>
+                      <a:round/>
+                      <a:headEnd type="none" w="med" len="med"/>
+                      <a:tailEnd type="none" w="med" len="med"/>
+                    </a:lnT>
+                    <a:lnB w="12700" cap="flat" cmpd="sng" algn="ctr">
+                      <a:solidFill>
+                        <a:schemeClr val="tx1"/>
+                      </a:solidFill>
+                      <a:prstDash val="solid"/>
+                      <a:round/>
+                      <a:headEnd type="none" w="med" len="med"/>
+                      <a:tailEnd type="none" w="med" len="med"/>
+                    </a:lnB>
+                  </a:tcPr>
+                </a:tc>
+                <a:tc>
+                  <a:txBody>
+                    <a:bodyPr/>
+                    <a:lstStyle/>
+                    <a:p>
+                      <a:r>
+                        <a:rPr lang="en-US" dirty="0" smtClean="0"/>
+                        <a:t>0.588</a:t>
+                      </a:r>
+                      <a:endParaRPr lang="en-US" dirty="0" smtClean="0"/>
+                    </a:p>
+                  </a:txBody>
+                  <a:tcPr>
+                    <a:lnL w="12700" cap="flat" cmpd="sng" algn="ctr">
+                      <a:solidFill>
+                        <a:schemeClr val="tx1"/>
+                      </a:solidFill>
+                      <a:prstDash val="solid"/>
+                      <a:round/>
+                      <a:headEnd type="none" w="med" len="med"/>
+                      <a:tailEnd type="none" w="med" len="med"/>
+                    </a:lnL>
+                    <a:lnR w="12700" cap="flat" cmpd="sng" algn="ctr">
+                      <a:solidFill>
+                        <a:schemeClr val="tx1"/>
+                      </a:solidFill>
+                      <a:prstDash val="solid"/>
+                      <a:round/>
+                      <a:headEnd type="none" w="med" len="med"/>
+                      <a:tailEnd type="none" w="med" len="med"/>
+                    </a:lnR>
+                    <a:lnT w="12700" cap="flat" cmpd="sng" algn="ctr">
+                      <a:solidFill>
+                        <a:schemeClr val="tx1"/>
+                      </a:solidFill>
+                      <a:prstDash val="solid"/>
+                      <a:round/>
+                      <a:headEnd type="none" w="med" len="med"/>
+                      <a:tailEnd type="none" w="med" len="med"/>
+                    </a:lnT>
+                    <a:lnB w="12700" cap="flat" cmpd="sng" algn="ctr">
+                      <a:solidFill>
+                        <a:schemeClr val="tx1"/>
+                      </a:solidFill>
+                      <a:prstDash val="solid"/>
+                      <a:round/>
+                      <a:headEnd type="none" w="med" len="med"/>
+                      <a:tailEnd type="none" w="med" len="med"/>
+                    </a:lnB>
+                  </a:tcPr>
+                </a:tc>
+                <a:tc>
+                  <a:txBody>
+                    <a:bodyPr/>
+                    <a:lstStyle/>
+                    <a:p>
+                      <a:r>
+                        <a:rPr lang="en-US" dirty="0" smtClean="0"/>
+                        <a:t>0.836</a:t>
+                      </a:r>
+                      <a:endParaRPr lang="en-US" dirty="0"/>
+                    </a:p>
+                  </a:txBody>
+                  <a:tcPr>
+                    <a:lnL w="12700" cap="flat" cmpd="sng" algn="ctr">
+                      <a:solidFill>
+                        <a:schemeClr val="tx1"/>
+                      </a:solidFill>
+                      <a:prstDash val="solid"/>
+                      <a:round/>
+                      <a:headEnd type="none" w="med" len="med"/>
+                      <a:tailEnd type="none" w="med" len="med"/>
+                    </a:lnL>
+                    <a:lnR w="12700" cap="flat" cmpd="sng" algn="ctr">
+                      <a:solidFill>
+                        <a:schemeClr val="tx1"/>
+                      </a:solidFill>
+                      <a:prstDash val="solid"/>
+                      <a:round/>
+                      <a:headEnd type="none" w="med" len="med"/>
+                      <a:tailEnd type="none" w="med" len="med"/>
+                    </a:lnR>
+                    <a:lnT w="12700" cap="flat" cmpd="sng" algn="ctr">
+                      <a:solidFill>
+                        <a:schemeClr val="tx1"/>
+                      </a:solidFill>
+                      <a:prstDash val="solid"/>
+                      <a:round/>
+                      <a:headEnd type="none" w="med" len="med"/>
+                      <a:tailEnd type="none" w="med" len="med"/>
+                    </a:lnT>
+                    <a:lnB w="12700" cap="flat" cmpd="sng" algn="ctr">
+                      <a:solidFill>
+                        <a:schemeClr val="tx1"/>
+                      </a:solidFill>
+                      <a:prstDash val="solid"/>
+                      <a:round/>
+                      <a:headEnd type="none" w="med" len="med"/>
+                      <a:tailEnd type="none" w="med" len="med"/>
+                    </a:lnB>
+                  </a:tcPr>
+                </a:tc>
+                <a:tc>
+                  <a:txBody>
+                    <a:bodyPr/>
+                    <a:lstStyle/>
+                    <a:p>
+                      <a:r>
+                        <a:rPr lang="en-US" dirty="0" smtClean="0"/>
+                        <a:t>0.677</a:t>
+                      </a:r>
+                      <a:endParaRPr lang="en-US" dirty="0"/>
+                    </a:p>
+                  </a:txBody>
+                  <a:tcPr>
+                    <a:lnL w="12700" cap="flat" cmpd="sng" algn="ctr">
+                      <a:solidFill>
+                        <a:schemeClr val="tx1"/>
+                      </a:solidFill>
+                      <a:prstDash val="solid"/>
+                      <a:round/>
+                      <a:headEnd type="none" w="med" len="med"/>
+                      <a:tailEnd type="none" w="med" len="med"/>
+                    </a:lnL>
+                    <a:lnR w="12700" cap="flat" cmpd="sng" algn="ctr">
+                      <a:solidFill>
+                        <a:schemeClr val="tx1"/>
+                      </a:solidFill>
+                      <a:prstDash val="solid"/>
+                      <a:round/>
+                      <a:headEnd type="none" w="med" len="med"/>
+                      <a:tailEnd type="none" w="med" len="med"/>
+                    </a:lnR>
+                    <a:lnT w="12700" cap="flat" cmpd="sng" algn="ctr">
+                      <a:solidFill>
+                        <a:schemeClr val="tx1"/>
+                      </a:solidFill>
+                      <a:prstDash val="solid"/>
+                      <a:round/>
+                      <a:headEnd type="none" w="med" len="med"/>
+                      <a:tailEnd type="none" w="med" len="med"/>
+                    </a:lnT>
+                    <a:lnB w="12700" cap="flat" cmpd="sng" algn="ctr">
+                      <a:solidFill>
+                        <a:schemeClr val="tx1"/>
+                      </a:solidFill>
+                      <a:prstDash val="solid"/>
+                      <a:round/>
+                      <a:headEnd type="none" w="med" len="med"/>
+                      <a:tailEnd type="none" w="med" len="med"/>
+                    </a:lnB>
+                  </a:tcPr>
+                </a:tc>
+                <a:tc>
+                  <a:txBody>
+                    <a:bodyPr/>
+                    <a:lstStyle/>
+                    <a:p>
+                      <a:r>
+                        <a:rPr lang="en-US" dirty="0" smtClean="0"/>
+                        <a:t>0.571</a:t>
+                      </a:r>
+                      <a:endParaRPr lang="en-US" dirty="0"/>
+                    </a:p>
+                  </a:txBody>
+                  <a:tcPr>
+                    <a:lnL w="12700" cap="flat" cmpd="sng" algn="ctr">
+                      <a:solidFill>
+                        <a:schemeClr val="tx1"/>
+                      </a:solidFill>
+                      <a:prstDash val="solid"/>
+                      <a:round/>
+                      <a:headEnd type="none" w="med" len="med"/>
+                      <a:tailEnd type="none" w="med" len="med"/>
+                    </a:lnL>
+                    <a:lnR w="12700" cap="flat" cmpd="sng" algn="ctr">
+                      <a:solidFill>
+                        <a:schemeClr val="tx1"/>
+                      </a:solidFill>
+                      <a:prstDash val="solid"/>
+                      <a:round/>
+                      <a:headEnd type="none" w="med" len="med"/>
+                      <a:tailEnd type="none" w="med" len="med"/>
+                    </a:lnR>
+                    <a:lnT w="12700" cap="flat" cmpd="sng" algn="ctr">
+                      <a:solidFill>
+                        <a:schemeClr val="tx1"/>
+                      </a:solidFill>
+                      <a:prstDash val="solid"/>
+                      <a:round/>
+                      <a:headEnd type="none" w="med" len="med"/>
+                      <a:tailEnd type="none" w="med" len="med"/>
+                    </a:lnT>
+                    <a:lnB w="12700" cap="flat" cmpd="sng" algn="ctr">
+                      <a:solidFill>
+                        <a:schemeClr val="tx1"/>
+                      </a:solidFill>
+                      <a:prstDash val="solid"/>
+                      <a:round/>
+                      <a:headEnd type="none" w="med" len="med"/>
+                      <a:tailEnd type="none" w="med" len="med"/>
+                    </a:lnB>
+                  </a:tcPr>
+                </a:tc>
+                <a:tc>
+                  <a:txBody>
+                    <a:bodyPr/>
+                    <a:lstStyle/>
+                    <a:p>
+                      <a:r>
+                        <a:rPr lang="en-US" dirty="0" smtClean="0"/>
+                        <a:t>0.299</a:t>
+                      </a:r>
+                      <a:endParaRPr lang="en-US" dirty="0"/>
+                    </a:p>
+                  </a:txBody>
+                  <a:tcPr>
+                    <a:lnL w="12700" cap="flat" cmpd="sng" algn="ctr">
+                      <a:solidFill>
+                        <a:schemeClr val="tx1"/>
+                      </a:solidFill>
+                      <a:prstDash val="solid"/>
+                      <a:round/>
+                      <a:headEnd type="none" w="med" len="med"/>
+                      <a:tailEnd type="none" w="med" len="med"/>
+                    </a:lnL>
+                    <a:lnR w="12700" cap="flat" cmpd="sng" algn="ctr">
+                      <a:solidFill>
+                        <a:schemeClr val="tx1"/>
+                      </a:solidFill>
+                      <a:prstDash val="solid"/>
+                      <a:round/>
+                      <a:headEnd type="none" w="med" len="med"/>
+                      <a:tailEnd type="none" w="med" len="med"/>
+                    </a:lnR>
+                    <a:lnT w="12700" cap="flat" cmpd="sng" algn="ctr">
+                      <a:solidFill>
+                        <a:schemeClr val="tx1"/>
+                      </a:solidFill>
+                      <a:prstDash val="solid"/>
+                      <a:round/>
+                      <a:headEnd type="none" w="med" len="med"/>
+                      <a:tailEnd type="none" w="med" len="med"/>
+                    </a:lnT>
+                    <a:lnB w="12700" cap="flat" cmpd="sng" algn="ctr">
+                      <a:solidFill>
+                        <a:schemeClr val="tx1"/>
+                      </a:solidFill>
+                      <a:prstDash val="solid"/>
+                      <a:round/>
+                      <a:headEnd type="none" w="med" len="med"/>
+                      <a:tailEnd type="none" w="med" len="med"/>
+                    </a:lnB>
+                  </a:tcPr>
+                </a:tc>
+                <a:tc>
+                  <a:txBody>
+                    <a:bodyPr/>
+                    <a:lstStyle/>
+                    <a:p>
+                      <a:r>
+                        <a:rPr lang="en-US" dirty="0" smtClean="0"/>
+                        <a:t>0.39</a:t>
+                      </a:r>
+                      <a:endParaRPr lang="en-US" dirty="0"/>
+                    </a:p>
+                  </a:txBody>
+                  <a:tcPr>
+                    <a:lnL w="12700" cap="flat" cmpd="sng" algn="ctr">
+                      <a:solidFill>
+                        <a:schemeClr val="tx1"/>
+                      </a:solidFill>
+                      <a:prstDash val="solid"/>
+                      <a:round/>
+                      <a:headEnd type="none" w="med" len="med"/>
+                      <a:tailEnd type="none" w="med" len="med"/>
+                    </a:lnL>
+                    <a:lnR w="12700" cap="flat" cmpd="sng" algn="ctr">
+                      <a:solidFill>
+                        <a:schemeClr val="tx1"/>
+                      </a:solidFill>
+                      <a:prstDash val="solid"/>
+                      <a:round/>
+                      <a:headEnd type="none" w="med" len="med"/>
+                      <a:tailEnd type="none" w="med" len="med"/>
+                    </a:lnR>
+                    <a:lnT w="12700" cap="flat" cmpd="sng" algn="ctr">
+                      <a:solidFill>
+                        <a:schemeClr val="tx1"/>
+                      </a:solidFill>
+                      <a:prstDash val="solid"/>
+                      <a:round/>
+                      <a:headEnd type="none" w="med" len="med"/>
+                      <a:tailEnd type="none" w="med" len="med"/>
+                    </a:lnT>
+                    <a:lnB w="12700" cap="flat" cmpd="sng" algn="ctr">
+                      <a:solidFill>
+                        <a:schemeClr val="tx1"/>
+                      </a:solidFill>
+                      <a:prstDash val="solid"/>
+                      <a:round/>
+                      <a:headEnd type="none" w="med" len="med"/>
+                      <a:tailEnd type="none" w="med" len="med"/>
+                    </a:lnB>
+                  </a:tcPr>
+                </a:tc>
+                <a:tc>
+                  <a:txBody>
+                    <a:bodyPr/>
+                    <a:lstStyle/>
+                    <a:p>
+                      <a:r>
+                        <a:rPr lang="en-US" dirty="0" smtClean="0"/>
+                        <a:t>0.561</a:t>
+                      </a:r>
+                      <a:endParaRPr lang="en-US" dirty="0"/>
+                    </a:p>
+                  </a:txBody>
+                  <a:tcPr>
+                    <a:lnL w="12700" cap="flat" cmpd="sng" algn="ctr">
+                      <a:solidFill>
+                        <a:schemeClr val="tx1"/>
+                      </a:solidFill>
+                      <a:prstDash val="solid"/>
+                      <a:round/>
+                      <a:headEnd type="none" w="med" len="med"/>
+                      <a:tailEnd type="none" w="med" len="med"/>
+                    </a:lnL>
+                    <a:lnR w="12700" cap="flat" cmpd="sng" algn="ctr">
+                      <a:solidFill>
+                        <a:schemeClr val="tx1"/>
+                      </a:solidFill>
+                      <a:prstDash val="solid"/>
+                      <a:round/>
+                      <a:headEnd type="none" w="med" len="med"/>
+                      <a:tailEnd type="none" w="med" len="med"/>
+                    </a:lnR>
+                    <a:lnT w="12700" cap="flat" cmpd="sng" algn="ctr">
+                      <a:solidFill>
+                        <a:schemeClr val="tx1"/>
+                      </a:solidFill>
+                      <a:prstDash val="solid"/>
+                      <a:round/>
+                      <a:headEnd type="none" w="med" len="med"/>
+                      <a:tailEnd type="none" w="med" len="med"/>
+                    </a:lnT>
+                    <a:lnB w="12700" cap="flat" cmpd="sng" algn="ctr">
+                      <a:solidFill>
+                        <a:schemeClr val="tx1"/>
+                      </a:solidFill>
+                      <a:prstDash val="solid"/>
+                      <a:round/>
+                      <a:headEnd type="none" w="med" len="med"/>
+                      <a:tailEnd type="none" w="med" len="med"/>
+                    </a:lnB>
+                  </a:tcPr>
+                </a:tc>
+              </a:tr>
+              <a:tr h="447605">
+                <a:tc>
+                  <a:txBody>
+                    <a:bodyPr/>
+                    <a:lstStyle/>
+                    <a:p>
+                      <a:r>
+                        <a:rPr lang="en-US" b="1" dirty="0" smtClean="0"/>
+                        <a:t>K Nearest Neighbors</a:t>
+                      </a:r>
+                      <a:endParaRPr lang="en-US" b="1" dirty="0"/>
+                    </a:p>
+                  </a:txBody>
+                  <a:tcPr>
+                    <a:lnL w="12700" cap="flat" cmpd="sng" algn="ctr">
+                      <a:solidFill>
+                        <a:schemeClr val="tx1"/>
+                      </a:solidFill>
+                      <a:prstDash val="solid"/>
+                      <a:round/>
+                      <a:headEnd type="none" w="med" len="med"/>
+                      <a:tailEnd type="none" w="med" len="med"/>
+                    </a:lnL>
+                    <a:lnR w="12700" cap="flat" cmpd="sng" algn="ctr">
+                      <a:solidFill>
+                        <a:schemeClr val="tx1"/>
+                      </a:solidFill>
+                      <a:prstDash val="solid"/>
+                      <a:round/>
+                      <a:headEnd type="none" w="med" len="med"/>
+                      <a:tailEnd type="none" w="med" len="med"/>
+                    </a:lnR>
+                    <a:lnT w="12700" cap="flat" cmpd="sng" algn="ctr">
+                      <a:solidFill>
+                        <a:schemeClr val="tx1"/>
+                      </a:solidFill>
+                      <a:prstDash val="solid"/>
+                      <a:round/>
+                      <a:headEnd type="none" w="med" len="med"/>
+                      <a:tailEnd type="none" w="med" len="med"/>
+                    </a:lnT>
+                    <a:lnB w="12700" cap="flat" cmpd="sng" algn="ctr">
+                      <a:solidFill>
+                        <a:schemeClr val="tx1"/>
+                      </a:solidFill>
+                      <a:prstDash val="solid"/>
+                      <a:round/>
+                      <a:headEnd type="none" w="med" len="med"/>
+                      <a:tailEnd type="none" w="med" len="med"/>
+                    </a:lnB>
+                  </a:tcPr>
+                </a:tc>
+                <a:tc>
+                  <a:txBody>
+                    <a:bodyPr/>
+                    <a:lstStyle/>
+                    <a:p>
+                      <a:r>
+                        <a:rPr lang="en-US" dirty="0" smtClean="0"/>
+                        <a:t>0.569</a:t>
+                      </a:r>
+                      <a:endParaRPr lang="en-US" dirty="0" smtClean="0"/>
+                    </a:p>
+                  </a:txBody>
+                  <a:tcPr>
+                    <a:lnL w="12700" cap="flat" cmpd="sng" algn="ctr">
+                      <a:solidFill>
+                        <a:schemeClr val="tx1"/>
+                      </a:solidFill>
+                      <a:prstDash val="solid"/>
+                      <a:round/>
+                      <a:headEnd type="none" w="med" len="med"/>
+                      <a:tailEnd type="none" w="med" len="med"/>
+                    </a:lnL>
+                    <a:lnR w="12700" cap="flat" cmpd="sng" algn="ctr">
+                      <a:solidFill>
+                        <a:schemeClr val="tx1"/>
+                      </a:solidFill>
+                      <a:prstDash val="solid"/>
+                      <a:round/>
+                      <a:headEnd type="none" w="med" len="med"/>
+                      <a:tailEnd type="none" w="med" len="med"/>
+                    </a:lnR>
+                    <a:lnT w="12700" cap="flat" cmpd="sng" algn="ctr">
+                      <a:solidFill>
+                        <a:schemeClr val="tx1"/>
+                      </a:solidFill>
+                      <a:prstDash val="solid"/>
+                      <a:round/>
+                      <a:headEnd type="none" w="med" len="med"/>
+                      <a:tailEnd type="none" w="med" len="med"/>
+                    </a:lnT>
+                    <a:lnB w="12700" cap="flat" cmpd="sng" algn="ctr">
+                      <a:solidFill>
+                        <a:schemeClr val="tx1"/>
+                      </a:solidFill>
+                      <a:prstDash val="solid"/>
+                      <a:round/>
+                      <a:headEnd type="none" w="med" len="med"/>
+                      <a:tailEnd type="none" w="med" len="med"/>
+                    </a:lnB>
+                  </a:tcPr>
+                </a:tc>
+                <a:tc>
+                  <a:txBody>
+                    <a:bodyPr/>
+                    <a:lstStyle/>
+                    <a:p>
+                      <a:r>
+                        <a:rPr lang="en-US" dirty="0" smtClean="0"/>
+                        <a:t>0.679</a:t>
+                      </a:r>
+                      <a:endParaRPr lang="en-US" dirty="0"/>
+                    </a:p>
+                  </a:txBody>
+                  <a:tcPr>
+                    <a:lnL w="12700" cap="flat" cmpd="sng" algn="ctr">
+                      <a:solidFill>
+                        <a:schemeClr val="tx1"/>
+                      </a:solidFill>
+                      <a:prstDash val="solid"/>
+                      <a:round/>
+                      <a:headEnd type="none" w="med" len="med"/>
+                      <a:tailEnd type="none" w="med" len="med"/>
+                    </a:lnL>
+                    <a:lnR w="12700" cap="flat" cmpd="sng" algn="ctr">
+                      <a:solidFill>
+                        <a:schemeClr val="tx1"/>
+                      </a:solidFill>
+                      <a:prstDash val="solid"/>
+                      <a:round/>
+                      <a:headEnd type="none" w="med" len="med"/>
+                      <a:tailEnd type="none" w="med" len="med"/>
+                    </a:lnR>
+                    <a:lnT w="12700" cap="flat" cmpd="sng" algn="ctr">
+                      <a:solidFill>
+                        <a:schemeClr val="tx1"/>
+                      </a:solidFill>
+                      <a:prstDash val="solid"/>
+                      <a:round/>
+                      <a:headEnd type="none" w="med" len="med"/>
+                      <a:tailEnd type="none" w="med" len="med"/>
+                    </a:lnT>
+                    <a:lnB w="12700" cap="flat" cmpd="sng" algn="ctr">
+                      <a:solidFill>
+                        <a:schemeClr val="tx1"/>
+                      </a:solidFill>
+                      <a:prstDash val="solid"/>
+                      <a:round/>
+                      <a:headEnd type="none" w="med" len="med"/>
+                      <a:tailEnd type="none" w="med" len="med"/>
+                    </a:lnB>
+                  </a:tcPr>
+                </a:tc>
+                <a:tc>
+                  <a:txBody>
+                    <a:bodyPr/>
+                    <a:lstStyle/>
+                    <a:p>
+                      <a:r>
+                        <a:rPr lang="en-US" dirty="0" smtClean="0"/>
+                        <a:t>0.606</a:t>
+                      </a:r>
+                      <a:endParaRPr lang="en-US" dirty="0"/>
+                    </a:p>
+                  </a:txBody>
+                  <a:tcPr>
+                    <a:lnL w="12700" cap="flat" cmpd="sng" algn="ctr">
+                      <a:solidFill>
+                        <a:schemeClr val="tx1"/>
+                      </a:solidFill>
+                      <a:prstDash val="solid"/>
+                      <a:round/>
+                      <a:headEnd type="none" w="med" len="med"/>
+                      <a:tailEnd type="none" w="med" len="med"/>
+                    </a:lnL>
+                    <a:lnR w="12700" cap="flat" cmpd="sng" algn="ctr">
+                      <a:solidFill>
+                        <a:schemeClr val="tx1"/>
+                      </a:solidFill>
+                      <a:prstDash val="solid"/>
+                      <a:round/>
+                      <a:headEnd type="none" w="med" len="med"/>
+                      <a:tailEnd type="none" w="med" len="med"/>
+                    </a:lnR>
+                    <a:lnT w="12700" cap="flat" cmpd="sng" algn="ctr">
+                      <a:solidFill>
+                        <a:schemeClr val="tx1"/>
+                      </a:solidFill>
+                      <a:prstDash val="solid"/>
+                      <a:round/>
+                      <a:headEnd type="none" w="med" len="med"/>
+                      <a:tailEnd type="none" w="med" len="med"/>
+                    </a:lnT>
+                    <a:lnB w="12700" cap="flat" cmpd="sng" algn="ctr">
+                      <a:solidFill>
+                        <a:schemeClr val="tx1"/>
+                      </a:solidFill>
+                      <a:prstDash val="solid"/>
+                      <a:round/>
+                      <a:headEnd type="none" w="med" len="med"/>
+                      <a:tailEnd type="none" w="med" len="med"/>
+                    </a:lnB>
+                  </a:tcPr>
+                </a:tc>
+                <a:tc>
+                  <a:txBody>
+                    <a:bodyPr/>
+                    <a:lstStyle/>
+                    <a:p>
+                      <a:r>
+                        <a:rPr lang="en-US" dirty="0" smtClean="0"/>
+                        <a:t>0.425</a:t>
+                      </a:r>
+                      <a:endParaRPr lang="en-US" dirty="0"/>
+                    </a:p>
+                  </a:txBody>
+                  <a:tcPr>
+                    <a:lnL w="12700" cap="flat" cmpd="sng" algn="ctr">
+                      <a:solidFill>
+                        <a:schemeClr val="tx1"/>
+                      </a:solidFill>
+                      <a:prstDash val="solid"/>
+                      <a:round/>
+                      <a:headEnd type="none" w="med" len="med"/>
+                      <a:tailEnd type="none" w="med" len="med"/>
+                    </a:lnL>
+                    <a:lnR w="12700" cap="flat" cmpd="sng" algn="ctr">
+                      <a:solidFill>
+                        <a:schemeClr val="tx1"/>
+                      </a:solidFill>
+                      <a:prstDash val="solid"/>
+                      <a:round/>
+                      <a:headEnd type="none" w="med" len="med"/>
+                      <a:tailEnd type="none" w="med" len="med"/>
+                    </a:lnR>
+                    <a:lnT w="12700" cap="flat" cmpd="sng" algn="ctr">
+                      <a:solidFill>
+                        <a:schemeClr val="tx1"/>
+                      </a:solidFill>
+                      <a:prstDash val="solid"/>
+                      <a:round/>
+                      <a:headEnd type="none" w="med" len="med"/>
+                      <a:tailEnd type="none" w="med" len="med"/>
+                    </a:lnT>
+                    <a:lnB w="12700" cap="flat" cmpd="sng" algn="ctr">
+                      <a:solidFill>
+                        <a:schemeClr val="tx1"/>
+                      </a:solidFill>
+                      <a:prstDash val="solid"/>
+                      <a:round/>
+                      <a:headEnd type="none" w="med" len="med"/>
+                      <a:tailEnd type="none" w="med" len="med"/>
+                    </a:lnB>
+                  </a:tcPr>
+                </a:tc>
+                <a:tc>
+                  <a:txBody>
+                    <a:bodyPr/>
+                    <a:lstStyle/>
+                    <a:p>
+                      <a:r>
+                        <a:rPr lang="en-US" dirty="0" smtClean="0"/>
+                        <a:t>0.243</a:t>
+                      </a:r>
+                      <a:endParaRPr lang="en-US" dirty="0"/>
+                    </a:p>
+                  </a:txBody>
+                  <a:tcPr>
+                    <a:lnL w="12700" cap="flat" cmpd="sng" algn="ctr">
+                      <a:solidFill>
+                        <a:schemeClr val="tx1"/>
+                      </a:solidFill>
+                      <a:prstDash val="solid"/>
+                      <a:round/>
+                      <a:headEnd type="none" w="med" len="med"/>
+                      <a:tailEnd type="none" w="med" len="med"/>
+                    </a:lnL>
+                    <a:lnR w="12700" cap="flat" cmpd="sng" algn="ctr">
+                      <a:solidFill>
+                        <a:schemeClr val="tx1"/>
+                      </a:solidFill>
+                      <a:prstDash val="solid"/>
+                      <a:round/>
+                      <a:headEnd type="none" w="med" len="med"/>
+                      <a:tailEnd type="none" w="med" len="med"/>
+                    </a:lnR>
+                    <a:lnT w="12700" cap="flat" cmpd="sng" algn="ctr">
+                      <a:solidFill>
+                        <a:schemeClr val="tx1"/>
+                      </a:solidFill>
+                      <a:prstDash val="solid"/>
+                      <a:round/>
+                      <a:headEnd type="none" w="med" len="med"/>
+                      <a:tailEnd type="none" w="med" len="med"/>
+                    </a:lnT>
+                    <a:lnB w="12700" cap="flat" cmpd="sng" algn="ctr">
+                      <a:solidFill>
+                        <a:schemeClr val="tx1"/>
+                      </a:solidFill>
+                      <a:prstDash val="solid"/>
+                      <a:round/>
+                      <a:headEnd type="none" w="med" len="med"/>
+                      <a:tailEnd type="none" w="med" len="med"/>
+                    </a:lnB>
+                  </a:tcPr>
+                </a:tc>
+                <a:tc>
+                  <a:txBody>
+                    <a:bodyPr/>
+                    <a:lstStyle/>
+                    <a:p>
+                      <a:r>
+                        <a:rPr lang="en-US" dirty="0" smtClean="0"/>
+                        <a:t>0.304</a:t>
+                      </a:r>
+                      <a:endParaRPr lang="en-US" dirty="0"/>
+                    </a:p>
+                  </a:txBody>
+                  <a:tcPr>
+                    <a:lnL w="12700" cap="flat" cmpd="sng" algn="ctr">
+                      <a:solidFill>
+                        <a:schemeClr val="tx1"/>
+                      </a:solidFill>
+                      <a:prstDash val="solid"/>
+                      <a:round/>
+                      <a:headEnd type="none" w="med" len="med"/>
+                      <a:tailEnd type="none" w="med" len="med"/>
+                    </a:lnL>
+                    <a:lnR w="12700" cap="flat" cmpd="sng" algn="ctr">
+                      <a:solidFill>
+                        <a:schemeClr val="tx1"/>
+                      </a:solidFill>
+                      <a:prstDash val="solid"/>
+                      <a:round/>
+                      <a:headEnd type="none" w="med" len="med"/>
+                      <a:tailEnd type="none" w="med" len="med"/>
+                    </a:lnR>
+                    <a:lnT w="12700" cap="flat" cmpd="sng" algn="ctr">
+                      <a:solidFill>
+                        <a:schemeClr val="tx1"/>
+                      </a:solidFill>
+                      <a:prstDash val="solid"/>
+                      <a:round/>
+                      <a:headEnd type="none" w="med" len="med"/>
+                      <a:tailEnd type="none" w="med" len="med"/>
+                    </a:lnT>
+                    <a:lnB w="12700" cap="flat" cmpd="sng" algn="ctr">
+                      <a:solidFill>
+                        <a:schemeClr val="tx1"/>
+                      </a:solidFill>
+                      <a:prstDash val="solid"/>
+                      <a:round/>
+                      <a:headEnd type="none" w="med" len="med"/>
+                      <a:tailEnd type="none" w="med" len="med"/>
+                    </a:lnB>
+                  </a:tcPr>
+                </a:tc>
+                <a:tc>
+                  <a:txBody>
+                    <a:bodyPr/>
+                    <a:lstStyle/>
+                    <a:p>
+                      <a:r>
+                        <a:rPr lang="en-US" dirty="0" smtClean="0"/>
+                        <a:t>0.401</a:t>
+                      </a:r>
+                      <a:endParaRPr lang="en-US" dirty="0"/>
+                    </a:p>
+                  </a:txBody>
+                  <a:tcPr>
+                    <a:lnL w="12700" cap="flat" cmpd="sng" algn="ctr">
+                      <a:solidFill>
+                        <a:schemeClr val="tx1"/>
+                      </a:solidFill>
+                      <a:prstDash val="solid"/>
+                      <a:round/>
+                      <a:headEnd type="none" w="med" len="med"/>
+                      <a:tailEnd type="none" w="med" len="med"/>
+                    </a:lnL>
+                    <a:lnR w="12700" cap="flat" cmpd="sng" algn="ctr">
+                      <a:solidFill>
+                        <a:schemeClr val="tx1"/>
+                      </a:solidFill>
+                      <a:prstDash val="solid"/>
+                      <a:round/>
+                      <a:headEnd type="none" w="med" len="med"/>
+                      <a:tailEnd type="none" w="med" len="med"/>
+                    </a:lnR>
+                    <a:lnT w="12700" cap="flat" cmpd="sng" algn="ctr">
+                      <a:solidFill>
+                        <a:schemeClr val="tx1"/>
+                      </a:solidFill>
+                      <a:prstDash val="solid"/>
+                      <a:round/>
+                      <a:headEnd type="none" w="med" len="med"/>
+                      <a:tailEnd type="none" w="med" len="med"/>
+                    </a:lnT>
+                    <a:lnB w="12700" cap="flat" cmpd="sng" algn="ctr">
+                      <a:solidFill>
+                        <a:schemeClr val="tx1"/>
+                      </a:solidFill>
+                      <a:prstDash val="solid"/>
+                      <a:round/>
+                      <a:headEnd type="none" w="med" len="med"/>
+                      <a:tailEnd type="none" w="med" len="med"/>
+                    </a:lnB>
+                  </a:tcPr>
+                </a:tc>
+              </a:tr>
+              <a:tr h="447605">
+                <a:tc>
+                  <a:txBody>
+                    <a:bodyPr/>
+                    <a:lstStyle/>
+                    <a:p>
+                      <a:r>
+                        <a:rPr lang="en-US" b="1" dirty="0" smtClean="0"/>
+                        <a:t>Bernoulli Naïve Bayes</a:t>
+                      </a:r>
+                      <a:endParaRPr lang="en-US" b="1" dirty="0"/>
+                    </a:p>
+                  </a:txBody>
+                  <a:tcPr>
+                    <a:lnL w="12700" cap="flat" cmpd="sng" algn="ctr">
+                      <a:solidFill>
+                        <a:schemeClr val="tx1"/>
+                      </a:solidFill>
+                      <a:prstDash val="solid"/>
+                      <a:round/>
+                      <a:headEnd type="none" w="med" len="med"/>
+                      <a:tailEnd type="none" w="med" len="med"/>
+                    </a:lnL>
+                    <a:lnR w="12700" cap="flat" cmpd="sng" algn="ctr">
+                      <a:solidFill>
+                        <a:schemeClr val="tx1"/>
+                      </a:solidFill>
+                      <a:prstDash val="solid"/>
+                      <a:round/>
+                      <a:headEnd type="none" w="med" len="med"/>
+                      <a:tailEnd type="none" w="med" len="med"/>
+                    </a:lnR>
+                    <a:lnT w="12700" cap="flat" cmpd="sng" algn="ctr">
+                      <a:solidFill>
+                        <a:schemeClr val="tx1"/>
+                      </a:solidFill>
+                      <a:prstDash val="solid"/>
+                      <a:round/>
+                      <a:headEnd type="none" w="med" len="med"/>
+                      <a:tailEnd type="none" w="med" len="med"/>
+                    </a:lnT>
+                    <a:lnB w="12700" cap="flat" cmpd="sng" algn="ctr">
+                      <a:solidFill>
+                        <a:schemeClr val="tx1"/>
+                      </a:solidFill>
+                      <a:prstDash val="solid"/>
+                      <a:round/>
+                      <a:headEnd type="none" w="med" len="med"/>
+                      <a:tailEnd type="none" w="med" len="med"/>
+                    </a:lnB>
+                  </a:tcPr>
+                </a:tc>
+                <a:tc>
+                  <a:txBody>
+                    <a:bodyPr/>
+                    <a:lstStyle/>
+                    <a:p>
+                      <a:r>
+                        <a:rPr lang="en-US" dirty="0" smtClean="0"/>
+                        <a:t>0.621</a:t>
+                      </a:r>
+                      <a:endParaRPr lang="en-US" dirty="0" smtClean="0"/>
+                    </a:p>
+                  </a:txBody>
+                  <a:tcPr>
+                    <a:lnL w="12700" cap="flat" cmpd="sng" algn="ctr">
+                      <a:solidFill>
+                        <a:schemeClr val="tx1"/>
+                      </a:solidFill>
+                      <a:prstDash val="solid"/>
+                      <a:round/>
+                      <a:headEnd type="none" w="med" len="med"/>
+                      <a:tailEnd type="none" w="med" len="med"/>
+                    </a:lnL>
+                    <a:lnR w="12700" cap="flat" cmpd="sng" algn="ctr">
+                      <a:solidFill>
+                        <a:schemeClr val="tx1"/>
+                      </a:solidFill>
+                      <a:prstDash val="solid"/>
+                      <a:round/>
+                      <a:headEnd type="none" w="med" len="med"/>
+                      <a:tailEnd type="none" w="med" len="med"/>
+                    </a:lnR>
+                    <a:lnT w="12700" cap="flat" cmpd="sng" algn="ctr">
+                      <a:solidFill>
+                        <a:schemeClr val="tx1"/>
+                      </a:solidFill>
+                      <a:prstDash val="solid"/>
+                      <a:round/>
+                      <a:headEnd type="none" w="med" len="med"/>
+                      <a:tailEnd type="none" w="med" len="med"/>
+                    </a:lnT>
+                    <a:lnB w="12700" cap="flat" cmpd="sng" algn="ctr">
+                      <a:solidFill>
+                        <a:schemeClr val="tx1"/>
+                      </a:solidFill>
+                      <a:prstDash val="solid"/>
+                      <a:round/>
+                      <a:headEnd type="none" w="med" len="med"/>
+                      <a:tailEnd type="none" w="med" len="med"/>
+                    </a:lnB>
+                  </a:tcPr>
+                </a:tc>
+                <a:tc>
+                  <a:txBody>
+                    <a:bodyPr/>
+                    <a:lstStyle/>
+                    <a:p>
+                      <a:r>
+                        <a:rPr lang="en-US" dirty="0" smtClean="0"/>
+                        <a:t>0.724</a:t>
+                      </a:r>
+                      <a:endParaRPr lang="en-US" dirty="0"/>
+                    </a:p>
+                  </a:txBody>
+                  <a:tcPr>
+                    <a:lnL w="12700" cap="flat" cmpd="sng" algn="ctr">
+                      <a:solidFill>
+                        <a:schemeClr val="tx1"/>
+                      </a:solidFill>
+                      <a:prstDash val="solid"/>
+                      <a:round/>
+                      <a:headEnd type="none" w="med" len="med"/>
+                      <a:tailEnd type="none" w="med" len="med"/>
+                    </a:lnL>
+                    <a:lnR w="12700" cap="flat" cmpd="sng" algn="ctr">
+                      <a:solidFill>
+                        <a:schemeClr val="tx1"/>
+                      </a:solidFill>
+                      <a:prstDash val="solid"/>
+                      <a:round/>
+                      <a:headEnd type="none" w="med" len="med"/>
+                      <a:tailEnd type="none" w="med" len="med"/>
+                    </a:lnR>
+                    <a:lnT w="12700" cap="flat" cmpd="sng" algn="ctr">
+                      <a:solidFill>
+                        <a:schemeClr val="tx1"/>
+                      </a:solidFill>
+                      <a:prstDash val="solid"/>
+                      <a:round/>
+                      <a:headEnd type="none" w="med" len="med"/>
+                      <a:tailEnd type="none" w="med" len="med"/>
+                    </a:lnT>
+                    <a:lnB w="12700" cap="flat" cmpd="sng" algn="ctr">
+                      <a:solidFill>
+                        <a:schemeClr val="tx1"/>
+                      </a:solidFill>
+                      <a:prstDash val="solid"/>
+                      <a:round/>
+                      <a:headEnd type="none" w="med" len="med"/>
+                      <a:tailEnd type="none" w="med" len="med"/>
+                    </a:lnB>
+                  </a:tcPr>
+                </a:tc>
+                <a:tc>
+                  <a:txBody>
+                    <a:bodyPr/>
+                    <a:lstStyle/>
+                    <a:p>
+                      <a:r>
+                        <a:rPr lang="en-US" dirty="0" smtClean="0"/>
+                        <a:t>0.658</a:t>
+                      </a:r>
+                      <a:endParaRPr lang="en-US" dirty="0"/>
+                    </a:p>
+                  </a:txBody>
+                  <a:tcPr>
+                    <a:lnL w="12700" cap="flat" cmpd="sng" algn="ctr">
+                      <a:solidFill>
+                        <a:schemeClr val="tx1"/>
+                      </a:solidFill>
+                      <a:prstDash val="solid"/>
+                      <a:round/>
+                      <a:headEnd type="none" w="med" len="med"/>
+                      <a:tailEnd type="none" w="med" len="med"/>
+                    </a:lnL>
+                    <a:lnR w="12700" cap="flat" cmpd="sng" algn="ctr">
+                      <a:solidFill>
+                        <a:schemeClr val="tx1"/>
+                      </a:solidFill>
+                      <a:prstDash val="solid"/>
+                      <a:round/>
+                      <a:headEnd type="none" w="med" len="med"/>
+                      <a:tailEnd type="none" w="med" len="med"/>
+                    </a:lnR>
+                    <a:lnT w="12700" cap="flat" cmpd="sng" algn="ctr">
+                      <a:solidFill>
+                        <a:schemeClr val="tx1"/>
+                      </a:solidFill>
+                      <a:prstDash val="solid"/>
+                      <a:round/>
+                      <a:headEnd type="none" w="med" len="med"/>
+                      <a:tailEnd type="none" w="med" len="med"/>
+                    </a:lnT>
+                    <a:lnB w="12700" cap="flat" cmpd="sng" algn="ctr">
+                      <a:solidFill>
+                        <a:schemeClr val="tx1"/>
+                      </a:solidFill>
+                      <a:prstDash val="solid"/>
+                      <a:round/>
+                      <a:headEnd type="none" w="med" len="med"/>
+                      <a:tailEnd type="none" w="med" len="med"/>
+                    </a:lnB>
+                  </a:tcPr>
+                </a:tc>
+                <a:tc>
+                  <a:txBody>
+                    <a:bodyPr/>
+                    <a:lstStyle/>
+                    <a:p>
+                      <a:r>
+                        <a:rPr lang="en-US" dirty="0" smtClean="0"/>
+                        <a:t>0.489</a:t>
+                      </a:r>
+                      <a:endParaRPr lang="en-US" dirty="0"/>
+                    </a:p>
+                  </a:txBody>
+                  <a:tcPr>
+                    <a:lnL w="12700" cap="flat" cmpd="sng" algn="ctr">
+                      <a:solidFill>
+                        <a:schemeClr val="tx1"/>
+                      </a:solidFill>
+                      <a:prstDash val="solid"/>
+                      <a:round/>
+                      <a:headEnd type="none" w="med" len="med"/>
+                      <a:tailEnd type="none" w="med" len="med"/>
+                    </a:lnL>
+                    <a:lnR w="12700" cap="flat" cmpd="sng" algn="ctr">
+                      <a:solidFill>
+                        <a:schemeClr val="tx1"/>
+                      </a:solidFill>
+                      <a:prstDash val="solid"/>
+                      <a:round/>
+                      <a:headEnd type="none" w="med" len="med"/>
+                      <a:tailEnd type="none" w="med" len="med"/>
+                    </a:lnR>
+                    <a:lnT w="12700" cap="flat" cmpd="sng" algn="ctr">
+                      <a:solidFill>
+                        <a:schemeClr val="tx1"/>
+                      </a:solidFill>
+                      <a:prstDash val="solid"/>
+                      <a:round/>
+                      <a:headEnd type="none" w="med" len="med"/>
+                      <a:tailEnd type="none" w="med" len="med"/>
+                    </a:lnT>
+                    <a:lnB w="12700" cap="flat" cmpd="sng" algn="ctr">
+                      <a:solidFill>
+                        <a:schemeClr val="tx1"/>
+                      </a:solidFill>
+                      <a:prstDash val="solid"/>
+                      <a:round/>
+                      <a:headEnd type="none" w="med" len="med"/>
+                      <a:tailEnd type="none" w="med" len="med"/>
+                    </a:lnB>
+                  </a:tcPr>
+                </a:tc>
+                <a:tc>
+                  <a:txBody>
+                    <a:bodyPr/>
+                    <a:lstStyle/>
+                    <a:p>
+                      <a:r>
+                        <a:rPr lang="en-US" dirty="0" smtClean="0"/>
+                        <a:t>0.431</a:t>
+                      </a:r>
+                      <a:endParaRPr lang="en-US" dirty="0"/>
+                    </a:p>
+                  </a:txBody>
+                  <a:tcPr>
+                    <a:lnL w="12700" cap="flat" cmpd="sng" algn="ctr">
+                      <a:solidFill>
+                        <a:schemeClr val="tx1"/>
+                      </a:solidFill>
+                      <a:prstDash val="solid"/>
+                      <a:round/>
+                      <a:headEnd type="none" w="med" len="med"/>
+                      <a:tailEnd type="none" w="med" len="med"/>
+                    </a:lnL>
+                    <a:lnR w="12700" cap="flat" cmpd="sng" algn="ctr">
+                      <a:solidFill>
+                        <a:schemeClr val="tx1"/>
+                      </a:solidFill>
+                      <a:prstDash val="solid"/>
+                      <a:round/>
+                      <a:headEnd type="none" w="med" len="med"/>
+                      <a:tailEnd type="none" w="med" len="med"/>
+                    </a:lnR>
+                    <a:lnT w="12700" cap="flat" cmpd="sng" algn="ctr">
+                      <a:solidFill>
+                        <a:schemeClr val="tx1"/>
+                      </a:solidFill>
+                      <a:prstDash val="solid"/>
+                      <a:round/>
+                      <a:headEnd type="none" w="med" len="med"/>
+                      <a:tailEnd type="none" w="med" len="med"/>
+                    </a:lnT>
+                    <a:lnB w="12700" cap="flat" cmpd="sng" algn="ctr">
+                      <a:solidFill>
+                        <a:schemeClr val="tx1"/>
+                      </a:solidFill>
+                      <a:prstDash val="solid"/>
+                      <a:round/>
+                      <a:headEnd type="none" w="med" len="med"/>
+                      <a:tailEnd type="none" w="med" len="med"/>
+                    </a:lnB>
+                  </a:tcPr>
+                </a:tc>
+                <a:tc>
+                  <a:txBody>
+                    <a:bodyPr/>
+                    <a:lstStyle/>
+                    <a:p>
+                      <a:r>
+                        <a:rPr lang="en-US" dirty="0" smtClean="0"/>
+                        <a:t>0.451</a:t>
+                      </a:r>
+                      <a:endParaRPr lang="en-US" dirty="0"/>
+                    </a:p>
+                  </a:txBody>
+                  <a:tcPr>
+                    <a:lnL w="12700" cap="flat" cmpd="sng" algn="ctr">
+                      <a:solidFill>
+                        <a:schemeClr val="tx1"/>
+                      </a:solidFill>
+                      <a:prstDash val="solid"/>
+                      <a:round/>
+                      <a:headEnd type="none" w="med" len="med"/>
+                      <a:tailEnd type="none" w="med" len="med"/>
+                    </a:lnL>
+                    <a:lnR w="12700" cap="flat" cmpd="sng" algn="ctr">
+                      <a:solidFill>
+                        <a:schemeClr val="tx1"/>
+                      </a:solidFill>
+                      <a:prstDash val="solid"/>
+                      <a:round/>
+                      <a:headEnd type="none" w="med" len="med"/>
+                      <a:tailEnd type="none" w="med" len="med"/>
+                    </a:lnR>
+                    <a:lnT w="12700" cap="flat" cmpd="sng" algn="ctr">
+                      <a:solidFill>
+                        <a:schemeClr val="tx1"/>
+                      </a:solidFill>
+                      <a:prstDash val="solid"/>
+                      <a:round/>
+                      <a:headEnd type="none" w="med" len="med"/>
+                      <a:tailEnd type="none" w="med" len="med"/>
+                    </a:lnT>
+                    <a:lnB w="12700" cap="flat" cmpd="sng" algn="ctr">
+                      <a:solidFill>
+                        <a:schemeClr val="tx1"/>
+                      </a:solidFill>
+                      <a:prstDash val="solid"/>
+                      <a:round/>
+                      <a:headEnd type="none" w="med" len="med"/>
+                      <a:tailEnd type="none" w="med" len="med"/>
+                    </a:lnB>
+                  </a:tcPr>
+                </a:tc>
+                <a:tc>
+                  <a:txBody>
+                    <a:bodyPr/>
+                    <a:lstStyle/>
+                    <a:p>
+                      <a:r>
+                        <a:rPr lang="en-US" dirty="0" smtClean="0"/>
+                        <a:t>0.554</a:t>
                       </a:r>
                       <a:endParaRPr lang="en-US" dirty="0"/>
                     </a:p>
@@ -6469,14 +8519,14 @@
             <p:ph idx="1"/>
             <p:extLst>
               <p:ext uri="{D42A27DB-BD31-4B8C-83A1-F6EECF244321}">
-                <p14:modId xmlns:p14="http://schemas.microsoft.com/office/powerpoint/2010/main" val="3317513919"/>
+                <p14:modId xmlns:p14="http://schemas.microsoft.com/office/powerpoint/2010/main" val="1504938682"/>
               </p:ext>
             </p:extLst>
           </p:nvPr>
         </p:nvGraphicFramePr>
         <p:xfrm>
-          <a:off x="1166590" y="1377537"/>
-          <a:ext cx="8656319" cy="4666002"/>
+          <a:off x="1166590" y="1471232"/>
+          <a:ext cx="8656319" cy="7808306"/>
         </p:xfrm>
         <a:graphic>
           <a:graphicData uri="http://schemas.openxmlformats.org/drawingml/2006/table">
@@ -9657,10 +11707,2128 @@
                   </a:tcPr>
                 </a:tc>
               </a:tr>
+              <a:tr h="581984">
+                <a:tc>
+                  <a:txBody>
+                    <a:bodyPr/>
+                    <a:lstStyle/>
+                    <a:p>
+                      <a:pPr algn="ctr"/>
+                      <a:r>
+                        <a:rPr lang="en-US" b="1" dirty="0" smtClean="0"/>
+                        <a:t>Naïve Bayes Trigram</a:t>
+                      </a:r>
+                      <a:endParaRPr lang="en-US" b="1" dirty="0"/>
+                    </a:p>
+                  </a:txBody>
+                  <a:tcPr>
+                    <a:lnL w="12700" cap="flat" cmpd="sng" algn="ctr">
+                      <a:solidFill>
+                        <a:schemeClr val="tx1"/>
+                      </a:solidFill>
+                      <a:prstDash val="solid"/>
+                      <a:round/>
+                      <a:headEnd type="none" w="med" len="med"/>
+                      <a:tailEnd type="none" w="med" len="med"/>
+                    </a:lnL>
+                    <a:lnR w="12700" cap="flat" cmpd="sng" algn="ctr">
+                      <a:solidFill>
+                        <a:schemeClr val="tx1"/>
+                      </a:solidFill>
+                      <a:prstDash val="solid"/>
+                      <a:round/>
+                      <a:headEnd type="none" w="med" len="med"/>
+                      <a:tailEnd type="none" w="med" len="med"/>
+                    </a:lnR>
+                    <a:lnT w="12700" cap="flat" cmpd="sng" algn="ctr">
+                      <a:solidFill>
+                        <a:schemeClr val="tx1"/>
+                      </a:solidFill>
+                      <a:prstDash val="solid"/>
+                      <a:round/>
+                      <a:headEnd type="none" w="med" len="med"/>
+                      <a:tailEnd type="none" w="med" len="med"/>
+                    </a:lnT>
+                    <a:lnB w="12700" cap="flat" cmpd="sng" algn="ctr">
+                      <a:solidFill>
+                        <a:schemeClr val="tx1"/>
+                      </a:solidFill>
+                      <a:prstDash val="solid"/>
+                      <a:round/>
+                      <a:headEnd type="none" w="med" len="med"/>
+                      <a:tailEnd type="none" w="med" len="med"/>
+                    </a:lnB>
+                  </a:tcPr>
+                </a:tc>
+                <a:tc>
+                  <a:txBody>
+                    <a:bodyPr/>
+                    <a:lstStyle/>
+                    <a:p>
+                      <a:pPr algn="ctr"/>
+                      <a:r>
+                        <a:rPr lang="en-US" dirty="0" smtClean="0"/>
+                        <a:t>0.649</a:t>
+                      </a:r>
+                      <a:endParaRPr lang="en-US" dirty="0" smtClean="0"/>
+                    </a:p>
+                  </a:txBody>
+                  <a:tcPr>
+                    <a:lnL w="12700" cap="flat" cmpd="sng" algn="ctr">
+                      <a:solidFill>
+                        <a:schemeClr val="tx1"/>
+                      </a:solidFill>
+                      <a:prstDash val="solid"/>
+                      <a:round/>
+                      <a:headEnd type="none" w="med" len="med"/>
+                      <a:tailEnd type="none" w="med" len="med"/>
+                    </a:lnL>
+                    <a:lnR w="12700" cap="flat" cmpd="sng" algn="ctr">
+                      <a:solidFill>
+                        <a:schemeClr val="tx1"/>
+                      </a:solidFill>
+                      <a:prstDash val="solid"/>
+                      <a:round/>
+                      <a:headEnd type="none" w="med" len="med"/>
+                      <a:tailEnd type="none" w="med" len="med"/>
+                    </a:lnR>
+                    <a:lnT w="12700" cap="flat" cmpd="sng" algn="ctr">
+                      <a:solidFill>
+                        <a:schemeClr val="tx1"/>
+                      </a:solidFill>
+                      <a:prstDash val="solid"/>
+                      <a:round/>
+                      <a:headEnd type="none" w="med" len="med"/>
+                      <a:tailEnd type="none" w="med" len="med"/>
+                    </a:lnT>
+                    <a:lnB w="12700" cap="flat" cmpd="sng" algn="ctr">
+                      <a:solidFill>
+                        <a:schemeClr val="tx1"/>
+                      </a:solidFill>
+                      <a:prstDash val="solid"/>
+                      <a:round/>
+                      <a:headEnd type="none" w="med" len="med"/>
+                      <a:tailEnd type="none" w="med" len="med"/>
+                    </a:lnB>
+                  </a:tcPr>
+                </a:tc>
+                <a:tc>
+                  <a:txBody>
+                    <a:bodyPr/>
+                    <a:lstStyle/>
+                    <a:p>
+                      <a:pPr algn="ctr"/>
+                      <a:r>
+                        <a:rPr lang="en-US" dirty="0" smtClean="0"/>
+                        <a:t>0.240</a:t>
+                      </a:r>
+                      <a:endParaRPr lang="en-US" dirty="0"/>
+                    </a:p>
+                  </a:txBody>
+                  <a:tcPr>
+                    <a:lnL w="12700" cap="flat" cmpd="sng" algn="ctr">
+                      <a:solidFill>
+                        <a:schemeClr val="tx1"/>
+                      </a:solidFill>
+                      <a:prstDash val="solid"/>
+                      <a:round/>
+                      <a:headEnd type="none" w="med" len="med"/>
+                      <a:tailEnd type="none" w="med" len="med"/>
+                    </a:lnL>
+                    <a:lnR w="12700" cap="flat" cmpd="sng" algn="ctr">
+                      <a:solidFill>
+                        <a:schemeClr val="tx1"/>
+                      </a:solidFill>
+                      <a:prstDash val="solid"/>
+                      <a:round/>
+                      <a:headEnd type="none" w="med" len="med"/>
+                      <a:tailEnd type="none" w="med" len="med"/>
+                    </a:lnR>
+                    <a:lnT w="12700" cap="flat" cmpd="sng" algn="ctr">
+                      <a:solidFill>
+                        <a:schemeClr val="tx1"/>
+                      </a:solidFill>
+                      <a:prstDash val="solid"/>
+                      <a:round/>
+                      <a:headEnd type="none" w="med" len="med"/>
+                      <a:tailEnd type="none" w="med" len="med"/>
+                    </a:lnT>
+                    <a:lnB w="12700" cap="flat" cmpd="sng" algn="ctr">
+                      <a:solidFill>
+                        <a:schemeClr val="tx1"/>
+                      </a:solidFill>
+                      <a:prstDash val="solid"/>
+                      <a:round/>
+                      <a:headEnd type="none" w="med" len="med"/>
+                      <a:tailEnd type="none" w="med" len="med"/>
+                    </a:lnB>
+                  </a:tcPr>
+                </a:tc>
+                <a:tc>
+                  <a:txBody>
+                    <a:bodyPr/>
+                    <a:lstStyle/>
+                    <a:p>
+                      <a:pPr algn="ctr"/>
+                      <a:r>
+                        <a:rPr lang="en-US" dirty="0" smtClean="0"/>
+                        <a:t>0.35</a:t>
+                      </a:r>
+                      <a:endParaRPr lang="en-US" dirty="0"/>
+                    </a:p>
+                  </a:txBody>
+                  <a:tcPr>
+                    <a:lnL w="12700" cap="flat" cmpd="sng" algn="ctr">
+                      <a:solidFill>
+                        <a:schemeClr val="tx1"/>
+                      </a:solidFill>
+                      <a:prstDash val="solid"/>
+                      <a:round/>
+                      <a:headEnd type="none" w="med" len="med"/>
+                      <a:tailEnd type="none" w="med" len="med"/>
+                    </a:lnL>
+                    <a:lnR w="12700" cap="flat" cmpd="sng" algn="ctr">
+                      <a:solidFill>
+                        <a:schemeClr val="tx1"/>
+                      </a:solidFill>
+                      <a:prstDash val="solid"/>
+                      <a:round/>
+                      <a:headEnd type="none" w="med" len="med"/>
+                      <a:tailEnd type="none" w="med" len="med"/>
+                    </a:lnR>
+                    <a:lnT w="12700" cap="flat" cmpd="sng" algn="ctr">
+                      <a:solidFill>
+                        <a:schemeClr val="tx1"/>
+                      </a:solidFill>
+                      <a:prstDash val="solid"/>
+                      <a:round/>
+                      <a:headEnd type="none" w="med" len="med"/>
+                      <a:tailEnd type="none" w="med" len="med"/>
+                    </a:lnT>
+                    <a:lnB w="12700" cap="flat" cmpd="sng" algn="ctr">
+                      <a:solidFill>
+                        <a:schemeClr val="tx1"/>
+                      </a:solidFill>
+                      <a:prstDash val="solid"/>
+                      <a:round/>
+                      <a:headEnd type="none" w="med" len="med"/>
+                      <a:tailEnd type="none" w="med" len="med"/>
+                    </a:lnB>
+                  </a:tcPr>
+                </a:tc>
+                <a:tc>
+                  <a:txBody>
+                    <a:bodyPr/>
+                    <a:lstStyle/>
+                    <a:p>
+                      <a:pPr algn="ctr"/>
+                      <a:r>
+                        <a:rPr lang="en-US" dirty="0" smtClean="0"/>
+                        <a:t>0.588</a:t>
+                      </a:r>
+                      <a:endParaRPr lang="en-US" dirty="0"/>
+                    </a:p>
+                  </a:txBody>
+                  <a:tcPr>
+                    <a:lnL w="12700" cap="flat" cmpd="sng" algn="ctr">
+                      <a:solidFill>
+                        <a:schemeClr val="tx1"/>
+                      </a:solidFill>
+                      <a:prstDash val="solid"/>
+                      <a:round/>
+                      <a:headEnd type="none" w="med" len="med"/>
+                      <a:tailEnd type="none" w="med" len="med"/>
+                    </a:lnL>
+                    <a:lnR w="12700" cap="flat" cmpd="sng" algn="ctr">
+                      <a:solidFill>
+                        <a:schemeClr val="tx1"/>
+                      </a:solidFill>
+                      <a:prstDash val="solid"/>
+                      <a:round/>
+                      <a:headEnd type="none" w="med" len="med"/>
+                      <a:tailEnd type="none" w="med" len="med"/>
+                    </a:lnR>
+                    <a:lnT w="12700" cap="flat" cmpd="sng" algn="ctr">
+                      <a:solidFill>
+                        <a:schemeClr val="tx1"/>
+                      </a:solidFill>
+                      <a:prstDash val="solid"/>
+                      <a:round/>
+                      <a:headEnd type="none" w="med" len="med"/>
+                      <a:tailEnd type="none" w="med" len="med"/>
+                    </a:lnT>
+                    <a:lnB w="12700" cap="flat" cmpd="sng" algn="ctr">
+                      <a:solidFill>
+                        <a:schemeClr val="tx1"/>
+                      </a:solidFill>
+                      <a:prstDash val="solid"/>
+                      <a:round/>
+                      <a:headEnd type="none" w="med" len="med"/>
+                      <a:tailEnd type="none" w="med" len="med"/>
+                    </a:lnB>
+                  </a:tcPr>
+                </a:tc>
+                <a:tc>
+                  <a:txBody>
+                    <a:bodyPr/>
+                    <a:lstStyle/>
+                    <a:p>
+                      <a:pPr algn="ctr"/>
+                      <a:r>
+                        <a:rPr lang="en-US" dirty="0" smtClean="0"/>
+                        <a:t>0.287</a:t>
+                      </a:r>
+                      <a:endParaRPr lang="en-US" dirty="0"/>
+                    </a:p>
+                  </a:txBody>
+                  <a:tcPr>
+                    <a:lnL w="12700" cap="flat" cmpd="sng" algn="ctr">
+                      <a:solidFill>
+                        <a:schemeClr val="tx1"/>
+                      </a:solidFill>
+                      <a:prstDash val="solid"/>
+                      <a:round/>
+                      <a:headEnd type="none" w="med" len="med"/>
+                      <a:tailEnd type="none" w="med" len="med"/>
+                    </a:lnL>
+                    <a:lnR w="12700" cap="flat" cmpd="sng" algn="ctr">
+                      <a:solidFill>
+                        <a:schemeClr val="tx1"/>
+                      </a:solidFill>
+                      <a:prstDash val="solid"/>
+                      <a:round/>
+                      <a:headEnd type="none" w="med" len="med"/>
+                      <a:tailEnd type="none" w="med" len="med"/>
+                    </a:lnR>
+                    <a:lnT w="12700" cap="flat" cmpd="sng" algn="ctr">
+                      <a:solidFill>
+                        <a:schemeClr val="tx1"/>
+                      </a:solidFill>
+                      <a:prstDash val="solid"/>
+                      <a:round/>
+                      <a:headEnd type="none" w="med" len="med"/>
+                      <a:tailEnd type="none" w="med" len="med"/>
+                    </a:lnT>
+                    <a:lnB w="12700" cap="flat" cmpd="sng" algn="ctr">
+                      <a:solidFill>
+                        <a:schemeClr val="tx1"/>
+                      </a:solidFill>
+                      <a:prstDash val="solid"/>
+                      <a:round/>
+                      <a:headEnd type="none" w="med" len="med"/>
+                      <a:tailEnd type="none" w="med" len="med"/>
+                    </a:lnB>
+                  </a:tcPr>
+                </a:tc>
+                <a:tc>
+                  <a:txBody>
+                    <a:bodyPr/>
+                    <a:lstStyle/>
+                    <a:p>
+                      <a:pPr algn="ctr"/>
+                      <a:r>
+                        <a:rPr lang="en-US" dirty="0" smtClean="0"/>
+                        <a:t>0.384</a:t>
+                      </a:r>
+                      <a:endParaRPr lang="en-US" dirty="0"/>
+                    </a:p>
+                  </a:txBody>
+                  <a:tcPr>
+                    <a:lnL w="12700" cap="flat" cmpd="sng" algn="ctr">
+                      <a:solidFill>
+                        <a:schemeClr val="tx1"/>
+                      </a:solidFill>
+                      <a:prstDash val="solid"/>
+                      <a:round/>
+                      <a:headEnd type="none" w="med" len="med"/>
+                      <a:tailEnd type="none" w="med" len="med"/>
+                    </a:lnL>
+                    <a:lnR w="12700" cap="flat" cmpd="sng" algn="ctr">
+                      <a:solidFill>
+                        <a:schemeClr val="tx1"/>
+                      </a:solidFill>
+                      <a:prstDash val="solid"/>
+                      <a:round/>
+                      <a:headEnd type="none" w="med" len="med"/>
+                      <a:tailEnd type="none" w="med" len="med"/>
+                    </a:lnR>
+                    <a:lnT w="12700" cap="flat" cmpd="sng" algn="ctr">
+                      <a:solidFill>
+                        <a:schemeClr val="tx1"/>
+                      </a:solidFill>
+                      <a:prstDash val="solid"/>
+                      <a:round/>
+                      <a:headEnd type="none" w="med" len="med"/>
+                      <a:tailEnd type="none" w="med" len="med"/>
+                    </a:lnT>
+                    <a:lnB w="12700" cap="flat" cmpd="sng" algn="ctr">
+                      <a:solidFill>
+                        <a:schemeClr val="tx1"/>
+                      </a:solidFill>
+                      <a:prstDash val="solid"/>
+                      <a:round/>
+                      <a:headEnd type="none" w="med" len="med"/>
+                      <a:tailEnd type="none" w="med" len="med"/>
+                    </a:lnB>
+                  </a:tcPr>
+                </a:tc>
+                <a:tc>
+                  <a:txBody>
+                    <a:bodyPr/>
+                    <a:lstStyle/>
+                    <a:p>
+                      <a:pPr algn="ctr"/>
+                      <a:r>
+                        <a:rPr lang="en-US" dirty="0" smtClean="0"/>
+                        <a:t>0.462</a:t>
+                      </a:r>
+                      <a:endParaRPr lang="en-US" dirty="0"/>
+                    </a:p>
+                  </a:txBody>
+                  <a:tcPr>
+                    <a:lnL w="12700" cap="flat" cmpd="sng" algn="ctr">
+                      <a:solidFill>
+                        <a:schemeClr val="tx1"/>
+                      </a:solidFill>
+                      <a:prstDash val="solid"/>
+                      <a:round/>
+                      <a:headEnd type="none" w="med" len="med"/>
+                      <a:tailEnd type="none" w="med" len="med"/>
+                    </a:lnL>
+                    <a:lnR w="12700" cap="flat" cmpd="sng" algn="ctr">
+                      <a:solidFill>
+                        <a:schemeClr val="tx1"/>
+                      </a:solidFill>
+                      <a:prstDash val="solid"/>
+                      <a:round/>
+                      <a:headEnd type="none" w="med" len="med"/>
+                      <a:tailEnd type="none" w="med" len="med"/>
+                    </a:lnR>
+                    <a:lnT w="12700" cap="flat" cmpd="sng" algn="ctr">
+                      <a:solidFill>
+                        <a:schemeClr val="tx1"/>
+                      </a:solidFill>
+                      <a:prstDash val="solid"/>
+                      <a:round/>
+                      <a:headEnd type="none" w="med" len="med"/>
+                      <a:tailEnd type="none" w="med" len="med"/>
+                    </a:lnT>
+                    <a:lnB w="12700" cap="flat" cmpd="sng" algn="ctr">
+                      <a:solidFill>
+                        <a:schemeClr val="tx1"/>
+                      </a:solidFill>
+                      <a:prstDash val="solid"/>
+                      <a:round/>
+                      <a:headEnd type="none" w="med" len="med"/>
+                      <a:tailEnd type="none" w="med" len="med"/>
+                    </a:lnB>
+                  </a:tcPr>
+                </a:tc>
+              </a:tr>
+              <a:tr h="581984">
+                <a:tc>
+                  <a:txBody>
+                    <a:bodyPr/>
+                    <a:lstStyle/>
+                    <a:p>
+                      <a:pPr algn="ctr"/>
+                      <a:r>
+                        <a:rPr lang="en-US" b="1" dirty="0" smtClean="0"/>
+                        <a:t>Multinomial Naïve Bayes</a:t>
+                      </a:r>
+                      <a:endParaRPr lang="en-US" b="1" dirty="0"/>
+                    </a:p>
+                  </a:txBody>
+                  <a:tcPr>
+                    <a:lnL w="12700" cap="flat" cmpd="sng" algn="ctr">
+                      <a:solidFill>
+                        <a:schemeClr val="tx1"/>
+                      </a:solidFill>
+                      <a:prstDash val="solid"/>
+                      <a:round/>
+                      <a:headEnd type="none" w="med" len="med"/>
+                      <a:tailEnd type="none" w="med" len="med"/>
+                    </a:lnL>
+                    <a:lnR w="12700" cap="flat" cmpd="sng" algn="ctr">
+                      <a:solidFill>
+                        <a:schemeClr val="tx1"/>
+                      </a:solidFill>
+                      <a:prstDash val="solid"/>
+                      <a:round/>
+                      <a:headEnd type="none" w="med" len="med"/>
+                      <a:tailEnd type="none" w="med" len="med"/>
+                    </a:lnR>
+                    <a:lnT w="12700" cap="flat" cmpd="sng" algn="ctr">
+                      <a:solidFill>
+                        <a:schemeClr val="tx1"/>
+                      </a:solidFill>
+                      <a:prstDash val="solid"/>
+                      <a:round/>
+                      <a:headEnd type="none" w="med" len="med"/>
+                      <a:tailEnd type="none" w="med" len="med"/>
+                    </a:lnT>
+                    <a:lnB w="12700" cap="flat" cmpd="sng" algn="ctr">
+                      <a:solidFill>
+                        <a:schemeClr val="tx1"/>
+                      </a:solidFill>
+                      <a:prstDash val="solid"/>
+                      <a:round/>
+                      <a:headEnd type="none" w="med" len="med"/>
+                      <a:tailEnd type="none" w="med" len="med"/>
+                    </a:lnB>
+                  </a:tcPr>
+                </a:tc>
+                <a:tc>
+                  <a:txBody>
+                    <a:bodyPr/>
+                    <a:lstStyle/>
+                    <a:p>
+                      <a:pPr algn="ctr"/>
+                      <a:r>
+                        <a:rPr lang="en-US" dirty="0" smtClean="0"/>
+                        <a:t>0.568</a:t>
+                      </a:r>
+                      <a:endParaRPr lang="en-US" dirty="0" smtClean="0"/>
+                    </a:p>
+                  </a:txBody>
+                  <a:tcPr>
+                    <a:lnL w="12700" cap="flat" cmpd="sng" algn="ctr">
+                      <a:solidFill>
+                        <a:schemeClr val="tx1"/>
+                      </a:solidFill>
+                      <a:prstDash val="solid"/>
+                      <a:round/>
+                      <a:headEnd type="none" w="med" len="med"/>
+                      <a:tailEnd type="none" w="med" len="med"/>
+                    </a:lnL>
+                    <a:lnR w="12700" cap="flat" cmpd="sng" algn="ctr">
+                      <a:solidFill>
+                        <a:schemeClr val="tx1"/>
+                      </a:solidFill>
+                      <a:prstDash val="solid"/>
+                      <a:round/>
+                      <a:headEnd type="none" w="med" len="med"/>
+                      <a:tailEnd type="none" w="med" len="med"/>
+                    </a:lnR>
+                    <a:lnT w="12700" cap="flat" cmpd="sng" algn="ctr">
+                      <a:solidFill>
+                        <a:schemeClr val="tx1"/>
+                      </a:solidFill>
+                      <a:prstDash val="solid"/>
+                      <a:round/>
+                      <a:headEnd type="none" w="med" len="med"/>
+                      <a:tailEnd type="none" w="med" len="med"/>
+                    </a:lnT>
+                    <a:lnB w="12700" cap="flat" cmpd="sng" algn="ctr">
+                      <a:solidFill>
+                        <a:schemeClr val="tx1"/>
+                      </a:solidFill>
+                      <a:prstDash val="solid"/>
+                      <a:round/>
+                      <a:headEnd type="none" w="med" len="med"/>
+                      <a:tailEnd type="none" w="med" len="med"/>
+                    </a:lnB>
+                  </a:tcPr>
+                </a:tc>
+                <a:tc>
+                  <a:txBody>
+                    <a:bodyPr/>
+                    <a:lstStyle/>
+                    <a:p>
+                      <a:pPr algn="ctr"/>
+                      <a:r>
+                        <a:rPr lang="en-US" dirty="0" smtClean="0"/>
+                        <a:t>0.648</a:t>
+                      </a:r>
+                      <a:endParaRPr lang="en-US" dirty="0"/>
+                    </a:p>
+                  </a:txBody>
+                  <a:tcPr>
+                    <a:lnL w="12700" cap="flat" cmpd="sng" algn="ctr">
+                      <a:solidFill>
+                        <a:schemeClr val="tx1"/>
+                      </a:solidFill>
+                      <a:prstDash val="solid"/>
+                      <a:round/>
+                      <a:headEnd type="none" w="med" len="med"/>
+                      <a:tailEnd type="none" w="med" len="med"/>
+                    </a:lnL>
+                    <a:lnR w="12700" cap="flat" cmpd="sng" algn="ctr">
+                      <a:solidFill>
+                        <a:schemeClr val="tx1"/>
+                      </a:solidFill>
+                      <a:prstDash val="solid"/>
+                      <a:round/>
+                      <a:headEnd type="none" w="med" len="med"/>
+                      <a:tailEnd type="none" w="med" len="med"/>
+                    </a:lnR>
+                    <a:lnT w="12700" cap="flat" cmpd="sng" algn="ctr">
+                      <a:solidFill>
+                        <a:schemeClr val="tx1"/>
+                      </a:solidFill>
+                      <a:prstDash val="solid"/>
+                      <a:round/>
+                      <a:headEnd type="none" w="med" len="med"/>
+                      <a:tailEnd type="none" w="med" len="med"/>
+                    </a:lnT>
+                    <a:lnB w="12700" cap="flat" cmpd="sng" algn="ctr">
+                      <a:solidFill>
+                        <a:schemeClr val="tx1"/>
+                      </a:solidFill>
+                      <a:prstDash val="solid"/>
+                      <a:round/>
+                      <a:headEnd type="none" w="med" len="med"/>
+                      <a:tailEnd type="none" w="med" len="med"/>
+                    </a:lnB>
+                  </a:tcPr>
+                </a:tc>
+                <a:tc>
+                  <a:txBody>
+                    <a:bodyPr/>
+                    <a:lstStyle/>
+                    <a:p>
+                      <a:pPr algn="ctr"/>
+                      <a:r>
+                        <a:rPr lang="en-US" dirty="0" smtClean="0"/>
+                        <a:t>0.588</a:t>
+                      </a:r>
+                      <a:endParaRPr lang="en-US" dirty="0"/>
+                    </a:p>
+                  </a:txBody>
+                  <a:tcPr>
+                    <a:lnL w="12700" cap="flat" cmpd="sng" algn="ctr">
+                      <a:solidFill>
+                        <a:schemeClr val="tx1"/>
+                      </a:solidFill>
+                      <a:prstDash val="solid"/>
+                      <a:round/>
+                      <a:headEnd type="none" w="med" len="med"/>
+                      <a:tailEnd type="none" w="med" len="med"/>
+                    </a:lnL>
+                    <a:lnR w="12700" cap="flat" cmpd="sng" algn="ctr">
+                      <a:solidFill>
+                        <a:schemeClr val="tx1"/>
+                      </a:solidFill>
+                      <a:prstDash val="solid"/>
+                      <a:round/>
+                      <a:headEnd type="none" w="med" len="med"/>
+                      <a:tailEnd type="none" w="med" len="med"/>
+                    </a:lnR>
+                    <a:lnT w="12700" cap="flat" cmpd="sng" algn="ctr">
+                      <a:solidFill>
+                        <a:schemeClr val="tx1"/>
+                      </a:solidFill>
+                      <a:prstDash val="solid"/>
+                      <a:round/>
+                      <a:headEnd type="none" w="med" len="med"/>
+                      <a:tailEnd type="none" w="med" len="med"/>
+                    </a:lnT>
+                    <a:lnB w="12700" cap="flat" cmpd="sng" algn="ctr">
+                      <a:solidFill>
+                        <a:schemeClr val="tx1"/>
+                      </a:solidFill>
+                      <a:prstDash val="solid"/>
+                      <a:round/>
+                      <a:headEnd type="none" w="med" len="med"/>
+                      <a:tailEnd type="none" w="med" len="med"/>
+                    </a:lnB>
+                  </a:tcPr>
+                </a:tc>
+                <a:tc>
+                  <a:txBody>
+                    <a:bodyPr/>
+                    <a:lstStyle/>
+                    <a:p>
+                      <a:pPr algn="ctr"/>
+                      <a:r>
+                        <a:rPr lang="en-US" dirty="0" smtClean="0"/>
+                        <a:t>0.598</a:t>
+                      </a:r>
+                      <a:endParaRPr lang="en-US" dirty="0"/>
+                    </a:p>
+                  </a:txBody>
+                  <a:tcPr>
+                    <a:lnL w="12700" cap="flat" cmpd="sng" algn="ctr">
+                      <a:solidFill>
+                        <a:schemeClr val="tx1"/>
+                      </a:solidFill>
+                      <a:prstDash val="solid"/>
+                      <a:round/>
+                      <a:headEnd type="none" w="med" len="med"/>
+                      <a:tailEnd type="none" w="med" len="med"/>
+                    </a:lnL>
+                    <a:lnR w="12700" cap="flat" cmpd="sng" algn="ctr">
+                      <a:solidFill>
+                        <a:schemeClr val="tx1"/>
+                      </a:solidFill>
+                      <a:prstDash val="solid"/>
+                      <a:round/>
+                      <a:headEnd type="none" w="med" len="med"/>
+                      <a:tailEnd type="none" w="med" len="med"/>
+                    </a:lnR>
+                    <a:lnT w="12700" cap="flat" cmpd="sng" algn="ctr">
+                      <a:solidFill>
+                        <a:schemeClr val="tx1"/>
+                      </a:solidFill>
+                      <a:prstDash val="solid"/>
+                      <a:round/>
+                      <a:headEnd type="none" w="med" len="med"/>
+                      <a:tailEnd type="none" w="med" len="med"/>
+                    </a:lnT>
+                    <a:lnB w="12700" cap="flat" cmpd="sng" algn="ctr">
+                      <a:solidFill>
+                        <a:schemeClr val="tx1"/>
+                      </a:solidFill>
+                      <a:prstDash val="solid"/>
+                      <a:round/>
+                      <a:headEnd type="none" w="med" len="med"/>
+                      <a:tailEnd type="none" w="med" len="med"/>
+                    </a:lnB>
+                  </a:tcPr>
+                </a:tc>
+                <a:tc>
+                  <a:txBody>
+                    <a:bodyPr/>
+                    <a:lstStyle/>
+                    <a:p>
+                      <a:pPr algn="ctr"/>
+                      <a:r>
+                        <a:rPr lang="en-US" dirty="0" smtClean="0"/>
+                        <a:t>0.541</a:t>
+                      </a:r>
+                      <a:endParaRPr lang="en-US" dirty="0"/>
+                    </a:p>
+                  </a:txBody>
+                  <a:tcPr>
+                    <a:lnL w="12700" cap="flat" cmpd="sng" algn="ctr">
+                      <a:solidFill>
+                        <a:schemeClr val="tx1"/>
+                      </a:solidFill>
+                      <a:prstDash val="solid"/>
+                      <a:round/>
+                      <a:headEnd type="none" w="med" len="med"/>
+                      <a:tailEnd type="none" w="med" len="med"/>
+                    </a:lnL>
+                    <a:lnR w="12700" cap="flat" cmpd="sng" algn="ctr">
+                      <a:solidFill>
+                        <a:schemeClr val="tx1"/>
+                      </a:solidFill>
+                      <a:prstDash val="solid"/>
+                      <a:round/>
+                      <a:headEnd type="none" w="med" len="med"/>
+                      <a:tailEnd type="none" w="med" len="med"/>
+                    </a:lnR>
+                    <a:lnT w="12700" cap="flat" cmpd="sng" algn="ctr">
+                      <a:solidFill>
+                        <a:schemeClr val="tx1"/>
+                      </a:solidFill>
+                      <a:prstDash val="solid"/>
+                      <a:round/>
+                      <a:headEnd type="none" w="med" len="med"/>
+                      <a:tailEnd type="none" w="med" len="med"/>
+                    </a:lnT>
+                    <a:lnB w="12700" cap="flat" cmpd="sng" algn="ctr">
+                      <a:solidFill>
+                        <a:schemeClr val="tx1"/>
+                      </a:solidFill>
+                      <a:prstDash val="solid"/>
+                      <a:round/>
+                      <a:headEnd type="none" w="med" len="med"/>
+                      <a:tailEnd type="none" w="med" len="med"/>
+                    </a:lnB>
+                  </a:tcPr>
+                </a:tc>
+                <a:tc>
+                  <a:txBody>
+                    <a:bodyPr/>
+                    <a:lstStyle/>
+                    <a:p>
+                      <a:pPr algn="ctr"/>
+                      <a:r>
+                        <a:rPr lang="en-US" dirty="0" smtClean="0"/>
+                        <a:t>0.557</a:t>
+                      </a:r>
+                      <a:endParaRPr lang="en-US" dirty="0"/>
+                    </a:p>
+                  </a:txBody>
+                  <a:tcPr>
+                    <a:lnL w="12700" cap="flat" cmpd="sng" algn="ctr">
+                      <a:solidFill>
+                        <a:schemeClr val="tx1"/>
+                      </a:solidFill>
+                      <a:prstDash val="solid"/>
+                      <a:round/>
+                      <a:headEnd type="none" w="med" len="med"/>
+                      <a:tailEnd type="none" w="med" len="med"/>
+                    </a:lnL>
+                    <a:lnR w="12700" cap="flat" cmpd="sng" algn="ctr">
+                      <a:solidFill>
+                        <a:schemeClr val="tx1"/>
+                      </a:solidFill>
+                      <a:prstDash val="solid"/>
+                      <a:round/>
+                      <a:headEnd type="none" w="med" len="med"/>
+                      <a:tailEnd type="none" w="med" len="med"/>
+                    </a:lnR>
+                    <a:lnT w="12700" cap="flat" cmpd="sng" algn="ctr">
+                      <a:solidFill>
+                        <a:schemeClr val="tx1"/>
+                      </a:solidFill>
+                      <a:prstDash val="solid"/>
+                      <a:round/>
+                      <a:headEnd type="none" w="med" len="med"/>
+                      <a:tailEnd type="none" w="med" len="med"/>
+                    </a:lnT>
+                    <a:lnB w="12700" cap="flat" cmpd="sng" algn="ctr">
+                      <a:solidFill>
+                        <a:schemeClr val="tx1"/>
+                      </a:solidFill>
+                      <a:prstDash val="solid"/>
+                      <a:round/>
+                      <a:headEnd type="none" w="med" len="med"/>
+                      <a:tailEnd type="none" w="med" len="med"/>
+                    </a:lnB>
+                  </a:tcPr>
+                </a:tc>
+                <a:tc>
+                  <a:txBody>
+                    <a:bodyPr/>
+                    <a:lstStyle/>
+                    <a:p>
+                      <a:pPr algn="ctr"/>
+                      <a:r>
+                        <a:rPr lang="en-US" dirty="0" smtClean="0"/>
+                        <a:t>0.553</a:t>
+                      </a:r>
+                      <a:endParaRPr lang="en-US" dirty="0"/>
+                    </a:p>
+                  </a:txBody>
+                  <a:tcPr>
+                    <a:lnL w="12700" cap="flat" cmpd="sng" algn="ctr">
+                      <a:solidFill>
+                        <a:schemeClr val="tx1"/>
+                      </a:solidFill>
+                      <a:prstDash val="solid"/>
+                      <a:round/>
+                      <a:headEnd type="none" w="med" len="med"/>
+                      <a:tailEnd type="none" w="med" len="med"/>
+                    </a:lnL>
+                    <a:lnR w="12700" cap="flat" cmpd="sng" algn="ctr">
+                      <a:solidFill>
+                        <a:schemeClr val="tx1"/>
+                      </a:solidFill>
+                      <a:prstDash val="solid"/>
+                      <a:round/>
+                      <a:headEnd type="none" w="med" len="med"/>
+                      <a:tailEnd type="none" w="med" len="med"/>
+                    </a:lnR>
+                    <a:lnT w="12700" cap="flat" cmpd="sng" algn="ctr">
+                      <a:solidFill>
+                        <a:schemeClr val="tx1"/>
+                      </a:solidFill>
+                      <a:prstDash val="solid"/>
+                      <a:round/>
+                      <a:headEnd type="none" w="med" len="med"/>
+                      <a:tailEnd type="none" w="med" len="med"/>
+                    </a:lnT>
+                    <a:lnB w="12700" cap="flat" cmpd="sng" algn="ctr">
+                      <a:solidFill>
+                        <a:schemeClr val="tx1"/>
+                      </a:solidFill>
+                      <a:prstDash val="solid"/>
+                      <a:round/>
+                      <a:headEnd type="none" w="med" len="med"/>
+                      <a:tailEnd type="none" w="med" len="med"/>
+                    </a:lnB>
+                  </a:tcPr>
+                </a:tc>
+              </a:tr>
+              <a:tr h="581984">
+                <a:tc>
+                  <a:txBody>
+                    <a:bodyPr/>
+                    <a:lstStyle/>
+                    <a:p>
+                      <a:pPr algn="ctr"/>
+                      <a:r>
+                        <a:rPr lang="en-US" b="1" dirty="0" smtClean="0"/>
+                        <a:t>Decision</a:t>
+                      </a:r>
+                      <a:r>
+                        <a:rPr lang="en-US" b="1" baseline="0" dirty="0" smtClean="0"/>
+                        <a:t> Trees</a:t>
+                      </a:r>
+                      <a:endParaRPr lang="en-US" b="1" dirty="0"/>
+                    </a:p>
+                  </a:txBody>
+                  <a:tcPr>
+                    <a:lnL w="12700" cap="flat" cmpd="sng" algn="ctr">
+                      <a:solidFill>
+                        <a:schemeClr val="tx1"/>
+                      </a:solidFill>
+                      <a:prstDash val="solid"/>
+                      <a:round/>
+                      <a:headEnd type="none" w="med" len="med"/>
+                      <a:tailEnd type="none" w="med" len="med"/>
+                    </a:lnL>
+                    <a:lnR w="12700" cap="flat" cmpd="sng" algn="ctr">
+                      <a:solidFill>
+                        <a:schemeClr val="tx1"/>
+                      </a:solidFill>
+                      <a:prstDash val="solid"/>
+                      <a:round/>
+                      <a:headEnd type="none" w="med" len="med"/>
+                      <a:tailEnd type="none" w="med" len="med"/>
+                    </a:lnR>
+                    <a:lnT w="12700" cap="flat" cmpd="sng" algn="ctr">
+                      <a:solidFill>
+                        <a:schemeClr val="tx1"/>
+                      </a:solidFill>
+                      <a:prstDash val="solid"/>
+                      <a:round/>
+                      <a:headEnd type="none" w="med" len="med"/>
+                      <a:tailEnd type="none" w="med" len="med"/>
+                    </a:lnT>
+                    <a:lnB w="12700" cap="flat" cmpd="sng" algn="ctr">
+                      <a:solidFill>
+                        <a:schemeClr val="tx1"/>
+                      </a:solidFill>
+                      <a:prstDash val="solid"/>
+                      <a:round/>
+                      <a:headEnd type="none" w="med" len="med"/>
+                      <a:tailEnd type="none" w="med" len="med"/>
+                    </a:lnB>
+                  </a:tcPr>
+                </a:tc>
+                <a:tc>
+                  <a:txBody>
+                    <a:bodyPr/>
+                    <a:lstStyle/>
+                    <a:p>
+                      <a:pPr algn="ctr"/>
+                      <a:r>
+                        <a:rPr lang="en-US" dirty="0" smtClean="0"/>
+                        <a:t>0.484</a:t>
+                      </a:r>
+                      <a:endParaRPr lang="en-US" dirty="0" smtClean="0"/>
+                    </a:p>
+                  </a:txBody>
+                  <a:tcPr>
+                    <a:lnL w="12700" cap="flat" cmpd="sng" algn="ctr">
+                      <a:solidFill>
+                        <a:schemeClr val="tx1"/>
+                      </a:solidFill>
+                      <a:prstDash val="solid"/>
+                      <a:round/>
+                      <a:headEnd type="none" w="med" len="med"/>
+                      <a:tailEnd type="none" w="med" len="med"/>
+                    </a:lnL>
+                    <a:lnR w="12700" cap="flat" cmpd="sng" algn="ctr">
+                      <a:solidFill>
+                        <a:schemeClr val="tx1"/>
+                      </a:solidFill>
+                      <a:prstDash val="solid"/>
+                      <a:round/>
+                      <a:headEnd type="none" w="med" len="med"/>
+                      <a:tailEnd type="none" w="med" len="med"/>
+                    </a:lnR>
+                    <a:lnT w="12700" cap="flat" cmpd="sng" algn="ctr">
+                      <a:solidFill>
+                        <a:schemeClr val="tx1"/>
+                      </a:solidFill>
+                      <a:prstDash val="solid"/>
+                      <a:round/>
+                      <a:headEnd type="none" w="med" len="med"/>
+                      <a:tailEnd type="none" w="med" len="med"/>
+                    </a:lnT>
+                    <a:lnB w="12700" cap="flat" cmpd="sng" algn="ctr">
+                      <a:solidFill>
+                        <a:schemeClr val="tx1"/>
+                      </a:solidFill>
+                      <a:prstDash val="solid"/>
+                      <a:round/>
+                      <a:headEnd type="none" w="med" len="med"/>
+                      <a:tailEnd type="none" w="med" len="med"/>
+                    </a:lnB>
+                  </a:tcPr>
+                </a:tc>
+                <a:tc>
+                  <a:txBody>
+                    <a:bodyPr/>
+                    <a:lstStyle/>
+                    <a:p>
+                      <a:pPr algn="ctr"/>
+                      <a:r>
+                        <a:rPr lang="en-US" dirty="0" smtClean="0"/>
+                        <a:t>0.480</a:t>
+                      </a:r>
+                      <a:endParaRPr lang="en-US" dirty="0"/>
+                    </a:p>
+                  </a:txBody>
+                  <a:tcPr>
+                    <a:lnL w="12700" cap="flat" cmpd="sng" algn="ctr">
+                      <a:solidFill>
+                        <a:schemeClr val="tx1"/>
+                      </a:solidFill>
+                      <a:prstDash val="solid"/>
+                      <a:round/>
+                      <a:headEnd type="none" w="med" len="med"/>
+                      <a:tailEnd type="none" w="med" len="med"/>
+                    </a:lnL>
+                    <a:lnR w="12700" cap="flat" cmpd="sng" algn="ctr">
+                      <a:solidFill>
+                        <a:schemeClr val="tx1"/>
+                      </a:solidFill>
+                      <a:prstDash val="solid"/>
+                      <a:round/>
+                      <a:headEnd type="none" w="med" len="med"/>
+                      <a:tailEnd type="none" w="med" len="med"/>
+                    </a:lnR>
+                    <a:lnT w="12700" cap="flat" cmpd="sng" algn="ctr">
+                      <a:solidFill>
+                        <a:schemeClr val="tx1"/>
+                      </a:solidFill>
+                      <a:prstDash val="solid"/>
+                      <a:round/>
+                      <a:headEnd type="none" w="med" len="med"/>
+                      <a:tailEnd type="none" w="med" len="med"/>
+                    </a:lnT>
+                    <a:lnB w="12700" cap="flat" cmpd="sng" algn="ctr">
+                      <a:solidFill>
+                        <a:schemeClr val="tx1"/>
+                      </a:solidFill>
+                      <a:prstDash val="solid"/>
+                      <a:round/>
+                      <a:headEnd type="none" w="med" len="med"/>
+                      <a:tailEnd type="none" w="med" len="med"/>
+                    </a:lnB>
+                  </a:tcPr>
+                </a:tc>
+                <a:tc>
+                  <a:txBody>
+                    <a:bodyPr/>
+                    <a:lstStyle/>
+                    <a:p>
+                      <a:pPr algn="ctr"/>
+                      <a:r>
+                        <a:rPr lang="en-US" dirty="0" smtClean="0"/>
+                        <a:t>0.470</a:t>
+                      </a:r>
+                      <a:endParaRPr lang="en-US" dirty="0"/>
+                    </a:p>
+                  </a:txBody>
+                  <a:tcPr>
+                    <a:lnL w="12700" cap="flat" cmpd="sng" algn="ctr">
+                      <a:solidFill>
+                        <a:schemeClr val="tx1"/>
+                      </a:solidFill>
+                      <a:prstDash val="solid"/>
+                      <a:round/>
+                      <a:headEnd type="none" w="med" len="med"/>
+                      <a:tailEnd type="none" w="med" len="med"/>
+                    </a:lnL>
+                    <a:lnR w="12700" cap="flat" cmpd="sng" algn="ctr">
+                      <a:solidFill>
+                        <a:schemeClr val="tx1"/>
+                      </a:solidFill>
+                      <a:prstDash val="solid"/>
+                      <a:round/>
+                      <a:headEnd type="none" w="med" len="med"/>
+                      <a:tailEnd type="none" w="med" len="med"/>
+                    </a:lnR>
+                    <a:lnT w="12700" cap="flat" cmpd="sng" algn="ctr">
+                      <a:solidFill>
+                        <a:schemeClr val="tx1"/>
+                      </a:solidFill>
+                      <a:prstDash val="solid"/>
+                      <a:round/>
+                      <a:headEnd type="none" w="med" len="med"/>
+                      <a:tailEnd type="none" w="med" len="med"/>
+                    </a:lnT>
+                    <a:lnB w="12700" cap="flat" cmpd="sng" algn="ctr">
+                      <a:solidFill>
+                        <a:schemeClr val="tx1"/>
+                      </a:solidFill>
+                      <a:prstDash val="solid"/>
+                      <a:round/>
+                      <a:headEnd type="none" w="med" len="med"/>
+                      <a:tailEnd type="none" w="med" len="med"/>
+                    </a:lnB>
+                  </a:tcPr>
+                </a:tc>
+                <a:tc>
+                  <a:txBody>
+                    <a:bodyPr/>
+                    <a:lstStyle/>
+                    <a:p>
+                      <a:pPr algn="ctr"/>
+                      <a:r>
+                        <a:rPr lang="en-US" dirty="0" smtClean="0"/>
+                        <a:t>0.456</a:t>
+                      </a:r>
+                      <a:endParaRPr lang="en-US" dirty="0"/>
+                    </a:p>
+                  </a:txBody>
+                  <a:tcPr>
+                    <a:lnL w="12700" cap="flat" cmpd="sng" algn="ctr">
+                      <a:solidFill>
+                        <a:schemeClr val="tx1"/>
+                      </a:solidFill>
+                      <a:prstDash val="solid"/>
+                      <a:round/>
+                      <a:headEnd type="none" w="med" len="med"/>
+                      <a:tailEnd type="none" w="med" len="med"/>
+                    </a:lnL>
+                    <a:lnR w="12700" cap="flat" cmpd="sng" algn="ctr">
+                      <a:solidFill>
+                        <a:schemeClr val="tx1"/>
+                      </a:solidFill>
+                      <a:prstDash val="solid"/>
+                      <a:round/>
+                      <a:headEnd type="none" w="med" len="med"/>
+                      <a:tailEnd type="none" w="med" len="med"/>
+                    </a:lnR>
+                    <a:lnT w="12700" cap="flat" cmpd="sng" algn="ctr">
+                      <a:solidFill>
+                        <a:schemeClr val="tx1"/>
+                      </a:solidFill>
+                      <a:prstDash val="solid"/>
+                      <a:round/>
+                      <a:headEnd type="none" w="med" len="med"/>
+                      <a:tailEnd type="none" w="med" len="med"/>
+                    </a:lnT>
+                    <a:lnB w="12700" cap="flat" cmpd="sng" algn="ctr">
+                      <a:solidFill>
+                        <a:schemeClr val="tx1"/>
+                      </a:solidFill>
+                      <a:prstDash val="solid"/>
+                      <a:round/>
+                      <a:headEnd type="none" w="med" len="med"/>
+                      <a:tailEnd type="none" w="med" len="med"/>
+                    </a:lnB>
+                  </a:tcPr>
+                </a:tc>
+                <a:tc>
+                  <a:txBody>
+                    <a:bodyPr/>
+                    <a:lstStyle/>
+                    <a:p>
+                      <a:pPr algn="ctr"/>
+                      <a:r>
+                        <a:rPr lang="en-US" dirty="0" smtClean="0"/>
+                        <a:t>0.468</a:t>
+                      </a:r>
+                      <a:endParaRPr lang="en-US" dirty="0"/>
+                    </a:p>
+                  </a:txBody>
+                  <a:tcPr>
+                    <a:lnL w="12700" cap="flat" cmpd="sng" algn="ctr">
+                      <a:solidFill>
+                        <a:schemeClr val="tx1"/>
+                      </a:solidFill>
+                      <a:prstDash val="solid"/>
+                      <a:round/>
+                      <a:headEnd type="none" w="med" len="med"/>
+                      <a:tailEnd type="none" w="med" len="med"/>
+                    </a:lnL>
+                    <a:lnR w="12700" cap="flat" cmpd="sng" algn="ctr">
+                      <a:solidFill>
+                        <a:schemeClr val="tx1"/>
+                      </a:solidFill>
+                      <a:prstDash val="solid"/>
+                      <a:round/>
+                      <a:headEnd type="none" w="med" len="med"/>
+                      <a:tailEnd type="none" w="med" len="med"/>
+                    </a:lnR>
+                    <a:lnT w="12700" cap="flat" cmpd="sng" algn="ctr">
+                      <a:solidFill>
+                        <a:schemeClr val="tx1"/>
+                      </a:solidFill>
+                      <a:prstDash val="solid"/>
+                      <a:round/>
+                      <a:headEnd type="none" w="med" len="med"/>
+                      <a:tailEnd type="none" w="med" len="med"/>
+                    </a:lnT>
+                    <a:lnB w="12700" cap="flat" cmpd="sng" algn="ctr">
+                      <a:solidFill>
+                        <a:schemeClr val="tx1"/>
+                      </a:solidFill>
+                      <a:prstDash val="solid"/>
+                      <a:round/>
+                      <a:headEnd type="none" w="med" len="med"/>
+                      <a:tailEnd type="none" w="med" len="med"/>
+                    </a:lnB>
+                  </a:tcPr>
+                </a:tc>
+                <a:tc>
+                  <a:txBody>
+                    <a:bodyPr/>
+                    <a:lstStyle/>
+                    <a:p>
+                      <a:pPr algn="ctr"/>
+                      <a:r>
+                        <a:rPr lang="en-US" dirty="0" smtClean="0"/>
+                        <a:t>0.455</a:t>
+                      </a:r>
+                      <a:endParaRPr lang="en-US" dirty="0"/>
+                    </a:p>
+                  </a:txBody>
+                  <a:tcPr>
+                    <a:lnL w="12700" cap="flat" cmpd="sng" algn="ctr">
+                      <a:solidFill>
+                        <a:schemeClr val="tx1"/>
+                      </a:solidFill>
+                      <a:prstDash val="solid"/>
+                      <a:round/>
+                      <a:headEnd type="none" w="med" len="med"/>
+                      <a:tailEnd type="none" w="med" len="med"/>
+                    </a:lnL>
+                    <a:lnR w="12700" cap="flat" cmpd="sng" algn="ctr">
+                      <a:solidFill>
+                        <a:schemeClr val="tx1"/>
+                      </a:solidFill>
+                      <a:prstDash val="solid"/>
+                      <a:round/>
+                      <a:headEnd type="none" w="med" len="med"/>
+                      <a:tailEnd type="none" w="med" len="med"/>
+                    </a:lnR>
+                    <a:lnT w="12700" cap="flat" cmpd="sng" algn="ctr">
+                      <a:solidFill>
+                        <a:schemeClr val="tx1"/>
+                      </a:solidFill>
+                      <a:prstDash val="solid"/>
+                      <a:round/>
+                      <a:headEnd type="none" w="med" len="med"/>
+                      <a:tailEnd type="none" w="med" len="med"/>
+                    </a:lnT>
+                    <a:lnB w="12700" cap="flat" cmpd="sng" algn="ctr">
+                      <a:solidFill>
+                        <a:schemeClr val="tx1"/>
+                      </a:solidFill>
+                      <a:prstDash val="solid"/>
+                      <a:round/>
+                      <a:headEnd type="none" w="med" len="med"/>
+                      <a:tailEnd type="none" w="med" len="med"/>
+                    </a:lnB>
+                  </a:tcPr>
+                </a:tc>
+                <a:tc>
+                  <a:txBody>
+                    <a:bodyPr/>
+                    <a:lstStyle/>
+                    <a:p>
+                      <a:pPr algn="ctr"/>
+                      <a:r>
+                        <a:rPr lang="en-US" dirty="0" smtClean="0"/>
+                        <a:t>0.464</a:t>
+                      </a:r>
+                      <a:endParaRPr lang="en-US" dirty="0"/>
+                    </a:p>
+                  </a:txBody>
+                  <a:tcPr>
+                    <a:lnL w="12700" cap="flat" cmpd="sng" algn="ctr">
+                      <a:solidFill>
+                        <a:schemeClr val="tx1"/>
+                      </a:solidFill>
+                      <a:prstDash val="solid"/>
+                      <a:round/>
+                      <a:headEnd type="none" w="med" len="med"/>
+                      <a:tailEnd type="none" w="med" len="med"/>
+                    </a:lnL>
+                    <a:lnR w="12700" cap="flat" cmpd="sng" algn="ctr">
+                      <a:solidFill>
+                        <a:schemeClr val="tx1"/>
+                      </a:solidFill>
+                      <a:prstDash val="solid"/>
+                      <a:round/>
+                      <a:headEnd type="none" w="med" len="med"/>
+                      <a:tailEnd type="none" w="med" len="med"/>
+                    </a:lnR>
+                    <a:lnT w="12700" cap="flat" cmpd="sng" algn="ctr">
+                      <a:solidFill>
+                        <a:schemeClr val="tx1"/>
+                      </a:solidFill>
+                      <a:prstDash val="solid"/>
+                      <a:round/>
+                      <a:headEnd type="none" w="med" len="med"/>
+                      <a:tailEnd type="none" w="med" len="med"/>
+                    </a:lnT>
+                    <a:lnB w="12700" cap="flat" cmpd="sng" algn="ctr">
+                      <a:solidFill>
+                        <a:schemeClr val="tx1"/>
+                      </a:solidFill>
+                      <a:prstDash val="solid"/>
+                      <a:round/>
+                      <a:headEnd type="none" w="med" len="med"/>
+                      <a:tailEnd type="none" w="med" len="med"/>
+                    </a:lnB>
+                  </a:tcPr>
+                </a:tc>
+              </a:tr>
+              <a:tr h="581984">
+                <a:tc>
+                  <a:txBody>
+                    <a:bodyPr/>
+                    <a:lstStyle/>
+                    <a:p>
+                      <a:pPr algn="ctr"/>
+                      <a:r>
+                        <a:rPr lang="en-US" b="1" dirty="0" smtClean="0"/>
+                        <a:t>K Nearest Neighbors</a:t>
+                      </a:r>
+                      <a:endParaRPr lang="en-US" b="1" dirty="0"/>
+                    </a:p>
+                  </a:txBody>
+                  <a:tcPr>
+                    <a:lnL w="12700" cap="flat" cmpd="sng" algn="ctr">
+                      <a:solidFill>
+                        <a:schemeClr val="tx1"/>
+                      </a:solidFill>
+                      <a:prstDash val="solid"/>
+                      <a:round/>
+                      <a:headEnd type="none" w="med" len="med"/>
+                      <a:tailEnd type="none" w="med" len="med"/>
+                    </a:lnL>
+                    <a:lnR w="12700" cap="flat" cmpd="sng" algn="ctr">
+                      <a:solidFill>
+                        <a:schemeClr val="tx1"/>
+                      </a:solidFill>
+                      <a:prstDash val="solid"/>
+                      <a:round/>
+                      <a:headEnd type="none" w="med" len="med"/>
+                      <a:tailEnd type="none" w="med" len="med"/>
+                    </a:lnR>
+                    <a:lnT w="12700" cap="flat" cmpd="sng" algn="ctr">
+                      <a:solidFill>
+                        <a:schemeClr val="tx1"/>
+                      </a:solidFill>
+                      <a:prstDash val="solid"/>
+                      <a:round/>
+                      <a:headEnd type="none" w="med" len="med"/>
+                      <a:tailEnd type="none" w="med" len="med"/>
+                    </a:lnT>
+                    <a:lnB w="12700" cap="flat" cmpd="sng" algn="ctr">
+                      <a:solidFill>
+                        <a:schemeClr val="tx1"/>
+                      </a:solidFill>
+                      <a:prstDash val="solid"/>
+                      <a:round/>
+                      <a:headEnd type="none" w="med" len="med"/>
+                      <a:tailEnd type="none" w="med" len="med"/>
+                    </a:lnB>
+                  </a:tcPr>
+                </a:tc>
+                <a:tc>
+                  <a:txBody>
+                    <a:bodyPr/>
+                    <a:lstStyle/>
+                    <a:p>
+                      <a:pPr algn="ctr"/>
+                      <a:r>
+                        <a:rPr lang="en-US" dirty="0" smtClean="0"/>
+                        <a:t>0.491</a:t>
+                      </a:r>
+                      <a:endParaRPr lang="en-US" dirty="0" smtClean="0"/>
+                    </a:p>
+                  </a:txBody>
+                  <a:tcPr>
+                    <a:lnL w="12700" cap="flat" cmpd="sng" algn="ctr">
+                      <a:solidFill>
+                        <a:schemeClr val="tx1"/>
+                      </a:solidFill>
+                      <a:prstDash val="solid"/>
+                      <a:round/>
+                      <a:headEnd type="none" w="med" len="med"/>
+                      <a:tailEnd type="none" w="med" len="med"/>
+                    </a:lnL>
+                    <a:lnR w="12700" cap="flat" cmpd="sng" algn="ctr">
+                      <a:solidFill>
+                        <a:schemeClr val="tx1"/>
+                      </a:solidFill>
+                      <a:prstDash val="solid"/>
+                      <a:round/>
+                      <a:headEnd type="none" w="med" len="med"/>
+                      <a:tailEnd type="none" w="med" len="med"/>
+                    </a:lnR>
+                    <a:lnT w="12700" cap="flat" cmpd="sng" algn="ctr">
+                      <a:solidFill>
+                        <a:schemeClr val="tx1"/>
+                      </a:solidFill>
+                      <a:prstDash val="solid"/>
+                      <a:round/>
+                      <a:headEnd type="none" w="med" len="med"/>
+                      <a:tailEnd type="none" w="med" len="med"/>
+                    </a:lnT>
+                    <a:lnB w="12700" cap="flat" cmpd="sng" algn="ctr">
+                      <a:solidFill>
+                        <a:schemeClr val="tx1"/>
+                      </a:solidFill>
+                      <a:prstDash val="solid"/>
+                      <a:round/>
+                      <a:headEnd type="none" w="med" len="med"/>
+                      <a:tailEnd type="none" w="med" len="med"/>
+                    </a:lnB>
+                  </a:tcPr>
+                </a:tc>
+                <a:tc>
+                  <a:txBody>
+                    <a:bodyPr/>
+                    <a:lstStyle/>
+                    <a:p>
+                      <a:pPr algn="ctr"/>
+                      <a:r>
+                        <a:rPr lang="en-US" dirty="0" smtClean="0"/>
+                        <a:t>0.446</a:t>
+                      </a:r>
+                      <a:endParaRPr lang="en-US" dirty="0"/>
+                    </a:p>
+                  </a:txBody>
+                  <a:tcPr>
+                    <a:lnL w="12700" cap="flat" cmpd="sng" algn="ctr">
+                      <a:solidFill>
+                        <a:schemeClr val="tx1"/>
+                      </a:solidFill>
+                      <a:prstDash val="solid"/>
+                      <a:round/>
+                      <a:headEnd type="none" w="med" len="med"/>
+                      <a:tailEnd type="none" w="med" len="med"/>
+                    </a:lnL>
+                    <a:lnR w="12700" cap="flat" cmpd="sng" algn="ctr">
+                      <a:solidFill>
+                        <a:schemeClr val="tx1"/>
+                      </a:solidFill>
+                      <a:prstDash val="solid"/>
+                      <a:round/>
+                      <a:headEnd type="none" w="med" len="med"/>
+                      <a:tailEnd type="none" w="med" len="med"/>
+                    </a:lnR>
+                    <a:lnT w="12700" cap="flat" cmpd="sng" algn="ctr">
+                      <a:solidFill>
+                        <a:schemeClr val="tx1"/>
+                      </a:solidFill>
+                      <a:prstDash val="solid"/>
+                      <a:round/>
+                      <a:headEnd type="none" w="med" len="med"/>
+                      <a:tailEnd type="none" w="med" len="med"/>
+                    </a:lnT>
+                    <a:lnB w="12700" cap="flat" cmpd="sng" algn="ctr">
+                      <a:solidFill>
+                        <a:schemeClr val="tx1"/>
+                      </a:solidFill>
+                      <a:prstDash val="solid"/>
+                      <a:round/>
+                      <a:headEnd type="none" w="med" len="med"/>
+                      <a:tailEnd type="none" w="med" len="med"/>
+                    </a:lnB>
+                  </a:tcPr>
+                </a:tc>
+                <a:tc>
+                  <a:txBody>
+                    <a:bodyPr/>
+                    <a:lstStyle/>
+                    <a:p>
+                      <a:pPr algn="ctr"/>
+                      <a:r>
+                        <a:rPr lang="en-US" dirty="0" smtClean="0"/>
+                        <a:t>0.453</a:t>
+                      </a:r>
+                      <a:endParaRPr lang="en-US" dirty="0"/>
+                    </a:p>
+                  </a:txBody>
+                  <a:tcPr>
+                    <a:lnL w="12700" cap="flat" cmpd="sng" algn="ctr">
+                      <a:solidFill>
+                        <a:schemeClr val="tx1"/>
+                      </a:solidFill>
+                      <a:prstDash val="solid"/>
+                      <a:round/>
+                      <a:headEnd type="none" w="med" len="med"/>
+                      <a:tailEnd type="none" w="med" len="med"/>
+                    </a:lnL>
+                    <a:lnR w="12700" cap="flat" cmpd="sng" algn="ctr">
+                      <a:solidFill>
+                        <a:schemeClr val="tx1"/>
+                      </a:solidFill>
+                      <a:prstDash val="solid"/>
+                      <a:round/>
+                      <a:headEnd type="none" w="med" len="med"/>
+                      <a:tailEnd type="none" w="med" len="med"/>
+                    </a:lnR>
+                    <a:lnT w="12700" cap="flat" cmpd="sng" algn="ctr">
+                      <a:solidFill>
+                        <a:schemeClr val="tx1"/>
+                      </a:solidFill>
+                      <a:prstDash val="solid"/>
+                      <a:round/>
+                      <a:headEnd type="none" w="med" len="med"/>
+                      <a:tailEnd type="none" w="med" len="med"/>
+                    </a:lnT>
+                    <a:lnB w="12700" cap="flat" cmpd="sng" algn="ctr">
+                      <a:solidFill>
+                        <a:schemeClr val="tx1"/>
+                      </a:solidFill>
+                      <a:prstDash val="solid"/>
+                      <a:round/>
+                      <a:headEnd type="none" w="med" len="med"/>
+                      <a:tailEnd type="none" w="med" len="med"/>
+                    </a:lnB>
+                  </a:tcPr>
+                </a:tc>
+                <a:tc>
+                  <a:txBody>
+                    <a:bodyPr/>
+                    <a:lstStyle/>
+                    <a:p>
+                      <a:pPr algn="ctr"/>
+                      <a:r>
+                        <a:rPr lang="en-US" dirty="0" smtClean="0"/>
+                        <a:t>0.476</a:t>
+                      </a:r>
+                      <a:endParaRPr lang="en-US" dirty="0"/>
+                    </a:p>
+                  </a:txBody>
+                  <a:tcPr>
+                    <a:lnL w="12700" cap="flat" cmpd="sng" algn="ctr">
+                      <a:solidFill>
+                        <a:schemeClr val="tx1"/>
+                      </a:solidFill>
+                      <a:prstDash val="solid"/>
+                      <a:round/>
+                      <a:headEnd type="none" w="med" len="med"/>
+                      <a:tailEnd type="none" w="med" len="med"/>
+                    </a:lnL>
+                    <a:lnR w="12700" cap="flat" cmpd="sng" algn="ctr">
+                      <a:solidFill>
+                        <a:schemeClr val="tx1"/>
+                      </a:solidFill>
+                      <a:prstDash val="solid"/>
+                      <a:round/>
+                      <a:headEnd type="none" w="med" len="med"/>
+                      <a:tailEnd type="none" w="med" len="med"/>
+                    </a:lnR>
+                    <a:lnT w="12700" cap="flat" cmpd="sng" algn="ctr">
+                      <a:solidFill>
+                        <a:schemeClr val="tx1"/>
+                      </a:solidFill>
+                      <a:prstDash val="solid"/>
+                      <a:round/>
+                      <a:headEnd type="none" w="med" len="med"/>
+                      <a:tailEnd type="none" w="med" len="med"/>
+                    </a:lnT>
+                    <a:lnB w="12700" cap="flat" cmpd="sng" algn="ctr">
+                      <a:solidFill>
+                        <a:schemeClr val="tx1"/>
+                      </a:solidFill>
+                      <a:prstDash val="solid"/>
+                      <a:round/>
+                      <a:headEnd type="none" w="med" len="med"/>
+                      <a:tailEnd type="none" w="med" len="med"/>
+                    </a:lnB>
+                  </a:tcPr>
+                </a:tc>
+                <a:tc>
+                  <a:txBody>
+                    <a:bodyPr/>
+                    <a:lstStyle/>
+                    <a:p>
+                      <a:pPr algn="ctr"/>
+                      <a:r>
+                        <a:rPr lang="en-US" dirty="0" smtClean="0"/>
+                        <a:t>0.409</a:t>
+                      </a:r>
+                      <a:endParaRPr lang="en-US" dirty="0"/>
+                    </a:p>
+                  </a:txBody>
+                  <a:tcPr>
+                    <a:lnL w="12700" cap="flat" cmpd="sng" algn="ctr">
+                      <a:solidFill>
+                        <a:schemeClr val="tx1"/>
+                      </a:solidFill>
+                      <a:prstDash val="solid"/>
+                      <a:round/>
+                      <a:headEnd type="none" w="med" len="med"/>
+                      <a:tailEnd type="none" w="med" len="med"/>
+                    </a:lnL>
+                    <a:lnR w="12700" cap="flat" cmpd="sng" algn="ctr">
+                      <a:solidFill>
+                        <a:schemeClr val="tx1"/>
+                      </a:solidFill>
+                      <a:prstDash val="solid"/>
+                      <a:round/>
+                      <a:headEnd type="none" w="med" len="med"/>
+                      <a:tailEnd type="none" w="med" len="med"/>
+                    </a:lnR>
+                    <a:lnT w="12700" cap="flat" cmpd="sng" algn="ctr">
+                      <a:solidFill>
+                        <a:schemeClr val="tx1"/>
+                      </a:solidFill>
+                      <a:prstDash val="solid"/>
+                      <a:round/>
+                      <a:headEnd type="none" w="med" len="med"/>
+                      <a:tailEnd type="none" w="med" len="med"/>
+                    </a:lnT>
+                    <a:lnB w="12700" cap="flat" cmpd="sng" algn="ctr">
+                      <a:solidFill>
+                        <a:schemeClr val="tx1"/>
+                      </a:solidFill>
+                      <a:prstDash val="solid"/>
+                      <a:round/>
+                      <a:headEnd type="none" w="med" len="med"/>
+                      <a:tailEnd type="none" w="med" len="med"/>
+                    </a:lnB>
+                  </a:tcPr>
+                </a:tc>
+                <a:tc>
+                  <a:txBody>
+                    <a:bodyPr/>
+                    <a:lstStyle/>
+                    <a:p>
+                      <a:pPr algn="ctr"/>
+                      <a:r>
+                        <a:rPr lang="en-US" dirty="0" smtClean="0"/>
+                        <a:t>0.432</a:t>
+                      </a:r>
+                      <a:endParaRPr lang="en-US" dirty="0"/>
+                    </a:p>
+                  </a:txBody>
+                  <a:tcPr>
+                    <a:lnL w="12700" cap="flat" cmpd="sng" algn="ctr">
+                      <a:solidFill>
+                        <a:schemeClr val="tx1"/>
+                      </a:solidFill>
+                      <a:prstDash val="solid"/>
+                      <a:round/>
+                      <a:headEnd type="none" w="med" len="med"/>
+                      <a:tailEnd type="none" w="med" len="med"/>
+                    </a:lnL>
+                    <a:lnR w="12700" cap="flat" cmpd="sng" algn="ctr">
+                      <a:solidFill>
+                        <a:schemeClr val="tx1"/>
+                      </a:solidFill>
+                      <a:prstDash val="solid"/>
+                      <a:round/>
+                      <a:headEnd type="none" w="med" len="med"/>
+                      <a:tailEnd type="none" w="med" len="med"/>
+                    </a:lnR>
+                    <a:lnT w="12700" cap="flat" cmpd="sng" algn="ctr">
+                      <a:solidFill>
+                        <a:schemeClr val="tx1"/>
+                      </a:solidFill>
+                      <a:prstDash val="solid"/>
+                      <a:round/>
+                      <a:headEnd type="none" w="med" len="med"/>
+                      <a:tailEnd type="none" w="med" len="med"/>
+                    </a:lnT>
+                    <a:lnB w="12700" cap="flat" cmpd="sng" algn="ctr">
+                      <a:solidFill>
+                        <a:schemeClr val="tx1"/>
+                      </a:solidFill>
+                      <a:prstDash val="solid"/>
+                      <a:round/>
+                      <a:headEnd type="none" w="med" len="med"/>
+                      <a:tailEnd type="none" w="med" len="med"/>
+                    </a:lnB>
+                  </a:tcPr>
+                </a:tc>
+                <a:tc>
+                  <a:txBody>
+                    <a:bodyPr/>
+                    <a:lstStyle/>
+                    <a:p>
+                      <a:pPr algn="ctr"/>
+                      <a:r>
+                        <a:rPr lang="en-US" dirty="0" smtClean="0"/>
+                        <a:t>0.455</a:t>
+                      </a:r>
+                      <a:endParaRPr lang="en-US" dirty="0"/>
+                    </a:p>
+                  </a:txBody>
+                  <a:tcPr>
+                    <a:lnL w="12700" cap="flat" cmpd="sng" algn="ctr">
+                      <a:solidFill>
+                        <a:schemeClr val="tx1"/>
+                      </a:solidFill>
+                      <a:prstDash val="solid"/>
+                      <a:round/>
+                      <a:headEnd type="none" w="med" len="med"/>
+                      <a:tailEnd type="none" w="med" len="med"/>
+                    </a:lnL>
+                    <a:lnR w="12700" cap="flat" cmpd="sng" algn="ctr">
+                      <a:solidFill>
+                        <a:schemeClr val="tx1"/>
+                      </a:solidFill>
+                      <a:prstDash val="solid"/>
+                      <a:round/>
+                      <a:headEnd type="none" w="med" len="med"/>
+                      <a:tailEnd type="none" w="med" len="med"/>
+                    </a:lnR>
+                    <a:lnT w="12700" cap="flat" cmpd="sng" algn="ctr">
+                      <a:solidFill>
+                        <a:schemeClr val="tx1"/>
+                      </a:solidFill>
+                      <a:prstDash val="solid"/>
+                      <a:round/>
+                      <a:headEnd type="none" w="med" len="med"/>
+                      <a:tailEnd type="none" w="med" len="med"/>
+                    </a:lnT>
+                    <a:lnB w="12700" cap="flat" cmpd="sng" algn="ctr">
+                      <a:solidFill>
+                        <a:schemeClr val="tx1"/>
+                      </a:solidFill>
+                      <a:prstDash val="solid"/>
+                      <a:round/>
+                      <a:headEnd type="none" w="med" len="med"/>
+                      <a:tailEnd type="none" w="med" len="med"/>
+                    </a:lnB>
+                  </a:tcPr>
+                </a:tc>
+              </a:tr>
+              <a:tr h="581984">
+                <a:tc>
+                  <a:txBody>
+                    <a:bodyPr/>
+                    <a:lstStyle/>
+                    <a:p>
+                      <a:pPr algn="ctr"/>
+                      <a:r>
+                        <a:rPr lang="en-US" b="1" dirty="0" smtClean="0"/>
+                        <a:t>Bernoulli Naïve Bayes</a:t>
+                      </a:r>
+                      <a:endParaRPr lang="en-US" b="1" dirty="0"/>
+                    </a:p>
+                  </a:txBody>
+                  <a:tcPr>
+                    <a:lnL w="12700" cap="flat" cmpd="sng" algn="ctr">
+                      <a:solidFill>
+                        <a:schemeClr val="tx1"/>
+                      </a:solidFill>
+                      <a:prstDash val="solid"/>
+                      <a:round/>
+                      <a:headEnd type="none" w="med" len="med"/>
+                      <a:tailEnd type="none" w="med" len="med"/>
+                    </a:lnL>
+                    <a:lnR w="12700" cap="flat" cmpd="sng" algn="ctr">
+                      <a:solidFill>
+                        <a:schemeClr val="tx1"/>
+                      </a:solidFill>
+                      <a:prstDash val="solid"/>
+                      <a:round/>
+                      <a:headEnd type="none" w="med" len="med"/>
+                      <a:tailEnd type="none" w="med" len="med"/>
+                    </a:lnR>
+                    <a:lnT w="12700" cap="flat" cmpd="sng" algn="ctr">
+                      <a:solidFill>
+                        <a:schemeClr val="tx1"/>
+                      </a:solidFill>
+                      <a:prstDash val="solid"/>
+                      <a:round/>
+                      <a:headEnd type="none" w="med" len="med"/>
+                      <a:tailEnd type="none" w="med" len="med"/>
+                    </a:lnT>
+                    <a:lnB w="12700" cap="flat" cmpd="sng" algn="ctr">
+                      <a:solidFill>
+                        <a:schemeClr val="tx1"/>
+                      </a:solidFill>
+                      <a:prstDash val="solid"/>
+                      <a:round/>
+                      <a:headEnd type="none" w="med" len="med"/>
+                      <a:tailEnd type="none" w="med" len="med"/>
+                    </a:lnB>
+                  </a:tcPr>
+                </a:tc>
+                <a:tc>
+                  <a:txBody>
+                    <a:bodyPr/>
+                    <a:lstStyle/>
+                    <a:p>
+                      <a:pPr algn="ctr"/>
+                      <a:r>
+                        <a:rPr lang="en-US" dirty="0" smtClean="0"/>
+                        <a:t>0.603</a:t>
+                      </a:r>
+                      <a:endParaRPr lang="en-US" dirty="0" smtClean="0"/>
+                    </a:p>
+                  </a:txBody>
+                  <a:tcPr>
+                    <a:lnL w="12700" cap="flat" cmpd="sng" algn="ctr">
+                      <a:solidFill>
+                        <a:schemeClr val="tx1"/>
+                      </a:solidFill>
+                      <a:prstDash val="solid"/>
+                      <a:round/>
+                      <a:headEnd type="none" w="med" len="med"/>
+                      <a:tailEnd type="none" w="med" len="med"/>
+                    </a:lnL>
+                    <a:lnR w="12700" cap="flat" cmpd="sng" algn="ctr">
+                      <a:solidFill>
+                        <a:schemeClr val="tx1"/>
+                      </a:solidFill>
+                      <a:prstDash val="solid"/>
+                      <a:round/>
+                      <a:headEnd type="none" w="med" len="med"/>
+                      <a:tailEnd type="none" w="med" len="med"/>
+                    </a:lnR>
+                    <a:lnT w="12700" cap="flat" cmpd="sng" algn="ctr">
+                      <a:solidFill>
+                        <a:schemeClr val="tx1"/>
+                      </a:solidFill>
+                      <a:prstDash val="solid"/>
+                      <a:round/>
+                      <a:headEnd type="none" w="med" len="med"/>
+                      <a:tailEnd type="none" w="med" len="med"/>
+                    </a:lnT>
+                    <a:lnB w="12700" cap="flat" cmpd="sng" algn="ctr">
+                      <a:solidFill>
+                        <a:schemeClr val="tx1"/>
+                      </a:solidFill>
+                      <a:prstDash val="solid"/>
+                      <a:round/>
+                      <a:headEnd type="none" w="med" len="med"/>
+                      <a:tailEnd type="none" w="med" len="med"/>
+                    </a:lnB>
+                  </a:tcPr>
+                </a:tc>
+                <a:tc>
+                  <a:txBody>
+                    <a:bodyPr/>
+                    <a:lstStyle/>
+                    <a:p>
+                      <a:pPr algn="ctr"/>
+                      <a:r>
+                        <a:rPr lang="en-US" dirty="0" smtClean="0"/>
+                        <a:t>0.567</a:t>
+                      </a:r>
+                      <a:endParaRPr lang="en-US" dirty="0"/>
+                    </a:p>
+                  </a:txBody>
+                  <a:tcPr>
+                    <a:lnL w="12700" cap="flat" cmpd="sng" algn="ctr">
+                      <a:solidFill>
+                        <a:schemeClr val="tx1"/>
+                      </a:solidFill>
+                      <a:prstDash val="solid"/>
+                      <a:round/>
+                      <a:headEnd type="none" w="med" len="med"/>
+                      <a:tailEnd type="none" w="med" len="med"/>
+                    </a:lnL>
+                    <a:lnR w="12700" cap="flat" cmpd="sng" algn="ctr">
+                      <a:solidFill>
+                        <a:schemeClr val="tx1"/>
+                      </a:solidFill>
+                      <a:prstDash val="solid"/>
+                      <a:round/>
+                      <a:headEnd type="none" w="med" len="med"/>
+                      <a:tailEnd type="none" w="med" len="med"/>
+                    </a:lnR>
+                    <a:lnT w="12700" cap="flat" cmpd="sng" algn="ctr">
+                      <a:solidFill>
+                        <a:schemeClr val="tx1"/>
+                      </a:solidFill>
+                      <a:prstDash val="solid"/>
+                      <a:round/>
+                      <a:headEnd type="none" w="med" len="med"/>
+                      <a:tailEnd type="none" w="med" len="med"/>
+                    </a:lnT>
+                    <a:lnB w="12700" cap="flat" cmpd="sng" algn="ctr">
+                      <a:solidFill>
+                        <a:schemeClr val="tx1"/>
+                      </a:solidFill>
+                      <a:prstDash val="solid"/>
+                      <a:round/>
+                      <a:headEnd type="none" w="med" len="med"/>
+                      <a:tailEnd type="none" w="med" len="med"/>
+                    </a:lnB>
+                  </a:tcPr>
+                </a:tc>
+                <a:tc>
+                  <a:txBody>
+                    <a:bodyPr/>
+                    <a:lstStyle/>
+                    <a:p>
+                      <a:pPr algn="ctr"/>
+                      <a:r>
+                        <a:rPr lang="en-US" dirty="0" smtClean="0"/>
+                        <a:t>0.572</a:t>
+                      </a:r>
+                      <a:endParaRPr lang="en-US" dirty="0"/>
+                    </a:p>
+                  </a:txBody>
+                  <a:tcPr>
+                    <a:lnL w="12700" cap="flat" cmpd="sng" algn="ctr">
+                      <a:solidFill>
+                        <a:schemeClr val="tx1"/>
+                      </a:solidFill>
+                      <a:prstDash val="solid"/>
+                      <a:round/>
+                      <a:headEnd type="none" w="med" len="med"/>
+                      <a:tailEnd type="none" w="med" len="med"/>
+                    </a:lnL>
+                    <a:lnR w="12700" cap="flat" cmpd="sng" algn="ctr">
+                      <a:solidFill>
+                        <a:schemeClr val="tx1"/>
+                      </a:solidFill>
+                      <a:prstDash val="solid"/>
+                      <a:round/>
+                      <a:headEnd type="none" w="med" len="med"/>
+                      <a:tailEnd type="none" w="med" len="med"/>
+                    </a:lnR>
+                    <a:lnT w="12700" cap="flat" cmpd="sng" algn="ctr">
+                      <a:solidFill>
+                        <a:schemeClr val="tx1"/>
+                      </a:solidFill>
+                      <a:prstDash val="solid"/>
+                      <a:round/>
+                      <a:headEnd type="none" w="med" len="med"/>
+                      <a:tailEnd type="none" w="med" len="med"/>
+                    </a:lnT>
+                    <a:lnB w="12700" cap="flat" cmpd="sng" algn="ctr">
+                      <a:solidFill>
+                        <a:schemeClr val="tx1"/>
+                      </a:solidFill>
+                      <a:prstDash val="solid"/>
+                      <a:round/>
+                      <a:headEnd type="none" w="med" len="med"/>
+                      <a:tailEnd type="none" w="med" len="med"/>
+                    </a:lnB>
+                  </a:tcPr>
+                </a:tc>
+                <a:tc>
+                  <a:txBody>
+                    <a:bodyPr/>
+                    <a:lstStyle/>
+                    <a:p>
+                      <a:pPr algn="ctr"/>
+                      <a:r>
+                        <a:rPr lang="en-US" dirty="0" smtClean="0"/>
+                        <a:t>0.568</a:t>
+                      </a:r>
+                      <a:endParaRPr lang="en-US" dirty="0"/>
+                    </a:p>
+                  </a:txBody>
+                  <a:tcPr>
+                    <a:lnL w="12700" cap="flat" cmpd="sng" algn="ctr">
+                      <a:solidFill>
+                        <a:schemeClr val="tx1"/>
+                      </a:solidFill>
+                      <a:prstDash val="solid"/>
+                      <a:round/>
+                      <a:headEnd type="none" w="med" len="med"/>
+                      <a:tailEnd type="none" w="med" len="med"/>
+                    </a:lnL>
+                    <a:lnR w="12700" cap="flat" cmpd="sng" algn="ctr">
+                      <a:solidFill>
+                        <a:schemeClr val="tx1"/>
+                      </a:solidFill>
+                      <a:prstDash val="solid"/>
+                      <a:round/>
+                      <a:headEnd type="none" w="med" len="med"/>
+                      <a:tailEnd type="none" w="med" len="med"/>
+                    </a:lnR>
+                    <a:lnT w="12700" cap="flat" cmpd="sng" algn="ctr">
+                      <a:solidFill>
+                        <a:schemeClr val="tx1"/>
+                      </a:solidFill>
+                      <a:prstDash val="solid"/>
+                      <a:round/>
+                      <a:headEnd type="none" w="med" len="med"/>
+                      <a:tailEnd type="none" w="med" len="med"/>
+                    </a:lnT>
+                    <a:lnB w="12700" cap="flat" cmpd="sng" algn="ctr">
+                      <a:solidFill>
+                        <a:schemeClr val="tx1"/>
+                      </a:solidFill>
+                      <a:prstDash val="solid"/>
+                      <a:round/>
+                      <a:headEnd type="none" w="med" len="med"/>
+                      <a:tailEnd type="none" w="med" len="med"/>
+                    </a:lnB>
+                  </a:tcPr>
+                </a:tc>
+                <a:tc>
+                  <a:txBody>
+                    <a:bodyPr/>
+                    <a:lstStyle/>
+                    <a:p>
+                      <a:pPr algn="ctr"/>
+                      <a:r>
+                        <a:rPr lang="en-US" dirty="0" smtClean="0"/>
+                        <a:t>0.593</a:t>
+                      </a:r>
+                      <a:endParaRPr lang="en-US" dirty="0"/>
+                    </a:p>
+                  </a:txBody>
+                  <a:tcPr>
+                    <a:lnL w="12700" cap="flat" cmpd="sng" algn="ctr">
+                      <a:solidFill>
+                        <a:schemeClr val="tx1"/>
+                      </a:solidFill>
+                      <a:prstDash val="solid"/>
+                      <a:round/>
+                      <a:headEnd type="none" w="med" len="med"/>
+                      <a:tailEnd type="none" w="med" len="med"/>
+                    </a:lnL>
+                    <a:lnR w="12700" cap="flat" cmpd="sng" algn="ctr">
+                      <a:solidFill>
+                        <a:schemeClr val="tx1"/>
+                      </a:solidFill>
+                      <a:prstDash val="solid"/>
+                      <a:round/>
+                      <a:headEnd type="none" w="med" len="med"/>
+                      <a:tailEnd type="none" w="med" len="med"/>
+                    </a:lnR>
+                    <a:lnT w="12700" cap="flat" cmpd="sng" algn="ctr">
+                      <a:solidFill>
+                        <a:schemeClr val="tx1"/>
+                      </a:solidFill>
+                      <a:prstDash val="solid"/>
+                      <a:round/>
+                      <a:headEnd type="none" w="med" len="med"/>
+                      <a:tailEnd type="none" w="med" len="med"/>
+                    </a:lnT>
+                    <a:lnB w="12700" cap="flat" cmpd="sng" algn="ctr">
+                      <a:solidFill>
+                        <a:schemeClr val="tx1"/>
+                      </a:solidFill>
+                      <a:prstDash val="solid"/>
+                      <a:round/>
+                      <a:headEnd type="none" w="med" len="med"/>
+                      <a:tailEnd type="none" w="med" len="med"/>
+                    </a:lnB>
+                  </a:tcPr>
+                </a:tc>
+                <a:tc>
+                  <a:txBody>
+                    <a:bodyPr/>
+                    <a:lstStyle/>
+                    <a:p>
+                      <a:pPr algn="ctr"/>
+                      <a:r>
+                        <a:rPr lang="en-US" dirty="0" smtClean="0"/>
+                        <a:t>0.571</a:t>
+                      </a:r>
+                      <a:endParaRPr lang="en-US" dirty="0"/>
+                    </a:p>
+                  </a:txBody>
+                  <a:tcPr>
+                    <a:lnL w="12700" cap="flat" cmpd="sng" algn="ctr">
+                      <a:solidFill>
+                        <a:schemeClr val="tx1"/>
+                      </a:solidFill>
+                      <a:prstDash val="solid"/>
+                      <a:round/>
+                      <a:headEnd type="none" w="med" len="med"/>
+                      <a:tailEnd type="none" w="med" len="med"/>
+                    </a:lnL>
+                    <a:lnR w="12700" cap="flat" cmpd="sng" algn="ctr">
+                      <a:solidFill>
+                        <a:schemeClr val="tx1"/>
+                      </a:solidFill>
+                      <a:prstDash val="solid"/>
+                      <a:round/>
+                      <a:headEnd type="none" w="med" len="med"/>
+                      <a:tailEnd type="none" w="med" len="med"/>
+                    </a:lnR>
+                    <a:lnT w="12700" cap="flat" cmpd="sng" algn="ctr">
+                      <a:solidFill>
+                        <a:schemeClr val="tx1"/>
+                      </a:solidFill>
+                      <a:prstDash val="solid"/>
+                      <a:round/>
+                      <a:headEnd type="none" w="med" len="med"/>
+                      <a:tailEnd type="none" w="med" len="med"/>
+                    </a:lnT>
+                    <a:lnB w="12700" cap="flat" cmpd="sng" algn="ctr">
+                      <a:solidFill>
+                        <a:schemeClr val="tx1"/>
+                      </a:solidFill>
+                      <a:prstDash val="solid"/>
+                      <a:round/>
+                      <a:headEnd type="none" w="med" len="med"/>
+                      <a:tailEnd type="none" w="med" len="med"/>
+                    </a:lnB>
+                  </a:tcPr>
+                </a:tc>
+                <a:tc>
+                  <a:txBody>
+                    <a:bodyPr/>
+                    <a:lstStyle/>
+                    <a:p>
+                      <a:pPr algn="ctr"/>
+                      <a:r>
+                        <a:rPr lang="en-US" dirty="0" smtClean="0"/>
+                        <a:t>0.557</a:t>
+                      </a:r>
+                      <a:endParaRPr lang="en-US" dirty="0"/>
+                    </a:p>
+                  </a:txBody>
+                  <a:tcPr>
+                    <a:lnL w="12700" cap="flat" cmpd="sng" algn="ctr">
+                      <a:solidFill>
+                        <a:schemeClr val="tx1"/>
+                      </a:solidFill>
+                      <a:prstDash val="solid"/>
+                      <a:round/>
+                      <a:headEnd type="none" w="med" len="med"/>
+                      <a:tailEnd type="none" w="med" len="med"/>
+                    </a:lnL>
+                    <a:lnR w="12700" cap="flat" cmpd="sng" algn="ctr">
+                      <a:solidFill>
+                        <a:schemeClr val="tx1"/>
+                      </a:solidFill>
+                      <a:prstDash val="solid"/>
+                      <a:round/>
+                      <a:headEnd type="none" w="med" len="med"/>
+                      <a:tailEnd type="none" w="med" len="med"/>
+                    </a:lnR>
+                    <a:lnT w="12700" cap="flat" cmpd="sng" algn="ctr">
+                      <a:solidFill>
+                        <a:schemeClr val="tx1"/>
+                      </a:solidFill>
+                      <a:prstDash val="solid"/>
+                      <a:round/>
+                      <a:headEnd type="none" w="med" len="med"/>
+                      <a:tailEnd type="none" w="med" len="med"/>
+                    </a:lnT>
+                    <a:lnB w="12700" cap="flat" cmpd="sng" algn="ctr">
+                      <a:solidFill>
+                        <a:schemeClr val="tx1"/>
+                      </a:solidFill>
+                      <a:prstDash val="solid"/>
+                      <a:round/>
+                      <a:headEnd type="none" w="med" len="med"/>
+                      <a:tailEnd type="none" w="med" len="med"/>
+                    </a:lnB>
+                  </a:tcPr>
+                </a:tc>
+              </a:tr>
             </a:tbl>
           </a:graphicData>
         </a:graphic>
       </p:graphicFrame>
+      <p:pic>
+        <p:nvPicPr>
+          <p:cNvPr id="4" name="Picture 3"/>
+          <p:cNvPicPr>
+            <a:picLocks noChangeAspect="1"/>
+          </p:cNvPicPr>
+          <p:nvPr/>
+        </p:nvPicPr>
+        <p:blipFill>
+          <a:blip r:embed="rId2"/>
+          <a:stretch>
+            <a:fillRect/>
+          </a:stretch>
+        </p:blipFill>
+        <p:spPr>
+          <a:xfrm>
+            <a:off x="1755272" y="-539840"/>
+            <a:ext cx="8681456" cy="7937680"/>
+          </a:xfrm>
+          <a:prstGeom prst="rect">
+            <a:avLst/>
+          </a:prstGeom>
+        </p:spPr>
+      </p:pic>
     </p:spTree>
     <p:extLst>
       <p:ext uri="{BB962C8B-B14F-4D97-AF65-F5344CB8AC3E}">
